--- a/CMPE_255_Final_presentation.pptx
+++ b/CMPE_255_Final_presentation.pptx
@@ -1,47 +1,54 @@
 
 <file path=ppt/presentation.xml><?xml version="1.0" encoding="utf-8"?>
-<p:presentation xmlns:a="http://schemas.openxmlformats.org/drawingml/2006/main" xmlns:r="http://schemas.openxmlformats.org/officeDocument/2006/relationships" xmlns:mc="http://schemas.openxmlformats.org/markup-compatibility/2006" xmlns:mv="urn:schemas-microsoft-com:mac:vml" xmlns:p="http://schemas.openxmlformats.org/presentationml/2006/main" xmlns:c="http://schemas.openxmlformats.org/drawingml/2006/chart" xmlns:dgm="http://schemas.openxmlformats.org/drawingml/2006/diagram" xmlns:o="urn:schemas-microsoft-com:office:office" xmlns:v="urn:schemas-microsoft-com:vml" xmlns:pvml="urn:schemas-microsoft-com:office:powerpoint" xmlns:com="http://schemas.openxmlformats.org/drawingml/2006/compatibility" xmlns:p14="http://schemas.microsoft.com/office/powerpoint/2010/main" xmlns:p15="http://schemas.microsoft.com/office/powerpoint/2012/main" xmlns:ahyp="http://schemas.microsoft.com/office/drawing/2018/hyperlinkcolor" autoCompressPictures="0" embedTrueTypeFonts="1" strictFirstAndLastChars="0" saveSubsetFonts="1">
+<p:presentation xmlns:a="http://schemas.openxmlformats.org/drawingml/2006/main" xmlns:r="http://schemas.openxmlformats.org/officeDocument/2006/relationships" xmlns:p="http://schemas.openxmlformats.org/presentationml/2006/main" strictFirstAndLastChars="0" embedTrueTypeFonts="1" saveSubsetFonts="1" autoCompressPictures="0">
   <p:sldMasterIdLst>
-    <p:sldMasterId id="2147483648" r:id="rId3"/>
+    <p:sldMasterId id="2147483648" r:id="rId1"/>
   </p:sldMasterIdLst>
   <p:notesMasterIdLst>
-    <p:notesMasterId r:id="rId4"/>
+    <p:notesMasterId r:id="rId20"/>
   </p:notesMasterIdLst>
   <p:sldIdLst>
-    <p:sldId id="256" r:id="rId5"/>
-    <p:sldId id="257" r:id="rId6"/>
-    <p:sldId id="258" r:id="rId7"/>
-    <p:sldId id="259" r:id="rId8"/>
-    <p:sldId id="260" r:id="rId9"/>
-    <p:sldId id="261" r:id="rId10"/>
-    <p:sldId id="262" r:id="rId11"/>
-    <p:sldId id="263" r:id="rId12"/>
-    <p:sldId id="264" r:id="rId13"/>
-    <p:sldId id="265" r:id="rId14"/>
-    <p:sldId id="266" r:id="rId15"/>
-    <p:sldId id="267" r:id="rId16"/>
-    <p:sldId id="268" r:id="rId17"/>
-    <p:sldId id="269" r:id="rId18"/>
-    <p:sldId id="270" r:id="rId19"/>
-    <p:sldId id="271" r:id="rId20"/>
-    <p:sldId id="272" r:id="rId21"/>
-    <p:sldId id="273" r:id="rId22"/>
+    <p:sldId id="256" r:id="rId2"/>
+    <p:sldId id="257" r:id="rId3"/>
+    <p:sldId id="258" r:id="rId4"/>
+    <p:sldId id="259" r:id="rId5"/>
+    <p:sldId id="260" r:id="rId6"/>
+    <p:sldId id="261" r:id="rId7"/>
+    <p:sldId id="262" r:id="rId8"/>
+    <p:sldId id="263" r:id="rId9"/>
+    <p:sldId id="264" r:id="rId10"/>
+    <p:sldId id="265" r:id="rId11"/>
+    <p:sldId id="266" r:id="rId12"/>
+    <p:sldId id="267" r:id="rId13"/>
+    <p:sldId id="268" r:id="rId14"/>
+    <p:sldId id="269" r:id="rId15"/>
+    <p:sldId id="270" r:id="rId16"/>
+    <p:sldId id="271" r:id="rId17"/>
+    <p:sldId id="272" r:id="rId18"/>
+    <p:sldId id="273" r:id="rId19"/>
   </p:sldIdLst>
-  <p:sldSz cy="6858000" cx="12192000"/>
+  <p:sldSz cx="12192000" cy="6858000"/>
   <p:notesSz cx="6858000" cy="9144000"/>
   <p:embeddedFontLst>
     <p:embeddedFont>
-      <p:font typeface="Average"/>
-      <p:regular r:id="rId23"/>
+      <p:font typeface="Average" panose="020B0604020202020204" charset="0"/>
+      <p:regular r:id="rId21"/>
     </p:embeddedFont>
     <p:embeddedFont>
-      <p:font typeface="Oswald"/>
-      <p:regular r:id="rId24"/>
-      <p:bold r:id="rId25"/>
+      <p:font typeface="Century Gothic" panose="020B0502020202020204" pitchFamily="34" charset="0"/>
+      <p:regular r:id="rId22"/>
+      <p:bold r:id="rId23"/>
+      <p:italic r:id="rId24"/>
+      <p:boldItalic r:id="rId25"/>
+    </p:embeddedFont>
+    <p:embeddedFont>
+      <p:font typeface="Oswald" panose="00000500000000000000" pitchFamily="2" charset="0"/>
+      <p:regular r:id="rId26"/>
+      <p:bold r:id="rId27"/>
     </p:embeddedFont>
   </p:embeddedFontLst>
   <p:defaultTextStyle>
-    <a:defPPr lvl="0" marR="0" rtl="0" algn="l">
+    <a:defPPr marR="0" lvl="0" algn="l" rtl="0">
       <a:lnSpc>
         <a:spcPct val="100000"/>
       </a:lnSpc>
@@ -52,7 +59,7 @@
         <a:spcPts val="0"/>
       </a:spcAft>
     </a:defPPr>
-    <a:lvl1pPr lvl="0" marR="0" rtl="0" algn="l">
+    <a:lvl1pPr marR="0" lvl="0" algn="l" rtl="0">
       <a:lnSpc>
         <a:spcPct val="100000"/>
       </a:lnSpc>
@@ -66,7 +73,7 @@
         <a:srgbClr val="000000"/>
       </a:buClr>
       <a:buFont typeface="Arial"/>
-      <a:defRPr b="0" i="0" sz="1400" u="none" cap="none" strike="noStrike">
+      <a:defRPr sz="1400" b="0" i="0" u="none" strike="noStrike" cap="none">
         <a:solidFill>
           <a:srgbClr val="000000"/>
         </a:solidFill>
@@ -76,7 +83,7 @@
         <a:sym typeface="Arial"/>
       </a:defRPr>
     </a:lvl1pPr>
-    <a:lvl2pPr lvl="1" marR="0" rtl="0" algn="l">
+    <a:lvl2pPr marR="0" lvl="1" algn="l" rtl="0">
       <a:lnSpc>
         <a:spcPct val="100000"/>
       </a:lnSpc>
@@ -90,7 +97,7 @@
         <a:srgbClr val="000000"/>
       </a:buClr>
       <a:buFont typeface="Arial"/>
-      <a:defRPr b="0" i="0" sz="1400" u="none" cap="none" strike="noStrike">
+      <a:defRPr sz="1400" b="0" i="0" u="none" strike="noStrike" cap="none">
         <a:solidFill>
           <a:srgbClr val="000000"/>
         </a:solidFill>
@@ -100,7 +107,7 @@
         <a:sym typeface="Arial"/>
       </a:defRPr>
     </a:lvl2pPr>
-    <a:lvl3pPr lvl="2" marR="0" rtl="0" algn="l">
+    <a:lvl3pPr marR="0" lvl="2" algn="l" rtl="0">
       <a:lnSpc>
         <a:spcPct val="100000"/>
       </a:lnSpc>
@@ -114,7 +121,7 @@
         <a:srgbClr val="000000"/>
       </a:buClr>
       <a:buFont typeface="Arial"/>
-      <a:defRPr b="0" i="0" sz="1400" u="none" cap="none" strike="noStrike">
+      <a:defRPr sz="1400" b="0" i="0" u="none" strike="noStrike" cap="none">
         <a:solidFill>
           <a:srgbClr val="000000"/>
         </a:solidFill>
@@ -124,7 +131,7 @@
         <a:sym typeface="Arial"/>
       </a:defRPr>
     </a:lvl3pPr>
-    <a:lvl4pPr lvl="3" marR="0" rtl="0" algn="l">
+    <a:lvl4pPr marR="0" lvl="3" algn="l" rtl="0">
       <a:lnSpc>
         <a:spcPct val="100000"/>
       </a:lnSpc>
@@ -138,7 +145,7 @@
         <a:srgbClr val="000000"/>
       </a:buClr>
       <a:buFont typeface="Arial"/>
-      <a:defRPr b="0" i="0" sz="1400" u="none" cap="none" strike="noStrike">
+      <a:defRPr sz="1400" b="0" i="0" u="none" strike="noStrike" cap="none">
         <a:solidFill>
           <a:srgbClr val="000000"/>
         </a:solidFill>
@@ -148,7 +155,7 @@
         <a:sym typeface="Arial"/>
       </a:defRPr>
     </a:lvl4pPr>
-    <a:lvl5pPr lvl="4" marR="0" rtl="0" algn="l">
+    <a:lvl5pPr marR="0" lvl="4" algn="l" rtl="0">
       <a:lnSpc>
         <a:spcPct val="100000"/>
       </a:lnSpc>
@@ -162,7 +169,7 @@
         <a:srgbClr val="000000"/>
       </a:buClr>
       <a:buFont typeface="Arial"/>
-      <a:defRPr b="0" i="0" sz="1400" u="none" cap="none" strike="noStrike">
+      <a:defRPr sz="1400" b="0" i="0" u="none" strike="noStrike" cap="none">
         <a:solidFill>
           <a:srgbClr val="000000"/>
         </a:solidFill>
@@ -172,7 +179,7 @@
         <a:sym typeface="Arial"/>
       </a:defRPr>
     </a:lvl5pPr>
-    <a:lvl6pPr lvl="5" marR="0" rtl="0" algn="l">
+    <a:lvl6pPr marR="0" lvl="5" algn="l" rtl="0">
       <a:lnSpc>
         <a:spcPct val="100000"/>
       </a:lnSpc>
@@ -186,7 +193,7 @@
         <a:srgbClr val="000000"/>
       </a:buClr>
       <a:buFont typeface="Arial"/>
-      <a:defRPr b="0" i="0" sz="1400" u="none" cap="none" strike="noStrike">
+      <a:defRPr sz="1400" b="0" i="0" u="none" strike="noStrike" cap="none">
         <a:solidFill>
           <a:srgbClr val="000000"/>
         </a:solidFill>
@@ -196,7 +203,7 @@
         <a:sym typeface="Arial"/>
       </a:defRPr>
     </a:lvl6pPr>
-    <a:lvl7pPr lvl="6" marR="0" rtl="0" algn="l">
+    <a:lvl7pPr marR="0" lvl="6" algn="l" rtl="0">
       <a:lnSpc>
         <a:spcPct val="100000"/>
       </a:lnSpc>
@@ -210,7 +217,7 @@
         <a:srgbClr val="000000"/>
       </a:buClr>
       <a:buFont typeface="Arial"/>
-      <a:defRPr b="0" i="0" sz="1400" u="none" cap="none" strike="noStrike">
+      <a:defRPr sz="1400" b="0" i="0" u="none" strike="noStrike" cap="none">
         <a:solidFill>
           <a:srgbClr val="000000"/>
         </a:solidFill>
@@ -220,7 +227,7 @@
         <a:sym typeface="Arial"/>
       </a:defRPr>
     </a:lvl7pPr>
-    <a:lvl8pPr lvl="7" marR="0" rtl="0" algn="l">
+    <a:lvl8pPr marR="0" lvl="7" algn="l" rtl="0">
       <a:lnSpc>
         <a:spcPct val="100000"/>
       </a:lnSpc>
@@ -234,7 +241,7 @@
         <a:srgbClr val="000000"/>
       </a:buClr>
       <a:buFont typeface="Arial"/>
-      <a:defRPr b="0" i="0" sz="1400" u="none" cap="none" strike="noStrike">
+      <a:defRPr sz="1400" b="0" i="0" u="none" strike="noStrike" cap="none">
         <a:solidFill>
           <a:srgbClr val="000000"/>
         </a:solidFill>
@@ -244,7 +251,7 @@
         <a:sym typeface="Arial"/>
       </a:defRPr>
     </a:lvl8pPr>
-    <a:lvl9pPr lvl="8" marR="0" rtl="0" algn="l">
+    <a:lvl9pPr marR="0" lvl="8" algn="l" rtl="0">
       <a:lnSpc>
         <a:spcPct val="100000"/>
       </a:lnSpc>
@@ -258,7 +265,7 @@
         <a:srgbClr val="000000"/>
       </a:buClr>
       <a:buFont typeface="Arial"/>
-      <a:defRPr b="0" i="0" sz="1400" u="none" cap="none" strike="noStrike">
+      <a:defRPr sz="1400" b="0" i="0" u="none" strike="noStrike" cap="none">
         <a:solidFill>
           <a:srgbClr val="000000"/>
         </a:solidFill>
@@ -271,18 +278,290 @@
   </p:defaultTextStyle>
   <p:extLst>
     <p:ext uri="GoogleSlidesCustomDataVersion2">
-      <go:slidesCustomData xmlns:go="http://customooxmlschemas.google.com/" r:id="rId26" roundtripDataSignature="AMtx7mhN/C/ChzOeRB+CVuyYSsJs48fdWQ=="/>
+      <go:slidesCustomData xmlns:go="http://customooxmlschemas.google.com/" xmlns:ahyp="http://schemas.microsoft.com/office/drawing/2018/hyperlinkcolor" xmlns:p15="http://schemas.microsoft.com/office/powerpoint/2012/main" xmlns:p14="http://schemas.microsoft.com/office/powerpoint/2010/main" xmlns:com="http://schemas.openxmlformats.org/drawingml/2006/compatibility" xmlns:pvml="urn:schemas-microsoft-com:office:powerpoint" xmlns:v="urn:schemas-microsoft-com:vml" xmlns:o="urn:schemas-microsoft-com:office:office" xmlns:dgm="http://schemas.openxmlformats.org/drawingml/2006/diagram" xmlns:c="http://schemas.openxmlformats.org/drawingml/2006/chart" xmlns:mv="urn:schemas-microsoft-com:mac:vml" xmlns:mc="http://schemas.openxmlformats.org/markup-compatibility/2006" xmlns="" r:id="rId28" roundtripDataSignature="AMtx7mhN/C/ChzOeRB+CVuyYSsJs48fdWQ=="/>
     </p:ext>
   </p:extLst>
 </p:presentation>
 </file>
 
+<file path=ppt/revisionInfo.xml><?xml version="1.0" encoding="utf-8"?>
+<p1510:revInfo xmlns:a="http://schemas.openxmlformats.org/drawingml/2006/main" xmlns:r="http://schemas.openxmlformats.org/officeDocument/2006/relationships" xmlns:p1510="http://schemas.microsoft.com/office/powerpoint/2015/10/main">
+  <p1510:revLst>
+    <p1510:client id="{F2F98E75-C3D8-4CDF-9BC5-DD631AD9FD61}" v="10" dt="2024-11-23T11:48:16.561"/>
+  </p1510:revLst>
+</p1510:revInfo>
+</file>
+
+<file path=ppt/changesInfos/changesInfo1.xml><?xml version="1.0" encoding="utf-8"?>
+<pc:chgInfo xmlns:a="http://schemas.openxmlformats.org/drawingml/2006/main" xmlns:r="http://schemas.openxmlformats.org/officeDocument/2006/relationships" xmlns:ac="http://schemas.microsoft.com/office/drawing/2013/main/command" xmlns:pc="http://schemas.microsoft.com/office/powerpoint/2013/main/command">
+  <pc:docChgLst>
+    <pc:chgData name="vivek ponnala" userId="d364241ca342864f" providerId="LiveId" clId="{F2F98E75-C3D8-4CDF-9BC5-DD631AD9FD61}"/>
+    <pc:docChg chg="custSel modSld modMainMaster">
+      <pc:chgData name="vivek ponnala" userId="d364241ca342864f" providerId="LiveId" clId="{F2F98E75-C3D8-4CDF-9BC5-DD631AD9FD61}" dt="2024-11-23T11:48:16.561" v="12"/>
+      <pc:docMkLst>
+        <pc:docMk/>
+      </pc:docMkLst>
+      <pc:sldChg chg="modTransition">
+        <pc:chgData name="vivek ponnala" userId="d364241ca342864f" providerId="LiveId" clId="{F2F98E75-C3D8-4CDF-9BC5-DD631AD9FD61}" dt="2024-11-23T11:48:16.561" v="12"/>
+        <pc:sldMkLst>
+          <pc:docMk/>
+          <pc:sldMk cId="0" sldId="256"/>
+        </pc:sldMkLst>
+      </pc:sldChg>
+      <pc:sldChg chg="modTransition">
+        <pc:chgData name="vivek ponnala" userId="d364241ca342864f" providerId="LiveId" clId="{F2F98E75-C3D8-4CDF-9BC5-DD631AD9FD61}" dt="2024-11-23T11:48:16.561" v="12"/>
+        <pc:sldMkLst>
+          <pc:docMk/>
+          <pc:sldMk cId="0" sldId="257"/>
+        </pc:sldMkLst>
+      </pc:sldChg>
+      <pc:sldChg chg="modTransition">
+        <pc:chgData name="vivek ponnala" userId="d364241ca342864f" providerId="LiveId" clId="{F2F98E75-C3D8-4CDF-9BC5-DD631AD9FD61}" dt="2024-11-23T11:48:16.561" v="12"/>
+        <pc:sldMkLst>
+          <pc:docMk/>
+          <pc:sldMk cId="0" sldId="258"/>
+        </pc:sldMkLst>
+      </pc:sldChg>
+      <pc:sldChg chg="modTransition">
+        <pc:chgData name="vivek ponnala" userId="d364241ca342864f" providerId="LiveId" clId="{F2F98E75-C3D8-4CDF-9BC5-DD631AD9FD61}" dt="2024-11-23T11:48:16.561" v="12"/>
+        <pc:sldMkLst>
+          <pc:docMk/>
+          <pc:sldMk cId="0" sldId="259"/>
+        </pc:sldMkLst>
+      </pc:sldChg>
+      <pc:sldChg chg="modTransition">
+        <pc:chgData name="vivek ponnala" userId="d364241ca342864f" providerId="LiveId" clId="{F2F98E75-C3D8-4CDF-9BC5-DD631AD9FD61}" dt="2024-11-23T11:48:16.561" v="12"/>
+        <pc:sldMkLst>
+          <pc:docMk/>
+          <pc:sldMk cId="0" sldId="260"/>
+        </pc:sldMkLst>
+      </pc:sldChg>
+      <pc:sldChg chg="modTransition">
+        <pc:chgData name="vivek ponnala" userId="d364241ca342864f" providerId="LiveId" clId="{F2F98E75-C3D8-4CDF-9BC5-DD631AD9FD61}" dt="2024-11-23T11:48:16.561" v="12"/>
+        <pc:sldMkLst>
+          <pc:docMk/>
+          <pc:sldMk cId="0" sldId="261"/>
+        </pc:sldMkLst>
+      </pc:sldChg>
+      <pc:sldChg chg="modSp mod modTransition">
+        <pc:chgData name="vivek ponnala" userId="d364241ca342864f" providerId="LiveId" clId="{F2F98E75-C3D8-4CDF-9BC5-DD631AD9FD61}" dt="2024-11-23T11:48:16.561" v="12"/>
+        <pc:sldMkLst>
+          <pc:docMk/>
+          <pc:sldMk cId="0" sldId="262"/>
+        </pc:sldMkLst>
+        <pc:spChg chg="mod">
+          <ac:chgData name="vivek ponnala" userId="d364241ca342864f" providerId="LiveId" clId="{F2F98E75-C3D8-4CDF-9BC5-DD631AD9FD61}" dt="2024-11-23T11:47:54.652" v="1" actId="27636"/>
+          <ac:spMkLst>
+            <pc:docMk/>
+            <pc:sldMk cId="0" sldId="262"/>
+            <ac:spMk id="99" creationId="{00000000-0000-0000-0000-000000000000}"/>
+          </ac:spMkLst>
+        </pc:spChg>
+      </pc:sldChg>
+      <pc:sldChg chg="modSp mod modTransition">
+        <pc:chgData name="vivek ponnala" userId="d364241ca342864f" providerId="LiveId" clId="{F2F98E75-C3D8-4CDF-9BC5-DD631AD9FD61}" dt="2024-11-23T11:48:16.561" v="12"/>
+        <pc:sldMkLst>
+          <pc:docMk/>
+          <pc:sldMk cId="0" sldId="263"/>
+        </pc:sldMkLst>
+        <pc:spChg chg="mod">
+          <ac:chgData name="vivek ponnala" userId="d364241ca342864f" providerId="LiveId" clId="{F2F98E75-C3D8-4CDF-9BC5-DD631AD9FD61}" dt="2024-11-23T11:47:54.661" v="2" actId="27636"/>
+          <ac:spMkLst>
+            <pc:docMk/>
+            <pc:sldMk cId="0" sldId="263"/>
+            <ac:spMk id="105" creationId="{00000000-0000-0000-0000-000000000000}"/>
+          </ac:spMkLst>
+        </pc:spChg>
+      </pc:sldChg>
+      <pc:sldChg chg="modSp mod modTransition">
+        <pc:chgData name="vivek ponnala" userId="d364241ca342864f" providerId="LiveId" clId="{F2F98E75-C3D8-4CDF-9BC5-DD631AD9FD61}" dt="2024-11-23T11:48:16.561" v="12"/>
+        <pc:sldMkLst>
+          <pc:docMk/>
+          <pc:sldMk cId="0" sldId="264"/>
+        </pc:sldMkLst>
+        <pc:spChg chg="mod">
+          <ac:chgData name="vivek ponnala" userId="d364241ca342864f" providerId="LiveId" clId="{F2F98E75-C3D8-4CDF-9BC5-DD631AD9FD61}" dt="2024-11-23T11:47:54.673" v="3" actId="27636"/>
+          <ac:spMkLst>
+            <pc:docMk/>
+            <pc:sldMk cId="0" sldId="264"/>
+            <ac:spMk id="111" creationId="{00000000-0000-0000-0000-000000000000}"/>
+          </ac:spMkLst>
+        </pc:spChg>
+      </pc:sldChg>
+      <pc:sldChg chg="modTransition">
+        <pc:chgData name="vivek ponnala" userId="d364241ca342864f" providerId="LiveId" clId="{F2F98E75-C3D8-4CDF-9BC5-DD631AD9FD61}" dt="2024-11-23T11:48:16.561" v="12"/>
+        <pc:sldMkLst>
+          <pc:docMk/>
+          <pc:sldMk cId="0" sldId="265"/>
+        </pc:sldMkLst>
+      </pc:sldChg>
+      <pc:sldChg chg="modTransition">
+        <pc:chgData name="vivek ponnala" userId="d364241ca342864f" providerId="LiveId" clId="{F2F98E75-C3D8-4CDF-9BC5-DD631AD9FD61}" dt="2024-11-23T11:48:16.561" v="12"/>
+        <pc:sldMkLst>
+          <pc:docMk/>
+          <pc:sldMk cId="0" sldId="266"/>
+        </pc:sldMkLst>
+      </pc:sldChg>
+      <pc:sldChg chg="modTransition">
+        <pc:chgData name="vivek ponnala" userId="d364241ca342864f" providerId="LiveId" clId="{F2F98E75-C3D8-4CDF-9BC5-DD631AD9FD61}" dt="2024-11-23T11:48:16.561" v="12"/>
+        <pc:sldMkLst>
+          <pc:docMk/>
+          <pc:sldMk cId="0" sldId="267"/>
+        </pc:sldMkLst>
+      </pc:sldChg>
+      <pc:sldChg chg="modTransition">
+        <pc:chgData name="vivek ponnala" userId="d364241ca342864f" providerId="LiveId" clId="{F2F98E75-C3D8-4CDF-9BC5-DD631AD9FD61}" dt="2024-11-23T11:48:16.561" v="12"/>
+        <pc:sldMkLst>
+          <pc:docMk/>
+          <pc:sldMk cId="0" sldId="268"/>
+        </pc:sldMkLst>
+      </pc:sldChg>
+      <pc:sldChg chg="modTransition">
+        <pc:chgData name="vivek ponnala" userId="d364241ca342864f" providerId="LiveId" clId="{F2F98E75-C3D8-4CDF-9BC5-DD631AD9FD61}" dt="2024-11-23T11:48:16.561" v="12"/>
+        <pc:sldMkLst>
+          <pc:docMk/>
+          <pc:sldMk cId="0" sldId="269"/>
+        </pc:sldMkLst>
+      </pc:sldChg>
+      <pc:sldChg chg="modTransition">
+        <pc:chgData name="vivek ponnala" userId="d364241ca342864f" providerId="LiveId" clId="{F2F98E75-C3D8-4CDF-9BC5-DD631AD9FD61}" dt="2024-11-23T11:48:16.561" v="12"/>
+        <pc:sldMkLst>
+          <pc:docMk/>
+          <pc:sldMk cId="0" sldId="270"/>
+        </pc:sldMkLst>
+      </pc:sldChg>
+      <pc:sldChg chg="modTransition">
+        <pc:chgData name="vivek ponnala" userId="d364241ca342864f" providerId="LiveId" clId="{F2F98E75-C3D8-4CDF-9BC5-DD631AD9FD61}" dt="2024-11-23T11:48:16.561" v="12"/>
+        <pc:sldMkLst>
+          <pc:docMk/>
+          <pc:sldMk cId="0" sldId="271"/>
+        </pc:sldMkLst>
+      </pc:sldChg>
+      <pc:sldChg chg="modTransition">
+        <pc:chgData name="vivek ponnala" userId="d364241ca342864f" providerId="LiveId" clId="{F2F98E75-C3D8-4CDF-9BC5-DD631AD9FD61}" dt="2024-11-23T11:48:16.561" v="12"/>
+        <pc:sldMkLst>
+          <pc:docMk/>
+          <pc:sldMk cId="0" sldId="272"/>
+        </pc:sldMkLst>
+      </pc:sldChg>
+      <pc:sldChg chg="modTransition">
+        <pc:chgData name="vivek ponnala" userId="d364241ca342864f" providerId="LiveId" clId="{F2F98E75-C3D8-4CDF-9BC5-DD631AD9FD61}" dt="2024-11-23T11:48:16.561" v="12"/>
+        <pc:sldMkLst>
+          <pc:docMk/>
+          <pc:sldMk cId="0" sldId="273"/>
+        </pc:sldMkLst>
+      </pc:sldChg>
+      <pc:sldMasterChg chg="modTransition modSldLayout">
+        <pc:chgData name="vivek ponnala" userId="d364241ca342864f" providerId="LiveId" clId="{F2F98E75-C3D8-4CDF-9BC5-DD631AD9FD61}" dt="2024-11-23T11:48:16.561" v="12"/>
+        <pc:sldMasterMkLst>
+          <pc:docMk/>
+          <pc:sldMasterMk cId="0" sldId="2147483648"/>
+        </pc:sldMasterMkLst>
+        <pc:sldLayoutChg chg="modTransition">
+          <pc:chgData name="vivek ponnala" userId="d364241ca342864f" providerId="LiveId" clId="{F2F98E75-C3D8-4CDF-9BC5-DD631AD9FD61}" dt="2024-11-23T11:48:16.561" v="12"/>
+          <pc:sldLayoutMkLst>
+            <pc:docMk/>
+            <pc:sldMasterMk cId="0" sldId="2147483648"/>
+            <pc:sldLayoutMk cId="0" sldId="2147483649"/>
+          </pc:sldLayoutMkLst>
+        </pc:sldLayoutChg>
+        <pc:sldLayoutChg chg="modTransition">
+          <pc:chgData name="vivek ponnala" userId="d364241ca342864f" providerId="LiveId" clId="{F2F98E75-C3D8-4CDF-9BC5-DD631AD9FD61}" dt="2024-11-23T11:48:16.561" v="12"/>
+          <pc:sldLayoutMkLst>
+            <pc:docMk/>
+            <pc:sldMasterMk cId="0" sldId="2147483648"/>
+            <pc:sldLayoutMk cId="0" sldId="2147483650"/>
+          </pc:sldLayoutMkLst>
+        </pc:sldLayoutChg>
+        <pc:sldLayoutChg chg="modTransition">
+          <pc:chgData name="vivek ponnala" userId="d364241ca342864f" providerId="LiveId" clId="{F2F98E75-C3D8-4CDF-9BC5-DD631AD9FD61}" dt="2024-11-23T11:48:16.561" v="12"/>
+          <pc:sldLayoutMkLst>
+            <pc:docMk/>
+            <pc:sldMasterMk cId="0" sldId="2147483648"/>
+            <pc:sldLayoutMk cId="0" sldId="2147483651"/>
+          </pc:sldLayoutMkLst>
+        </pc:sldLayoutChg>
+        <pc:sldLayoutChg chg="modTransition">
+          <pc:chgData name="vivek ponnala" userId="d364241ca342864f" providerId="LiveId" clId="{F2F98E75-C3D8-4CDF-9BC5-DD631AD9FD61}" dt="2024-11-23T11:48:16.561" v="12"/>
+          <pc:sldLayoutMkLst>
+            <pc:docMk/>
+            <pc:sldMasterMk cId="0" sldId="2147483648"/>
+            <pc:sldLayoutMk cId="0" sldId="2147483652"/>
+          </pc:sldLayoutMkLst>
+        </pc:sldLayoutChg>
+        <pc:sldLayoutChg chg="modTransition">
+          <pc:chgData name="vivek ponnala" userId="d364241ca342864f" providerId="LiveId" clId="{F2F98E75-C3D8-4CDF-9BC5-DD631AD9FD61}" dt="2024-11-23T11:48:16.561" v="12"/>
+          <pc:sldLayoutMkLst>
+            <pc:docMk/>
+            <pc:sldMasterMk cId="0" sldId="2147483648"/>
+            <pc:sldLayoutMk cId="0" sldId="2147483653"/>
+          </pc:sldLayoutMkLst>
+        </pc:sldLayoutChg>
+        <pc:sldLayoutChg chg="modTransition">
+          <pc:chgData name="vivek ponnala" userId="d364241ca342864f" providerId="LiveId" clId="{F2F98E75-C3D8-4CDF-9BC5-DD631AD9FD61}" dt="2024-11-23T11:48:16.561" v="12"/>
+          <pc:sldLayoutMkLst>
+            <pc:docMk/>
+            <pc:sldMasterMk cId="0" sldId="2147483648"/>
+            <pc:sldLayoutMk cId="0" sldId="2147483654"/>
+          </pc:sldLayoutMkLst>
+        </pc:sldLayoutChg>
+        <pc:sldLayoutChg chg="modTransition">
+          <pc:chgData name="vivek ponnala" userId="d364241ca342864f" providerId="LiveId" clId="{F2F98E75-C3D8-4CDF-9BC5-DD631AD9FD61}" dt="2024-11-23T11:48:16.561" v="12"/>
+          <pc:sldLayoutMkLst>
+            <pc:docMk/>
+            <pc:sldMasterMk cId="0" sldId="2147483648"/>
+            <pc:sldLayoutMk cId="0" sldId="2147483655"/>
+          </pc:sldLayoutMkLst>
+        </pc:sldLayoutChg>
+        <pc:sldLayoutChg chg="modTransition">
+          <pc:chgData name="vivek ponnala" userId="d364241ca342864f" providerId="LiveId" clId="{F2F98E75-C3D8-4CDF-9BC5-DD631AD9FD61}" dt="2024-11-23T11:48:16.561" v="12"/>
+          <pc:sldLayoutMkLst>
+            <pc:docMk/>
+            <pc:sldMasterMk cId="0" sldId="2147483648"/>
+            <pc:sldLayoutMk cId="0" sldId="2147483656"/>
+          </pc:sldLayoutMkLst>
+        </pc:sldLayoutChg>
+        <pc:sldLayoutChg chg="modTransition">
+          <pc:chgData name="vivek ponnala" userId="d364241ca342864f" providerId="LiveId" clId="{F2F98E75-C3D8-4CDF-9BC5-DD631AD9FD61}" dt="2024-11-23T11:48:16.561" v="12"/>
+          <pc:sldLayoutMkLst>
+            <pc:docMk/>
+            <pc:sldMasterMk cId="0" sldId="2147483648"/>
+            <pc:sldLayoutMk cId="0" sldId="2147483657"/>
+          </pc:sldLayoutMkLst>
+        </pc:sldLayoutChg>
+        <pc:sldLayoutChg chg="modTransition">
+          <pc:chgData name="vivek ponnala" userId="d364241ca342864f" providerId="LiveId" clId="{F2F98E75-C3D8-4CDF-9BC5-DD631AD9FD61}" dt="2024-11-23T11:48:16.561" v="12"/>
+          <pc:sldLayoutMkLst>
+            <pc:docMk/>
+            <pc:sldMasterMk cId="0" sldId="2147483648"/>
+            <pc:sldLayoutMk cId="0" sldId="2147483658"/>
+          </pc:sldLayoutMkLst>
+        </pc:sldLayoutChg>
+        <pc:sldLayoutChg chg="modTransition">
+          <pc:chgData name="vivek ponnala" userId="d364241ca342864f" providerId="LiveId" clId="{F2F98E75-C3D8-4CDF-9BC5-DD631AD9FD61}" dt="2024-11-23T11:48:16.561" v="12"/>
+          <pc:sldLayoutMkLst>
+            <pc:docMk/>
+            <pc:sldMasterMk cId="0" sldId="2147483648"/>
+            <pc:sldLayoutMk cId="0" sldId="2147483659"/>
+          </pc:sldLayoutMkLst>
+        </pc:sldLayoutChg>
+      </pc:sldMasterChg>
+    </pc:docChg>
+  </pc:docChgLst>
+</pc:chgInfo>
+</file>
+
 <file path=ppt/notesMasters/notesMaster1.xml><?xml version="1.0" encoding="utf-8"?>
-<p:notesMaster xmlns:a="http://schemas.openxmlformats.org/drawingml/2006/main" xmlns:r="http://schemas.openxmlformats.org/officeDocument/2006/relationships" xmlns:mc="http://schemas.openxmlformats.org/markup-compatibility/2006" xmlns:mv="urn:schemas-microsoft-com:mac:vml" xmlns:p="http://schemas.openxmlformats.org/presentationml/2006/main" xmlns:c="http://schemas.openxmlformats.org/drawingml/2006/chart" xmlns:dgm="http://schemas.openxmlformats.org/drawingml/2006/diagram" xmlns:o="urn:schemas-microsoft-com:office:office" xmlns:v="urn:schemas-microsoft-com:vml" xmlns:pvml="urn:schemas-microsoft-com:office:powerpoint" xmlns:com="http://schemas.openxmlformats.org/drawingml/2006/compatibility" xmlns:p14="http://schemas.microsoft.com/office/powerpoint/2010/main" xmlns:p15="http://schemas.microsoft.com/office/powerpoint/2012/main" xmlns:ahyp="http://schemas.microsoft.com/office/drawing/2018/hyperlinkcolor">
+<p:notesMaster xmlns:a="http://schemas.openxmlformats.org/drawingml/2006/main" xmlns:r="http://schemas.openxmlformats.org/officeDocument/2006/relationships" xmlns:p="http://schemas.openxmlformats.org/presentationml/2006/main">
   <p:cSld>
+    <p:bg>
+      <p:bgRef idx="1001">
+        <a:schemeClr val="bg1"/>
+      </p:bgRef>
+    </p:bg>
     <p:spTree>
       <p:nvGrpSpPr>
-        <p:cNvPr id="2" name="Shape 2"/>
+        <p:cNvPr id="1" name="Shape 2"/>
         <p:cNvGrpSpPr/>
         <p:nvPr/>
       </p:nvGrpSpPr>
@@ -297,9 +576,11 @@
       <p:sp>
         <p:nvSpPr>
           <p:cNvPr id="3" name="Google Shape;3;n"/>
-          <p:cNvSpPr/>
+          <p:cNvSpPr>
+            <a:spLocks noGrp="1" noRot="1" noChangeAspect="1"/>
+          </p:cNvSpPr>
           <p:nvPr>
-            <p:ph idx="2" type="sldImg"/>
+            <p:ph type="sldImg" idx="2"/>
           </p:nvPr>
         </p:nvSpPr>
         <p:spPr>
@@ -308,9 +589,13 @@
             <a:ext cx="4572225" cy="3429000"/>
           </a:xfrm>
           <a:custGeom>
-            <a:rect b="b" l="l" r="r" t="t"/>
+            <a:avLst/>
+            <a:gdLst/>
+            <a:ahLst/>
+            <a:cxnLst/>
+            <a:rect l="l" t="t" r="r" b="b"/>
             <a:pathLst>
-              <a:path extrusionOk="0" h="120000" w="120000">
+              <a:path w="120000" h="120000" extrusionOk="0">
                 <a:moveTo>
                   <a:pt x="0" y="0"/>
                 </a:moveTo>
@@ -328,23 +613,25 @@
             </a:pathLst>
           </a:custGeom>
           <a:noFill/>
-          <a:ln cap="flat" cmpd="sng" w="9525">
+          <a:ln w="9525" cap="flat" cmpd="sng">
             <a:solidFill>
               <a:srgbClr val="000000"/>
             </a:solidFill>
             <a:prstDash val="solid"/>
             <a:round/>
-            <a:headEnd len="sm" w="sm" type="none"/>
-            <a:tailEnd len="sm" w="sm" type="none"/>
+            <a:headEnd type="none" w="sm" len="sm"/>
+            <a:tailEnd type="none" w="sm" len="sm"/>
           </a:ln>
         </p:spPr>
       </p:sp>
       <p:sp>
         <p:nvSpPr>
           <p:cNvPr id="4" name="Google Shape;4;n"/>
-          <p:cNvSpPr txBox="1"/>
+          <p:cNvSpPr txBox="1">
+            <a:spLocks noGrp="1"/>
+          </p:cNvSpPr>
           <p:nvPr>
-            <p:ph idx="1" type="body"/>
+            <p:ph type="body" idx="1"/>
           </p:nvPr>
         </p:nvSpPr>
         <p:spPr>
@@ -361,11 +648,11 @@
           </a:ln>
         </p:spPr>
         <p:txBody>
-          <a:bodyPr anchorCtr="0" anchor="t" bIns="91425" lIns="91425" spcFirstLastPara="1" rIns="91425" wrap="square" tIns="91425">
+          <a:bodyPr spcFirstLastPara="1" wrap="square" lIns="91425" tIns="91425" rIns="91425" bIns="91425" anchor="t" anchorCtr="0">
             <a:noAutofit/>
           </a:bodyPr>
           <a:lstStyle>
-            <a:lvl1pPr indent="-298450" lvl="0" marL="457200">
+            <a:lvl1pPr marL="457200" lvl="0" indent="-298450">
               <a:spcBef>
                 <a:spcPts val="0"/>
               </a:spcBef>
@@ -376,7 +663,7 @@
               <a:buChar char="●"/>
               <a:defRPr sz="1100"/>
             </a:lvl1pPr>
-            <a:lvl2pPr indent="-298450" lvl="1" marL="914400">
+            <a:lvl2pPr marL="914400" lvl="1" indent="-298450">
               <a:spcBef>
                 <a:spcPts val="0"/>
               </a:spcBef>
@@ -387,7 +674,7 @@
               <a:buChar char="○"/>
               <a:defRPr sz="1100"/>
             </a:lvl2pPr>
-            <a:lvl3pPr indent="-298450" lvl="2" marL="1371600">
+            <a:lvl3pPr marL="1371600" lvl="2" indent="-298450">
               <a:spcBef>
                 <a:spcPts val="0"/>
               </a:spcBef>
@@ -398,7 +685,7 @@
               <a:buChar char="■"/>
               <a:defRPr sz="1100"/>
             </a:lvl3pPr>
-            <a:lvl4pPr indent="-298450" lvl="3" marL="1828800">
+            <a:lvl4pPr marL="1828800" lvl="3" indent="-298450">
               <a:spcBef>
                 <a:spcPts val="0"/>
               </a:spcBef>
@@ -409,7 +696,7 @@
               <a:buChar char="●"/>
               <a:defRPr sz="1100"/>
             </a:lvl4pPr>
-            <a:lvl5pPr indent="-298450" lvl="4" marL="2286000">
+            <a:lvl5pPr marL="2286000" lvl="4" indent="-298450">
               <a:spcBef>
                 <a:spcPts val="0"/>
               </a:spcBef>
@@ -420,7 +707,7 @@
               <a:buChar char="○"/>
               <a:defRPr sz="1100"/>
             </a:lvl5pPr>
-            <a:lvl6pPr indent="-298450" lvl="5" marL="2743200">
+            <a:lvl6pPr marL="2743200" lvl="5" indent="-298450">
               <a:spcBef>
                 <a:spcPts val="0"/>
               </a:spcBef>
@@ -431,7 +718,7 @@
               <a:buChar char="■"/>
               <a:defRPr sz="1100"/>
             </a:lvl6pPr>
-            <a:lvl7pPr indent="-298450" lvl="6" marL="3200400">
+            <a:lvl7pPr marL="3200400" lvl="6" indent="-298450">
               <a:spcBef>
                 <a:spcPts val="0"/>
               </a:spcBef>
@@ -442,7 +729,7 @@
               <a:buChar char="●"/>
               <a:defRPr sz="1100"/>
             </a:lvl7pPr>
-            <a:lvl8pPr indent="-298450" lvl="7" marL="3657600">
+            <a:lvl8pPr marL="3657600" lvl="7" indent="-298450">
               <a:spcBef>
                 <a:spcPts val="0"/>
               </a:spcBef>
@@ -453,7 +740,7 @@
               <a:buChar char="○"/>
               <a:defRPr sz="1100"/>
             </a:lvl8pPr>
-            <a:lvl9pPr indent="-298450" lvl="8" marL="4114800">
+            <a:lvl9pPr marL="4114800" lvl="8" indent="-298450">
               <a:spcBef>
                 <a:spcPts val="0"/>
               </a:spcBef>
@@ -465,14 +752,16 @@
               <a:defRPr sz="1100"/>
             </a:lvl9pPr>
           </a:lstStyle>
-          <a:p/>
+          <a:p>
+            <a:endParaRPr/>
+          </a:p>
         </p:txBody>
       </p:sp>
     </p:spTree>
   </p:cSld>
-  <p:clrMap accent1="accent1" accent2="accent2" accent3="accent3" accent4="accent4" accent5="accent5" accent6="accent6" bg1="lt1" bg2="dk2" tx1="dk1" tx2="lt2" folHlink="folHlink" hlink="hlink"/>
+  <p:clrMap bg1="lt1" tx1="dk1" bg2="dk2" tx2="lt2" accent1="accent1" accent2="accent2" accent3="accent3" accent4="accent4" accent5="accent5" accent6="accent6" hlink="hlink" folHlink="folHlink"/>
   <p:notesStyle>
-    <a:defPPr lvl="0" marR="0" rtl="0" algn="l">
+    <a:defPPr marR="0" lvl="0" algn="l" rtl="0">
       <a:lnSpc>
         <a:spcPct val="100000"/>
       </a:lnSpc>
@@ -483,7 +772,7 @@
         <a:spcPts val="0"/>
       </a:spcAft>
     </a:defPPr>
-    <a:lvl1pPr lvl="0" marR="0" rtl="0" algn="l">
+    <a:lvl1pPr marR="0" lvl="0" algn="l" rtl="0">
       <a:lnSpc>
         <a:spcPct val="100000"/>
       </a:lnSpc>
@@ -497,7 +786,7 @@
         <a:srgbClr val="000000"/>
       </a:buClr>
       <a:buFont typeface="Arial"/>
-      <a:defRPr b="0" i="0" sz="1400" u="none" cap="none" strike="noStrike">
+      <a:defRPr sz="1400" b="0" i="0" u="none" strike="noStrike" cap="none">
         <a:solidFill>
           <a:srgbClr val="000000"/>
         </a:solidFill>
@@ -507,7 +796,7 @@
         <a:sym typeface="Arial"/>
       </a:defRPr>
     </a:lvl1pPr>
-    <a:lvl2pPr lvl="1" marR="0" rtl="0" algn="l">
+    <a:lvl2pPr marR="0" lvl="1" algn="l" rtl="0">
       <a:lnSpc>
         <a:spcPct val="100000"/>
       </a:lnSpc>
@@ -521,7 +810,7 @@
         <a:srgbClr val="000000"/>
       </a:buClr>
       <a:buFont typeface="Arial"/>
-      <a:defRPr b="0" i="0" sz="1400" u="none" cap="none" strike="noStrike">
+      <a:defRPr sz="1400" b="0" i="0" u="none" strike="noStrike" cap="none">
         <a:solidFill>
           <a:srgbClr val="000000"/>
         </a:solidFill>
@@ -531,7 +820,7 @@
         <a:sym typeface="Arial"/>
       </a:defRPr>
     </a:lvl2pPr>
-    <a:lvl3pPr lvl="2" marR="0" rtl="0" algn="l">
+    <a:lvl3pPr marR="0" lvl="2" algn="l" rtl="0">
       <a:lnSpc>
         <a:spcPct val="100000"/>
       </a:lnSpc>
@@ -545,7 +834,7 @@
         <a:srgbClr val="000000"/>
       </a:buClr>
       <a:buFont typeface="Arial"/>
-      <a:defRPr b="0" i="0" sz="1400" u="none" cap="none" strike="noStrike">
+      <a:defRPr sz="1400" b="0" i="0" u="none" strike="noStrike" cap="none">
         <a:solidFill>
           <a:srgbClr val="000000"/>
         </a:solidFill>
@@ -555,7 +844,7 @@
         <a:sym typeface="Arial"/>
       </a:defRPr>
     </a:lvl3pPr>
-    <a:lvl4pPr lvl="3" marR="0" rtl="0" algn="l">
+    <a:lvl4pPr marR="0" lvl="3" algn="l" rtl="0">
       <a:lnSpc>
         <a:spcPct val="100000"/>
       </a:lnSpc>
@@ -569,7 +858,7 @@
         <a:srgbClr val="000000"/>
       </a:buClr>
       <a:buFont typeface="Arial"/>
-      <a:defRPr b="0" i="0" sz="1400" u="none" cap="none" strike="noStrike">
+      <a:defRPr sz="1400" b="0" i="0" u="none" strike="noStrike" cap="none">
         <a:solidFill>
           <a:srgbClr val="000000"/>
         </a:solidFill>
@@ -579,7 +868,7 @@
         <a:sym typeface="Arial"/>
       </a:defRPr>
     </a:lvl4pPr>
-    <a:lvl5pPr lvl="4" marR="0" rtl="0" algn="l">
+    <a:lvl5pPr marR="0" lvl="4" algn="l" rtl="0">
       <a:lnSpc>
         <a:spcPct val="100000"/>
       </a:lnSpc>
@@ -593,7 +882,7 @@
         <a:srgbClr val="000000"/>
       </a:buClr>
       <a:buFont typeface="Arial"/>
-      <a:defRPr b="0" i="0" sz="1400" u="none" cap="none" strike="noStrike">
+      <a:defRPr sz="1400" b="0" i="0" u="none" strike="noStrike" cap="none">
         <a:solidFill>
           <a:srgbClr val="000000"/>
         </a:solidFill>
@@ -603,7 +892,7 @@
         <a:sym typeface="Arial"/>
       </a:defRPr>
     </a:lvl5pPr>
-    <a:lvl6pPr lvl="5" marR="0" rtl="0" algn="l">
+    <a:lvl6pPr marR="0" lvl="5" algn="l" rtl="0">
       <a:lnSpc>
         <a:spcPct val="100000"/>
       </a:lnSpc>
@@ -617,7 +906,7 @@
         <a:srgbClr val="000000"/>
       </a:buClr>
       <a:buFont typeface="Arial"/>
-      <a:defRPr b="0" i="0" sz="1400" u="none" cap="none" strike="noStrike">
+      <a:defRPr sz="1400" b="0" i="0" u="none" strike="noStrike" cap="none">
         <a:solidFill>
           <a:srgbClr val="000000"/>
         </a:solidFill>
@@ -627,7 +916,7 @@
         <a:sym typeface="Arial"/>
       </a:defRPr>
     </a:lvl6pPr>
-    <a:lvl7pPr lvl="6" marR="0" rtl="0" algn="l">
+    <a:lvl7pPr marR="0" lvl="6" algn="l" rtl="0">
       <a:lnSpc>
         <a:spcPct val="100000"/>
       </a:lnSpc>
@@ -641,7 +930,7 @@
         <a:srgbClr val="000000"/>
       </a:buClr>
       <a:buFont typeface="Arial"/>
-      <a:defRPr b="0" i="0" sz="1400" u="none" cap="none" strike="noStrike">
+      <a:defRPr sz="1400" b="0" i="0" u="none" strike="noStrike" cap="none">
         <a:solidFill>
           <a:srgbClr val="000000"/>
         </a:solidFill>
@@ -651,7 +940,7 @@
         <a:sym typeface="Arial"/>
       </a:defRPr>
     </a:lvl7pPr>
-    <a:lvl8pPr lvl="7" marR="0" rtl="0" algn="l">
+    <a:lvl8pPr marR="0" lvl="7" algn="l" rtl="0">
       <a:lnSpc>
         <a:spcPct val="100000"/>
       </a:lnSpc>
@@ -665,7 +954,7 @@
         <a:srgbClr val="000000"/>
       </a:buClr>
       <a:buFont typeface="Arial"/>
-      <a:defRPr b="0" i="0" sz="1400" u="none" cap="none" strike="noStrike">
+      <a:defRPr sz="1400" b="0" i="0" u="none" strike="noStrike" cap="none">
         <a:solidFill>
           <a:srgbClr val="000000"/>
         </a:solidFill>
@@ -675,7 +964,7 @@
         <a:sym typeface="Arial"/>
       </a:defRPr>
     </a:lvl8pPr>
-    <a:lvl9pPr lvl="8" marR="0" rtl="0" algn="l">
+    <a:lvl9pPr marR="0" lvl="8" algn="l" rtl="0">
       <a:lnSpc>
         <a:spcPct val="100000"/>
       </a:lnSpc>
@@ -689,7 +978,7 @@
         <a:srgbClr val="000000"/>
       </a:buClr>
       <a:buFont typeface="Arial"/>
-      <a:defRPr b="0" i="0" sz="1400" u="none" cap="none" strike="noStrike">
+      <a:defRPr sz="1400" b="0" i="0" u="none" strike="noStrike" cap="none">
         <a:solidFill>
           <a:srgbClr val="000000"/>
         </a:solidFill>
@@ -704,11 +993,11 @@
 </file>
 
 <file path=ppt/notesSlides/notesSlide1.xml><?xml version="1.0" encoding="utf-8"?>
-<p:notes xmlns:a="http://schemas.openxmlformats.org/drawingml/2006/main" xmlns:r="http://schemas.openxmlformats.org/officeDocument/2006/relationships" xmlns:mc="http://schemas.openxmlformats.org/markup-compatibility/2006" xmlns:mv="urn:schemas-microsoft-com:mac:vml" xmlns:p="http://schemas.openxmlformats.org/presentationml/2006/main" xmlns:c="http://schemas.openxmlformats.org/drawingml/2006/chart" xmlns:dgm="http://schemas.openxmlformats.org/drawingml/2006/diagram" xmlns:o="urn:schemas-microsoft-com:office:office" xmlns:v="urn:schemas-microsoft-com:vml" xmlns:pvml="urn:schemas-microsoft-com:office:powerpoint" xmlns:com="http://schemas.openxmlformats.org/drawingml/2006/compatibility" xmlns:p14="http://schemas.microsoft.com/office/powerpoint/2010/main" xmlns:p15="http://schemas.microsoft.com/office/powerpoint/2012/main" xmlns:ahyp="http://schemas.microsoft.com/office/drawing/2018/hyperlinkcolor" showMasterPhAnim="0" showMasterSp="0">
+<p:notes xmlns:a="http://schemas.openxmlformats.org/drawingml/2006/main" xmlns:r="http://schemas.openxmlformats.org/officeDocument/2006/relationships" xmlns:p="http://schemas.openxmlformats.org/presentationml/2006/main" showMasterSp="0" showMasterPhAnim="0">
   <p:cSld>
     <p:spTree>
       <p:nvGrpSpPr>
-        <p:cNvPr id="55" name="Shape 55"/>
+        <p:cNvPr id="1" name="Shape 55"/>
         <p:cNvGrpSpPr/>
         <p:nvPr/>
       </p:nvGrpSpPr>
@@ -723,9 +1012,11 @@
       <p:sp>
         <p:nvSpPr>
           <p:cNvPr id="56" name="Google Shape;56;g313f73036cb_0_155:notes"/>
-          <p:cNvSpPr/>
+          <p:cNvSpPr>
+            <a:spLocks noGrp="1" noRot="1" noChangeAspect="1"/>
+          </p:cNvSpPr>
           <p:nvPr>
-            <p:ph idx="2" type="sldImg"/>
+            <p:ph type="sldImg" idx="2"/>
           </p:nvPr>
         </p:nvSpPr>
         <p:spPr>
@@ -734,9 +1025,13 @@
             <a:ext cx="4572300" cy="3429000"/>
           </a:xfrm>
           <a:custGeom>
-            <a:rect b="b" l="l" r="r" t="t"/>
+            <a:avLst/>
+            <a:gdLst/>
+            <a:ahLst/>
+            <a:cxnLst/>
+            <a:rect l="l" t="t" r="r" b="b"/>
             <a:pathLst>
-              <a:path extrusionOk="0" h="120000" w="120000">
+              <a:path w="120000" h="120000" extrusionOk="0">
                 <a:moveTo>
                   <a:pt x="0" y="0"/>
                 </a:moveTo>
@@ -758,9 +1053,11 @@
       <p:sp>
         <p:nvSpPr>
           <p:cNvPr id="57" name="Google Shape;57;g313f73036cb_0_155:notes"/>
-          <p:cNvSpPr txBox="1"/>
+          <p:cNvSpPr txBox="1">
+            <a:spLocks noGrp="1"/>
+          </p:cNvSpPr>
           <p:nvPr>
-            <p:ph idx="1" type="body"/>
+            <p:ph type="body" idx="1"/>
           </p:nvPr>
         </p:nvSpPr>
         <p:spPr>
@@ -773,23 +1070,20 @@
           </a:prstGeom>
         </p:spPr>
         <p:txBody>
-          <a:bodyPr anchorCtr="0" anchor="t" bIns="91425" lIns="91425" spcFirstLastPara="1" rIns="91425" wrap="square" tIns="91425">
+          <a:bodyPr spcFirstLastPara="1" wrap="square" lIns="91425" tIns="91425" rIns="91425" bIns="91425" anchor="t" anchorCtr="0">
             <a:noAutofit/>
           </a:bodyPr>
           <a:lstStyle/>
           <a:p>
-            <a:pPr indent="0" lvl="0" marL="0" rtl="0" algn="l">
-              <a:spcBef>
-                <a:spcPts val="0"/>
-              </a:spcBef>
-              <a:spcAft>
-                <a:spcPts val="0"/>
-              </a:spcAft>
-              <a:buNone/>
-            </a:pPr>
-            <a:r>
-              <a:t/>
-            </a:r>
+            <a:pPr marL="0" lvl="0" indent="0" algn="l" rtl="0">
+              <a:spcBef>
+                <a:spcPts val="0"/>
+              </a:spcBef>
+              <a:spcAft>
+                <a:spcPts val="0"/>
+              </a:spcAft>
+              <a:buNone/>
+            </a:pPr>
             <a:endParaRPr/>
           </a:p>
         </p:txBody>
@@ -803,11 +1097,11 @@
 </file>
 
 <file path=ppt/notesSlides/notesSlide10.xml><?xml version="1.0" encoding="utf-8"?>
-<p:notes xmlns:a="http://schemas.openxmlformats.org/drawingml/2006/main" xmlns:r="http://schemas.openxmlformats.org/officeDocument/2006/relationships" xmlns:mc="http://schemas.openxmlformats.org/markup-compatibility/2006" xmlns:mv="urn:schemas-microsoft-com:mac:vml" xmlns:p="http://schemas.openxmlformats.org/presentationml/2006/main" xmlns:c="http://schemas.openxmlformats.org/drawingml/2006/chart" xmlns:dgm="http://schemas.openxmlformats.org/drawingml/2006/diagram" xmlns:o="urn:schemas-microsoft-com:office:office" xmlns:v="urn:schemas-microsoft-com:vml" xmlns:pvml="urn:schemas-microsoft-com:office:powerpoint" xmlns:com="http://schemas.openxmlformats.org/drawingml/2006/compatibility" xmlns:p14="http://schemas.microsoft.com/office/powerpoint/2010/main" xmlns:p15="http://schemas.microsoft.com/office/powerpoint/2012/main" xmlns:ahyp="http://schemas.microsoft.com/office/drawing/2018/hyperlinkcolor" showMasterPhAnim="0" showMasterSp="0">
+<p:notes xmlns:a="http://schemas.openxmlformats.org/drawingml/2006/main" xmlns:r="http://schemas.openxmlformats.org/officeDocument/2006/relationships" xmlns:p="http://schemas.openxmlformats.org/presentationml/2006/main" showMasterSp="0" showMasterPhAnim="0">
   <p:cSld>
     <p:spTree>
       <p:nvGrpSpPr>
-        <p:cNvPr id="112" name="Shape 112"/>
+        <p:cNvPr id="1" name="Shape 112"/>
         <p:cNvGrpSpPr/>
         <p:nvPr/>
       </p:nvGrpSpPr>
@@ -822,9 +1116,11 @@
       <p:sp>
         <p:nvSpPr>
           <p:cNvPr id="113" name="Google Shape;113;p9:notes"/>
-          <p:cNvSpPr txBox="1"/>
+          <p:cNvSpPr txBox="1">
+            <a:spLocks noGrp="1"/>
+          </p:cNvSpPr>
           <p:nvPr>
-            <p:ph idx="1" type="body"/>
+            <p:ph type="body" idx="1"/>
           </p:nvPr>
         </p:nvSpPr>
         <p:spPr>
@@ -837,23 +1133,20 @@
           </a:prstGeom>
         </p:spPr>
         <p:txBody>
-          <a:bodyPr anchorCtr="0" anchor="t" bIns="91425" lIns="91425" spcFirstLastPara="1" rIns="91425" wrap="square" tIns="91425">
+          <a:bodyPr spcFirstLastPara="1" wrap="square" lIns="91425" tIns="91425" rIns="91425" bIns="91425" anchor="t" anchorCtr="0">
             <a:noAutofit/>
           </a:bodyPr>
           <a:lstStyle/>
           <a:p>
-            <a:pPr indent="0" lvl="0" marL="0" rtl="0" algn="l">
-              <a:spcBef>
-                <a:spcPts val="0"/>
-              </a:spcBef>
-              <a:spcAft>
-                <a:spcPts val="0"/>
-              </a:spcAft>
-              <a:buNone/>
-            </a:pPr>
-            <a:r>
-              <a:t/>
-            </a:r>
+            <a:pPr marL="0" lvl="0" indent="0" algn="l" rtl="0">
+              <a:spcBef>
+                <a:spcPts val="0"/>
+              </a:spcBef>
+              <a:spcAft>
+                <a:spcPts val="0"/>
+              </a:spcAft>
+              <a:buNone/>
+            </a:pPr>
             <a:endParaRPr/>
           </a:p>
         </p:txBody>
@@ -861,9 +1154,11 @@
       <p:sp>
         <p:nvSpPr>
           <p:cNvPr id="114" name="Google Shape;114;p9:notes"/>
-          <p:cNvSpPr/>
+          <p:cNvSpPr>
+            <a:spLocks noGrp="1" noRot="1" noChangeAspect="1"/>
+          </p:cNvSpPr>
           <p:nvPr>
-            <p:ph idx="2" type="sldImg"/>
+            <p:ph type="sldImg" idx="2"/>
           </p:nvPr>
         </p:nvSpPr>
         <p:spPr>
@@ -872,9 +1167,13 @@
             <a:ext cx="4572225" cy="3429000"/>
           </a:xfrm>
           <a:custGeom>
-            <a:rect b="b" l="l" r="r" t="t"/>
+            <a:avLst/>
+            <a:gdLst/>
+            <a:ahLst/>
+            <a:cxnLst/>
+            <a:rect l="l" t="t" r="r" b="b"/>
             <a:pathLst>
-              <a:path extrusionOk="0" h="120000" w="120000">
+              <a:path w="120000" h="120000" extrusionOk="0">
                 <a:moveTo>
                   <a:pt x="0" y="0"/>
                 </a:moveTo>
@@ -902,11 +1201,11 @@
 </file>
 
 <file path=ppt/notesSlides/notesSlide11.xml><?xml version="1.0" encoding="utf-8"?>
-<p:notes xmlns:a="http://schemas.openxmlformats.org/drawingml/2006/main" xmlns:r="http://schemas.openxmlformats.org/officeDocument/2006/relationships" xmlns:mc="http://schemas.openxmlformats.org/markup-compatibility/2006" xmlns:mv="urn:schemas-microsoft-com:mac:vml" xmlns:p="http://schemas.openxmlformats.org/presentationml/2006/main" xmlns:c="http://schemas.openxmlformats.org/drawingml/2006/chart" xmlns:dgm="http://schemas.openxmlformats.org/drawingml/2006/diagram" xmlns:o="urn:schemas-microsoft-com:office:office" xmlns:v="urn:schemas-microsoft-com:vml" xmlns:pvml="urn:schemas-microsoft-com:office:powerpoint" xmlns:com="http://schemas.openxmlformats.org/drawingml/2006/compatibility" xmlns:p14="http://schemas.microsoft.com/office/powerpoint/2010/main" xmlns:p15="http://schemas.microsoft.com/office/powerpoint/2012/main" xmlns:ahyp="http://schemas.microsoft.com/office/drawing/2018/hyperlinkcolor" showMasterPhAnim="0" showMasterSp="0">
+<p:notes xmlns:a="http://schemas.openxmlformats.org/drawingml/2006/main" xmlns:r="http://schemas.openxmlformats.org/officeDocument/2006/relationships" xmlns:p="http://schemas.openxmlformats.org/presentationml/2006/main" showMasterSp="0" showMasterPhAnim="0">
   <p:cSld>
     <p:spTree>
       <p:nvGrpSpPr>
-        <p:cNvPr id="118" name="Shape 118"/>
+        <p:cNvPr id="1" name="Shape 118"/>
         <p:cNvGrpSpPr/>
         <p:nvPr/>
       </p:nvGrpSpPr>
@@ -921,9 +1220,11 @@
       <p:sp>
         <p:nvSpPr>
           <p:cNvPr id="119" name="Google Shape;119;g313f73036cb_0_208:notes"/>
-          <p:cNvSpPr/>
+          <p:cNvSpPr>
+            <a:spLocks noGrp="1" noRot="1" noChangeAspect="1"/>
+          </p:cNvSpPr>
           <p:nvPr>
-            <p:ph idx="2" type="sldImg"/>
+            <p:ph type="sldImg" idx="2"/>
           </p:nvPr>
         </p:nvSpPr>
         <p:spPr>
@@ -932,9 +1233,13 @@
             <a:ext cx="4572300" cy="3429000"/>
           </a:xfrm>
           <a:custGeom>
-            <a:rect b="b" l="l" r="r" t="t"/>
+            <a:avLst/>
+            <a:gdLst/>
+            <a:ahLst/>
+            <a:cxnLst/>
+            <a:rect l="l" t="t" r="r" b="b"/>
             <a:pathLst>
-              <a:path extrusionOk="0" h="120000" w="120000">
+              <a:path w="120000" h="120000" extrusionOk="0">
                 <a:moveTo>
                   <a:pt x="0" y="0"/>
                 </a:moveTo>
@@ -956,9 +1261,11 @@
       <p:sp>
         <p:nvSpPr>
           <p:cNvPr id="120" name="Google Shape;120;g313f73036cb_0_208:notes"/>
-          <p:cNvSpPr txBox="1"/>
+          <p:cNvSpPr txBox="1">
+            <a:spLocks noGrp="1"/>
+          </p:cNvSpPr>
           <p:nvPr>
-            <p:ph idx="1" type="body"/>
+            <p:ph type="body" idx="1"/>
           </p:nvPr>
         </p:nvSpPr>
         <p:spPr>
@@ -971,23 +1278,20 @@
           </a:prstGeom>
         </p:spPr>
         <p:txBody>
-          <a:bodyPr anchorCtr="0" anchor="t" bIns="91425" lIns="91425" spcFirstLastPara="1" rIns="91425" wrap="square" tIns="91425">
+          <a:bodyPr spcFirstLastPara="1" wrap="square" lIns="91425" tIns="91425" rIns="91425" bIns="91425" anchor="t" anchorCtr="0">
             <a:noAutofit/>
           </a:bodyPr>
           <a:lstStyle/>
           <a:p>
-            <a:pPr indent="0" lvl="0" marL="0" rtl="0" algn="l">
-              <a:spcBef>
-                <a:spcPts val="0"/>
-              </a:spcBef>
-              <a:spcAft>
-                <a:spcPts val="0"/>
-              </a:spcAft>
-              <a:buNone/>
-            </a:pPr>
-            <a:r>
-              <a:t/>
-            </a:r>
+            <a:pPr marL="0" lvl="0" indent="0" algn="l" rtl="0">
+              <a:spcBef>
+                <a:spcPts val="0"/>
+              </a:spcBef>
+              <a:spcAft>
+                <a:spcPts val="0"/>
+              </a:spcAft>
+              <a:buNone/>
+            </a:pPr>
             <a:endParaRPr/>
           </a:p>
         </p:txBody>
@@ -1001,11 +1305,11 @@
 </file>
 
 <file path=ppt/notesSlides/notesSlide12.xml><?xml version="1.0" encoding="utf-8"?>
-<p:notes xmlns:a="http://schemas.openxmlformats.org/drawingml/2006/main" xmlns:r="http://schemas.openxmlformats.org/officeDocument/2006/relationships" xmlns:mc="http://schemas.openxmlformats.org/markup-compatibility/2006" xmlns:mv="urn:schemas-microsoft-com:mac:vml" xmlns:p="http://schemas.openxmlformats.org/presentationml/2006/main" xmlns:c="http://schemas.openxmlformats.org/drawingml/2006/chart" xmlns:dgm="http://schemas.openxmlformats.org/drawingml/2006/diagram" xmlns:o="urn:schemas-microsoft-com:office:office" xmlns:v="urn:schemas-microsoft-com:vml" xmlns:pvml="urn:schemas-microsoft-com:office:powerpoint" xmlns:com="http://schemas.openxmlformats.org/drawingml/2006/compatibility" xmlns:p14="http://schemas.microsoft.com/office/powerpoint/2010/main" xmlns:p15="http://schemas.microsoft.com/office/powerpoint/2012/main" xmlns:ahyp="http://schemas.microsoft.com/office/drawing/2018/hyperlinkcolor" showMasterPhAnim="0" showMasterSp="0">
+<p:notes xmlns:a="http://schemas.openxmlformats.org/drawingml/2006/main" xmlns:r="http://schemas.openxmlformats.org/officeDocument/2006/relationships" xmlns:p="http://schemas.openxmlformats.org/presentationml/2006/main" showMasterSp="0" showMasterPhAnim="0">
   <p:cSld>
     <p:spTree>
       <p:nvGrpSpPr>
-        <p:cNvPr id="126" name="Shape 126"/>
+        <p:cNvPr id="1" name="Shape 126"/>
         <p:cNvGrpSpPr/>
         <p:nvPr/>
       </p:nvGrpSpPr>
@@ -1020,9 +1324,11 @@
       <p:sp>
         <p:nvSpPr>
           <p:cNvPr id="127" name="Google Shape;127;p11:notes"/>
-          <p:cNvSpPr txBox="1"/>
+          <p:cNvSpPr txBox="1">
+            <a:spLocks noGrp="1"/>
+          </p:cNvSpPr>
           <p:nvPr>
-            <p:ph idx="1" type="body"/>
+            <p:ph type="body" idx="1"/>
           </p:nvPr>
         </p:nvSpPr>
         <p:spPr>
@@ -1035,23 +1341,20 @@
           </a:prstGeom>
         </p:spPr>
         <p:txBody>
-          <a:bodyPr anchorCtr="0" anchor="t" bIns="91425" lIns="91425" spcFirstLastPara="1" rIns="91425" wrap="square" tIns="91425">
+          <a:bodyPr spcFirstLastPara="1" wrap="square" lIns="91425" tIns="91425" rIns="91425" bIns="91425" anchor="t" anchorCtr="0">
             <a:noAutofit/>
           </a:bodyPr>
           <a:lstStyle/>
           <a:p>
-            <a:pPr indent="0" lvl="0" marL="0" rtl="0" algn="l">
-              <a:spcBef>
-                <a:spcPts val="0"/>
-              </a:spcBef>
-              <a:spcAft>
-                <a:spcPts val="0"/>
-              </a:spcAft>
-              <a:buNone/>
-            </a:pPr>
-            <a:r>
-              <a:t/>
-            </a:r>
+            <a:pPr marL="0" lvl="0" indent="0" algn="l" rtl="0">
+              <a:spcBef>
+                <a:spcPts val="0"/>
+              </a:spcBef>
+              <a:spcAft>
+                <a:spcPts val="0"/>
+              </a:spcAft>
+              <a:buNone/>
+            </a:pPr>
             <a:endParaRPr/>
           </a:p>
         </p:txBody>
@@ -1059,9 +1362,11 @@
       <p:sp>
         <p:nvSpPr>
           <p:cNvPr id="128" name="Google Shape;128;p11:notes"/>
-          <p:cNvSpPr/>
+          <p:cNvSpPr>
+            <a:spLocks noGrp="1" noRot="1" noChangeAspect="1"/>
+          </p:cNvSpPr>
           <p:nvPr>
-            <p:ph idx="2" type="sldImg"/>
+            <p:ph type="sldImg" idx="2"/>
           </p:nvPr>
         </p:nvSpPr>
         <p:spPr>
@@ -1070,9 +1375,13 @@
             <a:ext cx="4572225" cy="3429000"/>
           </a:xfrm>
           <a:custGeom>
-            <a:rect b="b" l="l" r="r" t="t"/>
+            <a:avLst/>
+            <a:gdLst/>
+            <a:ahLst/>
+            <a:cxnLst/>
+            <a:rect l="l" t="t" r="r" b="b"/>
             <a:pathLst>
-              <a:path extrusionOk="0" h="120000" w="120000">
+              <a:path w="120000" h="120000" extrusionOk="0">
                 <a:moveTo>
                   <a:pt x="0" y="0"/>
                 </a:moveTo>
@@ -1100,11 +1409,11 @@
 </file>
 
 <file path=ppt/notesSlides/notesSlide13.xml><?xml version="1.0" encoding="utf-8"?>
-<p:notes xmlns:a="http://schemas.openxmlformats.org/drawingml/2006/main" xmlns:r="http://schemas.openxmlformats.org/officeDocument/2006/relationships" xmlns:mc="http://schemas.openxmlformats.org/markup-compatibility/2006" xmlns:mv="urn:schemas-microsoft-com:mac:vml" xmlns:p="http://schemas.openxmlformats.org/presentationml/2006/main" xmlns:c="http://schemas.openxmlformats.org/drawingml/2006/chart" xmlns:dgm="http://schemas.openxmlformats.org/drawingml/2006/diagram" xmlns:o="urn:schemas-microsoft-com:office:office" xmlns:v="urn:schemas-microsoft-com:vml" xmlns:pvml="urn:schemas-microsoft-com:office:powerpoint" xmlns:com="http://schemas.openxmlformats.org/drawingml/2006/compatibility" xmlns:p14="http://schemas.microsoft.com/office/powerpoint/2010/main" xmlns:p15="http://schemas.microsoft.com/office/powerpoint/2012/main" xmlns:ahyp="http://schemas.microsoft.com/office/drawing/2018/hyperlinkcolor" showMasterPhAnim="0" showMasterSp="0">
+<p:notes xmlns:a="http://schemas.openxmlformats.org/drawingml/2006/main" xmlns:r="http://schemas.openxmlformats.org/officeDocument/2006/relationships" xmlns:p="http://schemas.openxmlformats.org/presentationml/2006/main" showMasterSp="0" showMasterPhAnim="0">
   <p:cSld>
     <p:spTree>
       <p:nvGrpSpPr>
-        <p:cNvPr id="136" name="Shape 136"/>
+        <p:cNvPr id="1" name="Shape 136"/>
         <p:cNvGrpSpPr/>
         <p:nvPr/>
       </p:nvGrpSpPr>
@@ -1119,9 +1428,11 @@
       <p:sp>
         <p:nvSpPr>
           <p:cNvPr id="137" name="Google Shape;137;g31898b522ba_2_9:notes"/>
-          <p:cNvSpPr txBox="1"/>
+          <p:cNvSpPr txBox="1">
+            <a:spLocks noGrp="1"/>
+          </p:cNvSpPr>
           <p:nvPr>
-            <p:ph idx="1" type="body"/>
+            <p:ph type="body" idx="1"/>
           </p:nvPr>
         </p:nvSpPr>
         <p:spPr>
@@ -1134,23 +1445,20 @@
           </a:prstGeom>
         </p:spPr>
         <p:txBody>
-          <a:bodyPr anchorCtr="0" anchor="t" bIns="91425" lIns="91425" spcFirstLastPara="1" rIns="91425" wrap="square" tIns="91425">
+          <a:bodyPr spcFirstLastPara="1" wrap="square" lIns="91425" tIns="91425" rIns="91425" bIns="91425" anchor="t" anchorCtr="0">
             <a:noAutofit/>
           </a:bodyPr>
           <a:lstStyle/>
           <a:p>
-            <a:pPr indent="0" lvl="0" marL="0" rtl="0" algn="l">
-              <a:spcBef>
-                <a:spcPts val="0"/>
-              </a:spcBef>
-              <a:spcAft>
-                <a:spcPts val="0"/>
-              </a:spcAft>
-              <a:buNone/>
-            </a:pPr>
-            <a:r>
-              <a:t/>
-            </a:r>
+            <a:pPr marL="0" lvl="0" indent="0" algn="l" rtl="0">
+              <a:spcBef>
+                <a:spcPts val="0"/>
+              </a:spcBef>
+              <a:spcAft>
+                <a:spcPts val="0"/>
+              </a:spcAft>
+              <a:buNone/>
+            </a:pPr>
             <a:endParaRPr/>
           </a:p>
         </p:txBody>
@@ -1158,9 +1466,11 @@
       <p:sp>
         <p:nvSpPr>
           <p:cNvPr id="138" name="Google Shape;138;g31898b522ba_2_9:notes"/>
-          <p:cNvSpPr/>
+          <p:cNvSpPr>
+            <a:spLocks noGrp="1" noRot="1" noChangeAspect="1"/>
+          </p:cNvSpPr>
           <p:nvPr>
-            <p:ph idx="2" type="sldImg"/>
+            <p:ph type="sldImg" idx="2"/>
           </p:nvPr>
         </p:nvSpPr>
         <p:spPr>
@@ -1169,9 +1479,13 @@
             <a:ext cx="4572300" cy="3429000"/>
           </a:xfrm>
           <a:custGeom>
-            <a:rect b="b" l="l" r="r" t="t"/>
+            <a:avLst/>
+            <a:gdLst/>
+            <a:ahLst/>
+            <a:cxnLst/>
+            <a:rect l="l" t="t" r="r" b="b"/>
             <a:pathLst>
-              <a:path extrusionOk="0" h="120000" w="120000">
+              <a:path w="120000" h="120000" extrusionOk="0">
                 <a:moveTo>
                   <a:pt x="0" y="0"/>
                 </a:moveTo>
@@ -1199,11 +1513,11 @@
 </file>
 
 <file path=ppt/notesSlides/notesSlide14.xml><?xml version="1.0" encoding="utf-8"?>
-<p:notes xmlns:a="http://schemas.openxmlformats.org/drawingml/2006/main" xmlns:r="http://schemas.openxmlformats.org/officeDocument/2006/relationships" xmlns:mc="http://schemas.openxmlformats.org/markup-compatibility/2006" xmlns:mv="urn:schemas-microsoft-com:mac:vml" xmlns:p="http://schemas.openxmlformats.org/presentationml/2006/main" xmlns:c="http://schemas.openxmlformats.org/drawingml/2006/chart" xmlns:dgm="http://schemas.openxmlformats.org/drawingml/2006/diagram" xmlns:o="urn:schemas-microsoft-com:office:office" xmlns:v="urn:schemas-microsoft-com:vml" xmlns:pvml="urn:schemas-microsoft-com:office:powerpoint" xmlns:com="http://schemas.openxmlformats.org/drawingml/2006/compatibility" xmlns:p14="http://schemas.microsoft.com/office/powerpoint/2010/main" xmlns:p15="http://schemas.microsoft.com/office/powerpoint/2012/main" xmlns:ahyp="http://schemas.microsoft.com/office/drawing/2018/hyperlinkcolor" showMasterPhAnim="0" showMasterSp="0">
+<p:notes xmlns:a="http://schemas.openxmlformats.org/drawingml/2006/main" xmlns:r="http://schemas.openxmlformats.org/officeDocument/2006/relationships" xmlns:p="http://schemas.openxmlformats.org/presentationml/2006/main" showMasterSp="0" showMasterPhAnim="0">
   <p:cSld>
     <p:spTree>
       <p:nvGrpSpPr>
-        <p:cNvPr id="142" name="Shape 142"/>
+        <p:cNvPr id="1" name="Shape 142"/>
         <p:cNvGrpSpPr/>
         <p:nvPr/>
       </p:nvGrpSpPr>
@@ -1218,9 +1532,11 @@
       <p:sp>
         <p:nvSpPr>
           <p:cNvPr id="143" name="Google Shape;143;g31898b522ba_2_4:notes"/>
-          <p:cNvSpPr txBox="1"/>
+          <p:cNvSpPr txBox="1">
+            <a:spLocks noGrp="1"/>
+          </p:cNvSpPr>
           <p:nvPr>
-            <p:ph idx="1" type="body"/>
+            <p:ph type="body" idx="1"/>
           </p:nvPr>
         </p:nvSpPr>
         <p:spPr>
@@ -1233,23 +1549,20 @@
           </a:prstGeom>
         </p:spPr>
         <p:txBody>
-          <a:bodyPr anchorCtr="0" anchor="t" bIns="91425" lIns="91425" spcFirstLastPara="1" rIns="91425" wrap="square" tIns="91425">
+          <a:bodyPr spcFirstLastPara="1" wrap="square" lIns="91425" tIns="91425" rIns="91425" bIns="91425" anchor="t" anchorCtr="0">
             <a:noAutofit/>
           </a:bodyPr>
           <a:lstStyle/>
           <a:p>
-            <a:pPr indent="0" lvl="0" marL="0" rtl="0" algn="l">
-              <a:spcBef>
-                <a:spcPts val="0"/>
-              </a:spcBef>
-              <a:spcAft>
-                <a:spcPts val="0"/>
-              </a:spcAft>
-              <a:buNone/>
-            </a:pPr>
-            <a:r>
-              <a:t/>
-            </a:r>
+            <a:pPr marL="0" lvl="0" indent="0" algn="l" rtl="0">
+              <a:spcBef>
+                <a:spcPts val="0"/>
+              </a:spcBef>
+              <a:spcAft>
+                <a:spcPts val="0"/>
+              </a:spcAft>
+              <a:buNone/>
+            </a:pPr>
             <a:endParaRPr/>
           </a:p>
         </p:txBody>
@@ -1257,9 +1570,11 @@
       <p:sp>
         <p:nvSpPr>
           <p:cNvPr id="144" name="Google Shape;144;g31898b522ba_2_4:notes"/>
-          <p:cNvSpPr/>
+          <p:cNvSpPr>
+            <a:spLocks noGrp="1" noRot="1" noChangeAspect="1"/>
+          </p:cNvSpPr>
           <p:nvPr>
-            <p:ph idx="2" type="sldImg"/>
+            <p:ph type="sldImg" idx="2"/>
           </p:nvPr>
         </p:nvSpPr>
         <p:spPr>
@@ -1268,9 +1583,13 @@
             <a:ext cx="4572300" cy="3429000"/>
           </a:xfrm>
           <a:custGeom>
-            <a:rect b="b" l="l" r="r" t="t"/>
+            <a:avLst/>
+            <a:gdLst/>
+            <a:ahLst/>
+            <a:cxnLst/>
+            <a:rect l="l" t="t" r="r" b="b"/>
             <a:pathLst>
-              <a:path extrusionOk="0" h="120000" w="120000">
+              <a:path w="120000" h="120000" extrusionOk="0">
                 <a:moveTo>
                   <a:pt x="0" y="0"/>
                 </a:moveTo>
@@ -1298,11 +1617,11 @@
 </file>
 
 <file path=ppt/notesSlides/notesSlide15.xml><?xml version="1.0" encoding="utf-8"?>
-<p:notes xmlns:a="http://schemas.openxmlformats.org/drawingml/2006/main" xmlns:r="http://schemas.openxmlformats.org/officeDocument/2006/relationships" xmlns:mc="http://schemas.openxmlformats.org/markup-compatibility/2006" xmlns:mv="urn:schemas-microsoft-com:mac:vml" xmlns:p="http://schemas.openxmlformats.org/presentationml/2006/main" xmlns:c="http://schemas.openxmlformats.org/drawingml/2006/chart" xmlns:dgm="http://schemas.openxmlformats.org/drawingml/2006/diagram" xmlns:o="urn:schemas-microsoft-com:office:office" xmlns:v="urn:schemas-microsoft-com:vml" xmlns:pvml="urn:schemas-microsoft-com:office:powerpoint" xmlns:com="http://schemas.openxmlformats.org/drawingml/2006/compatibility" xmlns:p14="http://schemas.microsoft.com/office/powerpoint/2010/main" xmlns:p15="http://schemas.microsoft.com/office/powerpoint/2012/main" xmlns:ahyp="http://schemas.microsoft.com/office/drawing/2018/hyperlinkcolor" showMasterPhAnim="0" showMasterSp="0">
+<p:notes xmlns:a="http://schemas.openxmlformats.org/drawingml/2006/main" xmlns:r="http://schemas.openxmlformats.org/officeDocument/2006/relationships" xmlns:p="http://schemas.openxmlformats.org/presentationml/2006/main" showMasterSp="0" showMasterPhAnim="0">
   <p:cSld>
     <p:spTree>
       <p:nvGrpSpPr>
-        <p:cNvPr id="152" name="Shape 152"/>
+        <p:cNvPr id="1" name="Shape 152"/>
         <p:cNvGrpSpPr/>
         <p:nvPr/>
       </p:nvGrpSpPr>
@@ -1317,9 +1636,11 @@
       <p:sp>
         <p:nvSpPr>
           <p:cNvPr id="153" name="Google Shape;153;p12:notes"/>
-          <p:cNvSpPr txBox="1"/>
+          <p:cNvSpPr txBox="1">
+            <a:spLocks noGrp="1"/>
+          </p:cNvSpPr>
           <p:nvPr>
-            <p:ph idx="1" type="body"/>
+            <p:ph type="body" idx="1"/>
           </p:nvPr>
         </p:nvSpPr>
         <p:spPr>
@@ -1332,23 +1653,20 @@
           </a:prstGeom>
         </p:spPr>
         <p:txBody>
-          <a:bodyPr anchorCtr="0" anchor="t" bIns="91425" lIns="91425" spcFirstLastPara="1" rIns="91425" wrap="square" tIns="91425">
+          <a:bodyPr spcFirstLastPara="1" wrap="square" lIns="91425" tIns="91425" rIns="91425" bIns="91425" anchor="t" anchorCtr="0">
             <a:noAutofit/>
           </a:bodyPr>
           <a:lstStyle/>
           <a:p>
-            <a:pPr indent="0" lvl="0" marL="0" rtl="0" algn="l">
-              <a:spcBef>
-                <a:spcPts val="0"/>
-              </a:spcBef>
-              <a:spcAft>
-                <a:spcPts val="0"/>
-              </a:spcAft>
-              <a:buNone/>
-            </a:pPr>
-            <a:r>
-              <a:t/>
-            </a:r>
+            <a:pPr marL="0" lvl="0" indent="0" algn="l" rtl="0">
+              <a:spcBef>
+                <a:spcPts val="0"/>
+              </a:spcBef>
+              <a:spcAft>
+                <a:spcPts val="0"/>
+              </a:spcAft>
+              <a:buNone/>
+            </a:pPr>
             <a:endParaRPr/>
           </a:p>
         </p:txBody>
@@ -1356,9 +1674,11 @@
       <p:sp>
         <p:nvSpPr>
           <p:cNvPr id="154" name="Google Shape;154;p12:notes"/>
-          <p:cNvSpPr/>
+          <p:cNvSpPr>
+            <a:spLocks noGrp="1" noRot="1" noChangeAspect="1"/>
+          </p:cNvSpPr>
           <p:nvPr>
-            <p:ph idx="2" type="sldImg"/>
+            <p:ph type="sldImg" idx="2"/>
           </p:nvPr>
         </p:nvSpPr>
         <p:spPr>
@@ -1367,9 +1687,13 @@
             <a:ext cx="4572225" cy="3429000"/>
           </a:xfrm>
           <a:custGeom>
-            <a:rect b="b" l="l" r="r" t="t"/>
+            <a:avLst/>
+            <a:gdLst/>
+            <a:ahLst/>
+            <a:cxnLst/>
+            <a:rect l="l" t="t" r="r" b="b"/>
             <a:pathLst>
-              <a:path extrusionOk="0" h="120000" w="120000">
+              <a:path w="120000" h="120000" extrusionOk="0">
                 <a:moveTo>
                   <a:pt x="0" y="0"/>
                 </a:moveTo>
@@ -1397,11 +1721,11 @@
 </file>
 
 <file path=ppt/notesSlides/notesSlide16.xml><?xml version="1.0" encoding="utf-8"?>
-<p:notes xmlns:a="http://schemas.openxmlformats.org/drawingml/2006/main" xmlns:r="http://schemas.openxmlformats.org/officeDocument/2006/relationships" xmlns:mc="http://schemas.openxmlformats.org/markup-compatibility/2006" xmlns:mv="urn:schemas-microsoft-com:mac:vml" xmlns:p="http://schemas.openxmlformats.org/presentationml/2006/main" xmlns:c="http://schemas.openxmlformats.org/drawingml/2006/chart" xmlns:dgm="http://schemas.openxmlformats.org/drawingml/2006/diagram" xmlns:o="urn:schemas-microsoft-com:office:office" xmlns:v="urn:schemas-microsoft-com:vml" xmlns:pvml="urn:schemas-microsoft-com:office:powerpoint" xmlns:com="http://schemas.openxmlformats.org/drawingml/2006/compatibility" xmlns:p14="http://schemas.microsoft.com/office/powerpoint/2010/main" xmlns:p15="http://schemas.microsoft.com/office/powerpoint/2012/main" xmlns:ahyp="http://schemas.microsoft.com/office/drawing/2018/hyperlinkcolor" showMasterPhAnim="0" showMasterSp="0">
+<p:notes xmlns:a="http://schemas.openxmlformats.org/drawingml/2006/main" xmlns:r="http://schemas.openxmlformats.org/officeDocument/2006/relationships" xmlns:p="http://schemas.openxmlformats.org/presentationml/2006/main" showMasterSp="0" showMasterPhAnim="0">
   <p:cSld>
     <p:spTree>
       <p:nvGrpSpPr>
-        <p:cNvPr id="158" name="Shape 158"/>
+        <p:cNvPr id="1" name="Shape 158"/>
         <p:cNvGrpSpPr/>
         <p:nvPr/>
       </p:nvGrpSpPr>
@@ -1416,9 +1740,11 @@
       <p:sp>
         <p:nvSpPr>
           <p:cNvPr id="159" name="Google Shape;159;p13:notes"/>
-          <p:cNvSpPr txBox="1"/>
+          <p:cNvSpPr txBox="1">
+            <a:spLocks noGrp="1"/>
+          </p:cNvSpPr>
           <p:nvPr>
-            <p:ph idx="1" type="body"/>
+            <p:ph type="body" idx="1"/>
           </p:nvPr>
         </p:nvSpPr>
         <p:spPr>
@@ -1431,23 +1757,20 @@
           </a:prstGeom>
         </p:spPr>
         <p:txBody>
-          <a:bodyPr anchorCtr="0" anchor="t" bIns="91425" lIns="91425" spcFirstLastPara="1" rIns="91425" wrap="square" tIns="91425">
+          <a:bodyPr spcFirstLastPara="1" wrap="square" lIns="91425" tIns="91425" rIns="91425" bIns="91425" anchor="t" anchorCtr="0">
             <a:noAutofit/>
           </a:bodyPr>
           <a:lstStyle/>
           <a:p>
-            <a:pPr indent="0" lvl="0" marL="0" rtl="0" algn="l">
-              <a:spcBef>
-                <a:spcPts val="0"/>
-              </a:spcBef>
-              <a:spcAft>
-                <a:spcPts val="0"/>
-              </a:spcAft>
-              <a:buNone/>
-            </a:pPr>
-            <a:r>
-              <a:t/>
-            </a:r>
+            <a:pPr marL="0" lvl="0" indent="0" algn="l" rtl="0">
+              <a:spcBef>
+                <a:spcPts val="0"/>
+              </a:spcBef>
+              <a:spcAft>
+                <a:spcPts val="0"/>
+              </a:spcAft>
+              <a:buNone/>
+            </a:pPr>
             <a:endParaRPr/>
           </a:p>
         </p:txBody>
@@ -1455,9 +1778,11 @@
       <p:sp>
         <p:nvSpPr>
           <p:cNvPr id="160" name="Google Shape;160;p13:notes"/>
-          <p:cNvSpPr/>
+          <p:cNvSpPr>
+            <a:spLocks noGrp="1" noRot="1" noChangeAspect="1"/>
+          </p:cNvSpPr>
           <p:nvPr>
-            <p:ph idx="2" type="sldImg"/>
+            <p:ph type="sldImg" idx="2"/>
           </p:nvPr>
         </p:nvSpPr>
         <p:spPr>
@@ -1466,9 +1791,13 @@
             <a:ext cx="4572225" cy="3429000"/>
           </a:xfrm>
           <a:custGeom>
-            <a:rect b="b" l="l" r="r" t="t"/>
+            <a:avLst/>
+            <a:gdLst/>
+            <a:ahLst/>
+            <a:cxnLst/>
+            <a:rect l="l" t="t" r="r" b="b"/>
             <a:pathLst>
-              <a:path extrusionOk="0" h="120000" w="120000">
+              <a:path w="120000" h="120000" extrusionOk="0">
                 <a:moveTo>
                   <a:pt x="0" y="0"/>
                 </a:moveTo>
@@ -1496,11 +1825,11 @@
 </file>
 
 <file path=ppt/notesSlides/notesSlide17.xml><?xml version="1.0" encoding="utf-8"?>
-<p:notes xmlns:a="http://schemas.openxmlformats.org/drawingml/2006/main" xmlns:r="http://schemas.openxmlformats.org/officeDocument/2006/relationships" xmlns:mc="http://schemas.openxmlformats.org/markup-compatibility/2006" xmlns:mv="urn:schemas-microsoft-com:mac:vml" xmlns:p="http://schemas.openxmlformats.org/presentationml/2006/main" xmlns:c="http://schemas.openxmlformats.org/drawingml/2006/chart" xmlns:dgm="http://schemas.openxmlformats.org/drawingml/2006/diagram" xmlns:o="urn:schemas-microsoft-com:office:office" xmlns:v="urn:schemas-microsoft-com:vml" xmlns:pvml="urn:schemas-microsoft-com:office:powerpoint" xmlns:com="http://schemas.openxmlformats.org/drawingml/2006/compatibility" xmlns:p14="http://schemas.microsoft.com/office/powerpoint/2010/main" xmlns:p15="http://schemas.microsoft.com/office/powerpoint/2012/main" xmlns:ahyp="http://schemas.microsoft.com/office/drawing/2018/hyperlinkcolor" showMasterPhAnim="0" showMasterSp="0">
+<p:notes xmlns:a="http://schemas.openxmlformats.org/drawingml/2006/main" xmlns:r="http://schemas.openxmlformats.org/officeDocument/2006/relationships" xmlns:p="http://schemas.openxmlformats.org/presentationml/2006/main" showMasterSp="0" showMasterPhAnim="0">
   <p:cSld>
     <p:spTree>
       <p:nvGrpSpPr>
-        <p:cNvPr id="164" name="Shape 164"/>
+        <p:cNvPr id="1" name="Shape 164"/>
         <p:cNvGrpSpPr/>
         <p:nvPr/>
       </p:nvGrpSpPr>
@@ -1515,9 +1844,11 @@
       <p:sp>
         <p:nvSpPr>
           <p:cNvPr id="165" name="Google Shape;165;p14:notes"/>
-          <p:cNvSpPr txBox="1"/>
+          <p:cNvSpPr txBox="1">
+            <a:spLocks noGrp="1"/>
+          </p:cNvSpPr>
           <p:nvPr>
-            <p:ph idx="1" type="body"/>
+            <p:ph type="body" idx="1"/>
           </p:nvPr>
         </p:nvSpPr>
         <p:spPr>
@@ -1530,23 +1861,20 @@
           </a:prstGeom>
         </p:spPr>
         <p:txBody>
-          <a:bodyPr anchorCtr="0" anchor="t" bIns="91425" lIns="91425" spcFirstLastPara="1" rIns="91425" wrap="square" tIns="91425">
+          <a:bodyPr spcFirstLastPara="1" wrap="square" lIns="91425" tIns="91425" rIns="91425" bIns="91425" anchor="t" anchorCtr="0">
             <a:noAutofit/>
           </a:bodyPr>
           <a:lstStyle/>
           <a:p>
-            <a:pPr indent="0" lvl="0" marL="0" rtl="0" algn="l">
-              <a:spcBef>
-                <a:spcPts val="0"/>
-              </a:spcBef>
-              <a:spcAft>
-                <a:spcPts val="0"/>
-              </a:spcAft>
-              <a:buNone/>
-            </a:pPr>
-            <a:r>
-              <a:t/>
-            </a:r>
+            <a:pPr marL="0" lvl="0" indent="0" algn="l" rtl="0">
+              <a:spcBef>
+                <a:spcPts val="0"/>
+              </a:spcBef>
+              <a:spcAft>
+                <a:spcPts val="0"/>
+              </a:spcAft>
+              <a:buNone/>
+            </a:pPr>
             <a:endParaRPr/>
           </a:p>
         </p:txBody>
@@ -1554,9 +1882,11 @@
       <p:sp>
         <p:nvSpPr>
           <p:cNvPr id="166" name="Google Shape;166;p14:notes"/>
-          <p:cNvSpPr/>
+          <p:cNvSpPr>
+            <a:spLocks noGrp="1" noRot="1" noChangeAspect="1"/>
+          </p:cNvSpPr>
           <p:nvPr>
-            <p:ph idx="2" type="sldImg"/>
+            <p:ph type="sldImg" idx="2"/>
           </p:nvPr>
         </p:nvSpPr>
         <p:spPr>
@@ -1565,9 +1895,13 @@
             <a:ext cx="4572225" cy="3429000"/>
           </a:xfrm>
           <a:custGeom>
-            <a:rect b="b" l="l" r="r" t="t"/>
+            <a:avLst/>
+            <a:gdLst/>
+            <a:ahLst/>
+            <a:cxnLst/>
+            <a:rect l="l" t="t" r="r" b="b"/>
             <a:pathLst>
-              <a:path extrusionOk="0" h="120000" w="120000">
+              <a:path w="120000" h="120000" extrusionOk="0">
                 <a:moveTo>
                   <a:pt x="0" y="0"/>
                 </a:moveTo>
@@ -1595,11 +1929,11 @@
 </file>
 
 <file path=ppt/notesSlides/notesSlide18.xml><?xml version="1.0" encoding="utf-8"?>
-<p:notes xmlns:a="http://schemas.openxmlformats.org/drawingml/2006/main" xmlns:r="http://schemas.openxmlformats.org/officeDocument/2006/relationships" xmlns:mc="http://schemas.openxmlformats.org/markup-compatibility/2006" xmlns:mv="urn:schemas-microsoft-com:mac:vml" xmlns:p="http://schemas.openxmlformats.org/presentationml/2006/main" xmlns:c="http://schemas.openxmlformats.org/drawingml/2006/chart" xmlns:dgm="http://schemas.openxmlformats.org/drawingml/2006/diagram" xmlns:o="urn:schemas-microsoft-com:office:office" xmlns:v="urn:schemas-microsoft-com:vml" xmlns:pvml="urn:schemas-microsoft-com:office:powerpoint" xmlns:com="http://schemas.openxmlformats.org/drawingml/2006/compatibility" xmlns:p14="http://schemas.microsoft.com/office/powerpoint/2010/main" xmlns:p15="http://schemas.microsoft.com/office/powerpoint/2012/main" xmlns:ahyp="http://schemas.microsoft.com/office/drawing/2018/hyperlinkcolor" showMasterPhAnim="0" showMasterSp="0">
+<p:notes xmlns:a="http://schemas.openxmlformats.org/drawingml/2006/main" xmlns:r="http://schemas.openxmlformats.org/officeDocument/2006/relationships" xmlns:p="http://schemas.openxmlformats.org/presentationml/2006/main" showMasterSp="0" showMasterPhAnim="0">
   <p:cSld>
     <p:spTree>
       <p:nvGrpSpPr>
-        <p:cNvPr id="170" name="Shape 170"/>
+        <p:cNvPr id="1" name="Shape 170"/>
         <p:cNvGrpSpPr/>
         <p:nvPr/>
       </p:nvGrpSpPr>
@@ -1614,9 +1948,11 @@
       <p:sp>
         <p:nvSpPr>
           <p:cNvPr id="171" name="Google Shape;171;p15:notes"/>
-          <p:cNvSpPr txBox="1"/>
+          <p:cNvSpPr txBox="1">
+            <a:spLocks noGrp="1"/>
+          </p:cNvSpPr>
           <p:nvPr>
-            <p:ph idx="1" type="body"/>
+            <p:ph type="body" idx="1"/>
           </p:nvPr>
         </p:nvSpPr>
         <p:spPr>
@@ -1629,23 +1965,20 @@
           </a:prstGeom>
         </p:spPr>
         <p:txBody>
-          <a:bodyPr anchorCtr="0" anchor="t" bIns="91425" lIns="91425" spcFirstLastPara="1" rIns="91425" wrap="square" tIns="91425">
+          <a:bodyPr spcFirstLastPara="1" wrap="square" lIns="91425" tIns="91425" rIns="91425" bIns="91425" anchor="t" anchorCtr="0">
             <a:noAutofit/>
           </a:bodyPr>
           <a:lstStyle/>
           <a:p>
-            <a:pPr indent="0" lvl="0" marL="0" rtl="0" algn="l">
-              <a:spcBef>
-                <a:spcPts val="0"/>
-              </a:spcBef>
-              <a:spcAft>
-                <a:spcPts val="0"/>
-              </a:spcAft>
-              <a:buNone/>
-            </a:pPr>
-            <a:r>
-              <a:t/>
-            </a:r>
+            <a:pPr marL="0" lvl="0" indent="0" algn="l" rtl="0">
+              <a:spcBef>
+                <a:spcPts val="0"/>
+              </a:spcBef>
+              <a:spcAft>
+                <a:spcPts val="0"/>
+              </a:spcAft>
+              <a:buNone/>
+            </a:pPr>
             <a:endParaRPr/>
           </a:p>
         </p:txBody>
@@ -1653,9 +1986,11 @@
       <p:sp>
         <p:nvSpPr>
           <p:cNvPr id="172" name="Google Shape;172;p15:notes"/>
-          <p:cNvSpPr/>
+          <p:cNvSpPr>
+            <a:spLocks noGrp="1" noRot="1" noChangeAspect="1"/>
+          </p:cNvSpPr>
           <p:nvPr>
-            <p:ph idx="2" type="sldImg"/>
+            <p:ph type="sldImg" idx="2"/>
           </p:nvPr>
         </p:nvSpPr>
         <p:spPr>
@@ -1664,9 +1999,13 @@
             <a:ext cx="4572225" cy="3429000"/>
           </a:xfrm>
           <a:custGeom>
-            <a:rect b="b" l="l" r="r" t="t"/>
+            <a:avLst/>
+            <a:gdLst/>
+            <a:ahLst/>
+            <a:cxnLst/>
+            <a:rect l="l" t="t" r="r" b="b"/>
             <a:pathLst>
-              <a:path extrusionOk="0" h="120000" w="120000">
+              <a:path w="120000" h="120000" extrusionOk="0">
                 <a:moveTo>
                   <a:pt x="0" y="0"/>
                 </a:moveTo>
@@ -1694,11 +2033,11 @@
 </file>
 
 <file path=ppt/notesSlides/notesSlide2.xml><?xml version="1.0" encoding="utf-8"?>
-<p:notes xmlns:a="http://schemas.openxmlformats.org/drawingml/2006/main" xmlns:r="http://schemas.openxmlformats.org/officeDocument/2006/relationships" xmlns:mc="http://schemas.openxmlformats.org/markup-compatibility/2006" xmlns:mv="urn:schemas-microsoft-com:mac:vml" xmlns:p="http://schemas.openxmlformats.org/presentationml/2006/main" xmlns:c="http://schemas.openxmlformats.org/drawingml/2006/chart" xmlns:dgm="http://schemas.openxmlformats.org/drawingml/2006/diagram" xmlns:o="urn:schemas-microsoft-com:office:office" xmlns:v="urn:schemas-microsoft-com:vml" xmlns:pvml="urn:schemas-microsoft-com:office:powerpoint" xmlns:com="http://schemas.openxmlformats.org/drawingml/2006/compatibility" xmlns:p14="http://schemas.microsoft.com/office/powerpoint/2010/main" xmlns:p15="http://schemas.microsoft.com/office/powerpoint/2012/main" xmlns:ahyp="http://schemas.microsoft.com/office/drawing/2018/hyperlinkcolor" showMasterPhAnim="0" showMasterSp="0">
+<p:notes xmlns:a="http://schemas.openxmlformats.org/drawingml/2006/main" xmlns:r="http://schemas.openxmlformats.org/officeDocument/2006/relationships" xmlns:p="http://schemas.openxmlformats.org/presentationml/2006/main" showMasterSp="0" showMasterPhAnim="0">
   <p:cSld>
     <p:spTree>
       <p:nvGrpSpPr>
-        <p:cNvPr id="62" name="Shape 62"/>
+        <p:cNvPr id="1" name="Shape 62"/>
         <p:cNvGrpSpPr/>
         <p:nvPr/>
       </p:nvGrpSpPr>
@@ -1713,9 +2052,11 @@
       <p:sp>
         <p:nvSpPr>
           <p:cNvPr id="63" name="Google Shape;63;p2:notes"/>
-          <p:cNvSpPr txBox="1"/>
+          <p:cNvSpPr txBox="1">
+            <a:spLocks noGrp="1"/>
+          </p:cNvSpPr>
           <p:nvPr>
-            <p:ph idx="1" type="body"/>
+            <p:ph type="body" idx="1"/>
           </p:nvPr>
         </p:nvSpPr>
         <p:spPr>
@@ -1728,23 +2069,20 @@
           </a:prstGeom>
         </p:spPr>
         <p:txBody>
-          <a:bodyPr anchorCtr="0" anchor="t" bIns="91425" lIns="91425" spcFirstLastPara="1" rIns="91425" wrap="square" tIns="91425">
+          <a:bodyPr spcFirstLastPara="1" wrap="square" lIns="91425" tIns="91425" rIns="91425" bIns="91425" anchor="t" anchorCtr="0">
             <a:noAutofit/>
           </a:bodyPr>
           <a:lstStyle/>
           <a:p>
-            <a:pPr indent="0" lvl="0" marL="0" rtl="0" algn="l">
-              <a:spcBef>
-                <a:spcPts val="0"/>
-              </a:spcBef>
-              <a:spcAft>
-                <a:spcPts val="0"/>
-              </a:spcAft>
-              <a:buNone/>
-            </a:pPr>
-            <a:r>
-              <a:t/>
-            </a:r>
+            <a:pPr marL="0" lvl="0" indent="0" algn="l" rtl="0">
+              <a:spcBef>
+                <a:spcPts val="0"/>
+              </a:spcBef>
+              <a:spcAft>
+                <a:spcPts val="0"/>
+              </a:spcAft>
+              <a:buNone/>
+            </a:pPr>
             <a:endParaRPr/>
           </a:p>
         </p:txBody>
@@ -1752,9 +2090,11 @@
       <p:sp>
         <p:nvSpPr>
           <p:cNvPr id="64" name="Google Shape;64;p2:notes"/>
-          <p:cNvSpPr/>
+          <p:cNvSpPr>
+            <a:spLocks noGrp="1" noRot="1" noChangeAspect="1"/>
+          </p:cNvSpPr>
           <p:nvPr>
-            <p:ph idx="2" type="sldImg"/>
+            <p:ph type="sldImg" idx="2"/>
           </p:nvPr>
         </p:nvSpPr>
         <p:spPr>
@@ -1763,9 +2103,13 @@
             <a:ext cx="4572225" cy="3429000"/>
           </a:xfrm>
           <a:custGeom>
-            <a:rect b="b" l="l" r="r" t="t"/>
+            <a:avLst/>
+            <a:gdLst/>
+            <a:ahLst/>
+            <a:cxnLst/>
+            <a:rect l="l" t="t" r="r" b="b"/>
             <a:pathLst>
-              <a:path extrusionOk="0" h="120000" w="120000">
+              <a:path w="120000" h="120000" extrusionOk="0">
                 <a:moveTo>
                   <a:pt x="0" y="0"/>
                 </a:moveTo>
@@ -1793,11 +2137,11 @@
 </file>
 
 <file path=ppt/notesSlides/notesSlide3.xml><?xml version="1.0" encoding="utf-8"?>
-<p:notes xmlns:a="http://schemas.openxmlformats.org/drawingml/2006/main" xmlns:r="http://schemas.openxmlformats.org/officeDocument/2006/relationships" xmlns:mc="http://schemas.openxmlformats.org/markup-compatibility/2006" xmlns:mv="urn:schemas-microsoft-com:mac:vml" xmlns:p="http://schemas.openxmlformats.org/presentationml/2006/main" xmlns:c="http://schemas.openxmlformats.org/drawingml/2006/chart" xmlns:dgm="http://schemas.openxmlformats.org/drawingml/2006/diagram" xmlns:o="urn:schemas-microsoft-com:office:office" xmlns:v="urn:schemas-microsoft-com:vml" xmlns:pvml="urn:schemas-microsoft-com:office:powerpoint" xmlns:com="http://schemas.openxmlformats.org/drawingml/2006/compatibility" xmlns:p14="http://schemas.microsoft.com/office/powerpoint/2010/main" xmlns:p15="http://schemas.microsoft.com/office/powerpoint/2012/main" xmlns:ahyp="http://schemas.microsoft.com/office/drawing/2018/hyperlinkcolor" showMasterPhAnim="0" showMasterSp="0">
+<p:notes xmlns:a="http://schemas.openxmlformats.org/drawingml/2006/main" xmlns:r="http://schemas.openxmlformats.org/officeDocument/2006/relationships" xmlns:p="http://schemas.openxmlformats.org/presentationml/2006/main" showMasterSp="0" showMasterPhAnim="0">
   <p:cSld>
     <p:spTree>
       <p:nvGrpSpPr>
-        <p:cNvPr id="68" name="Shape 68"/>
+        <p:cNvPr id="1" name="Shape 68"/>
         <p:cNvGrpSpPr/>
         <p:nvPr/>
       </p:nvGrpSpPr>
@@ -1812,9 +2156,11 @@
       <p:sp>
         <p:nvSpPr>
           <p:cNvPr id="69" name="Google Shape;69;p5:notes"/>
-          <p:cNvSpPr txBox="1"/>
+          <p:cNvSpPr txBox="1">
+            <a:spLocks noGrp="1"/>
+          </p:cNvSpPr>
           <p:nvPr>
-            <p:ph idx="1" type="body"/>
+            <p:ph type="body" idx="1"/>
           </p:nvPr>
         </p:nvSpPr>
         <p:spPr>
@@ -1827,23 +2173,20 @@
           </a:prstGeom>
         </p:spPr>
         <p:txBody>
-          <a:bodyPr anchorCtr="0" anchor="t" bIns="91425" lIns="91425" spcFirstLastPara="1" rIns="91425" wrap="square" tIns="91425">
+          <a:bodyPr spcFirstLastPara="1" wrap="square" lIns="91425" tIns="91425" rIns="91425" bIns="91425" anchor="t" anchorCtr="0">
             <a:noAutofit/>
           </a:bodyPr>
           <a:lstStyle/>
           <a:p>
-            <a:pPr indent="0" lvl="0" marL="0" rtl="0" algn="l">
-              <a:spcBef>
-                <a:spcPts val="0"/>
-              </a:spcBef>
-              <a:spcAft>
-                <a:spcPts val="0"/>
-              </a:spcAft>
-              <a:buNone/>
-            </a:pPr>
-            <a:r>
-              <a:t/>
-            </a:r>
+            <a:pPr marL="0" lvl="0" indent="0" algn="l" rtl="0">
+              <a:spcBef>
+                <a:spcPts val="0"/>
+              </a:spcBef>
+              <a:spcAft>
+                <a:spcPts val="0"/>
+              </a:spcAft>
+              <a:buNone/>
+            </a:pPr>
             <a:endParaRPr/>
           </a:p>
         </p:txBody>
@@ -1851,9 +2194,11 @@
       <p:sp>
         <p:nvSpPr>
           <p:cNvPr id="70" name="Google Shape;70;p5:notes"/>
-          <p:cNvSpPr/>
+          <p:cNvSpPr>
+            <a:spLocks noGrp="1" noRot="1" noChangeAspect="1"/>
+          </p:cNvSpPr>
           <p:nvPr>
-            <p:ph idx="2" type="sldImg"/>
+            <p:ph type="sldImg" idx="2"/>
           </p:nvPr>
         </p:nvSpPr>
         <p:spPr>
@@ -1862,9 +2207,13 @@
             <a:ext cx="4572225" cy="3429000"/>
           </a:xfrm>
           <a:custGeom>
-            <a:rect b="b" l="l" r="r" t="t"/>
+            <a:avLst/>
+            <a:gdLst/>
+            <a:ahLst/>
+            <a:cxnLst/>
+            <a:rect l="l" t="t" r="r" b="b"/>
             <a:pathLst>
-              <a:path extrusionOk="0" h="120000" w="120000">
+              <a:path w="120000" h="120000" extrusionOk="0">
                 <a:moveTo>
                   <a:pt x="0" y="0"/>
                 </a:moveTo>
@@ -1892,11 +2241,11 @@
 </file>
 
 <file path=ppt/notesSlides/notesSlide4.xml><?xml version="1.0" encoding="utf-8"?>
-<p:notes xmlns:a="http://schemas.openxmlformats.org/drawingml/2006/main" xmlns:r="http://schemas.openxmlformats.org/officeDocument/2006/relationships" xmlns:mc="http://schemas.openxmlformats.org/markup-compatibility/2006" xmlns:mv="urn:schemas-microsoft-com:mac:vml" xmlns:p="http://schemas.openxmlformats.org/presentationml/2006/main" xmlns:c="http://schemas.openxmlformats.org/drawingml/2006/chart" xmlns:dgm="http://schemas.openxmlformats.org/drawingml/2006/diagram" xmlns:o="urn:schemas-microsoft-com:office:office" xmlns:v="urn:schemas-microsoft-com:vml" xmlns:pvml="urn:schemas-microsoft-com:office:powerpoint" xmlns:com="http://schemas.openxmlformats.org/drawingml/2006/compatibility" xmlns:p14="http://schemas.microsoft.com/office/powerpoint/2010/main" xmlns:p15="http://schemas.microsoft.com/office/powerpoint/2012/main" xmlns:ahyp="http://schemas.microsoft.com/office/drawing/2018/hyperlinkcolor" showMasterPhAnim="0" showMasterSp="0">
+<p:notes xmlns:a="http://schemas.openxmlformats.org/drawingml/2006/main" xmlns:r="http://schemas.openxmlformats.org/officeDocument/2006/relationships" xmlns:p="http://schemas.openxmlformats.org/presentationml/2006/main" showMasterSp="0" showMasterPhAnim="0">
   <p:cSld>
     <p:spTree>
       <p:nvGrpSpPr>
-        <p:cNvPr id="74" name="Shape 74"/>
+        <p:cNvPr id="1" name="Shape 74"/>
         <p:cNvGrpSpPr/>
         <p:nvPr/>
       </p:nvGrpSpPr>
@@ -1911,9 +2260,11 @@
       <p:sp>
         <p:nvSpPr>
           <p:cNvPr id="75" name="Google Shape;75;p3:notes"/>
-          <p:cNvSpPr txBox="1"/>
+          <p:cNvSpPr txBox="1">
+            <a:spLocks noGrp="1"/>
+          </p:cNvSpPr>
           <p:nvPr>
-            <p:ph idx="1" type="body"/>
+            <p:ph type="body" idx="1"/>
           </p:nvPr>
         </p:nvSpPr>
         <p:spPr>
@@ -1926,23 +2277,20 @@
           </a:prstGeom>
         </p:spPr>
         <p:txBody>
-          <a:bodyPr anchorCtr="0" anchor="t" bIns="91425" lIns="91425" spcFirstLastPara="1" rIns="91425" wrap="square" tIns="91425">
+          <a:bodyPr spcFirstLastPara="1" wrap="square" lIns="91425" tIns="91425" rIns="91425" bIns="91425" anchor="t" anchorCtr="0">
             <a:noAutofit/>
           </a:bodyPr>
           <a:lstStyle/>
           <a:p>
-            <a:pPr indent="0" lvl="0" marL="0" rtl="0" algn="l">
-              <a:spcBef>
-                <a:spcPts val="0"/>
-              </a:spcBef>
-              <a:spcAft>
-                <a:spcPts val="0"/>
-              </a:spcAft>
-              <a:buNone/>
-            </a:pPr>
-            <a:r>
-              <a:t/>
-            </a:r>
+            <a:pPr marL="0" lvl="0" indent="0" algn="l" rtl="0">
+              <a:spcBef>
+                <a:spcPts val="0"/>
+              </a:spcBef>
+              <a:spcAft>
+                <a:spcPts val="0"/>
+              </a:spcAft>
+              <a:buNone/>
+            </a:pPr>
             <a:endParaRPr/>
           </a:p>
         </p:txBody>
@@ -1950,9 +2298,11 @@
       <p:sp>
         <p:nvSpPr>
           <p:cNvPr id="76" name="Google Shape;76;p3:notes"/>
-          <p:cNvSpPr/>
+          <p:cNvSpPr>
+            <a:spLocks noGrp="1" noRot="1" noChangeAspect="1"/>
+          </p:cNvSpPr>
           <p:nvPr>
-            <p:ph idx="2" type="sldImg"/>
+            <p:ph type="sldImg" idx="2"/>
           </p:nvPr>
         </p:nvSpPr>
         <p:spPr>
@@ -1961,9 +2311,13 @@
             <a:ext cx="4572225" cy="3429000"/>
           </a:xfrm>
           <a:custGeom>
-            <a:rect b="b" l="l" r="r" t="t"/>
+            <a:avLst/>
+            <a:gdLst/>
+            <a:ahLst/>
+            <a:cxnLst/>
+            <a:rect l="l" t="t" r="r" b="b"/>
             <a:pathLst>
-              <a:path extrusionOk="0" h="120000" w="120000">
+              <a:path w="120000" h="120000" extrusionOk="0">
                 <a:moveTo>
                   <a:pt x="0" y="0"/>
                 </a:moveTo>
@@ -1991,11 +2345,11 @@
 </file>
 
 <file path=ppt/notesSlides/notesSlide5.xml><?xml version="1.0" encoding="utf-8"?>
-<p:notes xmlns:a="http://schemas.openxmlformats.org/drawingml/2006/main" xmlns:r="http://schemas.openxmlformats.org/officeDocument/2006/relationships" xmlns:mc="http://schemas.openxmlformats.org/markup-compatibility/2006" xmlns:mv="urn:schemas-microsoft-com:mac:vml" xmlns:p="http://schemas.openxmlformats.org/presentationml/2006/main" xmlns:c="http://schemas.openxmlformats.org/drawingml/2006/chart" xmlns:dgm="http://schemas.openxmlformats.org/drawingml/2006/diagram" xmlns:o="urn:schemas-microsoft-com:office:office" xmlns:v="urn:schemas-microsoft-com:vml" xmlns:pvml="urn:schemas-microsoft-com:office:powerpoint" xmlns:com="http://schemas.openxmlformats.org/drawingml/2006/compatibility" xmlns:p14="http://schemas.microsoft.com/office/powerpoint/2010/main" xmlns:p15="http://schemas.microsoft.com/office/powerpoint/2012/main" xmlns:ahyp="http://schemas.microsoft.com/office/drawing/2018/hyperlinkcolor" showMasterPhAnim="0" showMasterSp="0">
+<p:notes xmlns:a="http://schemas.openxmlformats.org/drawingml/2006/main" xmlns:r="http://schemas.openxmlformats.org/officeDocument/2006/relationships" xmlns:p="http://schemas.openxmlformats.org/presentationml/2006/main" showMasterSp="0" showMasterPhAnim="0">
   <p:cSld>
     <p:spTree>
       <p:nvGrpSpPr>
-        <p:cNvPr id="80" name="Shape 80"/>
+        <p:cNvPr id="1" name="Shape 80"/>
         <p:cNvGrpSpPr/>
         <p:nvPr/>
       </p:nvGrpSpPr>
@@ -2010,9 +2364,11 @@
       <p:sp>
         <p:nvSpPr>
           <p:cNvPr id="81" name="Google Shape;81;p4:notes"/>
-          <p:cNvSpPr txBox="1"/>
+          <p:cNvSpPr txBox="1">
+            <a:spLocks noGrp="1"/>
+          </p:cNvSpPr>
           <p:nvPr>
-            <p:ph idx="1" type="body"/>
+            <p:ph type="body" idx="1"/>
           </p:nvPr>
         </p:nvSpPr>
         <p:spPr>
@@ -2025,23 +2381,20 @@
           </a:prstGeom>
         </p:spPr>
         <p:txBody>
-          <a:bodyPr anchorCtr="0" anchor="t" bIns="91425" lIns="91425" spcFirstLastPara="1" rIns="91425" wrap="square" tIns="91425">
+          <a:bodyPr spcFirstLastPara="1" wrap="square" lIns="91425" tIns="91425" rIns="91425" bIns="91425" anchor="t" anchorCtr="0">
             <a:noAutofit/>
           </a:bodyPr>
           <a:lstStyle/>
           <a:p>
-            <a:pPr indent="0" lvl="0" marL="0" rtl="0" algn="l">
-              <a:spcBef>
-                <a:spcPts val="0"/>
-              </a:spcBef>
-              <a:spcAft>
-                <a:spcPts val="0"/>
-              </a:spcAft>
-              <a:buNone/>
-            </a:pPr>
-            <a:r>
-              <a:t/>
-            </a:r>
+            <a:pPr marL="0" lvl="0" indent="0" algn="l" rtl="0">
+              <a:spcBef>
+                <a:spcPts val="0"/>
+              </a:spcBef>
+              <a:spcAft>
+                <a:spcPts val="0"/>
+              </a:spcAft>
+              <a:buNone/>
+            </a:pPr>
             <a:endParaRPr/>
           </a:p>
         </p:txBody>
@@ -2049,9 +2402,11 @@
       <p:sp>
         <p:nvSpPr>
           <p:cNvPr id="82" name="Google Shape;82;p4:notes"/>
-          <p:cNvSpPr/>
+          <p:cNvSpPr>
+            <a:spLocks noGrp="1" noRot="1" noChangeAspect="1"/>
+          </p:cNvSpPr>
           <p:nvPr>
-            <p:ph idx="2" type="sldImg"/>
+            <p:ph type="sldImg" idx="2"/>
           </p:nvPr>
         </p:nvSpPr>
         <p:spPr>
@@ -2060,9 +2415,13 @@
             <a:ext cx="4572225" cy="3429000"/>
           </a:xfrm>
           <a:custGeom>
-            <a:rect b="b" l="l" r="r" t="t"/>
+            <a:avLst/>
+            <a:gdLst/>
+            <a:ahLst/>
+            <a:cxnLst/>
+            <a:rect l="l" t="t" r="r" b="b"/>
             <a:pathLst>
-              <a:path extrusionOk="0" h="120000" w="120000">
+              <a:path w="120000" h="120000" extrusionOk="0">
                 <a:moveTo>
                   <a:pt x="0" y="0"/>
                 </a:moveTo>
@@ -2090,11 +2449,11 @@
 </file>
 
 <file path=ppt/notesSlides/notesSlide6.xml><?xml version="1.0" encoding="utf-8"?>
-<p:notes xmlns:a="http://schemas.openxmlformats.org/drawingml/2006/main" xmlns:r="http://schemas.openxmlformats.org/officeDocument/2006/relationships" xmlns:mc="http://schemas.openxmlformats.org/markup-compatibility/2006" xmlns:mv="urn:schemas-microsoft-com:mac:vml" xmlns:p="http://schemas.openxmlformats.org/presentationml/2006/main" xmlns:c="http://schemas.openxmlformats.org/drawingml/2006/chart" xmlns:dgm="http://schemas.openxmlformats.org/drawingml/2006/diagram" xmlns:o="urn:schemas-microsoft-com:office:office" xmlns:v="urn:schemas-microsoft-com:vml" xmlns:pvml="urn:schemas-microsoft-com:office:powerpoint" xmlns:com="http://schemas.openxmlformats.org/drawingml/2006/compatibility" xmlns:p14="http://schemas.microsoft.com/office/powerpoint/2010/main" xmlns:p15="http://schemas.microsoft.com/office/powerpoint/2012/main" xmlns:ahyp="http://schemas.microsoft.com/office/drawing/2018/hyperlinkcolor" showMasterPhAnim="0" showMasterSp="0">
+<p:notes xmlns:a="http://schemas.openxmlformats.org/drawingml/2006/main" xmlns:r="http://schemas.openxmlformats.org/officeDocument/2006/relationships" xmlns:p="http://schemas.openxmlformats.org/presentationml/2006/main" showMasterSp="0" showMasterPhAnim="0">
   <p:cSld>
     <p:spTree>
       <p:nvGrpSpPr>
-        <p:cNvPr id="88" name="Shape 88"/>
+        <p:cNvPr id="1" name="Shape 88"/>
         <p:cNvGrpSpPr/>
         <p:nvPr/>
       </p:nvGrpSpPr>
@@ -2109,9 +2468,11 @@
       <p:sp>
         <p:nvSpPr>
           <p:cNvPr id="89" name="Google Shape;89;p8:notes"/>
-          <p:cNvSpPr txBox="1"/>
+          <p:cNvSpPr txBox="1">
+            <a:spLocks noGrp="1"/>
+          </p:cNvSpPr>
           <p:nvPr>
-            <p:ph idx="1" type="body"/>
+            <p:ph type="body" idx="1"/>
           </p:nvPr>
         </p:nvSpPr>
         <p:spPr>
@@ -2124,23 +2485,20 @@
           </a:prstGeom>
         </p:spPr>
         <p:txBody>
-          <a:bodyPr anchorCtr="0" anchor="t" bIns="91425" lIns="91425" spcFirstLastPara="1" rIns="91425" wrap="square" tIns="91425">
+          <a:bodyPr spcFirstLastPara="1" wrap="square" lIns="91425" tIns="91425" rIns="91425" bIns="91425" anchor="t" anchorCtr="0">
             <a:noAutofit/>
           </a:bodyPr>
           <a:lstStyle/>
           <a:p>
-            <a:pPr indent="0" lvl="0" marL="0" rtl="0" algn="l">
-              <a:spcBef>
-                <a:spcPts val="0"/>
-              </a:spcBef>
-              <a:spcAft>
-                <a:spcPts val="0"/>
-              </a:spcAft>
-              <a:buNone/>
-            </a:pPr>
-            <a:r>
-              <a:t/>
-            </a:r>
+            <a:pPr marL="0" lvl="0" indent="0" algn="l" rtl="0">
+              <a:spcBef>
+                <a:spcPts val="0"/>
+              </a:spcBef>
+              <a:spcAft>
+                <a:spcPts val="0"/>
+              </a:spcAft>
+              <a:buNone/>
+            </a:pPr>
             <a:endParaRPr/>
           </a:p>
         </p:txBody>
@@ -2148,9 +2506,11 @@
       <p:sp>
         <p:nvSpPr>
           <p:cNvPr id="90" name="Google Shape;90;p8:notes"/>
-          <p:cNvSpPr/>
+          <p:cNvSpPr>
+            <a:spLocks noGrp="1" noRot="1" noChangeAspect="1"/>
+          </p:cNvSpPr>
           <p:nvPr>
-            <p:ph idx="2" type="sldImg"/>
+            <p:ph type="sldImg" idx="2"/>
           </p:nvPr>
         </p:nvSpPr>
         <p:spPr>
@@ -2159,9 +2519,13 @@
             <a:ext cx="4572225" cy="3429000"/>
           </a:xfrm>
           <a:custGeom>
-            <a:rect b="b" l="l" r="r" t="t"/>
+            <a:avLst/>
+            <a:gdLst/>
+            <a:ahLst/>
+            <a:cxnLst/>
+            <a:rect l="l" t="t" r="r" b="b"/>
             <a:pathLst>
-              <a:path extrusionOk="0" h="120000" w="120000">
+              <a:path w="120000" h="120000" extrusionOk="0">
                 <a:moveTo>
                   <a:pt x="0" y="0"/>
                 </a:moveTo>
@@ -2189,11 +2553,11 @@
 </file>
 
 <file path=ppt/notesSlides/notesSlide7.xml><?xml version="1.0" encoding="utf-8"?>
-<p:notes xmlns:a="http://schemas.openxmlformats.org/drawingml/2006/main" xmlns:r="http://schemas.openxmlformats.org/officeDocument/2006/relationships" xmlns:mc="http://schemas.openxmlformats.org/markup-compatibility/2006" xmlns:mv="urn:schemas-microsoft-com:mac:vml" xmlns:p="http://schemas.openxmlformats.org/presentationml/2006/main" xmlns:c="http://schemas.openxmlformats.org/drawingml/2006/chart" xmlns:dgm="http://schemas.openxmlformats.org/drawingml/2006/diagram" xmlns:o="urn:schemas-microsoft-com:office:office" xmlns:v="urn:schemas-microsoft-com:vml" xmlns:pvml="urn:schemas-microsoft-com:office:powerpoint" xmlns:com="http://schemas.openxmlformats.org/drawingml/2006/compatibility" xmlns:p14="http://schemas.microsoft.com/office/powerpoint/2010/main" xmlns:p15="http://schemas.microsoft.com/office/powerpoint/2012/main" xmlns:ahyp="http://schemas.microsoft.com/office/drawing/2018/hyperlinkcolor" showMasterPhAnim="0" showMasterSp="0">
+<p:notes xmlns:a="http://schemas.openxmlformats.org/drawingml/2006/main" xmlns:r="http://schemas.openxmlformats.org/officeDocument/2006/relationships" xmlns:p="http://schemas.openxmlformats.org/presentationml/2006/main" showMasterSp="0" showMasterPhAnim="0">
   <p:cSld>
     <p:spTree>
       <p:nvGrpSpPr>
-        <p:cNvPr id="94" name="Shape 94"/>
+        <p:cNvPr id="1" name="Shape 94"/>
         <p:cNvGrpSpPr/>
         <p:nvPr/>
       </p:nvGrpSpPr>
@@ -2208,20 +2572,26 @@
       <p:sp>
         <p:nvSpPr>
           <p:cNvPr id="95" name="Google Shape;95;g313f73036cb_0_166:notes"/>
-          <p:cNvSpPr/>
+          <p:cNvSpPr>
+            <a:spLocks noGrp="1" noRot="1" noChangeAspect="1"/>
+          </p:cNvSpPr>
           <p:nvPr>
-            <p:ph idx="2" type="sldImg"/>
+            <p:ph type="sldImg" idx="2"/>
           </p:nvPr>
         </p:nvSpPr>
         <p:spPr>
           <a:xfrm>
-            <a:off x="1143225" y="685800"/>
-            <a:ext cx="4572300" cy="3429000"/>
+            <a:off x="381000" y="685800"/>
+            <a:ext cx="6096000" cy="3429000"/>
           </a:xfrm>
           <a:custGeom>
-            <a:rect b="b" l="l" r="r" t="t"/>
+            <a:avLst/>
+            <a:gdLst/>
+            <a:ahLst/>
+            <a:cxnLst/>
+            <a:rect l="l" t="t" r="r" b="b"/>
             <a:pathLst>
-              <a:path extrusionOk="0" h="120000" w="120000">
+              <a:path w="120000" h="120000" extrusionOk="0">
                 <a:moveTo>
                   <a:pt x="0" y="0"/>
                 </a:moveTo>
@@ -2243,9 +2613,11 @@
       <p:sp>
         <p:nvSpPr>
           <p:cNvPr id="96" name="Google Shape;96;g313f73036cb_0_166:notes"/>
-          <p:cNvSpPr txBox="1"/>
+          <p:cNvSpPr txBox="1">
+            <a:spLocks noGrp="1"/>
+          </p:cNvSpPr>
           <p:nvPr>
-            <p:ph idx="1" type="body"/>
+            <p:ph type="body" idx="1"/>
           </p:nvPr>
         </p:nvSpPr>
         <p:spPr>
@@ -2258,23 +2630,20 @@
           </a:prstGeom>
         </p:spPr>
         <p:txBody>
-          <a:bodyPr anchorCtr="0" anchor="t" bIns="91425" lIns="91425" spcFirstLastPara="1" rIns="91425" wrap="square" tIns="91425">
+          <a:bodyPr spcFirstLastPara="1" wrap="square" lIns="91425" tIns="91425" rIns="91425" bIns="91425" anchor="t" anchorCtr="0">
             <a:noAutofit/>
           </a:bodyPr>
           <a:lstStyle/>
           <a:p>
-            <a:pPr indent="0" lvl="0" marL="0" rtl="0" algn="l">
-              <a:spcBef>
-                <a:spcPts val="0"/>
-              </a:spcBef>
-              <a:spcAft>
-                <a:spcPts val="0"/>
-              </a:spcAft>
-              <a:buNone/>
-            </a:pPr>
-            <a:r>
-              <a:t/>
-            </a:r>
+            <a:pPr marL="0" lvl="0" indent="0" algn="l" rtl="0">
+              <a:spcBef>
+                <a:spcPts val="0"/>
+              </a:spcBef>
+              <a:spcAft>
+                <a:spcPts val="0"/>
+              </a:spcAft>
+              <a:buNone/>
+            </a:pPr>
             <a:endParaRPr/>
           </a:p>
         </p:txBody>
@@ -2288,11 +2657,11 @@
 </file>
 
 <file path=ppt/notesSlides/notesSlide8.xml><?xml version="1.0" encoding="utf-8"?>
-<p:notes xmlns:a="http://schemas.openxmlformats.org/drawingml/2006/main" xmlns:r="http://schemas.openxmlformats.org/officeDocument/2006/relationships" xmlns:mc="http://schemas.openxmlformats.org/markup-compatibility/2006" xmlns:mv="urn:schemas-microsoft-com:mac:vml" xmlns:p="http://schemas.openxmlformats.org/presentationml/2006/main" xmlns:c="http://schemas.openxmlformats.org/drawingml/2006/chart" xmlns:dgm="http://schemas.openxmlformats.org/drawingml/2006/diagram" xmlns:o="urn:schemas-microsoft-com:office:office" xmlns:v="urn:schemas-microsoft-com:vml" xmlns:pvml="urn:schemas-microsoft-com:office:powerpoint" xmlns:com="http://schemas.openxmlformats.org/drawingml/2006/compatibility" xmlns:p14="http://schemas.microsoft.com/office/powerpoint/2010/main" xmlns:p15="http://schemas.microsoft.com/office/powerpoint/2012/main" xmlns:ahyp="http://schemas.microsoft.com/office/drawing/2018/hyperlinkcolor" showMasterPhAnim="0" showMasterSp="0">
+<p:notes xmlns:a="http://schemas.openxmlformats.org/drawingml/2006/main" xmlns:r="http://schemas.openxmlformats.org/officeDocument/2006/relationships" xmlns:p="http://schemas.openxmlformats.org/presentationml/2006/main" showMasterSp="0" showMasterPhAnim="0">
   <p:cSld>
     <p:spTree>
       <p:nvGrpSpPr>
-        <p:cNvPr id="100" name="Shape 100"/>
+        <p:cNvPr id="1" name="Shape 100"/>
         <p:cNvGrpSpPr/>
         <p:nvPr/>
       </p:nvGrpSpPr>
@@ -2307,20 +2676,26 @@
       <p:sp>
         <p:nvSpPr>
           <p:cNvPr id="101" name="Google Shape;101;g313f73036cb_0_183:notes"/>
-          <p:cNvSpPr/>
+          <p:cNvSpPr>
+            <a:spLocks noGrp="1" noRot="1" noChangeAspect="1"/>
+          </p:cNvSpPr>
           <p:nvPr>
-            <p:ph idx="2" type="sldImg"/>
+            <p:ph type="sldImg" idx="2"/>
           </p:nvPr>
         </p:nvSpPr>
         <p:spPr>
           <a:xfrm>
-            <a:off x="1143225" y="685800"/>
-            <a:ext cx="4572300" cy="3429000"/>
+            <a:off x="381000" y="685800"/>
+            <a:ext cx="6096000" cy="3429000"/>
           </a:xfrm>
           <a:custGeom>
-            <a:rect b="b" l="l" r="r" t="t"/>
+            <a:avLst/>
+            <a:gdLst/>
+            <a:ahLst/>
+            <a:cxnLst/>
+            <a:rect l="l" t="t" r="r" b="b"/>
             <a:pathLst>
-              <a:path extrusionOk="0" h="120000" w="120000">
+              <a:path w="120000" h="120000" extrusionOk="0">
                 <a:moveTo>
                   <a:pt x="0" y="0"/>
                 </a:moveTo>
@@ -2342,9 +2717,11 @@
       <p:sp>
         <p:nvSpPr>
           <p:cNvPr id="102" name="Google Shape;102;g313f73036cb_0_183:notes"/>
-          <p:cNvSpPr txBox="1"/>
+          <p:cNvSpPr txBox="1">
+            <a:spLocks noGrp="1"/>
+          </p:cNvSpPr>
           <p:nvPr>
-            <p:ph idx="1" type="body"/>
+            <p:ph type="body" idx="1"/>
           </p:nvPr>
         </p:nvSpPr>
         <p:spPr>
@@ -2357,23 +2734,20 @@
           </a:prstGeom>
         </p:spPr>
         <p:txBody>
-          <a:bodyPr anchorCtr="0" anchor="t" bIns="91425" lIns="91425" spcFirstLastPara="1" rIns="91425" wrap="square" tIns="91425">
+          <a:bodyPr spcFirstLastPara="1" wrap="square" lIns="91425" tIns="91425" rIns="91425" bIns="91425" anchor="t" anchorCtr="0">
             <a:noAutofit/>
           </a:bodyPr>
           <a:lstStyle/>
           <a:p>
-            <a:pPr indent="0" lvl="0" marL="0" rtl="0" algn="l">
-              <a:spcBef>
-                <a:spcPts val="0"/>
-              </a:spcBef>
-              <a:spcAft>
-                <a:spcPts val="0"/>
-              </a:spcAft>
-              <a:buNone/>
-            </a:pPr>
-            <a:r>
-              <a:t/>
-            </a:r>
+            <a:pPr marL="0" lvl="0" indent="0" algn="l" rtl="0">
+              <a:spcBef>
+                <a:spcPts val="0"/>
+              </a:spcBef>
+              <a:spcAft>
+                <a:spcPts val="0"/>
+              </a:spcAft>
+              <a:buNone/>
+            </a:pPr>
             <a:endParaRPr/>
           </a:p>
         </p:txBody>
@@ -2387,11 +2761,11 @@
 </file>
 
 <file path=ppt/notesSlides/notesSlide9.xml><?xml version="1.0" encoding="utf-8"?>
-<p:notes xmlns:a="http://schemas.openxmlformats.org/drawingml/2006/main" xmlns:r="http://schemas.openxmlformats.org/officeDocument/2006/relationships" xmlns:mc="http://schemas.openxmlformats.org/markup-compatibility/2006" xmlns:mv="urn:schemas-microsoft-com:mac:vml" xmlns:p="http://schemas.openxmlformats.org/presentationml/2006/main" xmlns:c="http://schemas.openxmlformats.org/drawingml/2006/chart" xmlns:dgm="http://schemas.openxmlformats.org/drawingml/2006/diagram" xmlns:o="urn:schemas-microsoft-com:office:office" xmlns:v="urn:schemas-microsoft-com:vml" xmlns:pvml="urn:schemas-microsoft-com:office:powerpoint" xmlns:com="http://schemas.openxmlformats.org/drawingml/2006/compatibility" xmlns:p14="http://schemas.microsoft.com/office/powerpoint/2010/main" xmlns:p15="http://schemas.microsoft.com/office/powerpoint/2012/main" xmlns:ahyp="http://schemas.microsoft.com/office/drawing/2018/hyperlinkcolor" showMasterPhAnim="0" showMasterSp="0">
+<p:notes xmlns:a="http://schemas.openxmlformats.org/drawingml/2006/main" xmlns:r="http://schemas.openxmlformats.org/officeDocument/2006/relationships" xmlns:p="http://schemas.openxmlformats.org/presentationml/2006/main" showMasterSp="0" showMasterPhAnim="0">
   <p:cSld>
     <p:spTree>
       <p:nvGrpSpPr>
-        <p:cNvPr id="106" name="Shape 106"/>
+        <p:cNvPr id="1" name="Shape 106"/>
         <p:cNvGrpSpPr/>
         <p:nvPr/>
       </p:nvGrpSpPr>
@@ -2406,20 +2780,26 @@
       <p:sp>
         <p:nvSpPr>
           <p:cNvPr id="107" name="Google Shape;107;g313f73036cb_0_201:notes"/>
-          <p:cNvSpPr/>
+          <p:cNvSpPr>
+            <a:spLocks noGrp="1" noRot="1" noChangeAspect="1"/>
+          </p:cNvSpPr>
           <p:nvPr>
-            <p:ph idx="2" type="sldImg"/>
+            <p:ph type="sldImg" idx="2"/>
           </p:nvPr>
         </p:nvSpPr>
         <p:spPr>
           <a:xfrm>
-            <a:off x="1143225" y="685800"/>
-            <a:ext cx="4572300" cy="3429000"/>
+            <a:off x="381000" y="685800"/>
+            <a:ext cx="6096000" cy="3429000"/>
           </a:xfrm>
           <a:custGeom>
-            <a:rect b="b" l="l" r="r" t="t"/>
+            <a:avLst/>
+            <a:gdLst/>
+            <a:ahLst/>
+            <a:cxnLst/>
+            <a:rect l="l" t="t" r="r" b="b"/>
             <a:pathLst>
-              <a:path extrusionOk="0" h="120000" w="120000">
+              <a:path w="120000" h="120000" extrusionOk="0">
                 <a:moveTo>
                   <a:pt x="0" y="0"/>
                 </a:moveTo>
@@ -2441,9 +2821,11 @@
       <p:sp>
         <p:nvSpPr>
           <p:cNvPr id="108" name="Google Shape;108;g313f73036cb_0_201:notes"/>
-          <p:cNvSpPr txBox="1"/>
+          <p:cNvSpPr txBox="1">
+            <a:spLocks noGrp="1"/>
+          </p:cNvSpPr>
           <p:nvPr>
-            <p:ph idx="1" type="body"/>
+            <p:ph type="body" idx="1"/>
           </p:nvPr>
         </p:nvSpPr>
         <p:spPr>
@@ -2456,23 +2838,20 @@
           </a:prstGeom>
         </p:spPr>
         <p:txBody>
-          <a:bodyPr anchorCtr="0" anchor="t" bIns="91425" lIns="91425" spcFirstLastPara="1" rIns="91425" wrap="square" tIns="91425">
+          <a:bodyPr spcFirstLastPara="1" wrap="square" lIns="91425" tIns="91425" rIns="91425" bIns="91425" anchor="t" anchorCtr="0">
             <a:noAutofit/>
           </a:bodyPr>
           <a:lstStyle/>
           <a:p>
-            <a:pPr indent="0" lvl="0" marL="0" rtl="0" algn="l">
-              <a:spcBef>
-                <a:spcPts val="0"/>
-              </a:spcBef>
-              <a:spcAft>
-                <a:spcPts val="0"/>
-              </a:spcAft>
-              <a:buNone/>
-            </a:pPr>
-            <a:r>
-              <a:t/>
-            </a:r>
+            <a:pPr marL="0" lvl="0" indent="0" algn="l" rtl="0">
+              <a:spcBef>
+                <a:spcPts val="0"/>
+              </a:spcBef>
+              <a:spcAft>
+                <a:spcPts val="0"/>
+              </a:spcAft>
+              <a:buNone/>
+            </a:pPr>
             <a:endParaRPr/>
           </a:p>
         </p:txBody>
@@ -2486,11 +2865,11 @@
 </file>
 
 <file path=ppt/slideLayouts/slideLayout1.xml><?xml version="1.0" encoding="utf-8"?>
-<p:sldLayout xmlns:a="http://schemas.openxmlformats.org/drawingml/2006/main" xmlns:r="http://schemas.openxmlformats.org/officeDocument/2006/relationships" xmlns:mc="http://schemas.openxmlformats.org/markup-compatibility/2006" xmlns:mv="urn:schemas-microsoft-com:mac:vml" xmlns:p="http://schemas.openxmlformats.org/presentationml/2006/main" xmlns:c="http://schemas.openxmlformats.org/drawingml/2006/chart" xmlns:dgm="http://schemas.openxmlformats.org/drawingml/2006/diagram" xmlns:o="urn:schemas-microsoft-com:office:office" xmlns:v="urn:schemas-microsoft-com:vml" xmlns:pvml="urn:schemas-microsoft-com:office:powerpoint" xmlns:com="http://schemas.openxmlformats.org/drawingml/2006/compatibility" xmlns:p14="http://schemas.microsoft.com/office/powerpoint/2010/main" xmlns:p15="http://schemas.microsoft.com/office/powerpoint/2012/main" xmlns:ahyp="http://schemas.microsoft.com/office/drawing/2018/hyperlinkcolor" matchingName="Title slide" type="title">
+<p:sldLayout xmlns:a="http://schemas.openxmlformats.org/drawingml/2006/main" xmlns:r="http://schemas.openxmlformats.org/officeDocument/2006/relationships" xmlns:p="http://schemas.openxmlformats.org/presentationml/2006/main" matchingName="Title slide" type="title">
   <p:cSld name="TITLE">
     <p:spTree>
       <p:nvGrpSpPr>
-        <p:cNvPr id="9" name="Shape 9"/>
+        <p:cNvPr id="1" name="Shape 9"/>
         <p:cNvGrpSpPr/>
         <p:nvPr/>
       </p:nvGrpSpPr>
@@ -2538,12 +2917,12 @@
             </a:ln>
           </p:spPr>
           <p:txBody>
-            <a:bodyPr anchorCtr="0" anchor="ctr" bIns="121900" lIns="121900" spcFirstLastPara="1" rIns="121900" wrap="square" tIns="121900">
+            <a:bodyPr spcFirstLastPara="1" wrap="square" lIns="121900" tIns="121900" rIns="121900" bIns="121900" anchor="ctr" anchorCtr="0">
               <a:noAutofit/>
             </a:bodyPr>
             <a:lstStyle/>
             <a:p>
-              <a:pPr indent="0" lvl="0" marL="0" rtl="0" algn="l">
+              <a:pPr marL="0" lvl="0" indent="0" algn="l" rtl="0">
                 <a:spcBef>
                   <a:spcPts val="0"/>
                 </a:spcBef>
@@ -2552,9 +2931,6 @@
                 </a:spcAft>
                 <a:buNone/>
               </a:pPr>
-              <a:r>
-                <a:t/>
-              </a:r>
               <a:endParaRPr/>
             </a:p>
           </p:txBody>
@@ -2581,12 +2957,12 @@
             </a:ln>
           </p:spPr>
           <p:txBody>
-            <a:bodyPr anchorCtr="0" anchor="ctr" bIns="121900" lIns="121900" spcFirstLastPara="1" rIns="121900" wrap="square" tIns="121900">
+            <a:bodyPr spcFirstLastPara="1" wrap="square" lIns="121900" tIns="121900" rIns="121900" bIns="121900" anchor="ctr" anchorCtr="0">
               <a:noAutofit/>
             </a:bodyPr>
             <a:lstStyle/>
             <a:p>
-              <a:pPr indent="0" lvl="0" marL="0" rtl="0" algn="l">
+              <a:pPr marL="0" lvl="0" indent="0" algn="l" rtl="0">
                 <a:spcBef>
                   <a:spcPts val="0"/>
                 </a:spcBef>
@@ -2595,9 +2971,6 @@
                 </a:spcAft>
                 <a:buNone/>
               </a:pPr>
-              <a:r>
-                <a:t/>
-              </a:r>
               <a:endParaRPr/>
             </a:p>
           </p:txBody>
@@ -2624,12 +2997,12 @@
             </a:ln>
           </p:spPr>
           <p:txBody>
-            <a:bodyPr anchorCtr="0" anchor="ctr" bIns="121900" lIns="121900" spcFirstLastPara="1" rIns="121900" wrap="square" tIns="121900">
+            <a:bodyPr spcFirstLastPara="1" wrap="square" lIns="121900" tIns="121900" rIns="121900" bIns="121900" anchor="ctr" anchorCtr="0">
               <a:noAutofit/>
             </a:bodyPr>
             <a:lstStyle/>
             <a:p>
-              <a:pPr indent="0" lvl="0" marL="0" rtl="0" algn="l">
+              <a:pPr marL="0" lvl="0" indent="0" algn="l" rtl="0">
                 <a:spcBef>
                   <a:spcPts val="0"/>
                 </a:spcBef>
@@ -2638,9 +3011,6 @@
                 </a:spcAft>
                 <a:buNone/>
               </a:pPr>
-              <a:r>
-                <a:t/>
-              </a:r>
               <a:endParaRPr/>
             </a:p>
           </p:txBody>
@@ -2649,7 +3019,9 @@
       <p:sp>
         <p:nvSpPr>
           <p:cNvPr id="14" name="Google Shape;14;g313f73036cb_0_104"/>
-          <p:cNvSpPr txBox="1"/>
+          <p:cNvSpPr txBox="1">
+            <a:spLocks noGrp="1"/>
+          </p:cNvSpPr>
           <p:nvPr>
             <p:ph type="ctrTitle"/>
           </p:nvPr>
@@ -2664,7 +3036,7 @@
           </a:prstGeom>
         </p:spPr>
         <p:txBody>
-          <a:bodyPr anchorCtr="0" anchor="b" bIns="121900" lIns="121900" spcFirstLastPara="1" rIns="121900" wrap="square" tIns="121900">
+          <a:bodyPr spcFirstLastPara="1" wrap="square" lIns="121900" tIns="121900" rIns="121900" bIns="121900" anchor="b" anchorCtr="0">
             <a:normAutofit/>
           </a:bodyPr>
           <a:lstStyle>
@@ -2768,15 +3140,19 @@
               <a:defRPr sz="6400"/>
             </a:lvl9pPr>
           </a:lstStyle>
-          <a:p/>
+          <a:p>
+            <a:endParaRPr/>
+          </a:p>
         </p:txBody>
       </p:sp>
       <p:sp>
         <p:nvSpPr>
           <p:cNvPr id="15" name="Google Shape;15;g313f73036cb_0_104"/>
-          <p:cNvSpPr txBox="1"/>
+          <p:cNvSpPr txBox="1">
+            <a:spLocks noGrp="1"/>
+          </p:cNvSpPr>
           <p:nvPr>
-            <p:ph idx="1" type="subTitle"/>
+            <p:ph type="subTitle" idx="1"/>
           </p:nvPr>
         </p:nvSpPr>
         <p:spPr>
@@ -2789,7 +3165,7 @@
           </a:prstGeom>
         </p:spPr>
         <p:txBody>
-          <a:bodyPr anchorCtr="0" anchor="t" bIns="121900" lIns="121900" spcFirstLastPara="1" rIns="121900" wrap="square" tIns="121900">
+          <a:bodyPr spcFirstLastPara="1" wrap="square" lIns="121900" tIns="121900" rIns="121900" bIns="121900" anchor="t" anchorCtr="0">
             <a:normAutofit/>
           </a:bodyPr>
           <a:lstStyle>
@@ -2920,15 +3296,19 @@
               <a:defRPr sz="2800"/>
             </a:lvl9pPr>
           </a:lstStyle>
-          <a:p/>
+          <a:p>
+            <a:endParaRPr/>
+          </a:p>
         </p:txBody>
       </p:sp>
       <p:sp>
         <p:nvSpPr>
           <p:cNvPr id="16" name="Google Shape;16;g313f73036cb_0_104"/>
-          <p:cNvSpPr txBox="1"/>
+          <p:cNvSpPr txBox="1">
+            <a:spLocks noGrp="1"/>
+          </p:cNvSpPr>
           <p:nvPr>
-            <p:ph idx="12" type="sldNum"/>
+            <p:ph type="sldNum" idx="12"/>
           </p:nvPr>
         </p:nvSpPr>
         <p:spPr>
@@ -2941,7 +3321,7 @@
           </a:prstGeom>
         </p:spPr>
         <p:txBody>
-          <a:bodyPr anchorCtr="0" anchor="ctr" bIns="121900" lIns="121900" spcFirstLastPara="1" rIns="121900" wrap="square" tIns="121900">
+          <a:bodyPr spcFirstLastPara="1" wrap="square" lIns="121900" tIns="121900" rIns="121900" bIns="121900" anchor="ctr" anchorCtr="0">
             <a:normAutofit/>
           </a:bodyPr>
           <a:lstStyle>
@@ -2983,7 +3363,7 @@
             </a:lvl9pPr>
           </a:lstStyle>
           <a:p>
-            <a:pPr indent="0" lvl="0" marL="0" rtl="0" algn="r">
+            <a:pPr marL="0" lvl="0" indent="0" algn="r" rtl="0">
               <a:spcBef>
                 <a:spcPts val="0"/>
               </a:spcBef>
@@ -3005,15 +3385,18 @@
   <p:clrMapOvr>
     <a:masterClrMapping/>
   </p:clrMapOvr>
+  <p:transition spd="med">
+    <p:pull/>
+  </p:transition>
 </p:sldLayout>
 </file>
 
 <file path=ppt/slideLayouts/slideLayout10.xml><?xml version="1.0" encoding="utf-8"?>
-<p:sldLayout xmlns:a="http://schemas.openxmlformats.org/drawingml/2006/main" xmlns:r="http://schemas.openxmlformats.org/officeDocument/2006/relationships" xmlns:mc="http://schemas.openxmlformats.org/markup-compatibility/2006" xmlns:mv="urn:schemas-microsoft-com:mac:vml" xmlns:p="http://schemas.openxmlformats.org/presentationml/2006/main" xmlns:c="http://schemas.openxmlformats.org/drawingml/2006/chart" xmlns:dgm="http://schemas.openxmlformats.org/drawingml/2006/diagram" xmlns:o="urn:schemas-microsoft-com:office:office" xmlns:v="urn:schemas-microsoft-com:vml" xmlns:pvml="urn:schemas-microsoft-com:office:powerpoint" xmlns:com="http://schemas.openxmlformats.org/drawingml/2006/compatibility" xmlns:p14="http://schemas.microsoft.com/office/powerpoint/2010/main" xmlns:p15="http://schemas.microsoft.com/office/powerpoint/2012/main" xmlns:ahyp="http://schemas.microsoft.com/office/drawing/2018/hyperlinkcolor" matchingName="Big number">
+<p:sldLayout xmlns:a="http://schemas.openxmlformats.org/drawingml/2006/main" xmlns:r="http://schemas.openxmlformats.org/officeDocument/2006/relationships" xmlns:p="http://schemas.openxmlformats.org/presentationml/2006/main" matchingName="Big number">
   <p:cSld name="BIG_NUMBER">
     <p:spTree>
       <p:nvGrpSpPr>
-        <p:cNvPr id="49" name="Shape 49"/>
+        <p:cNvPr id="1" name="Shape 49"/>
         <p:cNvGrpSpPr/>
         <p:nvPr/>
       </p:nvGrpSpPr>
@@ -3028,9 +3411,11 @@
       <p:sp>
         <p:nvSpPr>
           <p:cNvPr id="50" name="Google Shape;50;g313f73036cb_0_144"/>
-          <p:cNvSpPr txBox="1"/>
+          <p:cNvSpPr txBox="1">
+            <a:spLocks noGrp="1"/>
+          </p:cNvSpPr>
           <p:nvPr>
-            <p:ph hasCustomPrompt="1" type="title"/>
+            <p:ph type="title" hasCustomPrompt="1"/>
           </p:nvPr>
         </p:nvSpPr>
         <p:spPr>
@@ -3043,7 +3428,7 @@
           </a:prstGeom>
         </p:spPr>
         <p:txBody>
-          <a:bodyPr anchorCtr="0" anchor="b" bIns="121900" lIns="121900" spcFirstLastPara="1" rIns="121900" wrap="square" tIns="121900">
+          <a:bodyPr spcFirstLastPara="1" wrap="square" lIns="121900" tIns="121900" rIns="121900" bIns="121900" anchor="b" anchorCtr="0">
             <a:normAutofit/>
           </a:bodyPr>
           <a:lstStyle>
@@ -3157,9 +3542,11 @@
       <p:sp>
         <p:nvSpPr>
           <p:cNvPr id="51" name="Google Shape;51;g313f73036cb_0_144"/>
-          <p:cNvSpPr txBox="1"/>
+          <p:cNvSpPr txBox="1">
+            <a:spLocks noGrp="1"/>
+          </p:cNvSpPr>
           <p:nvPr>
-            <p:ph idx="1" type="body"/>
+            <p:ph type="body" idx="1"/>
           </p:nvPr>
         </p:nvSpPr>
         <p:spPr>
@@ -3172,11 +3559,11 @@
           </a:prstGeom>
         </p:spPr>
         <p:txBody>
-          <a:bodyPr anchorCtr="0" anchor="t" bIns="121900" lIns="121900" spcFirstLastPara="1" rIns="121900" wrap="square" tIns="121900">
+          <a:bodyPr spcFirstLastPara="1" wrap="square" lIns="121900" tIns="121900" rIns="121900" bIns="121900" anchor="t" anchorCtr="0">
             <a:normAutofit/>
           </a:bodyPr>
           <a:lstStyle>
-            <a:lvl1pPr indent="-381000" lvl="0" marL="457200" algn="ctr">
+            <a:lvl1pPr marL="457200" lvl="0" indent="-381000" algn="ctr">
               <a:spcBef>
                 <a:spcPts val="0"/>
               </a:spcBef>
@@ -3187,7 +3574,7 @@
               <a:buChar char="●"/>
               <a:defRPr/>
             </a:lvl1pPr>
-            <a:lvl2pPr indent="-349250" lvl="1" marL="914400" algn="ctr">
+            <a:lvl2pPr marL="914400" lvl="1" indent="-349250" algn="ctr">
               <a:spcBef>
                 <a:spcPts val="0"/>
               </a:spcBef>
@@ -3198,7 +3585,7 @@
               <a:buChar char="○"/>
               <a:defRPr/>
             </a:lvl2pPr>
-            <a:lvl3pPr indent="-349250" lvl="2" marL="1371600" algn="ctr">
+            <a:lvl3pPr marL="1371600" lvl="2" indent="-349250" algn="ctr">
               <a:spcBef>
                 <a:spcPts val="0"/>
               </a:spcBef>
@@ -3209,7 +3596,7 @@
               <a:buChar char="■"/>
               <a:defRPr/>
             </a:lvl3pPr>
-            <a:lvl4pPr indent="-349250" lvl="3" marL="1828800" algn="ctr">
+            <a:lvl4pPr marL="1828800" lvl="3" indent="-349250" algn="ctr">
               <a:spcBef>
                 <a:spcPts val="0"/>
               </a:spcBef>
@@ -3220,7 +3607,7 @@
               <a:buChar char="●"/>
               <a:defRPr/>
             </a:lvl4pPr>
-            <a:lvl5pPr indent="-349250" lvl="4" marL="2286000" algn="ctr">
+            <a:lvl5pPr marL="2286000" lvl="4" indent="-349250" algn="ctr">
               <a:spcBef>
                 <a:spcPts val="0"/>
               </a:spcBef>
@@ -3231,7 +3618,7 @@
               <a:buChar char="○"/>
               <a:defRPr/>
             </a:lvl5pPr>
-            <a:lvl6pPr indent="-349250" lvl="5" marL="2743200" algn="ctr">
+            <a:lvl6pPr marL="2743200" lvl="5" indent="-349250" algn="ctr">
               <a:spcBef>
                 <a:spcPts val="0"/>
               </a:spcBef>
@@ -3242,7 +3629,7 @@
               <a:buChar char="■"/>
               <a:defRPr/>
             </a:lvl6pPr>
-            <a:lvl7pPr indent="-349250" lvl="6" marL="3200400" algn="ctr">
+            <a:lvl7pPr marL="3200400" lvl="6" indent="-349250" algn="ctr">
               <a:spcBef>
                 <a:spcPts val="0"/>
               </a:spcBef>
@@ -3253,7 +3640,7 @@
               <a:buChar char="●"/>
               <a:defRPr/>
             </a:lvl7pPr>
-            <a:lvl8pPr indent="-349250" lvl="7" marL="3657600" algn="ctr">
+            <a:lvl8pPr marL="3657600" lvl="7" indent="-349250" algn="ctr">
               <a:spcBef>
                 <a:spcPts val="0"/>
               </a:spcBef>
@@ -3264,7 +3651,7 @@
               <a:buChar char="○"/>
               <a:defRPr/>
             </a:lvl8pPr>
-            <a:lvl9pPr indent="-349250" lvl="8" marL="4114800" algn="ctr">
+            <a:lvl9pPr marL="4114800" lvl="8" indent="-349250" algn="ctr">
               <a:spcBef>
                 <a:spcPts val="0"/>
               </a:spcBef>
@@ -3276,15 +3663,19 @@
               <a:defRPr/>
             </a:lvl9pPr>
           </a:lstStyle>
-          <a:p/>
+          <a:p>
+            <a:endParaRPr/>
+          </a:p>
         </p:txBody>
       </p:sp>
       <p:sp>
         <p:nvSpPr>
           <p:cNvPr id="52" name="Google Shape;52;g313f73036cb_0_144"/>
-          <p:cNvSpPr txBox="1"/>
+          <p:cNvSpPr txBox="1">
+            <a:spLocks noGrp="1"/>
+          </p:cNvSpPr>
           <p:nvPr>
-            <p:ph idx="12" type="sldNum"/>
+            <p:ph type="sldNum" idx="12"/>
           </p:nvPr>
         </p:nvSpPr>
         <p:spPr>
@@ -3297,7 +3688,7 @@
           </a:prstGeom>
         </p:spPr>
         <p:txBody>
-          <a:bodyPr anchorCtr="0" anchor="ctr" bIns="121900" lIns="121900" spcFirstLastPara="1" rIns="121900" wrap="square" tIns="121900">
+          <a:bodyPr spcFirstLastPara="1" wrap="square" lIns="121900" tIns="121900" rIns="121900" bIns="121900" anchor="ctr" anchorCtr="0">
             <a:normAutofit/>
           </a:bodyPr>
           <a:lstStyle>
@@ -3339,7 +3730,7 @@
             </a:lvl9pPr>
           </a:lstStyle>
           <a:p>
-            <a:pPr indent="0" lvl="0" marL="0" rtl="0" algn="r">
+            <a:pPr marL="0" lvl="0" indent="0" algn="r" rtl="0">
               <a:spcBef>
                 <a:spcPts val="0"/>
               </a:spcBef>
@@ -3361,15 +3752,18 @@
   <p:clrMapOvr>
     <a:masterClrMapping/>
   </p:clrMapOvr>
+  <p:transition spd="med">
+    <p:pull/>
+  </p:transition>
 </p:sldLayout>
 </file>
 
 <file path=ppt/slideLayouts/slideLayout11.xml><?xml version="1.0" encoding="utf-8"?>
-<p:sldLayout xmlns:a="http://schemas.openxmlformats.org/drawingml/2006/main" xmlns:r="http://schemas.openxmlformats.org/officeDocument/2006/relationships" xmlns:mc="http://schemas.openxmlformats.org/markup-compatibility/2006" xmlns:mv="urn:schemas-microsoft-com:mac:vml" xmlns:p="http://schemas.openxmlformats.org/presentationml/2006/main" xmlns:c="http://schemas.openxmlformats.org/drawingml/2006/chart" xmlns:dgm="http://schemas.openxmlformats.org/drawingml/2006/diagram" xmlns:o="urn:schemas-microsoft-com:office:office" xmlns:v="urn:schemas-microsoft-com:vml" xmlns:pvml="urn:schemas-microsoft-com:office:powerpoint" xmlns:com="http://schemas.openxmlformats.org/drawingml/2006/compatibility" xmlns:p14="http://schemas.microsoft.com/office/powerpoint/2010/main" xmlns:p15="http://schemas.microsoft.com/office/powerpoint/2012/main" xmlns:ahyp="http://schemas.microsoft.com/office/drawing/2018/hyperlinkcolor" matchingName="Blank" type="blank">
+<p:sldLayout xmlns:a="http://schemas.openxmlformats.org/drawingml/2006/main" xmlns:r="http://schemas.openxmlformats.org/officeDocument/2006/relationships" xmlns:p="http://schemas.openxmlformats.org/presentationml/2006/main" matchingName="Blank" type="blank">
   <p:cSld name="BLANK">
     <p:spTree>
       <p:nvGrpSpPr>
-        <p:cNvPr id="53" name="Shape 53"/>
+        <p:cNvPr id="1" name="Shape 53"/>
         <p:cNvGrpSpPr/>
         <p:nvPr/>
       </p:nvGrpSpPr>
@@ -3384,9 +3778,11 @@
       <p:sp>
         <p:nvSpPr>
           <p:cNvPr id="54" name="Google Shape;54;g313f73036cb_0_148"/>
-          <p:cNvSpPr txBox="1"/>
+          <p:cNvSpPr txBox="1">
+            <a:spLocks noGrp="1"/>
+          </p:cNvSpPr>
           <p:nvPr>
-            <p:ph idx="12" type="sldNum"/>
+            <p:ph type="sldNum" idx="12"/>
           </p:nvPr>
         </p:nvSpPr>
         <p:spPr>
@@ -3399,7 +3795,7 @@
           </a:prstGeom>
         </p:spPr>
         <p:txBody>
-          <a:bodyPr anchorCtr="0" anchor="ctr" bIns="121900" lIns="121900" spcFirstLastPara="1" rIns="121900" wrap="square" tIns="121900">
+          <a:bodyPr spcFirstLastPara="1" wrap="square" lIns="121900" tIns="121900" rIns="121900" bIns="121900" anchor="ctr" anchorCtr="0">
             <a:normAutofit/>
           </a:bodyPr>
           <a:lstStyle>
@@ -3441,7 +3837,7 @@
             </a:lvl9pPr>
           </a:lstStyle>
           <a:p>
-            <a:pPr indent="0" lvl="0" marL="0" rtl="0" algn="r">
+            <a:pPr marL="0" lvl="0" indent="0" algn="r" rtl="0">
               <a:spcBef>
                 <a:spcPts val="0"/>
               </a:spcBef>
@@ -3463,15 +3859,18 @@
   <p:clrMapOvr>
     <a:masterClrMapping/>
   </p:clrMapOvr>
+  <p:transition spd="med">
+    <p:pull/>
+  </p:transition>
 </p:sldLayout>
 </file>
 
 <file path=ppt/slideLayouts/slideLayout2.xml><?xml version="1.0" encoding="utf-8"?>
-<p:sldLayout xmlns:a="http://schemas.openxmlformats.org/drawingml/2006/main" xmlns:r="http://schemas.openxmlformats.org/officeDocument/2006/relationships" xmlns:mc="http://schemas.openxmlformats.org/markup-compatibility/2006" xmlns:mv="urn:schemas-microsoft-com:mac:vml" xmlns:p="http://schemas.openxmlformats.org/presentationml/2006/main" xmlns:c="http://schemas.openxmlformats.org/drawingml/2006/chart" xmlns:dgm="http://schemas.openxmlformats.org/drawingml/2006/diagram" xmlns:o="urn:schemas-microsoft-com:office:office" xmlns:v="urn:schemas-microsoft-com:vml" xmlns:pvml="urn:schemas-microsoft-com:office:powerpoint" xmlns:com="http://schemas.openxmlformats.org/drawingml/2006/compatibility" xmlns:p14="http://schemas.microsoft.com/office/powerpoint/2010/main" xmlns:p15="http://schemas.microsoft.com/office/powerpoint/2012/main" xmlns:ahyp="http://schemas.microsoft.com/office/drawing/2018/hyperlinkcolor" matchingName="Section header" type="secHead">
+<p:sldLayout xmlns:a="http://schemas.openxmlformats.org/drawingml/2006/main" xmlns:r="http://schemas.openxmlformats.org/officeDocument/2006/relationships" xmlns:p="http://schemas.openxmlformats.org/presentationml/2006/main" matchingName="Section header" type="secHead">
   <p:cSld name="SECTION_HEADER">
     <p:spTree>
       <p:nvGrpSpPr>
-        <p:cNvPr id="17" name="Shape 17"/>
+        <p:cNvPr id="1" name="Shape 17"/>
         <p:cNvGrpSpPr/>
         <p:nvPr/>
       </p:nvGrpSpPr>
@@ -3486,7 +3885,9 @@
       <p:sp>
         <p:nvSpPr>
           <p:cNvPr id="18" name="Google Shape;18;g313f73036cb_0_112"/>
-          <p:cNvSpPr txBox="1"/>
+          <p:cNvSpPr txBox="1">
+            <a:spLocks noGrp="1"/>
+          </p:cNvSpPr>
           <p:nvPr>
             <p:ph type="title"/>
           </p:nvPr>
@@ -3501,7 +3902,7 @@
           </a:prstGeom>
         </p:spPr>
         <p:txBody>
-          <a:bodyPr anchorCtr="0" anchor="ctr" bIns="121900" lIns="121900" spcFirstLastPara="1" rIns="121900" wrap="square" tIns="121900">
+          <a:bodyPr spcFirstLastPara="1" wrap="square" lIns="121900" tIns="121900" rIns="121900" bIns="121900" anchor="ctr" anchorCtr="0">
             <a:normAutofit/>
           </a:bodyPr>
           <a:lstStyle>
@@ -3605,15 +4006,19 @@
               <a:defRPr sz="4800"/>
             </a:lvl9pPr>
           </a:lstStyle>
-          <a:p/>
+          <a:p>
+            <a:endParaRPr/>
+          </a:p>
         </p:txBody>
       </p:sp>
       <p:sp>
         <p:nvSpPr>
           <p:cNvPr id="19" name="Google Shape;19;g313f73036cb_0_112"/>
-          <p:cNvSpPr txBox="1"/>
+          <p:cNvSpPr txBox="1">
+            <a:spLocks noGrp="1"/>
+          </p:cNvSpPr>
           <p:nvPr>
-            <p:ph idx="12" type="sldNum"/>
+            <p:ph type="sldNum" idx="12"/>
           </p:nvPr>
         </p:nvSpPr>
         <p:spPr>
@@ -3626,7 +4031,7 @@
           </a:prstGeom>
         </p:spPr>
         <p:txBody>
-          <a:bodyPr anchorCtr="0" anchor="ctr" bIns="121900" lIns="121900" spcFirstLastPara="1" rIns="121900" wrap="square" tIns="121900">
+          <a:bodyPr spcFirstLastPara="1" wrap="square" lIns="121900" tIns="121900" rIns="121900" bIns="121900" anchor="ctr" anchorCtr="0">
             <a:normAutofit/>
           </a:bodyPr>
           <a:lstStyle>
@@ -3668,7 +4073,7 @@
             </a:lvl9pPr>
           </a:lstStyle>
           <a:p>
-            <a:pPr indent="0" lvl="0" marL="0" rtl="0" algn="r">
+            <a:pPr marL="0" lvl="0" indent="0" algn="r" rtl="0">
               <a:spcBef>
                 <a:spcPts val="0"/>
               </a:spcBef>
@@ -3690,15 +4095,18 @@
   <p:clrMapOvr>
     <a:masterClrMapping/>
   </p:clrMapOvr>
+  <p:transition spd="med">
+    <p:pull/>
+  </p:transition>
 </p:sldLayout>
 </file>
 
 <file path=ppt/slideLayouts/slideLayout3.xml><?xml version="1.0" encoding="utf-8"?>
-<p:sldLayout xmlns:a="http://schemas.openxmlformats.org/drawingml/2006/main" xmlns:r="http://schemas.openxmlformats.org/officeDocument/2006/relationships" xmlns:mc="http://schemas.openxmlformats.org/markup-compatibility/2006" xmlns:mv="urn:schemas-microsoft-com:mac:vml" xmlns:p="http://schemas.openxmlformats.org/presentationml/2006/main" xmlns:c="http://schemas.openxmlformats.org/drawingml/2006/chart" xmlns:dgm="http://schemas.openxmlformats.org/drawingml/2006/diagram" xmlns:o="urn:schemas-microsoft-com:office:office" xmlns:v="urn:schemas-microsoft-com:vml" xmlns:pvml="urn:schemas-microsoft-com:office:powerpoint" xmlns:com="http://schemas.openxmlformats.org/drawingml/2006/compatibility" xmlns:p14="http://schemas.microsoft.com/office/powerpoint/2010/main" xmlns:p15="http://schemas.microsoft.com/office/powerpoint/2012/main" xmlns:ahyp="http://schemas.microsoft.com/office/drawing/2018/hyperlinkcolor" matchingName="Title and body" type="tx">
+<p:sldLayout xmlns:a="http://schemas.openxmlformats.org/drawingml/2006/main" xmlns:r="http://schemas.openxmlformats.org/officeDocument/2006/relationships" xmlns:p="http://schemas.openxmlformats.org/presentationml/2006/main" matchingName="Title and body" type="tx">
   <p:cSld name="TITLE_AND_BODY">
     <p:spTree>
       <p:nvGrpSpPr>
-        <p:cNvPr id="20" name="Shape 20"/>
+        <p:cNvPr id="1" name="Shape 20"/>
         <p:cNvGrpSpPr/>
         <p:nvPr/>
       </p:nvGrpSpPr>
@@ -3713,7 +4121,9 @@
       <p:sp>
         <p:nvSpPr>
           <p:cNvPr id="21" name="Google Shape;21;g313f73036cb_0_115"/>
-          <p:cNvSpPr txBox="1"/>
+          <p:cNvSpPr txBox="1">
+            <a:spLocks noGrp="1"/>
+          </p:cNvSpPr>
           <p:nvPr>
             <p:ph type="title"/>
           </p:nvPr>
@@ -3728,7 +4138,7 @@
           </a:prstGeom>
         </p:spPr>
         <p:txBody>
-          <a:bodyPr anchorCtr="0" anchor="t" bIns="121900" lIns="121900" spcFirstLastPara="1" rIns="121900" wrap="square" tIns="121900">
+          <a:bodyPr spcFirstLastPara="1" wrap="square" lIns="121900" tIns="121900" rIns="121900" bIns="121900" anchor="t" anchorCtr="0">
             <a:normAutofit/>
           </a:bodyPr>
           <a:lstStyle>
@@ -3832,15 +4242,19 @@
               <a:defRPr/>
             </a:lvl9pPr>
           </a:lstStyle>
-          <a:p/>
+          <a:p>
+            <a:endParaRPr/>
+          </a:p>
         </p:txBody>
       </p:sp>
       <p:sp>
         <p:nvSpPr>
           <p:cNvPr id="22" name="Google Shape;22;g313f73036cb_0_115"/>
-          <p:cNvSpPr txBox="1"/>
+          <p:cNvSpPr txBox="1">
+            <a:spLocks noGrp="1"/>
+          </p:cNvSpPr>
           <p:nvPr>
-            <p:ph idx="1" type="body"/>
+            <p:ph type="body" idx="1"/>
           </p:nvPr>
         </p:nvSpPr>
         <p:spPr>
@@ -3853,11 +4267,11 @@
           </a:prstGeom>
         </p:spPr>
         <p:txBody>
-          <a:bodyPr anchorCtr="0" anchor="t" bIns="121900" lIns="121900" spcFirstLastPara="1" rIns="121900" wrap="square" tIns="121900">
+          <a:bodyPr spcFirstLastPara="1" wrap="square" lIns="121900" tIns="121900" rIns="121900" bIns="121900" anchor="t" anchorCtr="0">
             <a:normAutofit/>
           </a:bodyPr>
           <a:lstStyle>
-            <a:lvl1pPr indent="-381000" lvl="0" marL="457200">
+            <a:lvl1pPr marL="457200" lvl="0" indent="-381000">
               <a:spcBef>
                 <a:spcPts val="0"/>
               </a:spcBef>
@@ -3868,7 +4282,7 @@
               <a:buChar char="●"/>
               <a:defRPr/>
             </a:lvl1pPr>
-            <a:lvl2pPr indent="-349250" lvl="1" marL="914400">
+            <a:lvl2pPr marL="914400" lvl="1" indent="-349250">
               <a:spcBef>
                 <a:spcPts val="0"/>
               </a:spcBef>
@@ -3879,7 +4293,7 @@
               <a:buChar char="○"/>
               <a:defRPr/>
             </a:lvl2pPr>
-            <a:lvl3pPr indent="-349250" lvl="2" marL="1371600">
+            <a:lvl3pPr marL="1371600" lvl="2" indent="-349250">
               <a:spcBef>
                 <a:spcPts val="0"/>
               </a:spcBef>
@@ -3890,7 +4304,7 @@
               <a:buChar char="■"/>
               <a:defRPr/>
             </a:lvl3pPr>
-            <a:lvl4pPr indent="-349250" lvl="3" marL="1828800">
+            <a:lvl4pPr marL="1828800" lvl="3" indent="-349250">
               <a:spcBef>
                 <a:spcPts val="0"/>
               </a:spcBef>
@@ -3901,7 +4315,7 @@
               <a:buChar char="●"/>
               <a:defRPr/>
             </a:lvl4pPr>
-            <a:lvl5pPr indent="-349250" lvl="4" marL="2286000">
+            <a:lvl5pPr marL="2286000" lvl="4" indent="-349250">
               <a:spcBef>
                 <a:spcPts val="0"/>
               </a:spcBef>
@@ -3912,7 +4326,7 @@
               <a:buChar char="○"/>
               <a:defRPr/>
             </a:lvl5pPr>
-            <a:lvl6pPr indent="-349250" lvl="5" marL="2743200">
+            <a:lvl6pPr marL="2743200" lvl="5" indent="-349250">
               <a:spcBef>
                 <a:spcPts val="0"/>
               </a:spcBef>
@@ -3923,7 +4337,7 @@
               <a:buChar char="■"/>
               <a:defRPr/>
             </a:lvl6pPr>
-            <a:lvl7pPr indent="-349250" lvl="6" marL="3200400">
+            <a:lvl7pPr marL="3200400" lvl="6" indent="-349250">
               <a:spcBef>
                 <a:spcPts val="0"/>
               </a:spcBef>
@@ -3934,7 +4348,7 @@
               <a:buChar char="●"/>
               <a:defRPr/>
             </a:lvl7pPr>
-            <a:lvl8pPr indent="-349250" lvl="7" marL="3657600">
+            <a:lvl8pPr marL="3657600" lvl="7" indent="-349250">
               <a:spcBef>
                 <a:spcPts val="0"/>
               </a:spcBef>
@@ -3945,7 +4359,7 @@
               <a:buChar char="○"/>
               <a:defRPr/>
             </a:lvl8pPr>
-            <a:lvl9pPr indent="-349250" lvl="8" marL="4114800">
+            <a:lvl9pPr marL="4114800" lvl="8" indent="-349250">
               <a:spcBef>
                 <a:spcPts val="0"/>
               </a:spcBef>
@@ -3957,15 +4371,19 @@
               <a:defRPr/>
             </a:lvl9pPr>
           </a:lstStyle>
-          <a:p/>
+          <a:p>
+            <a:endParaRPr/>
+          </a:p>
         </p:txBody>
       </p:sp>
       <p:sp>
         <p:nvSpPr>
           <p:cNvPr id="23" name="Google Shape;23;g313f73036cb_0_115"/>
-          <p:cNvSpPr txBox="1"/>
+          <p:cNvSpPr txBox="1">
+            <a:spLocks noGrp="1"/>
+          </p:cNvSpPr>
           <p:nvPr>
-            <p:ph idx="12" type="sldNum"/>
+            <p:ph type="sldNum" idx="12"/>
           </p:nvPr>
         </p:nvSpPr>
         <p:spPr>
@@ -3978,7 +4396,7 @@
           </a:prstGeom>
         </p:spPr>
         <p:txBody>
-          <a:bodyPr anchorCtr="0" anchor="ctr" bIns="121900" lIns="121900" spcFirstLastPara="1" rIns="121900" wrap="square" tIns="121900">
+          <a:bodyPr spcFirstLastPara="1" wrap="square" lIns="121900" tIns="121900" rIns="121900" bIns="121900" anchor="ctr" anchorCtr="0">
             <a:normAutofit/>
           </a:bodyPr>
           <a:lstStyle>
@@ -4020,7 +4438,7 @@
             </a:lvl9pPr>
           </a:lstStyle>
           <a:p>
-            <a:pPr indent="0" lvl="0" marL="0" rtl="0" algn="r">
+            <a:pPr marL="0" lvl="0" indent="0" algn="r" rtl="0">
               <a:spcBef>
                 <a:spcPts val="0"/>
               </a:spcBef>
@@ -4042,15 +4460,18 @@
   <p:clrMapOvr>
     <a:masterClrMapping/>
   </p:clrMapOvr>
+  <p:transition spd="med">
+    <p:pull/>
+  </p:transition>
 </p:sldLayout>
 </file>
 
 <file path=ppt/slideLayouts/slideLayout4.xml><?xml version="1.0" encoding="utf-8"?>
-<p:sldLayout xmlns:a="http://schemas.openxmlformats.org/drawingml/2006/main" xmlns:r="http://schemas.openxmlformats.org/officeDocument/2006/relationships" xmlns:mc="http://schemas.openxmlformats.org/markup-compatibility/2006" xmlns:mv="urn:schemas-microsoft-com:mac:vml" xmlns:p="http://schemas.openxmlformats.org/presentationml/2006/main" xmlns:c="http://schemas.openxmlformats.org/drawingml/2006/chart" xmlns:dgm="http://schemas.openxmlformats.org/drawingml/2006/diagram" xmlns:o="urn:schemas-microsoft-com:office:office" xmlns:v="urn:schemas-microsoft-com:vml" xmlns:pvml="urn:schemas-microsoft-com:office:powerpoint" xmlns:com="http://schemas.openxmlformats.org/drawingml/2006/compatibility" xmlns:p14="http://schemas.microsoft.com/office/powerpoint/2010/main" xmlns:p15="http://schemas.microsoft.com/office/powerpoint/2012/main" xmlns:ahyp="http://schemas.microsoft.com/office/drawing/2018/hyperlinkcolor" matchingName="Title and two columns" type="twoColTx">
+<p:sldLayout xmlns:a="http://schemas.openxmlformats.org/drawingml/2006/main" xmlns:r="http://schemas.openxmlformats.org/officeDocument/2006/relationships" xmlns:p="http://schemas.openxmlformats.org/presentationml/2006/main" matchingName="Title and two columns" type="twoColTx">
   <p:cSld name="TITLE_AND_TWO_COLUMNS">
     <p:spTree>
       <p:nvGrpSpPr>
-        <p:cNvPr id="24" name="Shape 24"/>
+        <p:cNvPr id="1" name="Shape 24"/>
         <p:cNvGrpSpPr/>
         <p:nvPr/>
       </p:nvGrpSpPr>
@@ -4065,7 +4486,9 @@
       <p:sp>
         <p:nvSpPr>
           <p:cNvPr id="25" name="Google Shape;25;g313f73036cb_0_119"/>
-          <p:cNvSpPr txBox="1"/>
+          <p:cNvSpPr txBox="1">
+            <a:spLocks noGrp="1"/>
+          </p:cNvSpPr>
           <p:nvPr>
             <p:ph type="title"/>
           </p:nvPr>
@@ -4080,7 +4503,7 @@
           </a:prstGeom>
         </p:spPr>
         <p:txBody>
-          <a:bodyPr anchorCtr="0" anchor="t" bIns="121900" lIns="121900" spcFirstLastPara="1" rIns="121900" wrap="square" tIns="121900">
+          <a:bodyPr spcFirstLastPara="1" wrap="square" lIns="121900" tIns="121900" rIns="121900" bIns="121900" anchor="t" anchorCtr="0">
             <a:normAutofit/>
           </a:bodyPr>
           <a:lstStyle>
@@ -4184,15 +4607,19 @@
               <a:defRPr/>
             </a:lvl9pPr>
           </a:lstStyle>
-          <a:p/>
+          <a:p>
+            <a:endParaRPr/>
+          </a:p>
         </p:txBody>
       </p:sp>
       <p:sp>
         <p:nvSpPr>
           <p:cNvPr id="26" name="Google Shape;26;g313f73036cb_0_119"/>
-          <p:cNvSpPr txBox="1"/>
+          <p:cNvSpPr txBox="1">
+            <a:spLocks noGrp="1"/>
+          </p:cNvSpPr>
           <p:nvPr>
-            <p:ph idx="1" type="body"/>
+            <p:ph type="body" idx="1"/>
           </p:nvPr>
         </p:nvSpPr>
         <p:spPr>
@@ -4205,11 +4632,11 @@
           </a:prstGeom>
         </p:spPr>
         <p:txBody>
-          <a:bodyPr anchorCtr="0" anchor="t" bIns="121900" lIns="121900" spcFirstLastPara="1" rIns="121900" wrap="square" tIns="121900">
+          <a:bodyPr spcFirstLastPara="1" wrap="square" lIns="121900" tIns="121900" rIns="121900" bIns="121900" anchor="t" anchorCtr="0">
             <a:normAutofit/>
           </a:bodyPr>
           <a:lstStyle>
-            <a:lvl1pPr indent="-349250" lvl="0" marL="457200">
+            <a:lvl1pPr marL="457200" lvl="0" indent="-349250">
               <a:spcBef>
                 <a:spcPts val="0"/>
               </a:spcBef>
@@ -4220,7 +4647,7 @@
               <a:buChar char="●"/>
               <a:defRPr sz="1900"/>
             </a:lvl1pPr>
-            <a:lvl2pPr indent="-330200" lvl="1" marL="914400">
+            <a:lvl2pPr marL="914400" lvl="1" indent="-330200">
               <a:spcBef>
                 <a:spcPts val="0"/>
               </a:spcBef>
@@ -4231,7 +4658,7 @@
               <a:buChar char="○"/>
               <a:defRPr sz="1600"/>
             </a:lvl2pPr>
-            <a:lvl3pPr indent="-330200" lvl="2" marL="1371600">
+            <a:lvl3pPr marL="1371600" lvl="2" indent="-330200">
               <a:spcBef>
                 <a:spcPts val="0"/>
               </a:spcBef>
@@ -4242,7 +4669,7 @@
               <a:buChar char="■"/>
               <a:defRPr sz="1600"/>
             </a:lvl3pPr>
-            <a:lvl4pPr indent="-330200" lvl="3" marL="1828800">
+            <a:lvl4pPr marL="1828800" lvl="3" indent="-330200">
               <a:spcBef>
                 <a:spcPts val="0"/>
               </a:spcBef>
@@ -4253,7 +4680,7 @@
               <a:buChar char="●"/>
               <a:defRPr sz="1600"/>
             </a:lvl4pPr>
-            <a:lvl5pPr indent="-330200" lvl="4" marL="2286000">
+            <a:lvl5pPr marL="2286000" lvl="4" indent="-330200">
               <a:spcBef>
                 <a:spcPts val="0"/>
               </a:spcBef>
@@ -4264,7 +4691,7 @@
               <a:buChar char="○"/>
               <a:defRPr sz="1600"/>
             </a:lvl5pPr>
-            <a:lvl6pPr indent="-330200" lvl="5" marL="2743200">
+            <a:lvl6pPr marL="2743200" lvl="5" indent="-330200">
               <a:spcBef>
                 <a:spcPts val="0"/>
               </a:spcBef>
@@ -4275,7 +4702,7 @@
               <a:buChar char="■"/>
               <a:defRPr sz="1600"/>
             </a:lvl6pPr>
-            <a:lvl7pPr indent="-330200" lvl="6" marL="3200400">
+            <a:lvl7pPr marL="3200400" lvl="6" indent="-330200">
               <a:spcBef>
                 <a:spcPts val="0"/>
               </a:spcBef>
@@ -4286,7 +4713,7 @@
               <a:buChar char="●"/>
               <a:defRPr sz="1600"/>
             </a:lvl7pPr>
-            <a:lvl8pPr indent="-330200" lvl="7" marL="3657600">
+            <a:lvl8pPr marL="3657600" lvl="7" indent="-330200">
               <a:spcBef>
                 <a:spcPts val="0"/>
               </a:spcBef>
@@ -4297,7 +4724,7 @@
               <a:buChar char="○"/>
               <a:defRPr sz="1600"/>
             </a:lvl8pPr>
-            <a:lvl9pPr indent="-330200" lvl="8" marL="4114800">
+            <a:lvl9pPr marL="4114800" lvl="8" indent="-330200">
               <a:spcBef>
                 <a:spcPts val="0"/>
               </a:spcBef>
@@ -4309,15 +4736,19 @@
               <a:defRPr sz="1600"/>
             </a:lvl9pPr>
           </a:lstStyle>
-          <a:p/>
+          <a:p>
+            <a:endParaRPr/>
+          </a:p>
         </p:txBody>
       </p:sp>
       <p:sp>
         <p:nvSpPr>
           <p:cNvPr id="27" name="Google Shape;27;g313f73036cb_0_119"/>
-          <p:cNvSpPr txBox="1"/>
+          <p:cNvSpPr txBox="1">
+            <a:spLocks noGrp="1"/>
+          </p:cNvSpPr>
           <p:nvPr>
-            <p:ph idx="2" type="body"/>
+            <p:ph type="body" idx="2"/>
           </p:nvPr>
         </p:nvSpPr>
         <p:spPr>
@@ -4330,11 +4761,11 @@
           </a:prstGeom>
         </p:spPr>
         <p:txBody>
-          <a:bodyPr anchorCtr="0" anchor="t" bIns="121900" lIns="121900" spcFirstLastPara="1" rIns="121900" wrap="square" tIns="121900">
+          <a:bodyPr spcFirstLastPara="1" wrap="square" lIns="121900" tIns="121900" rIns="121900" bIns="121900" anchor="t" anchorCtr="0">
             <a:normAutofit/>
           </a:bodyPr>
           <a:lstStyle>
-            <a:lvl1pPr indent="-349250" lvl="0" marL="457200">
+            <a:lvl1pPr marL="457200" lvl="0" indent="-349250">
               <a:spcBef>
                 <a:spcPts val="0"/>
               </a:spcBef>
@@ -4345,7 +4776,7 @@
               <a:buChar char="●"/>
               <a:defRPr sz="1900"/>
             </a:lvl1pPr>
-            <a:lvl2pPr indent="-330200" lvl="1" marL="914400">
+            <a:lvl2pPr marL="914400" lvl="1" indent="-330200">
               <a:spcBef>
                 <a:spcPts val="0"/>
               </a:spcBef>
@@ -4356,7 +4787,7 @@
               <a:buChar char="○"/>
               <a:defRPr sz="1600"/>
             </a:lvl2pPr>
-            <a:lvl3pPr indent="-330200" lvl="2" marL="1371600">
+            <a:lvl3pPr marL="1371600" lvl="2" indent="-330200">
               <a:spcBef>
                 <a:spcPts val="0"/>
               </a:spcBef>
@@ -4367,7 +4798,7 @@
               <a:buChar char="■"/>
               <a:defRPr sz="1600"/>
             </a:lvl3pPr>
-            <a:lvl4pPr indent="-330200" lvl="3" marL="1828800">
+            <a:lvl4pPr marL="1828800" lvl="3" indent="-330200">
               <a:spcBef>
                 <a:spcPts val="0"/>
               </a:spcBef>
@@ -4378,7 +4809,7 @@
               <a:buChar char="●"/>
               <a:defRPr sz="1600"/>
             </a:lvl4pPr>
-            <a:lvl5pPr indent="-330200" lvl="4" marL="2286000">
+            <a:lvl5pPr marL="2286000" lvl="4" indent="-330200">
               <a:spcBef>
                 <a:spcPts val="0"/>
               </a:spcBef>
@@ -4389,7 +4820,7 @@
               <a:buChar char="○"/>
               <a:defRPr sz="1600"/>
             </a:lvl5pPr>
-            <a:lvl6pPr indent="-330200" lvl="5" marL="2743200">
+            <a:lvl6pPr marL="2743200" lvl="5" indent="-330200">
               <a:spcBef>
                 <a:spcPts val="0"/>
               </a:spcBef>
@@ -4400,7 +4831,7 @@
               <a:buChar char="■"/>
               <a:defRPr sz="1600"/>
             </a:lvl6pPr>
-            <a:lvl7pPr indent="-330200" lvl="6" marL="3200400">
+            <a:lvl7pPr marL="3200400" lvl="6" indent="-330200">
               <a:spcBef>
                 <a:spcPts val="0"/>
               </a:spcBef>
@@ -4411,7 +4842,7 @@
               <a:buChar char="●"/>
               <a:defRPr sz="1600"/>
             </a:lvl7pPr>
-            <a:lvl8pPr indent="-330200" lvl="7" marL="3657600">
+            <a:lvl8pPr marL="3657600" lvl="7" indent="-330200">
               <a:spcBef>
                 <a:spcPts val="0"/>
               </a:spcBef>
@@ -4422,7 +4853,7 @@
               <a:buChar char="○"/>
               <a:defRPr sz="1600"/>
             </a:lvl8pPr>
-            <a:lvl9pPr indent="-330200" lvl="8" marL="4114800">
+            <a:lvl9pPr marL="4114800" lvl="8" indent="-330200">
               <a:spcBef>
                 <a:spcPts val="0"/>
               </a:spcBef>
@@ -4434,15 +4865,19 @@
               <a:defRPr sz="1600"/>
             </a:lvl9pPr>
           </a:lstStyle>
-          <a:p/>
+          <a:p>
+            <a:endParaRPr/>
+          </a:p>
         </p:txBody>
       </p:sp>
       <p:sp>
         <p:nvSpPr>
           <p:cNvPr id="28" name="Google Shape;28;g313f73036cb_0_119"/>
-          <p:cNvSpPr txBox="1"/>
+          <p:cNvSpPr txBox="1">
+            <a:spLocks noGrp="1"/>
+          </p:cNvSpPr>
           <p:nvPr>
-            <p:ph idx="12" type="sldNum"/>
+            <p:ph type="sldNum" idx="12"/>
           </p:nvPr>
         </p:nvSpPr>
         <p:spPr>
@@ -4455,7 +4890,7 @@
           </a:prstGeom>
         </p:spPr>
         <p:txBody>
-          <a:bodyPr anchorCtr="0" anchor="ctr" bIns="121900" lIns="121900" spcFirstLastPara="1" rIns="121900" wrap="square" tIns="121900">
+          <a:bodyPr spcFirstLastPara="1" wrap="square" lIns="121900" tIns="121900" rIns="121900" bIns="121900" anchor="ctr" anchorCtr="0">
             <a:normAutofit/>
           </a:bodyPr>
           <a:lstStyle>
@@ -4497,7 +4932,7 @@
             </a:lvl9pPr>
           </a:lstStyle>
           <a:p>
-            <a:pPr indent="0" lvl="0" marL="0" rtl="0" algn="r">
+            <a:pPr marL="0" lvl="0" indent="0" algn="r" rtl="0">
               <a:spcBef>
                 <a:spcPts val="0"/>
               </a:spcBef>
@@ -4519,15 +4954,18 @@
   <p:clrMapOvr>
     <a:masterClrMapping/>
   </p:clrMapOvr>
+  <p:transition spd="med">
+    <p:pull/>
+  </p:transition>
 </p:sldLayout>
 </file>
 
 <file path=ppt/slideLayouts/slideLayout5.xml><?xml version="1.0" encoding="utf-8"?>
-<p:sldLayout xmlns:a="http://schemas.openxmlformats.org/drawingml/2006/main" xmlns:r="http://schemas.openxmlformats.org/officeDocument/2006/relationships" xmlns:mc="http://schemas.openxmlformats.org/markup-compatibility/2006" xmlns:mv="urn:schemas-microsoft-com:mac:vml" xmlns:p="http://schemas.openxmlformats.org/presentationml/2006/main" xmlns:c="http://schemas.openxmlformats.org/drawingml/2006/chart" xmlns:dgm="http://schemas.openxmlformats.org/drawingml/2006/diagram" xmlns:o="urn:schemas-microsoft-com:office:office" xmlns:v="urn:schemas-microsoft-com:vml" xmlns:pvml="urn:schemas-microsoft-com:office:powerpoint" xmlns:com="http://schemas.openxmlformats.org/drawingml/2006/compatibility" xmlns:p14="http://schemas.microsoft.com/office/powerpoint/2010/main" xmlns:p15="http://schemas.microsoft.com/office/powerpoint/2012/main" xmlns:ahyp="http://schemas.microsoft.com/office/drawing/2018/hyperlinkcolor" matchingName="Title only" type="titleOnly">
+<p:sldLayout xmlns:a="http://schemas.openxmlformats.org/drawingml/2006/main" xmlns:r="http://schemas.openxmlformats.org/officeDocument/2006/relationships" xmlns:p="http://schemas.openxmlformats.org/presentationml/2006/main" matchingName="Title only" type="titleOnly">
   <p:cSld name="TITLE_ONLY">
     <p:spTree>
       <p:nvGrpSpPr>
-        <p:cNvPr id="29" name="Shape 29"/>
+        <p:cNvPr id="1" name="Shape 29"/>
         <p:cNvGrpSpPr/>
         <p:nvPr/>
       </p:nvGrpSpPr>
@@ -4542,7 +4980,9 @@
       <p:sp>
         <p:nvSpPr>
           <p:cNvPr id="30" name="Google Shape;30;g313f73036cb_0_124"/>
-          <p:cNvSpPr txBox="1"/>
+          <p:cNvSpPr txBox="1">
+            <a:spLocks noGrp="1"/>
+          </p:cNvSpPr>
           <p:nvPr>
             <p:ph type="title"/>
           </p:nvPr>
@@ -4557,7 +4997,7 @@
           </a:prstGeom>
         </p:spPr>
         <p:txBody>
-          <a:bodyPr anchorCtr="0" anchor="t" bIns="121900" lIns="121900" spcFirstLastPara="1" rIns="121900" wrap="square" tIns="121900">
+          <a:bodyPr spcFirstLastPara="1" wrap="square" lIns="121900" tIns="121900" rIns="121900" bIns="121900" anchor="t" anchorCtr="0">
             <a:normAutofit/>
           </a:bodyPr>
           <a:lstStyle>
@@ -4661,15 +5101,19 @@
               <a:defRPr/>
             </a:lvl9pPr>
           </a:lstStyle>
-          <a:p/>
+          <a:p>
+            <a:endParaRPr/>
+          </a:p>
         </p:txBody>
       </p:sp>
       <p:sp>
         <p:nvSpPr>
           <p:cNvPr id="31" name="Google Shape;31;g313f73036cb_0_124"/>
-          <p:cNvSpPr txBox="1"/>
+          <p:cNvSpPr txBox="1">
+            <a:spLocks noGrp="1"/>
+          </p:cNvSpPr>
           <p:nvPr>
-            <p:ph idx="12" type="sldNum"/>
+            <p:ph type="sldNum" idx="12"/>
           </p:nvPr>
         </p:nvSpPr>
         <p:spPr>
@@ -4682,7 +5126,7 @@
           </a:prstGeom>
         </p:spPr>
         <p:txBody>
-          <a:bodyPr anchorCtr="0" anchor="ctr" bIns="121900" lIns="121900" spcFirstLastPara="1" rIns="121900" wrap="square" tIns="121900">
+          <a:bodyPr spcFirstLastPara="1" wrap="square" lIns="121900" tIns="121900" rIns="121900" bIns="121900" anchor="ctr" anchorCtr="0">
             <a:normAutofit/>
           </a:bodyPr>
           <a:lstStyle>
@@ -4724,7 +5168,7 @@
             </a:lvl9pPr>
           </a:lstStyle>
           <a:p>
-            <a:pPr indent="0" lvl="0" marL="0" rtl="0" algn="r">
+            <a:pPr marL="0" lvl="0" indent="0" algn="r" rtl="0">
               <a:spcBef>
                 <a:spcPts val="0"/>
               </a:spcBef>
@@ -4746,15 +5190,18 @@
   <p:clrMapOvr>
     <a:masterClrMapping/>
   </p:clrMapOvr>
+  <p:transition spd="med">
+    <p:pull/>
+  </p:transition>
 </p:sldLayout>
 </file>
 
 <file path=ppt/slideLayouts/slideLayout6.xml><?xml version="1.0" encoding="utf-8"?>
-<p:sldLayout xmlns:a="http://schemas.openxmlformats.org/drawingml/2006/main" xmlns:r="http://schemas.openxmlformats.org/officeDocument/2006/relationships" xmlns:mc="http://schemas.openxmlformats.org/markup-compatibility/2006" xmlns:mv="urn:schemas-microsoft-com:mac:vml" xmlns:p="http://schemas.openxmlformats.org/presentationml/2006/main" xmlns:c="http://schemas.openxmlformats.org/drawingml/2006/chart" xmlns:dgm="http://schemas.openxmlformats.org/drawingml/2006/diagram" xmlns:o="urn:schemas-microsoft-com:office:office" xmlns:v="urn:schemas-microsoft-com:vml" xmlns:pvml="urn:schemas-microsoft-com:office:powerpoint" xmlns:com="http://schemas.openxmlformats.org/drawingml/2006/compatibility" xmlns:p14="http://schemas.microsoft.com/office/powerpoint/2010/main" xmlns:p15="http://schemas.microsoft.com/office/powerpoint/2012/main" xmlns:ahyp="http://schemas.microsoft.com/office/drawing/2018/hyperlinkcolor" matchingName="One column text">
+<p:sldLayout xmlns:a="http://schemas.openxmlformats.org/drawingml/2006/main" xmlns:r="http://schemas.openxmlformats.org/officeDocument/2006/relationships" xmlns:p="http://schemas.openxmlformats.org/presentationml/2006/main" matchingName="One column text">
   <p:cSld name="ONE_COLUMN_TEXT">
     <p:spTree>
       <p:nvGrpSpPr>
-        <p:cNvPr id="32" name="Shape 32"/>
+        <p:cNvPr id="1" name="Shape 32"/>
         <p:cNvGrpSpPr/>
         <p:nvPr/>
       </p:nvGrpSpPr>
@@ -4769,7 +5216,9 @@
       <p:sp>
         <p:nvSpPr>
           <p:cNvPr id="33" name="Google Shape;33;g313f73036cb_0_127"/>
-          <p:cNvSpPr txBox="1"/>
+          <p:cNvSpPr txBox="1">
+            <a:spLocks noGrp="1"/>
+          </p:cNvSpPr>
           <p:nvPr>
             <p:ph type="title"/>
           </p:nvPr>
@@ -4784,7 +5233,7 @@
           </a:prstGeom>
         </p:spPr>
         <p:txBody>
-          <a:bodyPr anchorCtr="0" anchor="b" bIns="121900" lIns="121900" spcFirstLastPara="1" rIns="121900" wrap="square" tIns="121900">
+          <a:bodyPr spcFirstLastPara="1" wrap="square" lIns="121900" tIns="121900" rIns="121900" bIns="121900" anchor="b" anchorCtr="0">
             <a:normAutofit/>
           </a:bodyPr>
           <a:lstStyle>
@@ -4888,15 +5337,19 @@
               <a:defRPr sz="3200"/>
             </a:lvl9pPr>
           </a:lstStyle>
-          <a:p/>
+          <a:p>
+            <a:endParaRPr/>
+          </a:p>
         </p:txBody>
       </p:sp>
       <p:sp>
         <p:nvSpPr>
           <p:cNvPr id="34" name="Google Shape;34;g313f73036cb_0_127"/>
-          <p:cNvSpPr txBox="1"/>
+          <p:cNvSpPr txBox="1">
+            <a:spLocks noGrp="1"/>
+          </p:cNvSpPr>
           <p:nvPr>
-            <p:ph idx="1" type="body"/>
+            <p:ph type="body" idx="1"/>
           </p:nvPr>
         </p:nvSpPr>
         <p:spPr>
@@ -4909,11 +5362,11 @@
           </a:prstGeom>
         </p:spPr>
         <p:txBody>
-          <a:bodyPr anchorCtr="0" anchor="t" bIns="121900" lIns="121900" spcFirstLastPara="1" rIns="121900" wrap="square" tIns="121900">
+          <a:bodyPr spcFirstLastPara="1" wrap="square" lIns="121900" tIns="121900" rIns="121900" bIns="121900" anchor="t" anchorCtr="0">
             <a:normAutofit/>
           </a:bodyPr>
           <a:lstStyle>
-            <a:lvl1pPr indent="-330200" lvl="0" marL="457200">
+            <a:lvl1pPr marL="457200" lvl="0" indent="-330200">
               <a:spcBef>
                 <a:spcPts val="0"/>
               </a:spcBef>
@@ -4924,7 +5377,7 @@
               <a:buChar char="●"/>
               <a:defRPr sz="1600"/>
             </a:lvl1pPr>
-            <a:lvl2pPr indent="-330200" lvl="1" marL="914400">
+            <a:lvl2pPr marL="914400" lvl="1" indent="-330200">
               <a:spcBef>
                 <a:spcPts val="0"/>
               </a:spcBef>
@@ -4935,7 +5388,7 @@
               <a:buChar char="○"/>
               <a:defRPr sz="1600"/>
             </a:lvl2pPr>
-            <a:lvl3pPr indent="-330200" lvl="2" marL="1371600">
+            <a:lvl3pPr marL="1371600" lvl="2" indent="-330200">
               <a:spcBef>
                 <a:spcPts val="0"/>
               </a:spcBef>
@@ -4946,7 +5399,7 @@
               <a:buChar char="■"/>
               <a:defRPr sz="1600"/>
             </a:lvl3pPr>
-            <a:lvl4pPr indent="-330200" lvl="3" marL="1828800">
+            <a:lvl4pPr marL="1828800" lvl="3" indent="-330200">
               <a:spcBef>
                 <a:spcPts val="0"/>
               </a:spcBef>
@@ -4957,7 +5410,7 @@
               <a:buChar char="●"/>
               <a:defRPr sz="1600"/>
             </a:lvl4pPr>
-            <a:lvl5pPr indent="-330200" lvl="4" marL="2286000">
+            <a:lvl5pPr marL="2286000" lvl="4" indent="-330200">
               <a:spcBef>
                 <a:spcPts val="0"/>
               </a:spcBef>
@@ -4968,7 +5421,7 @@
               <a:buChar char="○"/>
               <a:defRPr sz="1600"/>
             </a:lvl5pPr>
-            <a:lvl6pPr indent="-330200" lvl="5" marL="2743200">
+            <a:lvl6pPr marL="2743200" lvl="5" indent="-330200">
               <a:spcBef>
                 <a:spcPts val="0"/>
               </a:spcBef>
@@ -4979,7 +5432,7 @@
               <a:buChar char="■"/>
               <a:defRPr sz="1600"/>
             </a:lvl6pPr>
-            <a:lvl7pPr indent="-330200" lvl="6" marL="3200400">
+            <a:lvl7pPr marL="3200400" lvl="6" indent="-330200">
               <a:spcBef>
                 <a:spcPts val="0"/>
               </a:spcBef>
@@ -4990,7 +5443,7 @@
               <a:buChar char="●"/>
               <a:defRPr sz="1600"/>
             </a:lvl7pPr>
-            <a:lvl8pPr indent="-330200" lvl="7" marL="3657600">
+            <a:lvl8pPr marL="3657600" lvl="7" indent="-330200">
               <a:spcBef>
                 <a:spcPts val="0"/>
               </a:spcBef>
@@ -5001,7 +5454,7 @@
               <a:buChar char="○"/>
               <a:defRPr sz="1600"/>
             </a:lvl8pPr>
-            <a:lvl9pPr indent="-330200" lvl="8" marL="4114800">
+            <a:lvl9pPr marL="4114800" lvl="8" indent="-330200">
               <a:spcBef>
                 <a:spcPts val="0"/>
               </a:spcBef>
@@ -5013,15 +5466,19 @@
               <a:defRPr sz="1600"/>
             </a:lvl9pPr>
           </a:lstStyle>
-          <a:p/>
+          <a:p>
+            <a:endParaRPr/>
+          </a:p>
         </p:txBody>
       </p:sp>
       <p:sp>
         <p:nvSpPr>
           <p:cNvPr id="35" name="Google Shape;35;g313f73036cb_0_127"/>
-          <p:cNvSpPr txBox="1"/>
+          <p:cNvSpPr txBox="1">
+            <a:spLocks noGrp="1"/>
+          </p:cNvSpPr>
           <p:nvPr>
-            <p:ph idx="12" type="sldNum"/>
+            <p:ph type="sldNum" idx="12"/>
           </p:nvPr>
         </p:nvSpPr>
         <p:spPr>
@@ -5034,7 +5491,7 @@
           </a:prstGeom>
         </p:spPr>
         <p:txBody>
-          <a:bodyPr anchorCtr="0" anchor="ctr" bIns="121900" lIns="121900" spcFirstLastPara="1" rIns="121900" wrap="square" tIns="121900">
+          <a:bodyPr spcFirstLastPara="1" wrap="square" lIns="121900" tIns="121900" rIns="121900" bIns="121900" anchor="ctr" anchorCtr="0">
             <a:normAutofit/>
           </a:bodyPr>
           <a:lstStyle>
@@ -5076,7 +5533,7 @@
             </a:lvl9pPr>
           </a:lstStyle>
           <a:p>
-            <a:pPr indent="0" lvl="0" marL="0" rtl="0" algn="r">
+            <a:pPr marL="0" lvl="0" indent="0" algn="r" rtl="0">
               <a:spcBef>
                 <a:spcPts val="0"/>
               </a:spcBef>
@@ -5098,15 +5555,18 @@
   <p:clrMapOvr>
     <a:masterClrMapping/>
   </p:clrMapOvr>
+  <p:transition spd="med">
+    <p:pull/>
+  </p:transition>
 </p:sldLayout>
 </file>
 
 <file path=ppt/slideLayouts/slideLayout7.xml><?xml version="1.0" encoding="utf-8"?>
-<p:sldLayout xmlns:a="http://schemas.openxmlformats.org/drawingml/2006/main" xmlns:r="http://schemas.openxmlformats.org/officeDocument/2006/relationships" xmlns:mc="http://schemas.openxmlformats.org/markup-compatibility/2006" xmlns:mv="urn:schemas-microsoft-com:mac:vml" xmlns:p="http://schemas.openxmlformats.org/presentationml/2006/main" xmlns:c="http://schemas.openxmlformats.org/drawingml/2006/chart" xmlns:dgm="http://schemas.openxmlformats.org/drawingml/2006/diagram" xmlns:o="urn:schemas-microsoft-com:office:office" xmlns:v="urn:schemas-microsoft-com:vml" xmlns:pvml="urn:schemas-microsoft-com:office:powerpoint" xmlns:com="http://schemas.openxmlformats.org/drawingml/2006/compatibility" xmlns:p14="http://schemas.microsoft.com/office/powerpoint/2010/main" xmlns:p15="http://schemas.microsoft.com/office/powerpoint/2012/main" xmlns:ahyp="http://schemas.microsoft.com/office/drawing/2018/hyperlinkcolor" matchingName="Main point">
+<p:sldLayout xmlns:a="http://schemas.openxmlformats.org/drawingml/2006/main" xmlns:r="http://schemas.openxmlformats.org/officeDocument/2006/relationships" xmlns:p="http://schemas.openxmlformats.org/presentationml/2006/main" matchingName="Main point">
   <p:cSld name="MAIN_POINT">
     <p:spTree>
       <p:nvGrpSpPr>
-        <p:cNvPr id="36" name="Shape 36"/>
+        <p:cNvPr id="1" name="Shape 36"/>
         <p:cNvGrpSpPr/>
         <p:nvPr/>
       </p:nvGrpSpPr>
@@ -5121,7 +5581,9 @@
       <p:sp>
         <p:nvSpPr>
           <p:cNvPr id="37" name="Google Shape;37;g313f73036cb_0_131"/>
-          <p:cNvSpPr txBox="1"/>
+          <p:cNvSpPr txBox="1">
+            <a:spLocks noGrp="1"/>
+          </p:cNvSpPr>
           <p:nvPr>
             <p:ph type="title"/>
           </p:nvPr>
@@ -5136,7 +5598,7 @@
           </a:prstGeom>
         </p:spPr>
         <p:txBody>
-          <a:bodyPr anchorCtr="0" anchor="ctr" bIns="121900" lIns="121900" spcFirstLastPara="1" rIns="121900" wrap="square" tIns="121900">
+          <a:bodyPr spcFirstLastPara="1" wrap="square" lIns="121900" tIns="121900" rIns="121900" bIns="121900" anchor="ctr" anchorCtr="0">
             <a:normAutofit/>
           </a:bodyPr>
           <a:lstStyle>
@@ -5303,15 +5765,19 @@
               </a:defRPr>
             </a:lvl9pPr>
           </a:lstStyle>
-          <a:p/>
+          <a:p>
+            <a:endParaRPr/>
+          </a:p>
         </p:txBody>
       </p:sp>
       <p:sp>
         <p:nvSpPr>
           <p:cNvPr id="38" name="Google Shape;38;g313f73036cb_0_131"/>
-          <p:cNvSpPr txBox="1"/>
+          <p:cNvSpPr txBox="1">
+            <a:spLocks noGrp="1"/>
+          </p:cNvSpPr>
           <p:nvPr>
-            <p:ph idx="12" type="sldNum"/>
+            <p:ph type="sldNum" idx="12"/>
           </p:nvPr>
         </p:nvSpPr>
         <p:spPr>
@@ -5324,7 +5790,7 @@
           </a:prstGeom>
         </p:spPr>
         <p:txBody>
-          <a:bodyPr anchorCtr="0" anchor="ctr" bIns="121900" lIns="121900" spcFirstLastPara="1" rIns="121900" wrap="square" tIns="121900">
+          <a:bodyPr spcFirstLastPara="1" wrap="square" lIns="121900" tIns="121900" rIns="121900" bIns="121900" anchor="ctr" anchorCtr="0">
             <a:normAutofit/>
           </a:bodyPr>
           <a:lstStyle>
@@ -5402,7 +5868,7 @@
             </a:lvl9pPr>
           </a:lstStyle>
           <a:p>
-            <a:pPr indent="0" lvl="0" marL="0" rtl="0" algn="r">
+            <a:pPr marL="0" lvl="0" indent="0" algn="r" rtl="0">
               <a:spcBef>
                 <a:spcPts val="0"/>
               </a:spcBef>
@@ -5424,15 +5890,18 @@
   <p:clrMapOvr>
     <a:masterClrMapping/>
   </p:clrMapOvr>
+  <p:transition spd="med">
+    <p:pull/>
+  </p:transition>
 </p:sldLayout>
 </file>
 
 <file path=ppt/slideLayouts/slideLayout8.xml><?xml version="1.0" encoding="utf-8"?>
-<p:sldLayout xmlns:a="http://schemas.openxmlformats.org/drawingml/2006/main" xmlns:r="http://schemas.openxmlformats.org/officeDocument/2006/relationships" xmlns:mc="http://schemas.openxmlformats.org/markup-compatibility/2006" xmlns:mv="urn:schemas-microsoft-com:mac:vml" xmlns:p="http://schemas.openxmlformats.org/presentationml/2006/main" xmlns:c="http://schemas.openxmlformats.org/drawingml/2006/chart" xmlns:dgm="http://schemas.openxmlformats.org/drawingml/2006/diagram" xmlns:o="urn:schemas-microsoft-com:office:office" xmlns:v="urn:schemas-microsoft-com:vml" xmlns:pvml="urn:schemas-microsoft-com:office:powerpoint" xmlns:com="http://schemas.openxmlformats.org/drawingml/2006/compatibility" xmlns:p14="http://schemas.microsoft.com/office/powerpoint/2010/main" xmlns:p15="http://schemas.microsoft.com/office/powerpoint/2012/main" xmlns:ahyp="http://schemas.microsoft.com/office/drawing/2018/hyperlinkcolor" matchingName="Section title and description">
+<p:sldLayout xmlns:a="http://schemas.openxmlformats.org/drawingml/2006/main" xmlns:r="http://schemas.openxmlformats.org/officeDocument/2006/relationships" xmlns:p="http://schemas.openxmlformats.org/presentationml/2006/main" matchingName="Section title and description">
   <p:cSld name="SECTION_TITLE_AND_DESCRIPTION">
     <p:spTree>
       <p:nvGrpSpPr>
-        <p:cNvPr id="39" name="Shape 39"/>
+        <p:cNvPr id="1" name="Shape 39"/>
         <p:cNvGrpSpPr/>
         <p:nvPr/>
       </p:nvGrpSpPr>
@@ -5466,23 +5935,20 @@
           </a:ln>
         </p:spPr>
         <p:txBody>
-          <a:bodyPr anchorCtr="0" anchor="ctr" bIns="121900" lIns="121900" spcFirstLastPara="1" rIns="121900" wrap="square" tIns="121900">
+          <a:bodyPr spcFirstLastPara="1" wrap="square" lIns="121900" tIns="121900" rIns="121900" bIns="121900" anchor="ctr" anchorCtr="0">
             <a:noAutofit/>
           </a:bodyPr>
           <a:lstStyle/>
           <a:p>
-            <a:pPr indent="0" lvl="0" marL="0" rtl="0" algn="l">
-              <a:spcBef>
-                <a:spcPts val="0"/>
-              </a:spcBef>
-              <a:spcAft>
-                <a:spcPts val="0"/>
-              </a:spcAft>
-              <a:buNone/>
-            </a:pPr>
-            <a:r>
-              <a:t/>
-            </a:r>
+            <a:pPr marL="0" lvl="0" indent="0" algn="l" rtl="0">
+              <a:spcBef>
+                <a:spcPts val="0"/>
+              </a:spcBef>
+              <a:spcAft>
+                <a:spcPts val="0"/>
+              </a:spcAft>
+              <a:buNone/>
+            </a:pPr>
             <a:endParaRPr/>
           </a:p>
         </p:txBody>
@@ -5502,21 +5968,23 @@
             <a:avLst/>
           </a:prstGeom>
           <a:noFill/>
-          <a:ln cap="flat" cmpd="sng" w="19050">
+          <a:ln w="19050" cap="flat" cmpd="sng">
             <a:solidFill>
               <a:schemeClr val="lt1"/>
             </a:solidFill>
             <a:prstDash val="solid"/>
             <a:round/>
-            <a:headEnd len="sm" w="sm" type="none"/>
-            <a:tailEnd len="sm" w="sm" type="none"/>
+            <a:headEnd type="none" w="sm" len="sm"/>
+            <a:tailEnd type="none" w="sm" len="sm"/>
           </a:ln>
         </p:spPr>
       </p:cxnSp>
       <p:sp>
         <p:nvSpPr>
           <p:cNvPr id="42" name="Google Shape;42;g313f73036cb_0_134"/>
-          <p:cNvSpPr txBox="1"/>
+          <p:cNvSpPr txBox="1">
+            <a:spLocks noGrp="1"/>
+          </p:cNvSpPr>
           <p:nvPr>
             <p:ph type="title"/>
           </p:nvPr>
@@ -5531,7 +5999,7 @@
           </a:prstGeom>
         </p:spPr>
         <p:txBody>
-          <a:bodyPr anchorCtr="0" anchor="b" bIns="121900" lIns="121900" spcFirstLastPara="1" rIns="121900" wrap="square" tIns="121900">
+          <a:bodyPr spcFirstLastPara="1" wrap="square" lIns="121900" tIns="121900" rIns="121900" bIns="121900" anchor="b" anchorCtr="0">
             <a:normAutofit/>
           </a:bodyPr>
           <a:lstStyle>
@@ -5635,15 +6103,19 @@
               <a:defRPr sz="5600"/>
             </a:lvl9pPr>
           </a:lstStyle>
-          <a:p/>
+          <a:p>
+            <a:endParaRPr/>
+          </a:p>
         </p:txBody>
       </p:sp>
       <p:sp>
         <p:nvSpPr>
           <p:cNvPr id="43" name="Google Shape;43;g313f73036cb_0_134"/>
-          <p:cNvSpPr txBox="1"/>
+          <p:cNvSpPr txBox="1">
+            <a:spLocks noGrp="1"/>
+          </p:cNvSpPr>
           <p:nvPr>
-            <p:ph idx="1" type="subTitle"/>
+            <p:ph type="subTitle" idx="1"/>
           </p:nvPr>
         </p:nvSpPr>
         <p:spPr>
@@ -5656,7 +6128,7 @@
           </a:prstGeom>
         </p:spPr>
         <p:txBody>
-          <a:bodyPr anchorCtr="0" anchor="t" bIns="121900" lIns="121900" spcFirstLastPara="1" rIns="121900" wrap="square" tIns="121900">
+          <a:bodyPr spcFirstLastPara="1" wrap="square" lIns="121900" tIns="121900" rIns="121900" bIns="121900" anchor="t" anchorCtr="0">
             <a:normAutofit/>
           </a:bodyPr>
           <a:lstStyle>
@@ -5850,15 +6322,19 @@
               </a:defRPr>
             </a:lvl9pPr>
           </a:lstStyle>
-          <a:p/>
+          <a:p>
+            <a:endParaRPr/>
+          </a:p>
         </p:txBody>
       </p:sp>
       <p:sp>
         <p:nvSpPr>
           <p:cNvPr id="44" name="Google Shape;44;g313f73036cb_0_134"/>
-          <p:cNvSpPr txBox="1"/>
+          <p:cNvSpPr txBox="1">
+            <a:spLocks noGrp="1"/>
+          </p:cNvSpPr>
           <p:nvPr>
-            <p:ph idx="2" type="body"/>
+            <p:ph type="body" idx="2"/>
           </p:nvPr>
         </p:nvSpPr>
         <p:spPr>
@@ -5871,11 +6347,11 @@
           </a:prstGeom>
         </p:spPr>
         <p:txBody>
-          <a:bodyPr anchorCtr="0" anchor="ctr" bIns="121900" lIns="121900" spcFirstLastPara="1" rIns="121900" wrap="square" tIns="121900">
+          <a:bodyPr spcFirstLastPara="1" wrap="square" lIns="121900" tIns="121900" rIns="121900" bIns="121900" anchor="ctr" anchorCtr="0">
             <a:normAutofit/>
           </a:bodyPr>
           <a:lstStyle>
-            <a:lvl1pPr indent="-381000" lvl="0" marL="457200">
+            <a:lvl1pPr marL="457200" lvl="0" indent="-381000">
               <a:spcBef>
                 <a:spcPts val="0"/>
               </a:spcBef>
@@ -5893,7 +6369,7 @@
                 </a:solidFill>
               </a:defRPr>
             </a:lvl1pPr>
-            <a:lvl2pPr indent="-349250" lvl="1" marL="914400">
+            <a:lvl2pPr marL="914400" lvl="1" indent="-349250">
               <a:spcBef>
                 <a:spcPts val="0"/>
               </a:spcBef>
@@ -5911,7 +6387,7 @@
                 </a:solidFill>
               </a:defRPr>
             </a:lvl2pPr>
-            <a:lvl3pPr indent="-349250" lvl="2" marL="1371600">
+            <a:lvl3pPr marL="1371600" lvl="2" indent="-349250">
               <a:spcBef>
                 <a:spcPts val="0"/>
               </a:spcBef>
@@ -5929,7 +6405,7 @@
                 </a:solidFill>
               </a:defRPr>
             </a:lvl3pPr>
-            <a:lvl4pPr indent="-349250" lvl="3" marL="1828800">
+            <a:lvl4pPr marL="1828800" lvl="3" indent="-349250">
               <a:spcBef>
                 <a:spcPts val="0"/>
               </a:spcBef>
@@ -5947,7 +6423,7 @@
                 </a:solidFill>
               </a:defRPr>
             </a:lvl4pPr>
-            <a:lvl5pPr indent="-349250" lvl="4" marL="2286000">
+            <a:lvl5pPr marL="2286000" lvl="4" indent="-349250">
               <a:spcBef>
                 <a:spcPts val="0"/>
               </a:spcBef>
@@ -5965,7 +6441,7 @@
                 </a:solidFill>
               </a:defRPr>
             </a:lvl5pPr>
-            <a:lvl6pPr indent="-349250" lvl="5" marL="2743200">
+            <a:lvl6pPr marL="2743200" lvl="5" indent="-349250">
               <a:spcBef>
                 <a:spcPts val="0"/>
               </a:spcBef>
@@ -5983,7 +6459,7 @@
                 </a:solidFill>
               </a:defRPr>
             </a:lvl6pPr>
-            <a:lvl7pPr indent="-349250" lvl="6" marL="3200400">
+            <a:lvl7pPr marL="3200400" lvl="6" indent="-349250">
               <a:spcBef>
                 <a:spcPts val="0"/>
               </a:spcBef>
@@ -6001,7 +6477,7 @@
                 </a:solidFill>
               </a:defRPr>
             </a:lvl7pPr>
-            <a:lvl8pPr indent="-349250" lvl="7" marL="3657600">
+            <a:lvl8pPr marL="3657600" lvl="7" indent="-349250">
               <a:spcBef>
                 <a:spcPts val="0"/>
               </a:spcBef>
@@ -6019,7 +6495,7 @@
                 </a:solidFill>
               </a:defRPr>
             </a:lvl8pPr>
-            <a:lvl9pPr indent="-349250" lvl="8" marL="4114800">
+            <a:lvl9pPr marL="4114800" lvl="8" indent="-349250">
               <a:spcBef>
                 <a:spcPts val="0"/>
               </a:spcBef>
@@ -6038,15 +6514,19 @@
               </a:defRPr>
             </a:lvl9pPr>
           </a:lstStyle>
-          <a:p/>
+          <a:p>
+            <a:endParaRPr/>
+          </a:p>
         </p:txBody>
       </p:sp>
       <p:sp>
         <p:nvSpPr>
           <p:cNvPr id="45" name="Google Shape;45;g313f73036cb_0_134"/>
-          <p:cNvSpPr txBox="1"/>
+          <p:cNvSpPr txBox="1">
+            <a:spLocks noGrp="1"/>
+          </p:cNvSpPr>
           <p:nvPr>
-            <p:ph idx="12" type="sldNum"/>
+            <p:ph type="sldNum" idx="12"/>
           </p:nvPr>
         </p:nvSpPr>
         <p:spPr>
@@ -6059,7 +6539,7 @@
           </a:prstGeom>
         </p:spPr>
         <p:txBody>
-          <a:bodyPr anchorCtr="0" anchor="ctr" bIns="121900" lIns="121900" spcFirstLastPara="1" rIns="121900" wrap="square" tIns="121900">
+          <a:bodyPr spcFirstLastPara="1" wrap="square" lIns="121900" tIns="121900" rIns="121900" bIns="121900" anchor="ctr" anchorCtr="0">
             <a:normAutofit/>
           </a:bodyPr>
           <a:lstStyle>
@@ -6137,7 +6617,7 @@
             </a:lvl9pPr>
           </a:lstStyle>
           <a:p>
-            <a:pPr indent="0" lvl="0" marL="0" rtl="0" algn="r">
+            <a:pPr marL="0" lvl="0" indent="0" algn="r" rtl="0">
               <a:spcBef>
                 <a:spcPts val="0"/>
               </a:spcBef>
@@ -6159,15 +6639,18 @@
   <p:clrMapOvr>
     <a:masterClrMapping/>
   </p:clrMapOvr>
+  <p:transition spd="med">
+    <p:pull/>
+  </p:transition>
 </p:sldLayout>
 </file>
 
 <file path=ppt/slideLayouts/slideLayout9.xml><?xml version="1.0" encoding="utf-8"?>
-<p:sldLayout xmlns:a="http://schemas.openxmlformats.org/drawingml/2006/main" xmlns:r="http://schemas.openxmlformats.org/officeDocument/2006/relationships" xmlns:mc="http://schemas.openxmlformats.org/markup-compatibility/2006" xmlns:mv="urn:schemas-microsoft-com:mac:vml" xmlns:p="http://schemas.openxmlformats.org/presentationml/2006/main" xmlns:c="http://schemas.openxmlformats.org/drawingml/2006/chart" xmlns:dgm="http://schemas.openxmlformats.org/drawingml/2006/diagram" xmlns:o="urn:schemas-microsoft-com:office:office" xmlns:v="urn:schemas-microsoft-com:vml" xmlns:pvml="urn:schemas-microsoft-com:office:powerpoint" xmlns:com="http://schemas.openxmlformats.org/drawingml/2006/compatibility" xmlns:p14="http://schemas.microsoft.com/office/powerpoint/2010/main" xmlns:p15="http://schemas.microsoft.com/office/powerpoint/2012/main" xmlns:ahyp="http://schemas.microsoft.com/office/drawing/2018/hyperlinkcolor" matchingName="Caption">
+<p:sldLayout xmlns:a="http://schemas.openxmlformats.org/drawingml/2006/main" xmlns:r="http://schemas.openxmlformats.org/officeDocument/2006/relationships" xmlns:p="http://schemas.openxmlformats.org/presentationml/2006/main" matchingName="Caption">
   <p:cSld name="CAPTION_ONLY">
     <p:spTree>
       <p:nvGrpSpPr>
-        <p:cNvPr id="46" name="Shape 46"/>
+        <p:cNvPr id="1" name="Shape 46"/>
         <p:cNvGrpSpPr/>
         <p:nvPr/>
       </p:nvGrpSpPr>
@@ -6182,9 +6665,11 @@
       <p:sp>
         <p:nvSpPr>
           <p:cNvPr id="47" name="Google Shape;47;g313f73036cb_0_141"/>
-          <p:cNvSpPr txBox="1"/>
+          <p:cNvSpPr txBox="1">
+            <a:spLocks noGrp="1"/>
+          </p:cNvSpPr>
           <p:nvPr>
-            <p:ph idx="1" type="body"/>
+            <p:ph type="body" idx="1"/>
           </p:nvPr>
         </p:nvSpPr>
         <p:spPr>
@@ -6197,11 +6682,11 @@
           </a:prstGeom>
         </p:spPr>
         <p:txBody>
-          <a:bodyPr anchorCtr="0" anchor="ctr" bIns="121900" lIns="121900" spcFirstLastPara="1" rIns="121900" wrap="square" tIns="121900">
+          <a:bodyPr spcFirstLastPara="1" wrap="square" lIns="121900" tIns="121900" rIns="121900" bIns="121900" anchor="ctr" anchorCtr="0">
             <a:normAutofit/>
           </a:bodyPr>
           <a:lstStyle>
-            <a:lvl1pPr indent="-228600" lvl="0" marL="457200">
+            <a:lvl1pPr marL="457200" lvl="0" indent="-228600">
               <a:lnSpc>
                 <a:spcPct val="100000"/>
               </a:lnSpc>
@@ -6228,15 +6713,19 @@
               </a:defRPr>
             </a:lvl1pPr>
           </a:lstStyle>
-          <a:p/>
+          <a:p>
+            <a:endParaRPr/>
+          </a:p>
         </p:txBody>
       </p:sp>
       <p:sp>
         <p:nvSpPr>
           <p:cNvPr id="48" name="Google Shape;48;g313f73036cb_0_141"/>
-          <p:cNvSpPr txBox="1"/>
+          <p:cNvSpPr txBox="1">
+            <a:spLocks noGrp="1"/>
+          </p:cNvSpPr>
           <p:nvPr>
-            <p:ph idx="12" type="sldNum"/>
+            <p:ph type="sldNum" idx="12"/>
           </p:nvPr>
         </p:nvSpPr>
         <p:spPr>
@@ -6249,7 +6738,7 @@
           </a:prstGeom>
         </p:spPr>
         <p:txBody>
-          <a:bodyPr anchorCtr="0" anchor="ctr" bIns="121900" lIns="121900" spcFirstLastPara="1" rIns="121900" wrap="square" tIns="121900">
+          <a:bodyPr spcFirstLastPara="1" wrap="square" lIns="121900" tIns="121900" rIns="121900" bIns="121900" anchor="ctr" anchorCtr="0">
             <a:normAutofit/>
           </a:bodyPr>
           <a:lstStyle>
@@ -6291,7 +6780,7 @@
             </a:lvl9pPr>
           </a:lstStyle>
           <a:p>
-            <a:pPr indent="0" lvl="0" marL="0" rtl="0" algn="r">
+            <a:pPr marL="0" lvl="0" indent="0" algn="r" rtl="0">
               <a:spcBef>
                 <a:spcPts val="0"/>
               </a:spcBef>
@@ -6313,22 +6802,26 @@
   <p:clrMapOvr>
     <a:masterClrMapping/>
   </p:clrMapOvr>
+  <p:transition spd="med">
+    <p:pull/>
+  </p:transition>
 </p:sldLayout>
 </file>
 
 <file path=ppt/slideMasters/slideMaster1.xml><?xml version="1.0" encoding="utf-8"?>
-<p:sldMaster xmlns:a="http://schemas.openxmlformats.org/drawingml/2006/main" xmlns:r="http://schemas.openxmlformats.org/officeDocument/2006/relationships" xmlns:mc="http://schemas.openxmlformats.org/markup-compatibility/2006" xmlns:mv="urn:schemas-microsoft-com:mac:vml" xmlns:p="http://schemas.openxmlformats.org/presentationml/2006/main" xmlns:c="http://schemas.openxmlformats.org/drawingml/2006/chart" xmlns:dgm="http://schemas.openxmlformats.org/drawingml/2006/diagram" xmlns:o="urn:schemas-microsoft-com:office:office" xmlns:v="urn:schemas-microsoft-com:vml" xmlns:pvml="urn:schemas-microsoft-com:office:powerpoint" xmlns:com="http://schemas.openxmlformats.org/drawingml/2006/compatibility" xmlns:p14="http://schemas.microsoft.com/office/powerpoint/2010/main" xmlns:p15="http://schemas.microsoft.com/office/powerpoint/2012/main" xmlns:ahyp="http://schemas.microsoft.com/office/drawing/2018/hyperlinkcolor">
+<p:sldMaster xmlns:a="http://schemas.openxmlformats.org/drawingml/2006/main" xmlns:r="http://schemas.openxmlformats.org/officeDocument/2006/relationships" xmlns:p="http://schemas.openxmlformats.org/presentationml/2006/main">
   <p:cSld name="slate">
     <p:bg>
       <p:bgPr>
         <a:solidFill>
           <a:srgbClr val="073763"/>
         </a:solidFill>
+        <a:effectLst/>
       </p:bgPr>
     </p:bg>
     <p:spTree>
       <p:nvGrpSpPr>
-        <p:cNvPr id="5" name="Shape 5"/>
+        <p:cNvPr id="1" name="Shape 5"/>
         <p:cNvGrpSpPr/>
         <p:nvPr/>
       </p:nvGrpSpPr>
@@ -6343,7 +6836,9 @@
       <p:sp>
         <p:nvSpPr>
           <p:cNvPr id="6" name="Google Shape;6;g313f73036cb_0_100"/>
-          <p:cNvSpPr txBox="1"/>
+          <p:cNvSpPr txBox="1">
+            <a:spLocks noGrp="1"/>
+          </p:cNvSpPr>
           <p:nvPr>
             <p:ph type="title"/>
           </p:nvPr>
@@ -6362,7 +6857,7 @@
           </a:ln>
         </p:spPr>
         <p:txBody>
-          <a:bodyPr anchorCtr="0" anchor="t" bIns="121900" lIns="121900" spcFirstLastPara="1" rIns="121900" wrap="square" tIns="121900">
+          <a:bodyPr spcFirstLastPara="1" wrap="square" lIns="121900" tIns="121900" rIns="121900" bIns="121900" anchor="t" anchorCtr="0">
             <a:normAutofit/>
           </a:bodyPr>
           <a:lstStyle>
@@ -6574,15 +7069,19 @@
               </a:defRPr>
             </a:lvl9pPr>
           </a:lstStyle>
-          <a:p/>
+          <a:p>
+            <a:endParaRPr/>
+          </a:p>
         </p:txBody>
       </p:sp>
       <p:sp>
         <p:nvSpPr>
           <p:cNvPr id="7" name="Google Shape;7;g313f73036cb_0_100"/>
-          <p:cNvSpPr txBox="1"/>
+          <p:cNvSpPr txBox="1">
+            <a:spLocks noGrp="1"/>
+          </p:cNvSpPr>
           <p:nvPr>
-            <p:ph idx="1" type="body"/>
+            <p:ph type="body" idx="1"/>
           </p:nvPr>
         </p:nvSpPr>
         <p:spPr>
@@ -6599,11 +7098,11 @@
           </a:ln>
         </p:spPr>
         <p:txBody>
-          <a:bodyPr anchorCtr="0" anchor="t" bIns="121900" lIns="121900" spcFirstLastPara="1" rIns="121900" wrap="square" tIns="121900">
+          <a:bodyPr spcFirstLastPara="1" wrap="square" lIns="121900" tIns="121900" rIns="121900" bIns="121900" anchor="t" anchorCtr="0">
             <a:normAutofit/>
           </a:bodyPr>
           <a:lstStyle>
-            <a:lvl1pPr indent="-381000" lvl="0" marL="457200">
+            <a:lvl1pPr marL="457200" lvl="0" indent="-381000">
               <a:lnSpc>
                 <a:spcPct val="115000"/>
               </a:lnSpc>
@@ -6629,7 +7128,7 @@
                 <a:sym typeface="Average"/>
               </a:defRPr>
             </a:lvl1pPr>
-            <a:lvl2pPr indent="-349250" lvl="1" marL="914400">
+            <a:lvl2pPr marL="914400" lvl="1" indent="-349250">
               <a:lnSpc>
                 <a:spcPct val="115000"/>
               </a:lnSpc>
@@ -6655,7 +7154,7 @@
                 <a:sym typeface="Average"/>
               </a:defRPr>
             </a:lvl2pPr>
-            <a:lvl3pPr indent="-349250" lvl="2" marL="1371600">
+            <a:lvl3pPr marL="1371600" lvl="2" indent="-349250">
               <a:lnSpc>
                 <a:spcPct val="115000"/>
               </a:lnSpc>
@@ -6681,7 +7180,7 @@
                 <a:sym typeface="Average"/>
               </a:defRPr>
             </a:lvl3pPr>
-            <a:lvl4pPr indent="-349250" lvl="3" marL="1828800">
+            <a:lvl4pPr marL="1828800" lvl="3" indent="-349250">
               <a:lnSpc>
                 <a:spcPct val="115000"/>
               </a:lnSpc>
@@ -6707,7 +7206,7 @@
                 <a:sym typeface="Average"/>
               </a:defRPr>
             </a:lvl4pPr>
-            <a:lvl5pPr indent="-349250" lvl="4" marL="2286000">
+            <a:lvl5pPr marL="2286000" lvl="4" indent="-349250">
               <a:lnSpc>
                 <a:spcPct val="115000"/>
               </a:lnSpc>
@@ -6733,7 +7232,7 @@
                 <a:sym typeface="Average"/>
               </a:defRPr>
             </a:lvl5pPr>
-            <a:lvl6pPr indent="-349250" lvl="5" marL="2743200">
+            <a:lvl6pPr marL="2743200" lvl="5" indent="-349250">
               <a:lnSpc>
                 <a:spcPct val="115000"/>
               </a:lnSpc>
@@ -6759,7 +7258,7 @@
                 <a:sym typeface="Average"/>
               </a:defRPr>
             </a:lvl6pPr>
-            <a:lvl7pPr indent="-349250" lvl="6" marL="3200400">
+            <a:lvl7pPr marL="3200400" lvl="6" indent="-349250">
               <a:lnSpc>
                 <a:spcPct val="115000"/>
               </a:lnSpc>
@@ -6785,7 +7284,7 @@
                 <a:sym typeface="Average"/>
               </a:defRPr>
             </a:lvl7pPr>
-            <a:lvl8pPr indent="-349250" lvl="7" marL="3657600">
+            <a:lvl8pPr marL="3657600" lvl="7" indent="-349250">
               <a:lnSpc>
                 <a:spcPct val="115000"/>
               </a:lnSpc>
@@ -6811,7 +7310,7 @@
                 <a:sym typeface="Average"/>
               </a:defRPr>
             </a:lvl8pPr>
-            <a:lvl9pPr indent="-349250" lvl="8" marL="4114800">
+            <a:lvl9pPr marL="4114800" lvl="8" indent="-349250">
               <a:lnSpc>
                 <a:spcPct val="115000"/>
               </a:lnSpc>
@@ -6838,15 +7337,19 @@
               </a:defRPr>
             </a:lvl9pPr>
           </a:lstStyle>
-          <a:p/>
+          <a:p>
+            <a:endParaRPr/>
+          </a:p>
         </p:txBody>
       </p:sp>
       <p:sp>
         <p:nvSpPr>
           <p:cNvPr id="8" name="Google Shape;8;g313f73036cb_0_100"/>
-          <p:cNvSpPr txBox="1"/>
+          <p:cNvSpPr txBox="1">
+            <a:spLocks noGrp="1"/>
+          </p:cNvSpPr>
           <p:nvPr>
-            <p:ph idx="12" type="sldNum"/>
+            <p:ph type="sldNum" idx="12"/>
           </p:nvPr>
         </p:nvSpPr>
         <p:spPr>
@@ -6863,7 +7366,7 @@
           </a:ln>
         </p:spPr>
         <p:txBody>
-          <a:bodyPr anchorCtr="0" anchor="ctr" bIns="121900" lIns="121900" spcFirstLastPara="1" rIns="121900" wrap="square" tIns="121900">
+          <a:bodyPr spcFirstLastPara="1" wrap="square" lIns="121900" tIns="121900" rIns="121900" bIns="121900" anchor="ctr" anchorCtr="0">
             <a:normAutofit/>
           </a:bodyPr>
           <a:lstStyle>
@@ -6977,7 +7480,7 @@
             </a:lvl9pPr>
           </a:lstStyle>
           <a:p>
-            <a:pPr indent="0" lvl="0" marL="0" rtl="0" algn="r">
+            <a:pPr marL="0" lvl="0" indent="0" algn="r" rtl="0">
               <a:spcBef>
                 <a:spcPts val="0"/>
               </a:spcBef>
@@ -6996,7 +7499,7 @@
       </p:sp>
     </p:spTree>
   </p:cSld>
-  <p:clrMap accent1="accent1" accent2="accent2" accent3="accent3" accent4="accent4" accent5="accent5" accent6="accent6" bg1="lt1" bg2="dk2" tx1="dk1" tx2="lt2" folHlink="folHlink" hlink="hlink"/>
+  <p:clrMap bg1="lt1" tx1="dk1" bg2="dk2" tx2="lt2" accent1="accent1" accent2="accent2" accent3="accent3" accent4="accent4" accent5="accent5" accent6="accent6" hlink="hlink" folHlink="folHlink"/>
   <p:sldLayoutIdLst>
     <p:sldLayoutId id="2147483649" r:id="rId1"/>
     <p:sldLayoutId id="2147483650" r:id="rId2"/>
@@ -7010,10 +7513,13 @@
     <p:sldLayoutId id="2147483658" r:id="rId10"/>
     <p:sldLayoutId id="2147483659" r:id="rId11"/>
   </p:sldLayoutIdLst>
-  <p:hf dt="0" ftr="0" hdr="0" sldNum="0"/>
+  <p:transition spd="med">
+    <p:pull/>
+  </p:transition>
+  <p:hf sldNum="0" hdr="0" ftr="0" dt="0"/>
   <p:txStyles>
     <p:titleStyle>
-      <a:defPPr lvl="0" marR="0" rtl="0" algn="l">
+      <a:defPPr marR="0" lvl="0" algn="l" rtl="0">
         <a:lnSpc>
           <a:spcPct val="100000"/>
         </a:lnSpc>
@@ -7024,7 +7530,7 @@
           <a:spcPts val="0"/>
         </a:spcAft>
       </a:defPPr>
-      <a:lvl1pPr lvl="0" marR="0" rtl="0" algn="l">
+      <a:lvl1pPr marR="0" lvl="0" algn="l" rtl="0">
         <a:lnSpc>
           <a:spcPct val="100000"/>
         </a:lnSpc>
@@ -7038,7 +7544,7 @@
           <a:srgbClr val="000000"/>
         </a:buClr>
         <a:buFont typeface="Arial"/>
-        <a:defRPr b="0" i="0" sz="1400" u="none" cap="none" strike="noStrike">
+        <a:defRPr sz="1400" b="0" i="0" u="none" strike="noStrike" cap="none">
           <a:solidFill>
             <a:srgbClr val="000000"/>
           </a:solidFill>
@@ -7048,7 +7554,7 @@
           <a:sym typeface="Arial"/>
         </a:defRPr>
       </a:lvl1pPr>
-      <a:lvl2pPr lvl="1" marR="0" rtl="0" algn="l">
+      <a:lvl2pPr marR="0" lvl="1" algn="l" rtl="0">
         <a:lnSpc>
           <a:spcPct val="100000"/>
         </a:lnSpc>
@@ -7062,7 +7568,7 @@
           <a:srgbClr val="000000"/>
         </a:buClr>
         <a:buFont typeface="Arial"/>
-        <a:defRPr b="0" i="0" sz="1400" u="none" cap="none" strike="noStrike">
+        <a:defRPr sz="1400" b="0" i="0" u="none" strike="noStrike" cap="none">
           <a:solidFill>
             <a:srgbClr val="000000"/>
           </a:solidFill>
@@ -7072,7 +7578,7 @@
           <a:sym typeface="Arial"/>
         </a:defRPr>
       </a:lvl2pPr>
-      <a:lvl3pPr lvl="2" marR="0" rtl="0" algn="l">
+      <a:lvl3pPr marR="0" lvl="2" algn="l" rtl="0">
         <a:lnSpc>
           <a:spcPct val="100000"/>
         </a:lnSpc>
@@ -7086,7 +7592,7 @@
           <a:srgbClr val="000000"/>
         </a:buClr>
         <a:buFont typeface="Arial"/>
-        <a:defRPr b="0" i="0" sz="1400" u="none" cap="none" strike="noStrike">
+        <a:defRPr sz="1400" b="0" i="0" u="none" strike="noStrike" cap="none">
           <a:solidFill>
             <a:srgbClr val="000000"/>
           </a:solidFill>
@@ -7096,7 +7602,7 @@
           <a:sym typeface="Arial"/>
         </a:defRPr>
       </a:lvl3pPr>
-      <a:lvl4pPr lvl="3" marR="0" rtl="0" algn="l">
+      <a:lvl4pPr marR="0" lvl="3" algn="l" rtl="0">
         <a:lnSpc>
           <a:spcPct val="100000"/>
         </a:lnSpc>
@@ -7110,7 +7616,7 @@
           <a:srgbClr val="000000"/>
         </a:buClr>
         <a:buFont typeface="Arial"/>
-        <a:defRPr b="0" i="0" sz="1400" u="none" cap="none" strike="noStrike">
+        <a:defRPr sz="1400" b="0" i="0" u="none" strike="noStrike" cap="none">
           <a:solidFill>
             <a:srgbClr val="000000"/>
           </a:solidFill>
@@ -7120,7 +7626,7 @@
           <a:sym typeface="Arial"/>
         </a:defRPr>
       </a:lvl4pPr>
-      <a:lvl5pPr lvl="4" marR="0" rtl="0" algn="l">
+      <a:lvl5pPr marR="0" lvl="4" algn="l" rtl="0">
         <a:lnSpc>
           <a:spcPct val="100000"/>
         </a:lnSpc>
@@ -7134,7 +7640,7 @@
           <a:srgbClr val="000000"/>
         </a:buClr>
         <a:buFont typeface="Arial"/>
-        <a:defRPr b="0" i="0" sz="1400" u="none" cap="none" strike="noStrike">
+        <a:defRPr sz="1400" b="0" i="0" u="none" strike="noStrike" cap="none">
           <a:solidFill>
             <a:srgbClr val="000000"/>
           </a:solidFill>
@@ -7144,7 +7650,7 @@
           <a:sym typeface="Arial"/>
         </a:defRPr>
       </a:lvl5pPr>
-      <a:lvl6pPr lvl="5" marR="0" rtl="0" algn="l">
+      <a:lvl6pPr marR="0" lvl="5" algn="l" rtl="0">
         <a:lnSpc>
           <a:spcPct val="100000"/>
         </a:lnSpc>
@@ -7158,7 +7664,7 @@
           <a:srgbClr val="000000"/>
         </a:buClr>
         <a:buFont typeface="Arial"/>
-        <a:defRPr b="0" i="0" sz="1400" u="none" cap="none" strike="noStrike">
+        <a:defRPr sz="1400" b="0" i="0" u="none" strike="noStrike" cap="none">
           <a:solidFill>
             <a:srgbClr val="000000"/>
           </a:solidFill>
@@ -7168,7 +7674,7 @@
           <a:sym typeface="Arial"/>
         </a:defRPr>
       </a:lvl6pPr>
-      <a:lvl7pPr lvl="6" marR="0" rtl="0" algn="l">
+      <a:lvl7pPr marR="0" lvl="6" algn="l" rtl="0">
         <a:lnSpc>
           <a:spcPct val="100000"/>
         </a:lnSpc>
@@ -7182,7 +7688,7 @@
           <a:srgbClr val="000000"/>
         </a:buClr>
         <a:buFont typeface="Arial"/>
-        <a:defRPr b="0" i="0" sz="1400" u="none" cap="none" strike="noStrike">
+        <a:defRPr sz="1400" b="0" i="0" u="none" strike="noStrike" cap="none">
           <a:solidFill>
             <a:srgbClr val="000000"/>
           </a:solidFill>
@@ -7192,7 +7698,7 @@
           <a:sym typeface="Arial"/>
         </a:defRPr>
       </a:lvl7pPr>
-      <a:lvl8pPr lvl="7" marR="0" rtl="0" algn="l">
+      <a:lvl8pPr marR="0" lvl="7" algn="l" rtl="0">
         <a:lnSpc>
           <a:spcPct val="100000"/>
         </a:lnSpc>
@@ -7206,7 +7712,7 @@
           <a:srgbClr val="000000"/>
         </a:buClr>
         <a:buFont typeface="Arial"/>
-        <a:defRPr b="0" i="0" sz="1400" u="none" cap="none" strike="noStrike">
+        <a:defRPr sz="1400" b="0" i="0" u="none" strike="noStrike" cap="none">
           <a:solidFill>
             <a:srgbClr val="000000"/>
           </a:solidFill>
@@ -7216,7 +7722,7 @@
           <a:sym typeface="Arial"/>
         </a:defRPr>
       </a:lvl8pPr>
-      <a:lvl9pPr lvl="8" marR="0" rtl="0" algn="l">
+      <a:lvl9pPr marR="0" lvl="8" algn="l" rtl="0">
         <a:lnSpc>
           <a:spcPct val="100000"/>
         </a:lnSpc>
@@ -7230,7 +7736,7 @@
           <a:srgbClr val="000000"/>
         </a:buClr>
         <a:buFont typeface="Arial"/>
-        <a:defRPr b="0" i="0" sz="1400" u="none" cap="none" strike="noStrike">
+        <a:defRPr sz="1400" b="0" i="0" u="none" strike="noStrike" cap="none">
           <a:solidFill>
             <a:srgbClr val="000000"/>
           </a:solidFill>
@@ -7242,7 +7748,7 @@
       </a:lvl9pPr>
     </p:titleStyle>
     <p:bodyStyle>
-      <a:defPPr lvl="0" marR="0" rtl="0" algn="l">
+      <a:defPPr marR="0" lvl="0" algn="l" rtl="0">
         <a:lnSpc>
           <a:spcPct val="100000"/>
         </a:lnSpc>
@@ -7253,7 +7759,7 @@
           <a:spcPts val="0"/>
         </a:spcAft>
       </a:defPPr>
-      <a:lvl1pPr lvl="0" marR="0" rtl="0" algn="l">
+      <a:lvl1pPr marR="0" lvl="0" algn="l" rtl="0">
         <a:lnSpc>
           <a:spcPct val="100000"/>
         </a:lnSpc>
@@ -7267,7 +7773,7 @@
           <a:srgbClr val="000000"/>
         </a:buClr>
         <a:buFont typeface="Arial"/>
-        <a:defRPr b="0" i="0" sz="1400" u="none" cap="none" strike="noStrike">
+        <a:defRPr sz="1400" b="0" i="0" u="none" strike="noStrike" cap="none">
           <a:solidFill>
             <a:srgbClr val="000000"/>
           </a:solidFill>
@@ -7277,7 +7783,7 @@
           <a:sym typeface="Arial"/>
         </a:defRPr>
       </a:lvl1pPr>
-      <a:lvl2pPr lvl="1" marR="0" rtl="0" algn="l">
+      <a:lvl2pPr marR="0" lvl="1" algn="l" rtl="0">
         <a:lnSpc>
           <a:spcPct val="100000"/>
         </a:lnSpc>
@@ -7291,7 +7797,7 @@
           <a:srgbClr val="000000"/>
         </a:buClr>
         <a:buFont typeface="Arial"/>
-        <a:defRPr b="0" i="0" sz="1400" u="none" cap="none" strike="noStrike">
+        <a:defRPr sz="1400" b="0" i="0" u="none" strike="noStrike" cap="none">
           <a:solidFill>
             <a:srgbClr val="000000"/>
           </a:solidFill>
@@ -7301,7 +7807,7 @@
           <a:sym typeface="Arial"/>
         </a:defRPr>
       </a:lvl2pPr>
-      <a:lvl3pPr lvl="2" marR="0" rtl="0" algn="l">
+      <a:lvl3pPr marR="0" lvl="2" algn="l" rtl="0">
         <a:lnSpc>
           <a:spcPct val="100000"/>
         </a:lnSpc>
@@ -7315,7 +7821,7 @@
           <a:srgbClr val="000000"/>
         </a:buClr>
         <a:buFont typeface="Arial"/>
-        <a:defRPr b="0" i="0" sz="1400" u="none" cap="none" strike="noStrike">
+        <a:defRPr sz="1400" b="0" i="0" u="none" strike="noStrike" cap="none">
           <a:solidFill>
             <a:srgbClr val="000000"/>
           </a:solidFill>
@@ -7325,7 +7831,7 @@
           <a:sym typeface="Arial"/>
         </a:defRPr>
       </a:lvl3pPr>
-      <a:lvl4pPr lvl="3" marR="0" rtl="0" algn="l">
+      <a:lvl4pPr marR="0" lvl="3" algn="l" rtl="0">
         <a:lnSpc>
           <a:spcPct val="100000"/>
         </a:lnSpc>
@@ -7339,7 +7845,7 @@
           <a:srgbClr val="000000"/>
         </a:buClr>
         <a:buFont typeface="Arial"/>
-        <a:defRPr b="0" i="0" sz="1400" u="none" cap="none" strike="noStrike">
+        <a:defRPr sz="1400" b="0" i="0" u="none" strike="noStrike" cap="none">
           <a:solidFill>
             <a:srgbClr val="000000"/>
           </a:solidFill>
@@ -7349,7 +7855,7 @@
           <a:sym typeface="Arial"/>
         </a:defRPr>
       </a:lvl4pPr>
-      <a:lvl5pPr lvl="4" marR="0" rtl="0" algn="l">
+      <a:lvl5pPr marR="0" lvl="4" algn="l" rtl="0">
         <a:lnSpc>
           <a:spcPct val="100000"/>
         </a:lnSpc>
@@ -7363,7 +7869,7 @@
           <a:srgbClr val="000000"/>
         </a:buClr>
         <a:buFont typeface="Arial"/>
-        <a:defRPr b="0" i="0" sz="1400" u="none" cap="none" strike="noStrike">
+        <a:defRPr sz="1400" b="0" i="0" u="none" strike="noStrike" cap="none">
           <a:solidFill>
             <a:srgbClr val="000000"/>
           </a:solidFill>
@@ -7373,7 +7879,7 @@
           <a:sym typeface="Arial"/>
         </a:defRPr>
       </a:lvl5pPr>
-      <a:lvl6pPr lvl="5" marR="0" rtl="0" algn="l">
+      <a:lvl6pPr marR="0" lvl="5" algn="l" rtl="0">
         <a:lnSpc>
           <a:spcPct val="100000"/>
         </a:lnSpc>
@@ -7387,7 +7893,7 @@
           <a:srgbClr val="000000"/>
         </a:buClr>
         <a:buFont typeface="Arial"/>
-        <a:defRPr b="0" i="0" sz="1400" u="none" cap="none" strike="noStrike">
+        <a:defRPr sz="1400" b="0" i="0" u="none" strike="noStrike" cap="none">
           <a:solidFill>
             <a:srgbClr val="000000"/>
           </a:solidFill>
@@ -7397,7 +7903,7 @@
           <a:sym typeface="Arial"/>
         </a:defRPr>
       </a:lvl6pPr>
-      <a:lvl7pPr lvl="6" marR="0" rtl="0" algn="l">
+      <a:lvl7pPr marR="0" lvl="6" algn="l" rtl="0">
         <a:lnSpc>
           <a:spcPct val="100000"/>
         </a:lnSpc>
@@ -7411,7 +7917,7 @@
           <a:srgbClr val="000000"/>
         </a:buClr>
         <a:buFont typeface="Arial"/>
-        <a:defRPr b="0" i="0" sz="1400" u="none" cap="none" strike="noStrike">
+        <a:defRPr sz="1400" b="0" i="0" u="none" strike="noStrike" cap="none">
           <a:solidFill>
             <a:srgbClr val="000000"/>
           </a:solidFill>
@@ -7421,7 +7927,7 @@
           <a:sym typeface="Arial"/>
         </a:defRPr>
       </a:lvl7pPr>
-      <a:lvl8pPr lvl="7" marR="0" rtl="0" algn="l">
+      <a:lvl8pPr marR="0" lvl="7" algn="l" rtl="0">
         <a:lnSpc>
           <a:spcPct val="100000"/>
         </a:lnSpc>
@@ -7435,7 +7941,7 @@
           <a:srgbClr val="000000"/>
         </a:buClr>
         <a:buFont typeface="Arial"/>
-        <a:defRPr b="0" i="0" sz="1400" u="none" cap="none" strike="noStrike">
+        <a:defRPr sz="1400" b="0" i="0" u="none" strike="noStrike" cap="none">
           <a:solidFill>
             <a:srgbClr val="000000"/>
           </a:solidFill>
@@ -7445,7 +7951,7 @@
           <a:sym typeface="Arial"/>
         </a:defRPr>
       </a:lvl8pPr>
-      <a:lvl9pPr lvl="8" marR="0" rtl="0" algn="l">
+      <a:lvl9pPr marR="0" lvl="8" algn="l" rtl="0">
         <a:lnSpc>
           <a:spcPct val="100000"/>
         </a:lnSpc>
@@ -7459,7 +7965,7 @@
           <a:srgbClr val="000000"/>
         </a:buClr>
         <a:buFont typeface="Arial"/>
-        <a:defRPr b="0" i="0" sz="1400" u="none" cap="none" strike="noStrike">
+        <a:defRPr sz="1400" b="0" i="0" u="none" strike="noStrike" cap="none">
           <a:solidFill>
             <a:srgbClr val="000000"/>
           </a:solidFill>
@@ -7471,7 +7977,7 @@
       </a:lvl9pPr>
     </p:bodyStyle>
     <p:otherStyle>
-      <a:defPPr lvl="0" marR="0" rtl="0" algn="l">
+      <a:defPPr marR="0" lvl="0" algn="l" rtl="0">
         <a:lnSpc>
           <a:spcPct val="100000"/>
         </a:lnSpc>
@@ -7482,7 +7988,7 @@
           <a:spcPts val="0"/>
         </a:spcAft>
       </a:defPPr>
-      <a:lvl1pPr lvl="0" marR="0" rtl="0" algn="l">
+      <a:lvl1pPr marR="0" lvl="0" algn="l" rtl="0">
         <a:lnSpc>
           <a:spcPct val="100000"/>
         </a:lnSpc>
@@ -7496,7 +8002,7 @@
           <a:srgbClr val="000000"/>
         </a:buClr>
         <a:buFont typeface="Arial"/>
-        <a:defRPr b="0" i="0" sz="1400" u="none" cap="none" strike="noStrike">
+        <a:defRPr sz="1400" b="0" i="0" u="none" strike="noStrike" cap="none">
           <a:solidFill>
             <a:srgbClr val="000000"/>
           </a:solidFill>
@@ -7506,7 +8012,7 @@
           <a:sym typeface="Arial"/>
         </a:defRPr>
       </a:lvl1pPr>
-      <a:lvl2pPr lvl="1" marR="0" rtl="0" algn="l">
+      <a:lvl2pPr marR="0" lvl="1" algn="l" rtl="0">
         <a:lnSpc>
           <a:spcPct val="100000"/>
         </a:lnSpc>
@@ -7520,7 +8026,7 @@
           <a:srgbClr val="000000"/>
         </a:buClr>
         <a:buFont typeface="Arial"/>
-        <a:defRPr b="0" i="0" sz="1400" u="none" cap="none" strike="noStrike">
+        <a:defRPr sz="1400" b="0" i="0" u="none" strike="noStrike" cap="none">
           <a:solidFill>
             <a:srgbClr val="000000"/>
           </a:solidFill>
@@ -7530,7 +8036,7 @@
           <a:sym typeface="Arial"/>
         </a:defRPr>
       </a:lvl2pPr>
-      <a:lvl3pPr lvl="2" marR="0" rtl="0" algn="l">
+      <a:lvl3pPr marR="0" lvl="2" algn="l" rtl="0">
         <a:lnSpc>
           <a:spcPct val="100000"/>
         </a:lnSpc>
@@ -7544,7 +8050,7 @@
           <a:srgbClr val="000000"/>
         </a:buClr>
         <a:buFont typeface="Arial"/>
-        <a:defRPr b="0" i="0" sz="1400" u="none" cap="none" strike="noStrike">
+        <a:defRPr sz="1400" b="0" i="0" u="none" strike="noStrike" cap="none">
           <a:solidFill>
             <a:srgbClr val="000000"/>
           </a:solidFill>
@@ -7554,7 +8060,7 @@
           <a:sym typeface="Arial"/>
         </a:defRPr>
       </a:lvl3pPr>
-      <a:lvl4pPr lvl="3" marR="0" rtl="0" algn="l">
+      <a:lvl4pPr marR="0" lvl="3" algn="l" rtl="0">
         <a:lnSpc>
           <a:spcPct val="100000"/>
         </a:lnSpc>
@@ -7568,7 +8074,7 @@
           <a:srgbClr val="000000"/>
         </a:buClr>
         <a:buFont typeface="Arial"/>
-        <a:defRPr b="0" i="0" sz="1400" u="none" cap="none" strike="noStrike">
+        <a:defRPr sz="1400" b="0" i="0" u="none" strike="noStrike" cap="none">
           <a:solidFill>
             <a:srgbClr val="000000"/>
           </a:solidFill>
@@ -7578,7 +8084,7 @@
           <a:sym typeface="Arial"/>
         </a:defRPr>
       </a:lvl4pPr>
-      <a:lvl5pPr lvl="4" marR="0" rtl="0" algn="l">
+      <a:lvl5pPr marR="0" lvl="4" algn="l" rtl="0">
         <a:lnSpc>
           <a:spcPct val="100000"/>
         </a:lnSpc>
@@ -7592,7 +8098,7 @@
           <a:srgbClr val="000000"/>
         </a:buClr>
         <a:buFont typeface="Arial"/>
-        <a:defRPr b="0" i="0" sz="1400" u="none" cap="none" strike="noStrike">
+        <a:defRPr sz="1400" b="0" i="0" u="none" strike="noStrike" cap="none">
           <a:solidFill>
             <a:srgbClr val="000000"/>
           </a:solidFill>
@@ -7602,7 +8108,7 @@
           <a:sym typeface="Arial"/>
         </a:defRPr>
       </a:lvl5pPr>
-      <a:lvl6pPr lvl="5" marR="0" rtl="0" algn="l">
+      <a:lvl6pPr marR="0" lvl="5" algn="l" rtl="0">
         <a:lnSpc>
           <a:spcPct val="100000"/>
         </a:lnSpc>
@@ -7616,7 +8122,7 @@
           <a:srgbClr val="000000"/>
         </a:buClr>
         <a:buFont typeface="Arial"/>
-        <a:defRPr b="0" i="0" sz="1400" u="none" cap="none" strike="noStrike">
+        <a:defRPr sz="1400" b="0" i="0" u="none" strike="noStrike" cap="none">
           <a:solidFill>
             <a:srgbClr val="000000"/>
           </a:solidFill>
@@ -7626,7 +8132,7 @@
           <a:sym typeface="Arial"/>
         </a:defRPr>
       </a:lvl6pPr>
-      <a:lvl7pPr lvl="6" marR="0" rtl="0" algn="l">
+      <a:lvl7pPr marR="0" lvl="6" algn="l" rtl="0">
         <a:lnSpc>
           <a:spcPct val="100000"/>
         </a:lnSpc>
@@ -7640,7 +8146,7 @@
           <a:srgbClr val="000000"/>
         </a:buClr>
         <a:buFont typeface="Arial"/>
-        <a:defRPr b="0" i="0" sz="1400" u="none" cap="none" strike="noStrike">
+        <a:defRPr sz="1400" b="0" i="0" u="none" strike="noStrike" cap="none">
           <a:solidFill>
             <a:srgbClr val="000000"/>
           </a:solidFill>
@@ -7650,7 +8156,7 @@
           <a:sym typeface="Arial"/>
         </a:defRPr>
       </a:lvl7pPr>
-      <a:lvl8pPr lvl="7" marR="0" rtl="0" algn="l">
+      <a:lvl8pPr marR="0" lvl="7" algn="l" rtl="0">
         <a:lnSpc>
           <a:spcPct val="100000"/>
         </a:lnSpc>
@@ -7664,7 +8170,7 @@
           <a:srgbClr val="000000"/>
         </a:buClr>
         <a:buFont typeface="Arial"/>
-        <a:defRPr b="0" i="0" sz="1400" u="none" cap="none" strike="noStrike">
+        <a:defRPr sz="1400" b="0" i="0" u="none" strike="noStrike" cap="none">
           <a:solidFill>
             <a:srgbClr val="000000"/>
           </a:solidFill>
@@ -7674,7 +8180,7 @@
           <a:sym typeface="Arial"/>
         </a:defRPr>
       </a:lvl8pPr>
-      <a:lvl9pPr lvl="8" marR="0" rtl="0" algn="l">
+      <a:lvl9pPr marR="0" lvl="8" algn="l" rtl="0">
         <a:lnSpc>
           <a:spcPct val="100000"/>
         </a:lnSpc>
@@ -7688,7 +8194,7 @@
           <a:srgbClr val="000000"/>
         </a:buClr>
         <a:buFont typeface="Arial"/>
-        <a:defRPr b="0" i="0" sz="1400" u="none" cap="none" strike="noStrike">
+        <a:defRPr sz="1400" b="0" i="0" u="none" strike="noStrike" cap="none">
           <a:solidFill>
             <a:srgbClr val="000000"/>
           </a:solidFill>
@@ -7704,11 +8210,11 @@
 </file>
 
 <file path=ppt/slides/slide1.xml><?xml version="1.0" encoding="utf-8"?>
-<p:sld xmlns:a="http://schemas.openxmlformats.org/drawingml/2006/main" xmlns:r="http://schemas.openxmlformats.org/officeDocument/2006/relationships" xmlns:mc="http://schemas.openxmlformats.org/markup-compatibility/2006" xmlns:mv="urn:schemas-microsoft-com:mac:vml" xmlns:p="http://schemas.openxmlformats.org/presentationml/2006/main" xmlns:c="http://schemas.openxmlformats.org/drawingml/2006/chart" xmlns:dgm="http://schemas.openxmlformats.org/drawingml/2006/diagram" xmlns:o="urn:schemas-microsoft-com:office:office" xmlns:v="urn:schemas-microsoft-com:vml" xmlns:pvml="urn:schemas-microsoft-com:office:powerpoint" xmlns:com="http://schemas.openxmlformats.org/drawingml/2006/compatibility" xmlns:p14="http://schemas.microsoft.com/office/powerpoint/2010/main" xmlns:p15="http://schemas.microsoft.com/office/powerpoint/2012/main" xmlns:ahyp="http://schemas.microsoft.com/office/drawing/2018/hyperlinkcolor">
+<p:sld xmlns:a="http://schemas.openxmlformats.org/drawingml/2006/main" xmlns:r="http://schemas.openxmlformats.org/officeDocument/2006/relationships" xmlns:p="http://schemas.openxmlformats.org/presentationml/2006/main">
   <p:cSld>
     <p:spTree>
       <p:nvGrpSpPr>
-        <p:cNvPr id="58" name="Shape 58"/>
+        <p:cNvPr id="1" name="Shape 58"/>
         <p:cNvGrpSpPr/>
         <p:nvPr/>
       </p:nvGrpSpPr>
@@ -7723,7 +8229,9 @@
       <p:sp>
         <p:nvSpPr>
           <p:cNvPr id="59" name="Google Shape;59;g313f73036cb_0_155"/>
-          <p:cNvSpPr txBox="1"/>
+          <p:cNvSpPr txBox="1">
+            <a:spLocks noGrp="1"/>
+          </p:cNvSpPr>
           <p:nvPr>
             <p:ph type="ctrTitle"/>
           </p:nvPr>
@@ -7738,12 +8246,12 @@
           </a:prstGeom>
         </p:spPr>
         <p:txBody>
-          <a:bodyPr anchorCtr="0" anchor="b" bIns="121900" lIns="121900" spcFirstLastPara="1" rIns="121900" wrap="square" tIns="121900">
+          <a:bodyPr spcFirstLastPara="1" wrap="square" lIns="121900" tIns="121900" rIns="121900" bIns="121900" anchor="b" anchorCtr="0">
             <a:noAutofit/>
           </a:bodyPr>
           <a:lstStyle/>
           <a:p>
-            <a:pPr indent="0" lvl="0" marL="0" rtl="0" algn="ctr">
+            <a:pPr marL="0" lvl="0" indent="0" algn="ctr" rtl="0">
               <a:spcBef>
                 <a:spcPts val="0"/>
               </a:spcBef>
@@ -7755,20 +8263,12 @@
             </a:pPr>
             <a:r>
               <a:rPr lang="en-US" sz="5000"/>
-              <a:t>Flight Prices </a:t>
-            </a:r>
-            <a:r>
-              <a:rPr lang="en-US" sz="5000"/>
-              <a:t>Classification</a:t>
-            </a:r>
-            <a:r>
-              <a:rPr lang="en-US" sz="5000"/>
-              <a:t>: </a:t>
+              <a:t>Flight Prices Classification: </a:t>
             </a:r>
             <a:endParaRPr sz="5000"/>
           </a:p>
           <a:p>
-            <a:pPr indent="0" lvl="0" marL="0" rtl="0" algn="ctr">
+            <a:pPr marL="0" lvl="0" indent="0" algn="ctr" rtl="0">
               <a:spcBef>
                 <a:spcPts val="0"/>
               </a:spcBef>
@@ -7789,9 +8289,11 @@
       <p:sp>
         <p:nvSpPr>
           <p:cNvPr id="60" name="Google Shape;60;g313f73036cb_0_155"/>
-          <p:cNvSpPr txBox="1"/>
+          <p:cNvSpPr txBox="1">
+            <a:spLocks noGrp="1"/>
+          </p:cNvSpPr>
           <p:nvPr>
-            <p:ph idx="1" type="subTitle"/>
+            <p:ph type="subTitle" idx="1"/>
           </p:nvPr>
         </p:nvSpPr>
         <p:spPr>
@@ -7804,12 +8306,12 @@
           </a:prstGeom>
         </p:spPr>
         <p:txBody>
-          <a:bodyPr anchorCtr="0" anchor="t" bIns="121900" lIns="121900" spcFirstLastPara="1" rIns="121900" wrap="square" tIns="121900">
+          <a:bodyPr spcFirstLastPara="1" wrap="square" lIns="121900" tIns="121900" rIns="121900" bIns="121900" anchor="t" anchorCtr="0">
             <a:normAutofit/>
           </a:bodyPr>
           <a:lstStyle/>
           <a:p>
-            <a:pPr indent="0" lvl="0" marL="0" rtl="0" algn="l">
+            <a:pPr marL="0" lvl="0" indent="0" algn="l" rtl="0">
               <a:spcBef>
                 <a:spcPts val="0"/>
               </a:spcBef>
@@ -7825,7 +8327,7 @@
             <a:endParaRPr/>
           </a:p>
           <a:p>
-            <a:pPr indent="0" lvl="0" marL="0" rtl="0" algn="l">
+            <a:pPr marL="0" lvl="0" indent="0" algn="l" rtl="0">
               <a:spcBef>
                 <a:spcPts val="0"/>
               </a:spcBef>
@@ -7841,7 +8343,7 @@
             <a:endParaRPr/>
           </a:p>
           <a:p>
-            <a:pPr indent="0" lvl="0" marL="0" rtl="0" algn="l">
+            <a:pPr marL="0" lvl="0" indent="0" algn="l" rtl="0">
               <a:spcBef>
                 <a:spcPts val="0"/>
               </a:spcBef>
@@ -7891,15 +8393,18 @@
   <p:clrMapOvr>
     <a:masterClrMapping/>
   </p:clrMapOvr>
+  <p:transition spd="med">
+    <p:pull/>
+  </p:transition>
 </p:sld>
 </file>
 
 <file path=ppt/slides/slide10.xml><?xml version="1.0" encoding="utf-8"?>
-<p:sld xmlns:a="http://schemas.openxmlformats.org/drawingml/2006/main" xmlns:r="http://schemas.openxmlformats.org/officeDocument/2006/relationships" xmlns:mc="http://schemas.openxmlformats.org/markup-compatibility/2006" xmlns:mv="urn:schemas-microsoft-com:mac:vml" xmlns:p="http://schemas.openxmlformats.org/presentationml/2006/main" xmlns:c="http://schemas.openxmlformats.org/drawingml/2006/chart" xmlns:dgm="http://schemas.openxmlformats.org/drawingml/2006/diagram" xmlns:o="urn:schemas-microsoft-com:office:office" xmlns:v="urn:schemas-microsoft-com:vml" xmlns:pvml="urn:schemas-microsoft-com:office:powerpoint" xmlns:com="http://schemas.openxmlformats.org/drawingml/2006/compatibility" xmlns:p14="http://schemas.microsoft.com/office/powerpoint/2010/main" xmlns:p15="http://schemas.microsoft.com/office/powerpoint/2012/main" xmlns:ahyp="http://schemas.microsoft.com/office/drawing/2018/hyperlinkcolor">
+<p:sld xmlns:a="http://schemas.openxmlformats.org/drawingml/2006/main" xmlns:r="http://schemas.openxmlformats.org/officeDocument/2006/relationships" xmlns:p="http://schemas.openxmlformats.org/presentationml/2006/main">
   <p:cSld>
     <p:spTree>
       <p:nvGrpSpPr>
-        <p:cNvPr id="115" name="Shape 115"/>
+        <p:cNvPr id="1" name="Shape 115"/>
         <p:cNvGrpSpPr/>
         <p:nvPr/>
       </p:nvGrpSpPr>
@@ -7914,7 +8419,9 @@
       <p:sp>
         <p:nvSpPr>
           <p:cNvPr id="116" name="Google Shape;116;p9"/>
-          <p:cNvSpPr txBox="1"/>
+          <p:cNvSpPr txBox="1">
+            <a:spLocks noGrp="1"/>
+          </p:cNvSpPr>
           <p:nvPr>
             <p:ph type="title"/>
           </p:nvPr>
@@ -7933,12 +8440,12 @@
           </a:ln>
         </p:spPr>
         <p:txBody>
-          <a:bodyPr anchorCtr="0" anchor="t" bIns="45700" lIns="91425" spcFirstLastPara="1" rIns="91425" wrap="square" tIns="45700">
+          <a:bodyPr spcFirstLastPara="1" wrap="square" lIns="91425" tIns="45700" rIns="91425" bIns="45700" anchor="t" anchorCtr="0">
             <a:noAutofit/>
           </a:bodyPr>
           <a:lstStyle/>
           <a:p>
-            <a:pPr indent="0" lvl="0" marL="0" rtl="0" algn="l">
+            <a:pPr marL="0" lvl="0" indent="0" algn="l" rtl="0">
               <a:spcBef>
                 <a:spcPts val="0"/>
               </a:spcBef>
@@ -7963,9 +8470,11 @@
       <p:sp>
         <p:nvSpPr>
           <p:cNvPr id="117" name="Google Shape;117;p9"/>
-          <p:cNvSpPr txBox="1"/>
+          <p:cNvSpPr txBox="1">
+            <a:spLocks noGrp="1"/>
+          </p:cNvSpPr>
           <p:nvPr>
-            <p:ph idx="1" type="body"/>
+            <p:ph type="body" idx="1"/>
           </p:nvPr>
         </p:nvSpPr>
         <p:spPr>
@@ -7982,12 +8491,12 @@
           </a:ln>
         </p:spPr>
         <p:txBody>
-          <a:bodyPr anchorCtr="0" anchor="t" bIns="45700" lIns="91425" spcFirstLastPara="1" rIns="91425" wrap="square" tIns="45700">
+          <a:bodyPr spcFirstLastPara="1" wrap="square" lIns="91425" tIns="45700" rIns="91425" bIns="45700" anchor="t" anchorCtr="0">
             <a:normAutofit/>
           </a:bodyPr>
           <a:lstStyle/>
           <a:p>
-            <a:pPr indent="-342900" lvl="0" marL="342900" rtl="0" algn="l">
+            <a:pPr marL="342900" lvl="0" indent="-342900" algn="l" rtl="0">
               <a:spcBef>
                 <a:spcPts val="0"/>
               </a:spcBef>
@@ -8004,7 +8513,7 @@
             <a:endParaRPr/>
           </a:p>
           <a:p>
-            <a:pPr indent="-342900" lvl="0" marL="342900" rtl="0" algn="l">
+            <a:pPr marL="342900" lvl="0" indent="-342900" algn="l" rtl="0">
               <a:spcBef>
                 <a:spcPts val="1000"/>
               </a:spcBef>
@@ -8021,7 +8530,7 @@
             <a:endParaRPr/>
           </a:p>
           <a:p>
-            <a:pPr indent="-342900" lvl="0" marL="342900" rtl="0" algn="l">
+            <a:pPr marL="342900" lvl="0" indent="-342900" algn="l" rtl="0">
               <a:spcBef>
                 <a:spcPts val="1000"/>
               </a:spcBef>
@@ -8044,15 +8553,18 @@
   <p:clrMapOvr>
     <a:masterClrMapping/>
   </p:clrMapOvr>
+  <p:transition spd="med">
+    <p:pull/>
+  </p:transition>
 </p:sld>
 </file>
 
 <file path=ppt/slides/slide11.xml><?xml version="1.0" encoding="utf-8"?>
-<p:sld xmlns:a="http://schemas.openxmlformats.org/drawingml/2006/main" xmlns:r="http://schemas.openxmlformats.org/officeDocument/2006/relationships" xmlns:mc="http://schemas.openxmlformats.org/markup-compatibility/2006" xmlns:mv="urn:schemas-microsoft-com:mac:vml" xmlns:p="http://schemas.openxmlformats.org/presentationml/2006/main" xmlns:c="http://schemas.openxmlformats.org/drawingml/2006/chart" xmlns:dgm="http://schemas.openxmlformats.org/drawingml/2006/diagram" xmlns:o="urn:schemas-microsoft-com:office:office" xmlns:v="urn:schemas-microsoft-com:vml" xmlns:pvml="urn:schemas-microsoft-com:office:powerpoint" xmlns:com="http://schemas.openxmlformats.org/drawingml/2006/compatibility" xmlns:p14="http://schemas.microsoft.com/office/powerpoint/2010/main" xmlns:p15="http://schemas.microsoft.com/office/powerpoint/2012/main" xmlns:ahyp="http://schemas.microsoft.com/office/drawing/2018/hyperlinkcolor">
+<p:sld xmlns:a="http://schemas.openxmlformats.org/drawingml/2006/main" xmlns:r="http://schemas.openxmlformats.org/officeDocument/2006/relationships" xmlns:p="http://schemas.openxmlformats.org/presentationml/2006/main">
   <p:cSld>
     <p:spTree>
       <p:nvGrpSpPr>
-        <p:cNvPr id="121" name="Shape 121"/>
+        <p:cNvPr id="1" name="Shape 121"/>
         <p:cNvGrpSpPr/>
         <p:nvPr/>
       </p:nvGrpSpPr>
@@ -8067,7 +8579,9 @@
       <p:sp>
         <p:nvSpPr>
           <p:cNvPr id="122" name="Google Shape;122;g313f73036cb_0_208"/>
-          <p:cNvSpPr txBox="1"/>
+          <p:cNvSpPr txBox="1">
+            <a:spLocks noGrp="1"/>
+          </p:cNvSpPr>
           <p:nvPr>
             <p:ph type="title"/>
           </p:nvPr>
@@ -8082,12 +8596,12 @@
           </a:prstGeom>
         </p:spPr>
         <p:txBody>
-          <a:bodyPr anchorCtr="0" anchor="b" bIns="121900" lIns="121900" spcFirstLastPara="1" rIns="121900" wrap="square" tIns="121900">
+          <a:bodyPr spcFirstLastPara="1" wrap="square" lIns="121900" tIns="121900" rIns="121900" bIns="121900" anchor="b" anchorCtr="0">
             <a:normAutofit/>
           </a:bodyPr>
           <a:lstStyle/>
           <a:p>
-            <a:pPr indent="0" lvl="0" marL="0" rtl="0" algn="l">
+            <a:pPr marL="0" lvl="0" indent="0" algn="l" rtl="0">
               <a:spcBef>
                 <a:spcPts val="0"/>
               </a:spcBef>
@@ -8112,9 +8626,11 @@
       <p:sp>
         <p:nvSpPr>
           <p:cNvPr id="123" name="Google Shape;123;g313f73036cb_0_208"/>
-          <p:cNvSpPr txBox="1"/>
+          <p:cNvSpPr txBox="1">
+            <a:spLocks noGrp="1"/>
+          </p:cNvSpPr>
           <p:nvPr>
-            <p:ph idx="1" type="body"/>
+            <p:ph type="body" idx="1"/>
           </p:nvPr>
         </p:nvSpPr>
         <p:spPr>
@@ -8127,12 +8643,12 @@
           </a:prstGeom>
         </p:spPr>
         <p:txBody>
-          <a:bodyPr anchorCtr="0" anchor="t" bIns="121900" lIns="121900" spcFirstLastPara="1" rIns="121900" wrap="square" tIns="121900">
+          <a:bodyPr spcFirstLastPara="1" wrap="square" lIns="121900" tIns="121900" rIns="121900" bIns="121900" anchor="t" anchorCtr="0">
             <a:normAutofit/>
           </a:bodyPr>
           <a:lstStyle/>
           <a:p>
-            <a:pPr indent="0" lvl="0" marL="0" rtl="0" algn="l">
+            <a:pPr marL="0" lvl="0" indent="0" algn="l" rtl="0">
               <a:spcBef>
                 <a:spcPts val="0"/>
               </a:spcBef>
@@ -8152,7 +8668,7 @@
             <a:endParaRPr sz="1900"/>
           </a:p>
           <a:p>
-            <a:pPr indent="-342900" lvl="0" marL="342900" rtl="0" algn="l">
+            <a:pPr marL="342900" lvl="0" indent="-342900" algn="l" rtl="0">
               <a:spcBef>
                 <a:spcPts val="1600"/>
               </a:spcBef>
@@ -8169,7 +8685,7 @@
             <a:endParaRPr sz="2400"/>
           </a:p>
           <a:p>
-            <a:pPr indent="-342900" lvl="0" marL="342900" rtl="0" algn="l">
+            <a:pPr marL="342900" lvl="0" indent="-342900" algn="l" rtl="0">
               <a:spcBef>
                 <a:spcPts val="0"/>
               </a:spcBef>
@@ -8186,7 +8702,7 @@
             <a:endParaRPr sz="2400"/>
           </a:p>
           <a:p>
-            <a:pPr indent="-342900" lvl="0" marL="342900" rtl="0" algn="l">
+            <a:pPr marL="342900" lvl="0" indent="-342900" algn="l" rtl="0">
               <a:spcBef>
                 <a:spcPts val="0"/>
               </a:spcBef>
@@ -8203,7 +8719,7 @@
             <a:endParaRPr sz="2400"/>
           </a:p>
           <a:p>
-            <a:pPr indent="-342900" lvl="0" marL="342900" rtl="0" algn="l">
+            <a:pPr marL="342900" lvl="0" indent="-342900" algn="l" rtl="0">
               <a:spcBef>
                 <a:spcPts val="0"/>
               </a:spcBef>
@@ -8220,22 +8736,19 @@
             <a:endParaRPr sz="2400"/>
           </a:p>
           <a:p>
-            <a:pPr indent="0" lvl="0" marL="0" rtl="0" algn="l">
-              <a:spcBef>
-                <a:spcPts val="0"/>
-              </a:spcBef>
-              <a:spcAft>
-                <a:spcPts val="0"/>
-              </a:spcAft>
-              <a:buNone/>
-            </a:pPr>
-            <a:r>
-              <a:t/>
-            </a:r>
+            <a:pPr marL="0" lvl="0" indent="0" algn="l" rtl="0">
+              <a:spcBef>
+                <a:spcPts val="0"/>
+              </a:spcBef>
+              <a:spcAft>
+                <a:spcPts val="0"/>
+              </a:spcAft>
+              <a:buNone/>
+            </a:pPr>
             <a:endParaRPr sz="1900"/>
           </a:p>
           <a:p>
-            <a:pPr indent="0" lvl="0" marL="457200" rtl="0" algn="l">
+            <a:pPr marL="457200" lvl="0" indent="0" algn="l" rtl="0">
               <a:spcBef>
                 <a:spcPts val="1600"/>
               </a:spcBef>
@@ -8244,9 +8757,6 @@
               </a:spcAft>
               <a:buNone/>
             </a:pPr>
-            <a:r>
-              <a:t/>
-            </a:r>
             <a:endParaRPr sz="1900"/>
           </a:p>
         </p:txBody>
@@ -8254,9 +8764,11 @@
       <p:sp>
         <p:nvSpPr>
           <p:cNvPr id="124" name="Google Shape;124;g313f73036cb_0_208"/>
-          <p:cNvSpPr txBox="1"/>
+          <p:cNvSpPr txBox="1">
+            <a:spLocks noGrp="1"/>
+          </p:cNvSpPr>
           <p:nvPr>
-            <p:ph idx="1" type="body"/>
+            <p:ph type="body" idx="1"/>
           </p:nvPr>
         </p:nvSpPr>
         <p:spPr>
@@ -8269,12 +8781,12 @@
           </a:prstGeom>
         </p:spPr>
         <p:txBody>
-          <a:bodyPr anchorCtr="0" anchor="t" bIns="121900" lIns="121900" spcFirstLastPara="1" rIns="121900" wrap="square" tIns="121900">
+          <a:bodyPr spcFirstLastPara="1" wrap="square" lIns="121900" tIns="121900" rIns="121900" bIns="121900" anchor="t" anchorCtr="0">
             <a:normAutofit/>
           </a:bodyPr>
           <a:lstStyle/>
           <a:p>
-            <a:pPr indent="0" lvl="0" marL="0" rtl="0" algn="l">
+            <a:pPr marL="0" lvl="0" indent="0" algn="l" rtl="0">
               <a:spcBef>
                 <a:spcPts val="0"/>
               </a:spcBef>
@@ -8294,7 +8806,7 @@
             <a:endParaRPr sz="1900"/>
           </a:p>
           <a:p>
-            <a:pPr indent="-342900" lvl="0" marL="342900" rtl="0" algn="l">
+            <a:pPr marL="342900" lvl="0" indent="-342900" algn="l" rtl="0">
               <a:spcBef>
                 <a:spcPts val="1600"/>
               </a:spcBef>
@@ -8311,7 +8823,7 @@
             <a:endParaRPr sz="2400"/>
           </a:p>
           <a:p>
-            <a:pPr indent="-342900" lvl="0" marL="342900" rtl="0" algn="l">
+            <a:pPr marL="342900" lvl="0" indent="-342900" algn="l" rtl="0">
               <a:spcBef>
                 <a:spcPts val="0"/>
               </a:spcBef>
@@ -8328,7 +8840,7 @@
             <a:endParaRPr sz="2400"/>
           </a:p>
           <a:p>
-            <a:pPr indent="-342900" lvl="0" marL="342900" rtl="0" algn="l">
+            <a:pPr marL="342900" lvl="0" indent="-342900" algn="l" rtl="0">
               <a:spcBef>
                 <a:spcPts val="0"/>
               </a:spcBef>
@@ -8345,7 +8857,7 @@
             <a:endParaRPr sz="2400"/>
           </a:p>
           <a:p>
-            <a:pPr indent="-342900" lvl="0" marL="342900" rtl="0" algn="l">
+            <a:pPr marL="342900" lvl="0" indent="-342900" algn="l" rtl="0">
               <a:spcBef>
                 <a:spcPts val="0"/>
               </a:spcBef>
@@ -8362,7 +8874,7 @@
             <a:endParaRPr sz="2400"/>
           </a:p>
           <a:p>
-            <a:pPr indent="0" lvl="0" marL="0" rtl="0" algn="l">
+            <a:pPr marL="0" lvl="0" indent="0" algn="l" rtl="0">
               <a:spcBef>
                 <a:spcPts val="0"/>
               </a:spcBef>
@@ -8371,9 +8883,6 @@
               </a:spcAft>
               <a:buNone/>
             </a:pPr>
-            <a:r>
-              <a:t/>
-            </a:r>
             <a:endParaRPr sz="1900"/>
           </a:p>
         </p:txBody>
@@ -8381,9 +8890,11 @@
       <p:sp>
         <p:nvSpPr>
           <p:cNvPr id="125" name="Google Shape;125;g313f73036cb_0_208"/>
-          <p:cNvSpPr txBox="1"/>
+          <p:cNvSpPr txBox="1">
+            <a:spLocks noGrp="1"/>
+          </p:cNvSpPr>
           <p:nvPr>
-            <p:ph idx="1" type="body"/>
+            <p:ph type="body" idx="1"/>
           </p:nvPr>
         </p:nvSpPr>
         <p:spPr>
@@ -8396,12 +8907,12 @@
           </a:prstGeom>
         </p:spPr>
         <p:txBody>
-          <a:bodyPr anchorCtr="0" anchor="t" bIns="121900" lIns="121900" spcFirstLastPara="1" rIns="121900" wrap="square" tIns="121900">
+          <a:bodyPr spcFirstLastPara="1" wrap="square" lIns="121900" tIns="121900" rIns="121900" bIns="121900" anchor="t" anchorCtr="0">
             <a:normAutofit/>
           </a:bodyPr>
           <a:lstStyle/>
           <a:p>
-            <a:pPr indent="0" lvl="0" marL="0" rtl="0" algn="l">
+            <a:pPr marL="0" lvl="0" indent="0" algn="l" rtl="0">
               <a:spcBef>
                 <a:spcPts val="0"/>
               </a:spcBef>
@@ -8425,7 +8936,7 @@
             </a:endParaRPr>
           </a:p>
           <a:p>
-            <a:pPr indent="0" lvl="0" marL="0" rtl="0" algn="l">
+            <a:pPr marL="0" lvl="0" indent="0" algn="l" rtl="0">
               <a:lnSpc>
                 <a:spcPct val="115000"/>
               </a:lnSpc>
@@ -8460,7 +8971,7 @@
             </a:endParaRPr>
           </a:p>
           <a:p>
-            <a:pPr indent="0" lvl="0" marL="0" rtl="0" algn="l">
+            <a:pPr marL="0" lvl="0" indent="0" algn="l" rtl="0">
               <a:lnSpc>
                 <a:spcPct val="115000"/>
               </a:lnSpc>
@@ -8495,7 +9006,7 @@
             </a:endParaRPr>
           </a:p>
           <a:p>
-            <a:pPr indent="0" lvl="0" marL="0" rtl="0" algn="l">
+            <a:pPr marL="0" lvl="0" indent="0" algn="l" rtl="0">
               <a:lnSpc>
                 <a:spcPct val="115000"/>
               </a:lnSpc>
@@ -8530,7 +9041,7 @@
             </a:endParaRPr>
           </a:p>
           <a:p>
-            <a:pPr indent="0" lvl="0" marL="0" rtl="0" algn="l">
+            <a:pPr marL="0" lvl="0" indent="0" algn="l" rtl="0">
               <a:lnSpc>
                 <a:spcPct val="115000"/>
               </a:lnSpc>
@@ -8565,22 +9076,19 @@
             </a:endParaRPr>
           </a:p>
           <a:p>
-            <a:pPr indent="0" lvl="0" marL="0" rtl="0" algn="l">
-              <a:spcBef>
-                <a:spcPts val="0"/>
-              </a:spcBef>
-              <a:spcAft>
-                <a:spcPts val="0"/>
-              </a:spcAft>
-              <a:buNone/>
-            </a:pPr>
-            <a:r>
-              <a:t/>
-            </a:r>
+            <a:pPr marL="0" lvl="0" indent="0" algn="l" rtl="0">
+              <a:spcBef>
+                <a:spcPts val="0"/>
+              </a:spcBef>
+              <a:spcAft>
+                <a:spcPts val="0"/>
+              </a:spcAft>
+              <a:buNone/>
+            </a:pPr>
             <a:endParaRPr sz="1900"/>
           </a:p>
           <a:p>
-            <a:pPr indent="0" lvl="0" marL="0" rtl="0" algn="l">
+            <a:pPr marL="0" lvl="0" indent="0" algn="l" rtl="0">
               <a:spcBef>
                 <a:spcPts val="1600"/>
               </a:spcBef>
@@ -8589,9 +9097,6 @@
               </a:spcAft>
               <a:buNone/>
             </a:pPr>
-            <a:r>
-              <a:t/>
-            </a:r>
             <a:endParaRPr sz="1900"/>
           </a:p>
         </p:txBody>
@@ -8601,15 +9106,18 @@
   <p:clrMapOvr>
     <a:masterClrMapping/>
   </p:clrMapOvr>
+  <p:transition spd="med">
+    <p:pull/>
+  </p:transition>
 </p:sld>
 </file>
 
 <file path=ppt/slides/slide12.xml><?xml version="1.0" encoding="utf-8"?>
-<p:sld xmlns:a="http://schemas.openxmlformats.org/drawingml/2006/main" xmlns:r="http://schemas.openxmlformats.org/officeDocument/2006/relationships" xmlns:mc="http://schemas.openxmlformats.org/markup-compatibility/2006" xmlns:mv="urn:schemas-microsoft-com:mac:vml" xmlns:p="http://schemas.openxmlformats.org/presentationml/2006/main" xmlns:c="http://schemas.openxmlformats.org/drawingml/2006/chart" xmlns:dgm="http://schemas.openxmlformats.org/drawingml/2006/diagram" xmlns:o="urn:schemas-microsoft-com:office:office" xmlns:v="urn:schemas-microsoft-com:vml" xmlns:pvml="urn:schemas-microsoft-com:office:powerpoint" xmlns:com="http://schemas.openxmlformats.org/drawingml/2006/compatibility" xmlns:p14="http://schemas.microsoft.com/office/powerpoint/2010/main" xmlns:p15="http://schemas.microsoft.com/office/powerpoint/2012/main" xmlns:ahyp="http://schemas.microsoft.com/office/drawing/2018/hyperlinkcolor">
+<p:sld xmlns:a="http://schemas.openxmlformats.org/drawingml/2006/main" xmlns:r="http://schemas.openxmlformats.org/officeDocument/2006/relationships" xmlns:p="http://schemas.openxmlformats.org/presentationml/2006/main">
   <p:cSld>
     <p:spTree>
       <p:nvGrpSpPr>
-        <p:cNvPr id="129" name="Shape 129"/>
+        <p:cNvPr id="1" name="Shape 129"/>
         <p:cNvGrpSpPr/>
         <p:nvPr/>
       </p:nvGrpSpPr>
@@ -8624,7 +9132,9 @@
       <p:sp>
         <p:nvSpPr>
           <p:cNvPr id="130" name="Google Shape;130;p11"/>
-          <p:cNvSpPr txBox="1"/>
+          <p:cNvSpPr txBox="1">
+            <a:spLocks noGrp="1"/>
+          </p:cNvSpPr>
           <p:nvPr>
             <p:ph type="title"/>
           </p:nvPr>
@@ -8643,12 +9153,12 @@
           </a:ln>
         </p:spPr>
         <p:txBody>
-          <a:bodyPr anchorCtr="0" anchor="t" bIns="45700" lIns="91425" spcFirstLastPara="1" rIns="91425" wrap="square" tIns="45700">
+          <a:bodyPr spcFirstLastPara="1" wrap="square" lIns="91425" tIns="45700" rIns="91425" bIns="45700" anchor="t" anchorCtr="0">
             <a:noAutofit/>
           </a:bodyPr>
           <a:lstStyle/>
           <a:p>
-            <a:pPr indent="0" lvl="0" marL="0" rtl="0" algn="l">
+            <a:pPr marL="0" lvl="0" indent="0" algn="l" rtl="0">
               <a:spcBef>
                 <a:spcPts val="0"/>
               </a:spcBef>
@@ -8673,9 +9183,11 @@
       <p:sp>
         <p:nvSpPr>
           <p:cNvPr id="131" name="Google Shape;131;p11"/>
-          <p:cNvSpPr txBox="1"/>
+          <p:cNvSpPr txBox="1">
+            <a:spLocks noGrp="1"/>
+          </p:cNvSpPr>
           <p:nvPr>
-            <p:ph idx="1" type="body"/>
+            <p:ph type="body" idx="1"/>
           </p:nvPr>
         </p:nvSpPr>
         <p:spPr>
@@ -8692,12 +9204,12 @@
           </a:ln>
         </p:spPr>
         <p:txBody>
-          <a:bodyPr anchorCtr="0" anchor="t" bIns="45700" lIns="91425" spcFirstLastPara="1" rIns="91425" wrap="square" tIns="45700">
+          <a:bodyPr spcFirstLastPara="1" wrap="square" lIns="91425" tIns="45700" rIns="91425" bIns="45700" anchor="t" anchorCtr="0">
             <a:normAutofit/>
           </a:bodyPr>
           <a:lstStyle/>
           <a:p>
-            <a:pPr indent="-342900" lvl="0" marL="342900" rtl="0" algn="l">
+            <a:pPr marL="342900" lvl="0" indent="-342900" algn="l" rtl="0">
               <a:spcBef>
                 <a:spcPts val="0"/>
               </a:spcBef>
@@ -8714,7 +9226,7 @@
             <a:endParaRPr/>
           </a:p>
           <a:p>
-            <a:pPr indent="-342900" lvl="0" marL="342900" rtl="0" algn="l">
+            <a:pPr marL="342900" lvl="0" indent="-342900" algn="l" rtl="0">
               <a:spcBef>
                 <a:spcPts val="1000"/>
               </a:spcBef>
@@ -8742,7 +9254,7 @@
           <a:blip r:embed="rId3">
             <a:alphaModFix/>
           </a:blip>
-          <a:srcRect b="0" l="0" r="3688" t="0"/>
+          <a:srcRect r="3688"/>
           <a:stretch/>
         </p:blipFill>
         <p:spPr>
@@ -8807,12 +9319,12 @@
           </a:ln>
         </p:spPr>
         <p:txBody>
-          <a:bodyPr anchorCtr="0" anchor="t" bIns="91425" lIns="91425" spcFirstLastPara="1" rIns="91425" wrap="square" tIns="91425">
+          <a:bodyPr spcFirstLastPara="1" wrap="square" lIns="91425" tIns="91425" rIns="91425" bIns="91425" anchor="t" anchorCtr="0">
             <a:noAutofit/>
           </a:bodyPr>
           <a:lstStyle/>
           <a:p>
-            <a:pPr indent="0" lvl="0" marL="0" rtl="0" algn="ctr">
+            <a:pPr marL="0" lvl="0" indent="0" algn="ctr" rtl="0">
               <a:spcBef>
                 <a:spcPts val="0"/>
               </a:spcBef>
@@ -8865,12 +9377,12 @@
           </a:ln>
         </p:spPr>
         <p:txBody>
-          <a:bodyPr anchorCtr="0" anchor="t" bIns="91425" lIns="91425" spcFirstLastPara="1" rIns="91425" wrap="square" tIns="91425">
+          <a:bodyPr spcFirstLastPara="1" wrap="square" lIns="91425" tIns="91425" rIns="91425" bIns="91425" anchor="t" anchorCtr="0">
             <a:noAutofit/>
           </a:bodyPr>
           <a:lstStyle/>
           <a:p>
-            <a:pPr indent="0" lvl="0" marL="0" rtl="0" algn="ctr">
+            <a:pPr marL="0" lvl="0" indent="0" algn="ctr" rtl="0">
               <a:spcBef>
                 <a:spcPts val="0"/>
               </a:spcBef>
@@ -8908,15 +9420,18 @@
   <p:clrMapOvr>
     <a:masterClrMapping/>
   </p:clrMapOvr>
+  <p:transition spd="med">
+    <p:pull/>
+  </p:transition>
 </p:sld>
 </file>
 
 <file path=ppt/slides/slide13.xml><?xml version="1.0" encoding="utf-8"?>
-<p:sld xmlns:a="http://schemas.openxmlformats.org/drawingml/2006/main" xmlns:r="http://schemas.openxmlformats.org/officeDocument/2006/relationships" xmlns:mc="http://schemas.openxmlformats.org/markup-compatibility/2006" xmlns:mv="urn:schemas-microsoft-com:mac:vml" xmlns:p="http://schemas.openxmlformats.org/presentationml/2006/main" xmlns:c="http://schemas.openxmlformats.org/drawingml/2006/chart" xmlns:dgm="http://schemas.openxmlformats.org/drawingml/2006/diagram" xmlns:o="urn:schemas-microsoft-com:office:office" xmlns:v="urn:schemas-microsoft-com:vml" xmlns:pvml="urn:schemas-microsoft-com:office:powerpoint" xmlns:com="http://schemas.openxmlformats.org/drawingml/2006/compatibility" xmlns:p14="http://schemas.microsoft.com/office/powerpoint/2010/main" xmlns:p15="http://schemas.microsoft.com/office/powerpoint/2012/main" xmlns:ahyp="http://schemas.microsoft.com/office/drawing/2018/hyperlinkcolor">
+<p:sld xmlns:a="http://schemas.openxmlformats.org/drawingml/2006/main" xmlns:r="http://schemas.openxmlformats.org/officeDocument/2006/relationships" xmlns:p="http://schemas.openxmlformats.org/presentationml/2006/main">
   <p:cSld>
     <p:spTree>
       <p:nvGrpSpPr>
-        <p:cNvPr id="139" name="Shape 139"/>
+        <p:cNvPr id="1" name="Shape 139"/>
         <p:cNvGrpSpPr/>
         <p:nvPr/>
       </p:nvGrpSpPr>
@@ -8931,7 +9446,9 @@
       <p:sp>
         <p:nvSpPr>
           <p:cNvPr id="140" name="Google Shape;140;g31898b522ba_2_9"/>
-          <p:cNvSpPr txBox="1"/>
+          <p:cNvSpPr txBox="1">
+            <a:spLocks noGrp="1"/>
+          </p:cNvSpPr>
           <p:nvPr>
             <p:ph type="title"/>
           </p:nvPr>
@@ -8950,12 +9467,12 @@
           </a:ln>
         </p:spPr>
         <p:txBody>
-          <a:bodyPr anchorCtr="0" anchor="t" bIns="45700" lIns="91425" spcFirstLastPara="1" rIns="91425" wrap="square" tIns="45700">
+          <a:bodyPr spcFirstLastPara="1" wrap="square" lIns="91425" tIns="45700" rIns="91425" bIns="45700" anchor="t" anchorCtr="0">
             <a:noAutofit/>
           </a:bodyPr>
           <a:lstStyle/>
           <a:p>
-            <a:pPr indent="0" lvl="0" marL="0" rtl="0" algn="l">
+            <a:pPr marL="0" lvl="0" indent="0" algn="l" rtl="0">
               <a:spcBef>
                 <a:spcPts val="0"/>
               </a:spcBef>
@@ -8980,9 +9497,11 @@
       <p:sp>
         <p:nvSpPr>
           <p:cNvPr id="141" name="Google Shape;141;g31898b522ba_2_9"/>
-          <p:cNvSpPr txBox="1"/>
+          <p:cNvSpPr txBox="1">
+            <a:spLocks noGrp="1"/>
+          </p:cNvSpPr>
           <p:nvPr>
-            <p:ph idx="1" type="body"/>
+            <p:ph type="body" idx="1"/>
           </p:nvPr>
         </p:nvSpPr>
         <p:spPr>
@@ -8999,12 +9518,12 @@
           </a:ln>
         </p:spPr>
         <p:txBody>
-          <a:bodyPr anchorCtr="0" anchor="t" bIns="45700" lIns="91425" spcFirstLastPara="1" rIns="91425" wrap="square" tIns="45700">
+          <a:bodyPr spcFirstLastPara="1" wrap="square" lIns="91425" tIns="45700" rIns="91425" bIns="45700" anchor="t" anchorCtr="0">
             <a:normAutofit/>
           </a:bodyPr>
           <a:lstStyle/>
           <a:p>
-            <a:pPr indent="-342900" lvl="0" marL="342900" rtl="0" algn="l">
+            <a:pPr marL="342900" lvl="0" indent="-342900" algn="l" rtl="0">
               <a:spcBef>
                 <a:spcPts val="0"/>
               </a:spcBef>
@@ -9021,7 +9540,7 @@
             <a:endParaRPr/>
           </a:p>
           <a:p>
-            <a:pPr indent="-342900" lvl="0" marL="342900" rtl="0" algn="l">
+            <a:pPr marL="342900" lvl="0" indent="-342900" algn="l" rtl="0">
               <a:spcBef>
                 <a:spcPts val="1000"/>
               </a:spcBef>
@@ -9038,7 +9557,7 @@
             <a:endParaRPr/>
           </a:p>
           <a:p>
-            <a:pPr indent="-393700" lvl="0" marL="342900" rtl="0" algn="l">
+            <a:pPr marL="342900" lvl="0" indent="-393700" algn="l" rtl="0">
               <a:spcBef>
                 <a:spcPts val="1000"/>
               </a:spcBef>
@@ -9061,15 +9580,18 @@
   <p:clrMapOvr>
     <a:masterClrMapping/>
   </p:clrMapOvr>
+  <p:transition spd="med">
+    <p:pull/>
+  </p:transition>
 </p:sld>
 </file>
 
 <file path=ppt/slides/slide14.xml><?xml version="1.0" encoding="utf-8"?>
-<p:sld xmlns:a="http://schemas.openxmlformats.org/drawingml/2006/main" xmlns:r="http://schemas.openxmlformats.org/officeDocument/2006/relationships" xmlns:mc="http://schemas.openxmlformats.org/markup-compatibility/2006" xmlns:mv="urn:schemas-microsoft-com:mac:vml" xmlns:p="http://schemas.openxmlformats.org/presentationml/2006/main" xmlns:c="http://schemas.openxmlformats.org/drawingml/2006/chart" xmlns:dgm="http://schemas.openxmlformats.org/drawingml/2006/diagram" xmlns:o="urn:schemas-microsoft-com:office:office" xmlns:v="urn:schemas-microsoft-com:vml" xmlns:pvml="urn:schemas-microsoft-com:office:powerpoint" xmlns:com="http://schemas.openxmlformats.org/drawingml/2006/compatibility" xmlns:p14="http://schemas.microsoft.com/office/powerpoint/2010/main" xmlns:p15="http://schemas.microsoft.com/office/powerpoint/2012/main" xmlns:ahyp="http://schemas.microsoft.com/office/drawing/2018/hyperlinkcolor">
+<p:sld xmlns:a="http://schemas.openxmlformats.org/drawingml/2006/main" xmlns:r="http://schemas.openxmlformats.org/officeDocument/2006/relationships" xmlns:p="http://schemas.openxmlformats.org/presentationml/2006/main">
   <p:cSld>
     <p:spTree>
       <p:nvGrpSpPr>
-        <p:cNvPr id="145" name="Shape 145"/>
+        <p:cNvPr id="1" name="Shape 145"/>
         <p:cNvGrpSpPr/>
         <p:nvPr/>
       </p:nvGrpSpPr>
@@ -9084,7 +9606,9 @@
       <p:sp>
         <p:nvSpPr>
           <p:cNvPr id="146" name="Google Shape;146;g31898b522ba_2_4"/>
-          <p:cNvSpPr txBox="1"/>
+          <p:cNvSpPr txBox="1">
+            <a:spLocks noGrp="1"/>
+          </p:cNvSpPr>
           <p:nvPr>
             <p:ph type="title"/>
           </p:nvPr>
@@ -9103,12 +9627,12 @@
           </a:ln>
         </p:spPr>
         <p:txBody>
-          <a:bodyPr anchorCtr="0" anchor="t" bIns="45700" lIns="91425" spcFirstLastPara="1" rIns="91425" wrap="square" tIns="45700">
+          <a:bodyPr spcFirstLastPara="1" wrap="square" lIns="91425" tIns="45700" rIns="91425" bIns="45700" anchor="t" anchorCtr="0">
             <a:noAutofit/>
           </a:bodyPr>
           <a:lstStyle/>
           <a:p>
-            <a:pPr indent="0" lvl="0" marL="0" rtl="0" algn="l">
+            <a:pPr marL="0" lvl="0" indent="0" algn="l" rtl="0">
               <a:spcBef>
                 <a:spcPts val="0"/>
               </a:spcBef>
@@ -9133,9 +9657,11 @@
       <p:sp>
         <p:nvSpPr>
           <p:cNvPr id="147" name="Google Shape;147;g31898b522ba_2_4"/>
-          <p:cNvSpPr txBox="1"/>
+          <p:cNvSpPr txBox="1">
+            <a:spLocks noGrp="1"/>
+          </p:cNvSpPr>
           <p:nvPr>
-            <p:ph idx="1" type="body"/>
+            <p:ph type="body" idx="1"/>
           </p:nvPr>
         </p:nvSpPr>
         <p:spPr>
@@ -9152,12 +9678,12 @@
           </a:ln>
         </p:spPr>
         <p:txBody>
-          <a:bodyPr anchorCtr="0" anchor="t" bIns="45700" lIns="91425" spcFirstLastPara="1" rIns="91425" wrap="square" tIns="45700">
+          <a:bodyPr spcFirstLastPara="1" wrap="square" lIns="91425" tIns="45700" rIns="91425" bIns="45700" anchor="t" anchorCtr="0">
             <a:normAutofit/>
           </a:bodyPr>
           <a:lstStyle/>
           <a:p>
-            <a:pPr indent="-342900" lvl="0" marL="342900" rtl="0" algn="l">
+            <a:pPr marL="342900" lvl="0" indent="-342900" algn="l" rtl="0">
               <a:spcBef>
                 <a:spcPts val="0"/>
               </a:spcBef>
@@ -9174,7 +9700,7 @@
             <a:endParaRPr/>
           </a:p>
           <a:p>
-            <a:pPr indent="-342900" lvl="0" marL="342900" rtl="0" algn="l">
+            <a:pPr marL="342900" lvl="0" indent="-342900" algn="l" rtl="0">
               <a:spcBef>
                 <a:spcPts val="1000"/>
               </a:spcBef>
@@ -9191,7 +9717,7 @@
             <a:endParaRPr/>
           </a:p>
           <a:p>
-            <a:pPr indent="-393700" lvl="0" marL="342900" rtl="0" algn="l">
+            <a:pPr marL="342900" lvl="0" indent="-393700" algn="l" rtl="0">
               <a:spcBef>
                 <a:spcPts val="1000"/>
               </a:spcBef>
@@ -9229,12 +9755,12 @@
           </a:ln>
         </p:spPr>
         <p:txBody>
-          <a:bodyPr anchorCtr="0" anchor="t" bIns="91425" lIns="91425" spcFirstLastPara="1" rIns="91425" wrap="square" tIns="91425">
+          <a:bodyPr spcFirstLastPara="1" wrap="square" lIns="91425" tIns="91425" rIns="91425" bIns="91425" anchor="t" anchorCtr="0">
             <a:noAutofit/>
           </a:bodyPr>
           <a:lstStyle/>
           <a:p>
-            <a:pPr indent="0" lvl="0" marL="0" rtl="0" algn="l">
+            <a:pPr marL="0" lvl="0" indent="0" algn="l" rtl="0">
               <a:spcBef>
                 <a:spcPts val="0"/>
               </a:spcBef>
@@ -9287,12 +9813,12 @@
           </a:ln>
         </p:spPr>
         <p:txBody>
-          <a:bodyPr anchorCtr="0" anchor="t" bIns="91425" lIns="91425" spcFirstLastPara="1" rIns="91425" wrap="square" tIns="91425">
+          <a:bodyPr spcFirstLastPara="1" wrap="square" lIns="91425" tIns="91425" rIns="91425" bIns="91425" anchor="t" anchorCtr="0">
             <a:spAutoFit/>
           </a:bodyPr>
           <a:lstStyle/>
           <a:p>
-            <a:pPr indent="0" lvl="0" marL="0" rtl="0" algn="l">
+            <a:pPr marL="0" lvl="0" indent="0" algn="l" rtl="0">
               <a:spcBef>
                 <a:spcPts val="0"/>
               </a:spcBef>
@@ -9386,15 +9912,18 @@
   <p:clrMapOvr>
     <a:masterClrMapping/>
   </p:clrMapOvr>
+  <p:transition spd="med">
+    <p:pull/>
+  </p:transition>
 </p:sld>
 </file>
 
 <file path=ppt/slides/slide15.xml><?xml version="1.0" encoding="utf-8"?>
-<p:sld xmlns:a="http://schemas.openxmlformats.org/drawingml/2006/main" xmlns:r="http://schemas.openxmlformats.org/officeDocument/2006/relationships" xmlns:mc="http://schemas.openxmlformats.org/markup-compatibility/2006" xmlns:mv="urn:schemas-microsoft-com:mac:vml" xmlns:p="http://schemas.openxmlformats.org/presentationml/2006/main" xmlns:c="http://schemas.openxmlformats.org/drawingml/2006/chart" xmlns:dgm="http://schemas.openxmlformats.org/drawingml/2006/diagram" xmlns:o="urn:schemas-microsoft-com:office:office" xmlns:v="urn:schemas-microsoft-com:vml" xmlns:pvml="urn:schemas-microsoft-com:office:powerpoint" xmlns:com="http://schemas.openxmlformats.org/drawingml/2006/compatibility" xmlns:p14="http://schemas.microsoft.com/office/powerpoint/2010/main" xmlns:p15="http://schemas.microsoft.com/office/powerpoint/2012/main" xmlns:ahyp="http://schemas.microsoft.com/office/drawing/2018/hyperlinkcolor">
+<p:sld xmlns:a="http://schemas.openxmlformats.org/drawingml/2006/main" xmlns:r="http://schemas.openxmlformats.org/officeDocument/2006/relationships" xmlns:p="http://schemas.openxmlformats.org/presentationml/2006/main">
   <p:cSld>
     <p:spTree>
       <p:nvGrpSpPr>
-        <p:cNvPr id="155" name="Shape 155"/>
+        <p:cNvPr id="1" name="Shape 155"/>
         <p:cNvGrpSpPr/>
         <p:nvPr/>
       </p:nvGrpSpPr>
@@ -9409,7 +9938,9 @@
       <p:sp>
         <p:nvSpPr>
           <p:cNvPr id="156" name="Google Shape;156;p12"/>
-          <p:cNvSpPr txBox="1"/>
+          <p:cNvSpPr txBox="1">
+            <a:spLocks noGrp="1"/>
+          </p:cNvSpPr>
           <p:nvPr>
             <p:ph type="title"/>
           </p:nvPr>
@@ -9428,12 +9959,12 @@
           </a:ln>
         </p:spPr>
         <p:txBody>
-          <a:bodyPr anchorCtr="0" anchor="t" bIns="45700" lIns="91425" spcFirstLastPara="1" rIns="91425" wrap="square" tIns="45700">
+          <a:bodyPr spcFirstLastPara="1" wrap="square" lIns="91425" tIns="45700" rIns="91425" bIns="45700" anchor="t" anchorCtr="0">
             <a:noAutofit/>
           </a:bodyPr>
           <a:lstStyle/>
           <a:p>
-            <a:pPr indent="0" lvl="0" marL="0" rtl="0" algn="l">
+            <a:pPr marL="0" lvl="0" indent="0" algn="l" rtl="0">
               <a:spcBef>
                 <a:spcPts val="0"/>
               </a:spcBef>
@@ -9458,9 +9989,11 @@
       <p:sp>
         <p:nvSpPr>
           <p:cNvPr id="157" name="Google Shape;157;p12"/>
-          <p:cNvSpPr txBox="1"/>
+          <p:cNvSpPr txBox="1">
+            <a:spLocks noGrp="1"/>
+          </p:cNvSpPr>
           <p:nvPr>
-            <p:ph idx="1" type="body"/>
+            <p:ph type="body" idx="1"/>
           </p:nvPr>
         </p:nvSpPr>
         <p:spPr>
@@ -9477,12 +10010,12 @@
           </a:ln>
         </p:spPr>
         <p:txBody>
-          <a:bodyPr anchorCtr="0" anchor="t" bIns="45700" lIns="91425" spcFirstLastPara="1" rIns="91425" wrap="square" tIns="45700">
+          <a:bodyPr spcFirstLastPara="1" wrap="square" lIns="91425" tIns="45700" rIns="91425" bIns="45700" anchor="t" anchorCtr="0">
             <a:normAutofit/>
           </a:bodyPr>
           <a:lstStyle/>
           <a:p>
-            <a:pPr indent="-342900" lvl="0" marL="342900" rtl="0" algn="l">
+            <a:pPr marL="342900" lvl="0" indent="-342900" algn="l" rtl="0">
               <a:spcBef>
                 <a:spcPts val="0"/>
               </a:spcBef>
@@ -9494,20 +10027,12 @@
             </a:pPr>
             <a:r>
               <a:rPr lang="en-US"/>
-              <a:t>Insights: Key features influencing flight prices are total travel </a:t>
-            </a:r>
-            <a:r>
-              <a:rPr lang="en-US"/>
-              <a:t>distance</a:t>
-            </a:r>
-            <a:r>
-              <a:rPr lang="en-US"/>
-              <a:t>, days before the flight, and is basic economy</a:t>
+              <a:t>Insights: Key features influencing flight prices are total travel distance, days before the flight, and is basic economy</a:t>
             </a:r>
             <a:endParaRPr/>
           </a:p>
           <a:p>
-            <a:pPr indent="-342900" lvl="0" marL="342900" rtl="0" algn="l">
+            <a:pPr marL="342900" lvl="0" indent="-342900" algn="l" rtl="0">
               <a:spcBef>
                 <a:spcPts val="1000"/>
               </a:spcBef>
@@ -9524,7 +10049,7 @@
             <a:endParaRPr/>
           </a:p>
           <a:p>
-            <a:pPr indent="-342900" lvl="0" marL="342900" rtl="0" algn="l">
+            <a:pPr marL="342900" lvl="0" indent="-342900" algn="l" rtl="0">
               <a:spcBef>
                 <a:spcPts val="1000"/>
               </a:spcBef>
@@ -9547,15 +10072,18 @@
   <p:clrMapOvr>
     <a:masterClrMapping/>
   </p:clrMapOvr>
+  <p:transition spd="med">
+    <p:pull/>
+  </p:transition>
 </p:sld>
 </file>
 
 <file path=ppt/slides/slide16.xml><?xml version="1.0" encoding="utf-8"?>
-<p:sld xmlns:a="http://schemas.openxmlformats.org/drawingml/2006/main" xmlns:r="http://schemas.openxmlformats.org/officeDocument/2006/relationships" xmlns:mc="http://schemas.openxmlformats.org/markup-compatibility/2006" xmlns:mv="urn:schemas-microsoft-com:mac:vml" xmlns:p="http://schemas.openxmlformats.org/presentationml/2006/main" xmlns:c="http://schemas.openxmlformats.org/drawingml/2006/chart" xmlns:dgm="http://schemas.openxmlformats.org/drawingml/2006/diagram" xmlns:o="urn:schemas-microsoft-com:office:office" xmlns:v="urn:schemas-microsoft-com:vml" xmlns:pvml="urn:schemas-microsoft-com:office:powerpoint" xmlns:com="http://schemas.openxmlformats.org/drawingml/2006/compatibility" xmlns:p14="http://schemas.microsoft.com/office/powerpoint/2010/main" xmlns:p15="http://schemas.microsoft.com/office/powerpoint/2012/main" xmlns:ahyp="http://schemas.microsoft.com/office/drawing/2018/hyperlinkcolor">
+<p:sld xmlns:a="http://schemas.openxmlformats.org/drawingml/2006/main" xmlns:r="http://schemas.openxmlformats.org/officeDocument/2006/relationships" xmlns:p="http://schemas.openxmlformats.org/presentationml/2006/main">
   <p:cSld>
     <p:spTree>
       <p:nvGrpSpPr>
-        <p:cNvPr id="161" name="Shape 161"/>
+        <p:cNvPr id="1" name="Shape 161"/>
         <p:cNvGrpSpPr/>
         <p:nvPr/>
       </p:nvGrpSpPr>
@@ -9570,7 +10098,9 @@
       <p:sp>
         <p:nvSpPr>
           <p:cNvPr id="162" name="Google Shape;162;p13"/>
-          <p:cNvSpPr txBox="1"/>
+          <p:cNvSpPr txBox="1">
+            <a:spLocks noGrp="1"/>
+          </p:cNvSpPr>
           <p:nvPr>
             <p:ph type="title"/>
           </p:nvPr>
@@ -9589,12 +10119,12 @@
           </a:ln>
         </p:spPr>
         <p:txBody>
-          <a:bodyPr anchorCtr="0" anchor="t" bIns="45700" lIns="91425" spcFirstLastPara="1" rIns="91425" wrap="square" tIns="45700">
+          <a:bodyPr spcFirstLastPara="1" wrap="square" lIns="91425" tIns="45700" rIns="91425" bIns="45700" anchor="t" anchorCtr="0">
             <a:noAutofit/>
           </a:bodyPr>
           <a:lstStyle/>
           <a:p>
-            <a:pPr indent="0" lvl="0" marL="0" rtl="0" algn="l">
+            <a:pPr marL="0" lvl="0" indent="0" algn="l" rtl="0">
               <a:spcBef>
                 <a:spcPts val="0"/>
               </a:spcBef>
@@ -9619,9 +10149,11 @@
       <p:sp>
         <p:nvSpPr>
           <p:cNvPr id="163" name="Google Shape;163;p13"/>
-          <p:cNvSpPr txBox="1"/>
+          <p:cNvSpPr txBox="1">
+            <a:spLocks noGrp="1"/>
+          </p:cNvSpPr>
           <p:nvPr>
-            <p:ph idx="1" type="body"/>
+            <p:ph type="body" idx="1"/>
           </p:nvPr>
         </p:nvSpPr>
         <p:spPr>
@@ -9638,12 +10170,12 @@
           </a:ln>
         </p:spPr>
         <p:txBody>
-          <a:bodyPr anchorCtr="0" anchor="t" bIns="45700" lIns="91425" spcFirstLastPara="1" rIns="91425" wrap="square" tIns="45700">
+          <a:bodyPr spcFirstLastPara="1" wrap="square" lIns="91425" tIns="45700" rIns="91425" bIns="45700" anchor="t" anchorCtr="0">
             <a:normAutofit/>
           </a:bodyPr>
           <a:lstStyle/>
           <a:p>
-            <a:pPr indent="-342900" lvl="0" marL="342900" rtl="0" algn="l">
+            <a:pPr marL="342900" lvl="0" indent="-342900" algn="l" rtl="0">
               <a:spcBef>
                 <a:spcPts val="0"/>
               </a:spcBef>
@@ -9660,7 +10192,7 @@
             <a:endParaRPr/>
           </a:p>
           <a:p>
-            <a:pPr indent="-342900" lvl="0" marL="342900" rtl="0" algn="l">
+            <a:pPr marL="342900" lvl="0" indent="-342900" algn="l" rtl="0">
               <a:spcBef>
                 <a:spcPts val="1000"/>
               </a:spcBef>
@@ -9677,7 +10209,7 @@
             <a:endParaRPr/>
           </a:p>
           <a:p>
-            <a:pPr indent="-342900" lvl="0" marL="342900" rtl="0" algn="l">
+            <a:pPr marL="342900" lvl="0" indent="-342900" algn="l" rtl="0">
               <a:spcBef>
                 <a:spcPts val="1000"/>
               </a:spcBef>
@@ -9700,15 +10232,18 @@
   <p:clrMapOvr>
     <a:masterClrMapping/>
   </p:clrMapOvr>
+  <p:transition spd="med">
+    <p:pull/>
+  </p:transition>
 </p:sld>
 </file>
 
 <file path=ppt/slides/slide17.xml><?xml version="1.0" encoding="utf-8"?>
-<p:sld xmlns:a="http://schemas.openxmlformats.org/drawingml/2006/main" xmlns:r="http://schemas.openxmlformats.org/officeDocument/2006/relationships" xmlns:mc="http://schemas.openxmlformats.org/markup-compatibility/2006" xmlns:mv="urn:schemas-microsoft-com:mac:vml" xmlns:p="http://schemas.openxmlformats.org/presentationml/2006/main" xmlns:c="http://schemas.openxmlformats.org/drawingml/2006/chart" xmlns:dgm="http://schemas.openxmlformats.org/drawingml/2006/diagram" xmlns:o="urn:schemas-microsoft-com:office:office" xmlns:v="urn:schemas-microsoft-com:vml" xmlns:pvml="urn:schemas-microsoft-com:office:powerpoint" xmlns:com="http://schemas.openxmlformats.org/drawingml/2006/compatibility" xmlns:p14="http://schemas.microsoft.com/office/powerpoint/2010/main" xmlns:p15="http://schemas.microsoft.com/office/powerpoint/2012/main" xmlns:ahyp="http://schemas.microsoft.com/office/drawing/2018/hyperlinkcolor">
+<p:sld xmlns:a="http://schemas.openxmlformats.org/drawingml/2006/main" xmlns:r="http://schemas.openxmlformats.org/officeDocument/2006/relationships" xmlns:p="http://schemas.openxmlformats.org/presentationml/2006/main">
   <p:cSld>
     <p:spTree>
       <p:nvGrpSpPr>
-        <p:cNvPr id="167" name="Shape 167"/>
+        <p:cNvPr id="1" name="Shape 167"/>
         <p:cNvGrpSpPr/>
         <p:nvPr/>
       </p:nvGrpSpPr>
@@ -9723,7 +10258,9 @@
       <p:sp>
         <p:nvSpPr>
           <p:cNvPr id="168" name="Google Shape;168;p14"/>
-          <p:cNvSpPr txBox="1"/>
+          <p:cNvSpPr txBox="1">
+            <a:spLocks noGrp="1"/>
+          </p:cNvSpPr>
           <p:nvPr>
             <p:ph type="title"/>
           </p:nvPr>
@@ -9742,12 +10279,12 @@
           </a:ln>
         </p:spPr>
         <p:txBody>
-          <a:bodyPr anchorCtr="0" anchor="t" bIns="45700" lIns="91425" spcFirstLastPara="1" rIns="91425" wrap="square" tIns="45700">
+          <a:bodyPr spcFirstLastPara="1" wrap="square" lIns="91425" tIns="45700" rIns="91425" bIns="45700" anchor="t" anchorCtr="0">
             <a:noAutofit/>
           </a:bodyPr>
           <a:lstStyle/>
           <a:p>
-            <a:pPr indent="0" lvl="0" marL="0" rtl="0" algn="l">
+            <a:pPr marL="0" lvl="0" indent="0" algn="l" rtl="0">
               <a:spcBef>
                 <a:spcPts val="0"/>
               </a:spcBef>
@@ -9772,9 +10309,11 @@
       <p:sp>
         <p:nvSpPr>
           <p:cNvPr id="169" name="Google Shape;169;p14"/>
-          <p:cNvSpPr txBox="1"/>
+          <p:cNvSpPr txBox="1">
+            <a:spLocks noGrp="1"/>
+          </p:cNvSpPr>
           <p:nvPr>
-            <p:ph idx="1" type="body"/>
+            <p:ph type="body" idx="1"/>
           </p:nvPr>
         </p:nvSpPr>
         <p:spPr>
@@ -9791,12 +10330,12 @@
           </a:ln>
         </p:spPr>
         <p:txBody>
-          <a:bodyPr anchorCtr="0" anchor="t" bIns="45700" lIns="91425" spcFirstLastPara="1" rIns="91425" wrap="square" tIns="45700">
+          <a:bodyPr spcFirstLastPara="1" wrap="square" lIns="91425" tIns="45700" rIns="91425" bIns="45700" anchor="t" anchorCtr="0">
             <a:normAutofit/>
           </a:bodyPr>
           <a:lstStyle/>
           <a:p>
-            <a:pPr indent="0" lvl="0" marL="0" rtl="0" algn="l">
+            <a:pPr marL="0" lvl="0" indent="0" algn="l" rtl="0">
               <a:spcBef>
                 <a:spcPts val="0"/>
               </a:spcBef>
@@ -9812,7 +10351,7 @@
             <a:endParaRPr sz="2500"/>
           </a:p>
           <a:p>
-            <a:pPr indent="0" lvl="0" marL="0" rtl="0" algn="l">
+            <a:pPr marL="0" lvl="0" indent="0" algn="l" rtl="0">
               <a:spcBef>
                 <a:spcPts val="1000"/>
               </a:spcBef>
@@ -9821,13 +10360,10 @@
               </a:spcAft>
               <a:buNone/>
             </a:pPr>
-            <a:r>
-              <a:t/>
-            </a:r>
             <a:endParaRPr sz="2500"/>
           </a:p>
           <a:p>
-            <a:pPr indent="-349250" lvl="0" marL="342900" rtl="0" algn="l">
+            <a:pPr marL="342900" lvl="0" indent="-349250" algn="l" rtl="0">
               <a:spcBef>
                 <a:spcPts val="1000"/>
               </a:spcBef>
@@ -9844,7 +10380,7 @@
             <a:endParaRPr sz="2500"/>
           </a:p>
           <a:p>
-            <a:pPr indent="-349250" lvl="0" marL="342900" rtl="0" algn="l">
+            <a:pPr marL="342900" lvl="0" indent="-349250" algn="l" rtl="0">
               <a:spcBef>
                 <a:spcPts val="1000"/>
               </a:spcBef>
@@ -9869,7 +10405,7 @@
             <a:endParaRPr sz="2500"/>
           </a:p>
           <a:p>
-            <a:pPr indent="-349250" lvl="0" marL="342900" rtl="0" algn="l">
+            <a:pPr marL="342900" lvl="0" indent="-349250" algn="l" rtl="0">
               <a:spcBef>
                 <a:spcPts val="1000"/>
               </a:spcBef>
@@ -9892,15 +10428,18 @@
   <p:clrMapOvr>
     <a:masterClrMapping/>
   </p:clrMapOvr>
+  <p:transition spd="med">
+    <p:pull/>
+  </p:transition>
 </p:sld>
 </file>
 
 <file path=ppt/slides/slide18.xml><?xml version="1.0" encoding="utf-8"?>
-<p:sld xmlns:a="http://schemas.openxmlformats.org/drawingml/2006/main" xmlns:r="http://schemas.openxmlformats.org/officeDocument/2006/relationships" xmlns:mc="http://schemas.openxmlformats.org/markup-compatibility/2006" xmlns:mv="urn:schemas-microsoft-com:mac:vml" xmlns:p="http://schemas.openxmlformats.org/presentationml/2006/main" xmlns:c="http://schemas.openxmlformats.org/drawingml/2006/chart" xmlns:dgm="http://schemas.openxmlformats.org/drawingml/2006/diagram" xmlns:o="urn:schemas-microsoft-com:office:office" xmlns:v="urn:schemas-microsoft-com:vml" xmlns:pvml="urn:schemas-microsoft-com:office:powerpoint" xmlns:com="http://schemas.openxmlformats.org/drawingml/2006/compatibility" xmlns:p14="http://schemas.microsoft.com/office/powerpoint/2010/main" xmlns:p15="http://schemas.microsoft.com/office/powerpoint/2012/main" xmlns:ahyp="http://schemas.microsoft.com/office/drawing/2018/hyperlinkcolor">
+<p:sld xmlns:a="http://schemas.openxmlformats.org/drawingml/2006/main" xmlns:r="http://schemas.openxmlformats.org/officeDocument/2006/relationships" xmlns:p="http://schemas.openxmlformats.org/presentationml/2006/main">
   <p:cSld>
     <p:spTree>
       <p:nvGrpSpPr>
-        <p:cNvPr id="173" name="Shape 173"/>
+        <p:cNvPr id="1" name="Shape 173"/>
         <p:cNvGrpSpPr/>
         <p:nvPr/>
       </p:nvGrpSpPr>
@@ -9915,7 +10454,9 @@
       <p:sp>
         <p:nvSpPr>
           <p:cNvPr id="174" name="Google Shape;174;p15"/>
-          <p:cNvSpPr txBox="1"/>
+          <p:cNvSpPr txBox="1">
+            <a:spLocks noGrp="1"/>
+          </p:cNvSpPr>
           <p:nvPr>
             <p:ph type="title"/>
           </p:nvPr>
@@ -9934,12 +10475,12 @@
           </a:ln>
         </p:spPr>
         <p:txBody>
-          <a:bodyPr anchorCtr="0" anchor="t" bIns="45700" lIns="91425" spcFirstLastPara="1" rIns="91425" wrap="square" tIns="45700">
+          <a:bodyPr spcFirstLastPara="1" wrap="square" lIns="91425" tIns="45700" rIns="91425" bIns="45700" anchor="t" anchorCtr="0">
             <a:noAutofit/>
           </a:bodyPr>
           <a:lstStyle/>
           <a:p>
-            <a:pPr indent="0" lvl="0" marL="0" rtl="0" algn="l">
+            <a:pPr marL="0" lvl="0" indent="0" algn="l" rtl="0">
               <a:spcBef>
                 <a:spcPts val="0"/>
               </a:spcBef>
@@ -9964,9 +10505,11 @@
       <p:sp>
         <p:nvSpPr>
           <p:cNvPr id="175" name="Google Shape;175;p15"/>
-          <p:cNvSpPr txBox="1"/>
+          <p:cNvSpPr txBox="1">
+            <a:spLocks noGrp="1"/>
+          </p:cNvSpPr>
           <p:nvPr>
-            <p:ph idx="1" type="body"/>
+            <p:ph type="body" idx="1"/>
           </p:nvPr>
         </p:nvSpPr>
         <p:spPr>
@@ -9983,12 +10526,12 @@
           </a:ln>
         </p:spPr>
         <p:txBody>
-          <a:bodyPr anchorCtr="0" anchor="t" bIns="45700" lIns="91425" spcFirstLastPara="1" rIns="91425" wrap="square" tIns="45700">
+          <a:bodyPr spcFirstLastPara="1" wrap="square" lIns="91425" tIns="45700" rIns="91425" bIns="45700" anchor="t" anchorCtr="0">
             <a:normAutofit/>
           </a:bodyPr>
           <a:lstStyle/>
           <a:p>
-            <a:pPr indent="-342900" lvl="0" marL="342900" rtl="0" algn="l">
+            <a:pPr marL="342900" lvl="0" indent="-342900" algn="l" rtl="0">
               <a:spcBef>
                 <a:spcPts val="0"/>
               </a:spcBef>
@@ -10005,7 +10548,7 @@
             <a:endParaRPr/>
           </a:p>
           <a:p>
-            <a:pPr indent="-342900" lvl="0" marL="342900" rtl="0" algn="l">
+            <a:pPr marL="342900" lvl="0" indent="-342900" algn="l" rtl="0">
               <a:spcBef>
                 <a:spcPts val="1000"/>
               </a:spcBef>
@@ -10022,7 +10565,7 @@
             <a:endParaRPr/>
           </a:p>
           <a:p>
-            <a:pPr indent="-342900" lvl="0" marL="342900" rtl="0" algn="l">
+            <a:pPr marL="342900" lvl="0" indent="-342900" algn="l" rtl="0">
               <a:spcBef>
                 <a:spcPts val="1000"/>
               </a:spcBef>
@@ -10045,15 +10588,18 @@
   <p:clrMapOvr>
     <a:masterClrMapping/>
   </p:clrMapOvr>
+  <p:transition spd="med">
+    <p:pull/>
+  </p:transition>
 </p:sld>
 </file>
 
 <file path=ppt/slides/slide2.xml><?xml version="1.0" encoding="utf-8"?>
-<p:sld xmlns:a="http://schemas.openxmlformats.org/drawingml/2006/main" xmlns:r="http://schemas.openxmlformats.org/officeDocument/2006/relationships" xmlns:mc="http://schemas.openxmlformats.org/markup-compatibility/2006" xmlns:mv="urn:schemas-microsoft-com:mac:vml" xmlns:p="http://schemas.openxmlformats.org/presentationml/2006/main" xmlns:c="http://schemas.openxmlformats.org/drawingml/2006/chart" xmlns:dgm="http://schemas.openxmlformats.org/drawingml/2006/diagram" xmlns:o="urn:schemas-microsoft-com:office:office" xmlns:v="urn:schemas-microsoft-com:vml" xmlns:pvml="urn:schemas-microsoft-com:office:powerpoint" xmlns:com="http://schemas.openxmlformats.org/drawingml/2006/compatibility" xmlns:p14="http://schemas.microsoft.com/office/powerpoint/2010/main" xmlns:p15="http://schemas.microsoft.com/office/powerpoint/2012/main" xmlns:ahyp="http://schemas.microsoft.com/office/drawing/2018/hyperlinkcolor">
+<p:sld xmlns:a="http://schemas.openxmlformats.org/drawingml/2006/main" xmlns:r="http://schemas.openxmlformats.org/officeDocument/2006/relationships" xmlns:p="http://schemas.openxmlformats.org/presentationml/2006/main">
   <p:cSld>
     <p:spTree>
       <p:nvGrpSpPr>
-        <p:cNvPr id="65" name="Shape 65"/>
+        <p:cNvPr id="1" name="Shape 65"/>
         <p:cNvGrpSpPr/>
         <p:nvPr/>
       </p:nvGrpSpPr>
@@ -10068,7 +10614,9 @@
       <p:sp>
         <p:nvSpPr>
           <p:cNvPr id="66" name="Google Shape;66;p2"/>
-          <p:cNvSpPr txBox="1"/>
+          <p:cNvSpPr txBox="1">
+            <a:spLocks noGrp="1"/>
+          </p:cNvSpPr>
           <p:nvPr>
             <p:ph type="title"/>
           </p:nvPr>
@@ -10087,12 +10635,12 @@
           </a:ln>
         </p:spPr>
         <p:txBody>
-          <a:bodyPr anchorCtr="0" anchor="t" bIns="45700" lIns="91425" spcFirstLastPara="1" rIns="91425" wrap="square" tIns="45700">
+          <a:bodyPr spcFirstLastPara="1" wrap="square" lIns="91425" tIns="45700" rIns="91425" bIns="45700" anchor="t" anchorCtr="0">
             <a:noAutofit/>
           </a:bodyPr>
           <a:lstStyle/>
           <a:p>
-            <a:pPr indent="0" lvl="0" marL="0" rtl="0" algn="l">
+            <a:pPr marL="0" lvl="0" indent="0" algn="l" rtl="0">
               <a:spcBef>
                 <a:spcPts val="0"/>
               </a:spcBef>
@@ -10117,9 +10665,11 @@
       <p:sp>
         <p:nvSpPr>
           <p:cNvPr id="67" name="Google Shape;67;p2"/>
-          <p:cNvSpPr txBox="1"/>
+          <p:cNvSpPr txBox="1">
+            <a:spLocks noGrp="1"/>
+          </p:cNvSpPr>
           <p:nvPr>
-            <p:ph idx="1" type="body"/>
+            <p:ph type="body" idx="1"/>
           </p:nvPr>
         </p:nvSpPr>
         <p:spPr>
@@ -10136,12 +10686,12 @@
           </a:ln>
         </p:spPr>
         <p:txBody>
-          <a:bodyPr anchorCtr="0" anchor="t" bIns="45700" lIns="91425" spcFirstLastPara="1" rIns="91425" wrap="square" tIns="45700">
+          <a:bodyPr spcFirstLastPara="1" wrap="square" lIns="91425" tIns="45700" rIns="91425" bIns="45700" anchor="t" anchorCtr="0">
             <a:normAutofit/>
           </a:bodyPr>
           <a:lstStyle/>
           <a:p>
-            <a:pPr indent="-381000" lvl="0" marL="457200" rtl="0" algn="l">
+            <a:pPr marL="457200" lvl="0" indent="-381000" algn="l" rtl="0">
               <a:lnSpc>
                 <a:spcPct val="150000"/>
               </a:lnSpc>
@@ -10161,7 +10711,7 @@
             <a:endParaRPr/>
           </a:p>
           <a:p>
-            <a:pPr indent="-381000" lvl="0" marL="457200" rtl="0" algn="l">
+            <a:pPr marL="457200" lvl="0" indent="-381000" algn="l" rtl="0">
               <a:lnSpc>
                 <a:spcPct val="150000"/>
               </a:lnSpc>
@@ -10217,7 +10767,7 @@
             <a:endParaRPr/>
           </a:p>
           <a:p>
-            <a:pPr indent="-381000" lvl="0" marL="457200" rtl="0" algn="l">
+            <a:pPr marL="457200" lvl="0" indent="-381000" algn="l" rtl="0">
               <a:lnSpc>
                 <a:spcPct val="150000"/>
               </a:lnSpc>
@@ -10243,15 +10793,18 @@
   <p:clrMapOvr>
     <a:masterClrMapping/>
   </p:clrMapOvr>
+  <p:transition spd="med">
+    <p:pull/>
+  </p:transition>
 </p:sld>
 </file>
 
 <file path=ppt/slides/slide3.xml><?xml version="1.0" encoding="utf-8"?>
-<p:sld xmlns:a="http://schemas.openxmlformats.org/drawingml/2006/main" xmlns:r="http://schemas.openxmlformats.org/officeDocument/2006/relationships" xmlns:mc="http://schemas.openxmlformats.org/markup-compatibility/2006" xmlns:mv="urn:schemas-microsoft-com:mac:vml" xmlns:p="http://schemas.openxmlformats.org/presentationml/2006/main" xmlns:c="http://schemas.openxmlformats.org/drawingml/2006/chart" xmlns:dgm="http://schemas.openxmlformats.org/drawingml/2006/diagram" xmlns:o="urn:schemas-microsoft-com:office:office" xmlns:v="urn:schemas-microsoft-com:vml" xmlns:pvml="urn:schemas-microsoft-com:office:powerpoint" xmlns:com="http://schemas.openxmlformats.org/drawingml/2006/compatibility" xmlns:p14="http://schemas.microsoft.com/office/powerpoint/2010/main" xmlns:p15="http://schemas.microsoft.com/office/powerpoint/2012/main" xmlns:ahyp="http://schemas.microsoft.com/office/drawing/2018/hyperlinkcolor">
+<p:sld xmlns:a="http://schemas.openxmlformats.org/drawingml/2006/main" xmlns:r="http://schemas.openxmlformats.org/officeDocument/2006/relationships" xmlns:p="http://schemas.openxmlformats.org/presentationml/2006/main">
   <p:cSld>
     <p:spTree>
       <p:nvGrpSpPr>
-        <p:cNvPr id="71" name="Shape 71"/>
+        <p:cNvPr id="1" name="Shape 71"/>
         <p:cNvGrpSpPr/>
         <p:nvPr/>
       </p:nvGrpSpPr>
@@ -10266,7 +10819,9 @@
       <p:sp>
         <p:nvSpPr>
           <p:cNvPr id="72" name="Google Shape;72;p5"/>
-          <p:cNvSpPr txBox="1"/>
+          <p:cNvSpPr txBox="1">
+            <a:spLocks noGrp="1"/>
+          </p:cNvSpPr>
           <p:nvPr>
             <p:ph type="title"/>
           </p:nvPr>
@@ -10285,12 +10840,12 @@
           </a:ln>
         </p:spPr>
         <p:txBody>
-          <a:bodyPr anchorCtr="0" anchor="t" bIns="45700" lIns="91425" spcFirstLastPara="1" rIns="91425" wrap="square" tIns="45700">
+          <a:bodyPr spcFirstLastPara="1" wrap="square" lIns="91425" tIns="45700" rIns="91425" bIns="45700" anchor="t" anchorCtr="0">
             <a:noAutofit/>
           </a:bodyPr>
           <a:lstStyle/>
           <a:p>
-            <a:pPr indent="0" lvl="0" marL="0" rtl="0" algn="l">
+            <a:pPr marL="0" lvl="0" indent="0" algn="l" rtl="0">
               <a:spcBef>
                 <a:spcPts val="0"/>
               </a:spcBef>
@@ -10315,9 +10870,11 @@
       <p:sp>
         <p:nvSpPr>
           <p:cNvPr id="73" name="Google Shape;73;p5"/>
-          <p:cNvSpPr txBox="1"/>
+          <p:cNvSpPr txBox="1">
+            <a:spLocks noGrp="1"/>
+          </p:cNvSpPr>
           <p:nvPr>
-            <p:ph idx="1" type="body"/>
+            <p:ph type="body" idx="1"/>
           </p:nvPr>
         </p:nvSpPr>
         <p:spPr>
@@ -10334,12 +10891,12 @@
           </a:ln>
         </p:spPr>
         <p:txBody>
-          <a:bodyPr anchorCtr="0" anchor="t" bIns="45700" lIns="91425" spcFirstLastPara="1" rIns="91425" wrap="square" tIns="45700">
+          <a:bodyPr spcFirstLastPara="1" wrap="square" lIns="91425" tIns="45700" rIns="91425" bIns="45700" anchor="t" anchorCtr="0">
             <a:normAutofit/>
           </a:bodyPr>
           <a:lstStyle/>
           <a:p>
-            <a:pPr indent="-342900" lvl="0" marL="342900" rtl="0" algn="l">
+            <a:pPr marL="342900" lvl="0" indent="-342900" algn="l" rtl="0">
               <a:spcBef>
                 <a:spcPts val="0"/>
               </a:spcBef>
@@ -10356,7 +10913,7 @@
             <a:endParaRPr/>
           </a:p>
           <a:p>
-            <a:pPr indent="-342900" lvl="0" marL="342900" rtl="0" algn="l">
+            <a:pPr marL="342900" lvl="0" indent="-342900" algn="l" rtl="0">
               <a:spcBef>
                 <a:spcPts val="1000"/>
               </a:spcBef>
@@ -10368,28 +10925,12 @@
             </a:pPr>
             <a:r>
               <a:rPr lang="en-US"/>
-              <a:t>Subset: Nonstop flights from </a:t>
-            </a:r>
-            <a:r>
-              <a:rPr lang="en-US"/>
-              <a:t>different</a:t>
-            </a:r>
-            <a:r>
-              <a:rPr lang="en-US"/>
-              <a:t> cities in the US from </a:t>
-            </a:r>
-            <a:r>
-              <a:rPr lang="en-US"/>
-              <a:t>April to October 2022</a:t>
-            </a:r>
-            <a:r>
-              <a:rPr lang="en-US"/>
-              <a:t> (~207,000 records).</a:t>
+              <a:t>Subset: Nonstop flights from different cities in the US from April to October 2022 (~207,000 records).</a:t>
             </a:r>
             <a:endParaRPr/>
           </a:p>
           <a:p>
-            <a:pPr indent="-342900" lvl="0" marL="342900" rtl="0" algn="l">
+            <a:pPr marL="342900" lvl="0" indent="-342900" algn="l" rtl="0">
               <a:spcBef>
                 <a:spcPts val="1000"/>
               </a:spcBef>
@@ -10412,15 +10953,18 @@
   <p:clrMapOvr>
     <a:masterClrMapping/>
   </p:clrMapOvr>
+  <p:transition spd="med">
+    <p:pull/>
+  </p:transition>
 </p:sld>
 </file>
 
 <file path=ppt/slides/slide4.xml><?xml version="1.0" encoding="utf-8"?>
-<p:sld xmlns:a="http://schemas.openxmlformats.org/drawingml/2006/main" xmlns:r="http://schemas.openxmlformats.org/officeDocument/2006/relationships" xmlns:mc="http://schemas.openxmlformats.org/markup-compatibility/2006" xmlns:mv="urn:schemas-microsoft-com:mac:vml" xmlns:p="http://schemas.openxmlformats.org/presentationml/2006/main" xmlns:c="http://schemas.openxmlformats.org/drawingml/2006/chart" xmlns:dgm="http://schemas.openxmlformats.org/drawingml/2006/diagram" xmlns:o="urn:schemas-microsoft-com:office:office" xmlns:v="urn:schemas-microsoft-com:vml" xmlns:pvml="urn:schemas-microsoft-com:office:powerpoint" xmlns:com="http://schemas.openxmlformats.org/drawingml/2006/compatibility" xmlns:p14="http://schemas.microsoft.com/office/powerpoint/2010/main" xmlns:p15="http://schemas.microsoft.com/office/powerpoint/2012/main" xmlns:ahyp="http://schemas.microsoft.com/office/drawing/2018/hyperlinkcolor">
+<p:sld xmlns:a="http://schemas.openxmlformats.org/drawingml/2006/main" xmlns:r="http://schemas.openxmlformats.org/officeDocument/2006/relationships" xmlns:p="http://schemas.openxmlformats.org/presentationml/2006/main">
   <p:cSld>
     <p:spTree>
       <p:nvGrpSpPr>
-        <p:cNvPr id="77" name="Shape 77"/>
+        <p:cNvPr id="1" name="Shape 77"/>
         <p:cNvGrpSpPr/>
         <p:nvPr/>
       </p:nvGrpSpPr>
@@ -10435,7 +10979,9 @@
       <p:sp>
         <p:nvSpPr>
           <p:cNvPr id="78" name="Google Shape;78;p3"/>
-          <p:cNvSpPr txBox="1"/>
+          <p:cNvSpPr txBox="1">
+            <a:spLocks noGrp="1"/>
+          </p:cNvSpPr>
           <p:nvPr>
             <p:ph type="title"/>
           </p:nvPr>
@@ -10454,12 +11000,12 @@
           </a:ln>
         </p:spPr>
         <p:txBody>
-          <a:bodyPr anchorCtr="0" anchor="t" bIns="45700" lIns="91425" spcFirstLastPara="1" rIns="91425" wrap="square" tIns="45700">
+          <a:bodyPr spcFirstLastPara="1" wrap="square" lIns="91425" tIns="45700" rIns="91425" bIns="45700" anchor="t" anchorCtr="0">
             <a:noAutofit/>
           </a:bodyPr>
           <a:lstStyle/>
           <a:p>
-            <a:pPr indent="0" lvl="0" marL="0" rtl="0" algn="l">
+            <a:pPr marL="0" lvl="0" indent="0" algn="l" rtl="0">
               <a:spcBef>
                 <a:spcPts val="0"/>
               </a:spcBef>
@@ -10484,9 +11030,11 @@
       <p:sp>
         <p:nvSpPr>
           <p:cNvPr id="79" name="Google Shape;79;p3"/>
-          <p:cNvSpPr txBox="1"/>
+          <p:cNvSpPr txBox="1">
+            <a:spLocks noGrp="1"/>
+          </p:cNvSpPr>
           <p:nvPr>
-            <p:ph idx="1" type="body"/>
+            <p:ph type="body" idx="1"/>
           </p:nvPr>
         </p:nvSpPr>
         <p:spPr>
@@ -10503,12 +11051,12 @@
           </a:ln>
         </p:spPr>
         <p:txBody>
-          <a:bodyPr anchorCtr="0" anchor="t" bIns="45700" lIns="91425" spcFirstLastPara="1" rIns="91425" wrap="square" tIns="45700">
+          <a:bodyPr spcFirstLastPara="1" wrap="square" lIns="91425" tIns="45700" rIns="91425" bIns="45700" anchor="t" anchorCtr="0">
             <a:normAutofit/>
           </a:bodyPr>
           <a:lstStyle/>
           <a:p>
-            <a:pPr indent="-342900" lvl="0" marL="342900" rtl="0" algn="l">
+            <a:pPr marL="342900" lvl="0" indent="-342900" algn="l" rtl="0">
               <a:spcBef>
                 <a:spcPts val="0"/>
               </a:spcBef>
@@ -10525,7 +11073,7 @@
             <a:endParaRPr/>
           </a:p>
           <a:p>
-            <a:pPr indent="-342900" lvl="0" marL="342900" rtl="0" algn="l">
+            <a:pPr marL="342900" lvl="0" indent="-342900" algn="l" rtl="0">
               <a:spcBef>
                 <a:spcPts val="1000"/>
               </a:spcBef>
@@ -10548,15 +11096,18 @@
   <p:clrMapOvr>
     <a:masterClrMapping/>
   </p:clrMapOvr>
+  <p:transition spd="med">
+    <p:pull/>
+  </p:transition>
 </p:sld>
 </file>
 
 <file path=ppt/slides/slide5.xml><?xml version="1.0" encoding="utf-8"?>
-<p:sld xmlns:a="http://schemas.openxmlformats.org/drawingml/2006/main" xmlns:r="http://schemas.openxmlformats.org/officeDocument/2006/relationships" xmlns:mc="http://schemas.openxmlformats.org/markup-compatibility/2006" xmlns:mv="urn:schemas-microsoft-com:mac:vml" xmlns:p="http://schemas.openxmlformats.org/presentationml/2006/main" xmlns:c="http://schemas.openxmlformats.org/drawingml/2006/chart" xmlns:dgm="http://schemas.openxmlformats.org/drawingml/2006/diagram" xmlns:o="urn:schemas-microsoft-com:office:office" xmlns:v="urn:schemas-microsoft-com:vml" xmlns:pvml="urn:schemas-microsoft-com:office:powerpoint" xmlns:com="http://schemas.openxmlformats.org/drawingml/2006/compatibility" xmlns:p14="http://schemas.microsoft.com/office/powerpoint/2010/main" xmlns:p15="http://schemas.microsoft.com/office/powerpoint/2012/main" xmlns:ahyp="http://schemas.microsoft.com/office/drawing/2018/hyperlinkcolor">
+<p:sld xmlns:a="http://schemas.openxmlformats.org/drawingml/2006/main" xmlns:r="http://schemas.openxmlformats.org/officeDocument/2006/relationships" xmlns:p="http://schemas.openxmlformats.org/presentationml/2006/main">
   <p:cSld>
     <p:spTree>
       <p:nvGrpSpPr>
-        <p:cNvPr id="83" name="Shape 83"/>
+        <p:cNvPr id="1" name="Shape 83"/>
         <p:cNvGrpSpPr/>
         <p:nvPr/>
       </p:nvGrpSpPr>
@@ -10571,7 +11122,9 @@
       <p:sp>
         <p:nvSpPr>
           <p:cNvPr id="84" name="Google Shape;84;p4"/>
-          <p:cNvSpPr txBox="1"/>
+          <p:cNvSpPr txBox="1">
+            <a:spLocks noGrp="1"/>
+          </p:cNvSpPr>
           <p:nvPr>
             <p:ph type="title"/>
           </p:nvPr>
@@ -10590,12 +11143,12 @@
           </a:ln>
         </p:spPr>
         <p:txBody>
-          <a:bodyPr anchorCtr="0" anchor="t" bIns="45700" lIns="91425" spcFirstLastPara="1" rIns="91425" wrap="square" tIns="45700">
+          <a:bodyPr spcFirstLastPara="1" wrap="square" lIns="91425" tIns="45700" rIns="91425" bIns="45700" anchor="t" anchorCtr="0">
             <a:noAutofit/>
           </a:bodyPr>
           <a:lstStyle/>
           <a:p>
-            <a:pPr indent="0" lvl="0" marL="0" rtl="0" algn="l">
+            <a:pPr marL="0" lvl="0" indent="0" algn="l" rtl="0">
               <a:spcBef>
                 <a:spcPts val="0"/>
               </a:spcBef>
@@ -10620,9 +11173,11 @@
       <p:sp>
         <p:nvSpPr>
           <p:cNvPr id="85" name="Google Shape;85;p4"/>
-          <p:cNvSpPr txBox="1"/>
+          <p:cNvSpPr txBox="1">
+            <a:spLocks noGrp="1"/>
+          </p:cNvSpPr>
           <p:nvPr>
-            <p:ph idx="1" type="body"/>
+            <p:ph type="body" idx="1"/>
           </p:nvPr>
         </p:nvSpPr>
         <p:spPr>
@@ -10639,12 +11194,12 @@
           </a:ln>
         </p:spPr>
         <p:txBody>
-          <a:bodyPr anchorCtr="0" anchor="t" bIns="45700" lIns="91425" spcFirstLastPara="1" rIns="91425" wrap="square" tIns="45700">
+          <a:bodyPr spcFirstLastPara="1" wrap="square" lIns="91425" tIns="45700" rIns="91425" bIns="45700" anchor="t" anchorCtr="0">
             <a:normAutofit/>
           </a:bodyPr>
           <a:lstStyle/>
           <a:p>
-            <a:pPr indent="-342900" lvl="0" marL="342900" rtl="0" algn="l">
+            <a:pPr marL="342900" lvl="0" indent="-342900" algn="l" rtl="0">
               <a:spcBef>
                 <a:spcPts val="0"/>
               </a:spcBef>
@@ -10661,18 +11216,15 @@
             <a:endParaRPr/>
           </a:p>
           <a:p>
-            <a:pPr indent="0" lvl="0" marL="0" rtl="0" algn="l">
-              <a:spcBef>
-                <a:spcPts val="0"/>
-              </a:spcBef>
-              <a:spcAft>
-                <a:spcPts val="0"/>
-              </a:spcAft>
-              <a:buNone/>
-            </a:pPr>
-            <a:r>
-              <a:t/>
-            </a:r>
+            <a:pPr marL="0" lvl="0" indent="0" algn="l" rtl="0">
+              <a:spcBef>
+                <a:spcPts val="0"/>
+              </a:spcBef>
+              <a:spcAft>
+                <a:spcPts val="0"/>
+              </a:spcAft>
+              <a:buNone/>
+            </a:pPr>
             <a:endParaRPr/>
           </a:p>
         </p:txBody>
@@ -10687,7 +11239,7 @@
           <a:blip r:embed="rId3">
             <a:alphaModFix/>
           </a:blip>
-          <a:srcRect b="4774" l="8933" r="4336" t="5474"/>
+          <a:srcRect l="8933" t="5474" r="4336" b="4774"/>
           <a:stretch/>
         </p:blipFill>
         <p:spPr>
@@ -10724,12 +11276,12 @@
           </a:ln>
         </p:spPr>
         <p:txBody>
-          <a:bodyPr anchorCtr="0" anchor="t" bIns="91425" lIns="91425" spcFirstLastPara="1" rIns="91425" wrap="square" tIns="91425">
+          <a:bodyPr spcFirstLastPara="1" wrap="square" lIns="91425" tIns="91425" rIns="91425" bIns="91425" anchor="t" anchorCtr="0">
             <a:noAutofit/>
           </a:bodyPr>
           <a:lstStyle/>
           <a:p>
-            <a:pPr indent="0" lvl="0" marL="0" rtl="0" algn="ctr">
+            <a:pPr marL="0" lvl="0" indent="0" algn="ctr" rtl="0">
               <a:spcBef>
                 <a:spcPts val="0"/>
               </a:spcBef>
@@ -10767,15 +11319,18 @@
   <p:clrMapOvr>
     <a:masterClrMapping/>
   </p:clrMapOvr>
+  <p:transition spd="med">
+    <p:pull/>
+  </p:transition>
 </p:sld>
 </file>
 
 <file path=ppt/slides/slide6.xml><?xml version="1.0" encoding="utf-8"?>
-<p:sld xmlns:a="http://schemas.openxmlformats.org/drawingml/2006/main" xmlns:r="http://schemas.openxmlformats.org/officeDocument/2006/relationships" xmlns:mc="http://schemas.openxmlformats.org/markup-compatibility/2006" xmlns:mv="urn:schemas-microsoft-com:mac:vml" xmlns:p="http://schemas.openxmlformats.org/presentationml/2006/main" xmlns:c="http://schemas.openxmlformats.org/drawingml/2006/chart" xmlns:dgm="http://schemas.openxmlformats.org/drawingml/2006/diagram" xmlns:o="urn:schemas-microsoft-com:office:office" xmlns:v="urn:schemas-microsoft-com:vml" xmlns:pvml="urn:schemas-microsoft-com:office:powerpoint" xmlns:com="http://schemas.openxmlformats.org/drawingml/2006/compatibility" xmlns:p14="http://schemas.microsoft.com/office/powerpoint/2010/main" xmlns:p15="http://schemas.microsoft.com/office/powerpoint/2012/main" xmlns:ahyp="http://schemas.microsoft.com/office/drawing/2018/hyperlinkcolor">
+<p:sld xmlns:a="http://schemas.openxmlformats.org/drawingml/2006/main" xmlns:r="http://schemas.openxmlformats.org/officeDocument/2006/relationships" xmlns:p="http://schemas.openxmlformats.org/presentationml/2006/main">
   <p:cSld>
     <p:spTree>
       <p:nvGrpSpPr>
-        <p:cNvPr id="91" name="Shape 91"/>
+        <p:cNvPr id="1" name="Shape 91"/>
         <p:cNvGrpSpPr/>
         <p:nvPr/>
       </p:nvGrpSpPr>
@@ -10790,7 +11345,9 @@
       <p:sp>
         <p:nvSpPr>
           <p:cNvPr id="92" name="Google Shape;92;p8"/>
-          <p:cNvSpPr txBox="1"/>
+          <p:cNvSpPr txBox="1">
+            <a:spLocks noGrp="1"/>
+          </p:cNvSpPr>
           <p:nvPr>
             <p:ph type="title"/>
           </p:nvPr>
@@ -10809,12 +11366,12 @@
           </a:ln>
         </p:spPr>
         <p:txBody>
-          <a:bodyPr anchorCtr="0" anchor="t" bIns="45700" lIns="91425" spcFirstLastPara="1" rIns="91425" wrap="square" tIns="45700">
+          <a:bodyPr spcFirstLastPara="1" wrap="square" lIns="91425" tIns="45700" rIns="91425" bIns="45700" anchor="t" anchorCtr="0">
             <a:noAutofit/>
           </a:bodyPr>
           <a:lstStyle/>
           <a:p>
-            <a:pPr indent="0" lvl="0" marL="0" rtl="0" algn="l">
+            <a:pPr marL="0" lvl="0" indent="0" algn="l" rtl="0">
               <a:spcBef>
                 <a:spcPts val="0"/>
               </a:spcBef>
@@ -10839,9 +11396,11 @@
       <p:sp>
         <p:nvSpPr>
           <p:cNvPr id="93" name="Google Shape;93;p8"/>
-          <p:cNvSpPr txBox="1"/>
+          <p:cNvSpPr txBox="1">
+            <a:spLocks noGrp="1"/>
+          </p:cNvSpPr>
           <p:nvPr>
-            <p:ph idx="1" type="body"/>
+            <p:ph type="body" idx="1"/>
           </p:nvPr>
         </p:nvSpPr>
         <p:spPr>
@@ -10858,12 +11417,12 @@
           </a:ln>
         </p:spPr>
         <p:txBody>
-          <a:bodyPr anchorCtr="0" anchor="t" bIns="45700" lIns="91425" spcFirstLastPara="1" rIns="91425" wrap="square" tIns="45700">
+          <a:bodyPr spcFirstLastPara="1" wrap="square" lIns="91425" tIns="45700" rIns="91425" bIns="45700" anchor="t" anchorCtr="0">
             <a:noAutofit/>
           </a:bodyPr>
           <a:lstStyle/>
           <a:p>
-            <a:pPr indent="-349250" lvl="0" marL="342900" rtl="0" algn="l">
+            <a:pPr marL="342900" lvl="0" indent="-349250" algn="l" rtl="0">
               <a:spcBef>
                 <a:spcPts val="0"/>
               </a:spcBef>
@@ -10880,7 +11439,7 @@
             <a:endParaRPr sz="1700"/>
           </a:p>
           <a:p>
-            <a:pPr indent="-349250" lvl="0" marL="342900" rtl="0" algn="l">
+            <a:pPr marL="342900" lvl="0" indent="-349250" algn="l" rtl="0">
               <a:spcBef>
                 <a:spcPts val="1000"/>
               </a:spcBef>
@@ -10897,7 +11456,7 @@
             <a:endParaRPr sz="1700"/>
           </a:p>
           <a:p>
-            <a:pPr indent="-412750" lvl="1" marL="1219200" rtl="0" algn="l">
+            <a:pPr marL="1219200" lvl="1" indent="-412750" algn="l" rtl="0">
               <a:spcBef>
                 <a:spcPts val="1000"/>
               </a:spcBef>
@@ -10914,7 +11473,7 @@
             <a:endParaRPr sz="1700"/>
           </a:p>
           <a:p>
-            <a:pPr indent="-412750" lvl="1" marL="1219200" rtl="0" algn="l">
+            <a:pPr marL="1219200" lvl="1" indent="-412750" algn="l" rtl="0">
               <a:spcBef>
                 <a:spcPts val="1000"/>
               </a:spcBef>
@@ -10931,7 +11490,7 @@
             <a:endParaRPr sz="1700"/>
           </a:p>
           <a:p>
-            <a:pPr indent="-412750" lvl="1" marL="1219200" rtl="0" algn="l">
+            <a:pPr marL="1219200" lvl="1" indent="-412750" algn="l" rtl="0">
               <a:spcBef>
                 <a:spcPts val="1000"/>
               </a:spcBef>
@@ -10948,7 +11507,7 @@
             <a:endParaRPr sz="1700"/>
           </a:p>
           <a:p>
-            <a:pPr indent="-412750" lvl="1" marL="1219200" rtl="0" algn="l">
+            <a:pPr marL="1219200" lvl="1" indent="-412750" algn="l" rtl="0">
               <a:spcBef>
                 <a:spcPts val="1000"/>
               </a:spcBef>
@@ -10965,7 +11524,7 @@
             <a:endParaRPr sz="1700"/>
           </a:p>
           <a:p>
-            <a:pPr indent="-349250" lvl="0" marL="342900" rtl="0" algn="l">
+            <a:pPr marL="342900" lvl="0" indent="-349250" algn="l" rtl="0">
               <a:spcBef>
                 <a:spcPts val="1000"/>
               </a:spcBef>
@@ -10977,16 +11536,12 @@
             </a:pPr>
             <a:r>
               <a:rPr lang="en-US" sz="1700"/>
-              <a:t>Feature </a:t>
-            </a:r>
-            <a:r>
-              <a:rPr lang="en-US" sz="1700"/>
-              <a:t>engineering</a:t>
+              <a:t>Feature engineering</a:t>
             </a:r>
             <a:endParaRPr sz="1700"/>
           </a:p>
           <a:p>
-            <a:pPr indent="-412750" lvl="1" marL="1219200" rtl="0" algn="l">
+            <a:pPr marL="1219200" lvl="1" indent="-412750" algn="l" rtl="0">
               <a:spcBef>
                 <a:spcPts val="1000"/>
               </a:spcBef>
@@ -11003,7 +11558,7 @@
             <a:endParaRPr sz="1700"/>
           </a:p>
           <a:p>
-            <a:pPr indent="-412750" lvl="1" marL="1219200" rtl="0" algn="l">
+            <a:pPr marL="1219200" lvl="1" indent="-412750" algn="l" rtl="0">
               <a:spcBef>
                 <a:spcPts val="1000"/>
               </a:spcBef>
@@ -11015,15 +11570,7 @@
             </a:pPr>
             <a:r>
               <a:rPr lang="en-US" sz="1700"/>
-              <a:t>Creation of price categories for classification </a:t>
-            </a:r>
-            <a:r>
-              <a:rPr lang="en-US" sz="1700"/>
-              <a:t>(low, medium, high)</a:t>
-            </a:r>
-            <a:r>
-              <a:rPr lang="en-US" sz="1700"/>
-              <a:t>.</a:t>
+              <a:t>Creation of price categories for classification (low, medium, high).</a:t>
             </a:r>
             <a:endParaRPr sz="1700"/>
           </a:p>
@@ -11034,15 +11581,18 @@
   <p:clrMapOvr>
     <a:masterClrMapping/>
   </p:clrMapOvr>
+  <p:transition spd="med">
+    <p:pull/>
+  </p:transition>
 </p:sld>
 </file>
 
 <file path=ppt/slides/slide7.xml><?xml version="1.0" encoding="utf-8"?>
-<p:sld xmlns:a="http://schemas.openxmlformats.org/drawingml/2006/main" xmlns:r="http://schemas.openxmlformats.org/officeDocument/2006/relationships" xmlns:mc="http://schemas.openxmlformats.org/markup-compatibility/2006" xmlns:mv="urn:schemas-microsoft-com:mac:vml" xmlns:p="http://schemas.openxmlformats.org/presentationml/2006/main" xmlns:c="http://schemas.openxmlformats.org/drawingml/2006/chart" xmlns:dgm="http://schemas.openxmlformats.org/drawingml/2006/diagram" xmlns:o="urn:schemas-microsoft-com:office:office" xmlns:v="urn:schemas-microsoft-com:vml" xmlns:pvml="urn:schemas-microsoft-com:office:powerpoint" xmlns:com="http://schemas.openxmlformats.org/drawingml/2006/compatibility" xmlns:p14="http://schemas.microsoft.com/office/powerpoint/2010/main" xmlns:p15="http://schemas.microsoft.com/office/powerpoint/2012/main" xmlns:ahyp="http://schemas.microsoft.com/office/drawing/2018/hyperlinkcolor">
+<p:sld xmlns:a="http://schemas.openxmlformats.org/drawingml/2006/main" xmlns:r="http://schemas.openxmlformats.org/officeDocument/2006/relationships" xmlns:p="http://schemas.openxmlformats.org/presentationml/2006/main">
   <p:cSld>
     <p:spTree>
       <p:nvGrpSpPr>
-        <p:cNvPr id="97" name="Shape 97"/>
+        <p:cNvPr id="1" name="Shape 97"/>
         <p:cNvGrpSpPr/>
         <p:nvPr/>
       </p:nvGrpSpPr>
@@ -11057,7 +11607,9 @@
       <p:sp>
         <p:nvSpPr>
           <p:cNvPr id="98" name="Google Shape;98;g313f73036cb_0_166"/>
-          <p:cNvSpPr txBox="1"/>
+          <p:cNvSpPr txBox="1">
+            <a:spLocks noGrp="1"/>
+          </p:cNvSpPr>
           <p:nvPr>
             <p:ph type="title"/>
           </p:nvPr>
@@ -11072,12 +11624,12 @@
           </a:prstGeom>
         </p:spPr>
         <p:txBody>
-          <a:bodyPr anchorCtr="0" anchor="t" bIns="121900" lIns="121900" spcFirstLastPara="1" rIns="121900" wrap="square" tIns="121900">
+          <a:bodyPr spcFirstLastPara="1" wrap="square" lIns="121900" tIns="121900" rIns="121900" bIns="121900" anchor="t" anchorCtr="0">
             <a:normAutofit fontScale="90000"/>
           </a:bodyPr>
           <a:lstStyle/>
           <a:p>
-            <a:pPr indent="0" lvl="0" marL="0" rtl="0" algn="l">
+            <a:pPr marL="0" lvl="0" indent="0" algn="l" rtl="0">
               <a:spcBef>
                 <a:spcPts val="0"/>
               </a:spcBef>
@@ -11088,11 +11640,7 @@
             </a:pPr>
             <a:r>
               <a:rPr lang="en-US"/>
-              <a:t>Model Selection I: </a:t>
-            </a:r>
-            <a:r>
-              <a:rPr lang="en-US"/>
-              <a:t>Decision Tree Classifier</a:t>
+              <a:t>Model Selection I: Decision Tree Classifier</a:t>
             </a:r>
             <a:endParaRPr/>
           </a:p>
@@ -11101,9 +11649,11 @@
       <p:sp>
         <p:nvSpPr>
           <p:cNvPr id="99" name="Google Shape;99;g313f73036cb_0_166"/>
-          <p:cNvSpPr txBox="1"/>
+          <p:cNvSpPr txBox="1">
+            <a:spLocks noGrp="1"/>
+          </p:cNvSpPr>
           <p:nvPr>
-            <p:ph idx="1" type="body"/>
+            <p:ph type="body" idx="1"/>
           </p:nvPr>
         </p:nvSpPr>
         <p:spPr>
@@ -11116,12 +11666,12 @@
           </a:prstGeom>
         </p:spPr>
         <p:txBody>
-          <a:bodyPr anchorCtr="0" anchor="t" bIns="121900" lIns="121900" spcFirstLastPara="1" rIns="121900" wrap="square" tIns="121900">
-            <a:normAutofit lnSpcReduction="20000"/>
+          <a:bodyPr spcFirstLastPara="1" wrap="square" lIns="121900" tIns="121900" rIns="121900" bIns="121900" anchor="t" anchorCtr="0">
+            <a:normAutofit fontScale="92500"/>
           </a:bodyPr>
           <a:lstStyle/>
           <a:p>
-            <a:pPr indent="-381000" lvl="0" marL="457200" rtl="0" algn="l">
+            <a:pPr marL="457200" lvl="0" indent="-381000" algn="l" rtl="0">
               <a:spcBef>
                 <a:spcPts val="0"/>
               </a:spcBef>
@@ -11138,7 +11688,7 @@
             <a:endParaRPr/>
           </a:p>
           <a:p>
-            <a:pPr indent="-381000" lvl="0" marL="457200" rtl="0" algn="l">
+            <a:pPr marL="457200" lvl="0" indent="-381000" algn="l" rtl="0">
               <a:spcBef>
                 <a:spcPts val="1000"/>
               </a:spcBef>
@@ -11155,7 +11705,7 @@
             <a:endParaRPr/>
           </a:p>
           <a:p>
-            <a:pPr indent="-381000" lvl="0" marL="457200" rtl="0" algn="l">
+            <a:pPr marL="457200" lvl="0" indent="-381000" algn="l" rtl="0">
               <a:spcBef>
                 <a:spcPts val="1000"/>
               </a:spcBef>
@@ -11172,7 +11722,7 @@
             <a:endParaRPr/>
           </a:p>
           <a:p>
-            <a:pPr indent="-381000" lvl="0" marL="457200" rtl="0" algn="l">
+            <a:pPr marL="457200" lvl="0" indent="-381000" algn="l" rtl="0">
               <a:spcBef>
                 <a:spcPts val="1000"/>
               </a:spcBef>
@@ -11189,7 +11739,7 @@
             <a:endParaRPr/>
           </a:p>
           <a:p>
-            <a:pPr indent="-381000" lvl="0" marL="457200" rtl="0" algn="l">
+            <a:pPr marL="457200" lvl="0" indent="-381000" algn="l" rtl="0">
               <a:spcBef>
                 <a:spcPts val="1000"/>
               </a:spcBef>
@@ -11206,7 +11756,7 @@
             <a:endParaRPr/>
           </a:p>
           <a:p>
-            <a:pPr indent="-381000" lvl="0" marL="457200" rtl="0" algn="l">
+            <a:pPr marL="457200" lvl="0" indent="-381000" algn="l" rtl="0">
               <a:spcBef>
                 <a:spcPts val="1000"/>
               </a:spcBef>
@@ -11223,7 +11773,7 @@
             <a:endParaRPr/>
           </a:p>
           <a:p>
-            <a:pPr indent="0" lvl="0" marL="0" rtl="0" algn="l">
+            <a:pPr marL="0" lvl="0" indent="0" algn="l" rtl="0">
               <a:spcBef>
                 <a:spcPts val="1000"/>
               </a:spcBef>
@@ -11232,13 +11782,10 @@
               </a:spcAft>
               <a:buNone/>
             </a:pPr>
-            <a:r>
-              <a:t/>
-            </a:r>
             <a:endParaRPr/>
           </a:p>
           <a:p>
-            <a:pPr indent="0" lvl="0" marL="0" rtl="0" algn="l">
+            <a:pPr marL="0" lvl="0" indent="0" algn="l" rtl="0">
               <a:spcBef>
                 <a:spcPts val="1000"/>
               </a:spcBef>
@@ -11260,15 +11807,18 @@
   <p:clrMapOvr>
     <a:masterClrMapping/>
   </p:clrMapOvr>
+  <p:transition spd="med">
+    <p:pull/>
+  </p:transition>
 </p:sld>
 </file>
 
 <file path=ppt/slides/slide8.xml><?xml version="1.0" encoding="utf-8"?>
-<p:sld xmlns:a="http://schemas.openxmlformats.org/drawingml/2006/main" xmlns:r="http://schemas.openxmlformats.org/officeDocument/2006/relationships" xmlns:mc="http://schemas.openxmlformats.org/markup-compatibility/2006" xmlns:mv="urn:schemas-microsoft-com:mac:vml" xmlns:p="http://schemas.openxmlformats.org/presentationml/2006/main" xmlns:c="http://schemas.openxmlformats.org/drawingml/2006/chart" xmlns:dgm="http://schemas.openxmlformats.org/drawingml/2006/diagram" xmlns:o="urn:schemas-microsoft-com:office:office" xmlns:v="urn:schemas-microsoft-com:vml" xmlns:pvml="urn:schemas-microsoft-com:office:powerpoint" xmlns:com="http://schemas.openxmlformats.org/drawingml/2006/compatibility" xmlns:p14="http://schemas.microsoft.com/office/powerpoint/2010/main" xmlns:p15="http://schemas.microsoft.com/office/powerpoint/2012/main" xmlns:ahyp="http://schemas.microsoft.com/office/drawing/2018/hyperlinkcolor">
+<p:sld xmlns:a="http://schemas.openxmlformats.org/drawingml/2006/main" xmlns:r="http://schemas.openxmlformats.org/officeDocument/2006/relationships" xmlns:p="http://schemas.openxmlformats.org/presentationml/2006/main">
   <p:cSld>
     <p:spTree>
       <p:nvGrpSpPr>
-        <p:cNvPr id="103" name="Shape 103"/>
+        <p:cNvPr id="1" name="Shape 103"/>
         <p:cNvGrpSpPr/>
         <p:nvPr/>
       </p:nvGrpSpPr>
@@ -11283,7 +11833,9 @@
       <p:sp>
         <p:nvSpPr>
           <p:cNvPr id="104" name="Google Shape;104;g313f73036cb_0_183"/>
-          <p:cNvSpPr txBox="1"/>
+          <p:cNvSpPr txBox="1">
+            <a:spLocks noGrp="1"/>
+          </p:cNvSpPr>
           <p:nvPr>
             <p:ph type="title"/>
           </p:nvPr>
@@ -11298,12 +11850,12 @@
           </a:prstGeom>
         </p:spPr>
         <p:txBody>
-          <a:bodyPr anchorCtr="0" anchor="t" bIns="121900" lIns="121900" spcFirstLastPara="1" rIns="121900" wrap="square" tIns="121900">
+          <a:bodyPr spcFirstLastPara="1" wrap="square" lIns="121900" tIns="121900" rIns="121900" bIns="121900" anchor="t" anchorCtr="0">
             <a:normAutofit fontScale="90000"/>
           </a:bodyPr>
           <a:lstStyle/>
           <a:p>
-            <a:pPr indent="0" lvl="0" marL="0" rtl="0" algn="l">
+            <a:pPr marL="0" lvl="0" indent="0" algn="l" rtl="0">
               <a:spcBef>
                 <a:spcPts val="0"/>
               </a:spcBef>
@@ -11314,15 +11866,7 @@
             </a:pPr>
             <a:r>
               <a:rPr lang="en-US"/>
-              <a:t>Model Selection II: </a:t>
-            </a:r>
-            <a:r>
-              <a:rPr lang="en-US"/>
-              <a:t>Random Forests</a:t>
-            </a:r>
-            <a:r>
-              <a:rPr lang="en-US"/>
-              <a:t> Classifier</a:t>
+              <a:t>Model Selection II: Random Forests Classifier</a:t>
             </a:r>
             <a:endParaRPr/>
           </a:p>
@@ -11331,9 +11875,11 @@
       <p:sp>
         <p:nvSpPr>
           <p:cNvPr id="105" name="Google Shape;105;g313f73036cb_0_183"/>
-          <p:cNvSpPr txBox="1"/>
+          <p:cNvSpPr txBox="1">
+            <a:spLocks noGrp="1"/>
+          </p:cNvSpPr>
           <p:nvPr>
-            <p:ph idx="1" type="body"/>
+            <p:ph type="body" idx="1"/>
           </p:nvPr>
         </p:nvSpPr>
         <p:spPr>
@@ -11346,12 +11892,12 @@
           </a:prstGeom>
         </p:spPr>
         <p:txBody>
-          <a:bodyPr anchorCtr="0" anchor="t" bIns="121900" lIns="121900" spcFirstLastPara="1" rIns="121900" wrap="square" tIns="121900">
-            <a:normAutofit/>
+          <a:bodyPr spcFirstLastPara="1" wrap="square" lIns="121900" tIns="121900" rIns="121900" bIns="121900" anchor="t" anchorCtr="0">
+            <a:normAutofit lnSpcReduction="10000"/>
           </a:bodyPr>
           <a:lstStyle/>
           <a:p>
-            <a:pPr indent="-381000" lvl="0" marL="457200" rtl="0" algn="l">
+            <a:pPr marL="457200" lvl="0" indent="-381000" algn="l" rtl="0">
               <a:spcBef>
                 <a:spcPts val="0"/>
               </a:spcBef>
@@ -11368,7 +11914,7 @@
             <a:endParaRPr/>
           </a:p>
           <a:p>
-            <a:pPr indent="-381000" lvl="0" marL="457200" rtl="0" algn="l">
+            <a:pPr marL="457200" lvl="0" indent="-381000" algn="l" rtl="0">
               <a:spcBef>
                 <a:spcPts val="1000"/>
               </a:spcBef>
@@ -11380,16 +11926,29 @@
             </a:pPr>
             <a:r>
               <a:rPr lang="en-US"/>
-              <a:t>Typically</a:t>
+              <a:t>Typically has better accuracy on test data</a:t>
             </a:r>
+            <a:endParaRPr/>
+          </a:p>
+          <a:p>
+            <a:pPr marL="457200" lvl="0" indent="-381000" algn="l" rtl="0">
+              <a:spcBef>
+                <a:spcPts val="1000"/>
+              </a:spcBef>
+              <a:spcAft>
+                <a:spcPts val="0"/>
+              </a:spcAft>
+              <a:buSzPts val="2400"/>
+              <a:buChar char="●"/>
+            </a:pPr>
             <a:r>
               <a:rPr lang="en-US"/>
-              <a:t> has better accuracy on test data</a:t>
+              <a:t>Suited for capturing complex, non-linear patterns</a:t>
             </a:r>
             <a:endParaRPr/>
           </a:p>
           <a:p>
-            <a:pPr indent="-381000" lvl="0" marL="457200" rtl="0" algn="l">
+            <a:pPr marL="457200" lvl="0" indent="-381000" algn="l" rtl="0">
               <a:spcBef>
                 <a:spcPts val="1000"/>
               </a:spcBef>
@@ -11401,58 +11960,29 @@
             </a:pPr>
             <a:r>
               <a:rPr lang="en-US"/>
-              <a:t>S</a:t>
+              <a:t>Resilient to noisy or irrelevant features</a:t>
             </a:r>
+            <a:endParaRPr/>
+          </a:p>
+          <a:p>
+            <a:pPr marL="457200" lvl="0" indent="-381000" algn="l" rtl="0">
+              <a:spcBef>
+                <a:spcPts val="1000"/>
+              </a:spcBef>
+              <a:spcAft>
+                <a:spcPts val="0"/>
+              </a:spcAft>
+              <a:buSzPts val="2400"/>
+              <a:buChar char="●"/>
+            </a:pPr>
             <a:r>
               <a:rPr lang="en-US"/>
-              <a:t>uited for capturing complex, non-linear patterns</a:t>
+              <a:t>Faster and more resource-efficient for larger datasets</a:t>
             </a:r>
             <a:endParaRPr/>
           </a:p>
           <a:p>
-            <a:pPr indent="-381000" lvl="0" marL="457200" rtl="0" algn="l">
-              <a:spcBef>
-                <a:spcPts val="1000"/>
-              </a:spcBef>
-              <a:spcAft>
-                <a:spcPts val="0"/>
-              </a:spcAft>
-              <a:buSzPts val="2400"/>
-              <a:buChar char="●"/>
-            </a:pPr>
-            <a:r>
-              <a:rPr lang="en-US"/>
-              <a:t>R</a:t>
-            </a:r>
-            <a:r>
-              <a:rPr lang="en-US"/>
-              <a:t>esilient to noisy or irrelevant features</a:t>
-            </a:r>
-            <a:endParaRPr/>
-          </a:p>
-          <a:p>
-            <a:pPr indent="-381000" lvl="0" marL="457200" rtl="0" algn="l">
-              <a:spcBef>
-                <a:spcPts val="1000"/>
-              </a:spcBef>
-              <a:spcAft>
-                <a:spcPts val="0"/>
-              </a:spcAft>
-              <a:buSzPts val="2400"/>
-              <a:buChar char="●"/>
-            </a:pPr>
-            <a:r>
-              <a:rPr lang="en-US"/>
-              <a:t>F</a:t>
-            </a:r>
-            <a:r>
-              <a:rPr lang="en-US"/>
-              <a:t>aster and more resource-efficient for larger datasets</a:t>
-            </a:r>
-            <a:endParaRPr/>
-          </a:p>
-          <a:p>
-            <a:pPr indent="-381000" lvl="0" marL="457200" rtl="0" algn="l">
+            <a:pPr marL="457200" lvl="0" indent="-381000" algn="l" rtl="0">
               <a:spcBef>
                 <a:spcPts val="1000"/>
               </a:spcBef>
@@ -11469,7 +11999,7 @@
             <a:endParaRPr/>
           </a:p>
           <a:p>
-            <a:pPr indent="0" lvl="0" marL="0" rtl="0" algn="l">
+            <a:pPr marL="0" lvl="0" indent="0" algn="l" rtl="0">
               <a:spcBef>
                 <a:spcPts val="1000"/>
               </a:spcBef>
@@ -11478,13 +12008,10 @@
               </a:spcAft>
               <a:buNone/>
             </a:pPr>
-            <a:r>
-              <a:t/>
-            </a:r>
             <a:endParaRPr/>
           </a:p>
           <a:p>
-            <a:pPr indent="0" lvl="0" marL="0" rtl="0" algn="l">
+            <a:pPr marL="0" lvl="0" indent="0" algn="l" rtl="0">
               <a:spcBef>
                 <a:spcPts val="1000"/>
               </a:spcBef>
@@ -11495,11 +12022,7 @@
             </a:pPr>
             <a:r>
               <a:rPr lang="en-US"/>
-              <a:t> But requires </a:t>
-            </a:r>
-            <a:r>
-              <a:rPr lang="en-US"/>
-              <a:t>more computational resources</a:t>
+              <a:t> But requires more computational resources</a:t>
             </a:r>
             <a:endParaRPr/>
           </a:p>
@@ -11510,15 +12033,18 @@
   <p:clrMapOvr>
     <a:masterClrMapping/>
   </p:clrMapOvr>
+  <p:transition spd="med">
+    <p:pull/>
+  </p:transition>
 </p:sld>
 </file>
 
 <file path=ppt/slides/slide9.xml><?xml version="1.0" encoding="utf-8"?>
-<p:sld xmlns:a="http://schemas.openxmlformats.org/drawingml/2006/main" xmlns:r="http://schemas.openxmlformats.org/officeDocument/2006/relationships" xmlns:mc="http://schemas.openxmlformats.org/markup-compatibility/2006" xmlns:mv="urn:schemas-microsoft-com:mac:vml" xmlns:p="http://schemas.openxmlformats.org/presentationml/2006/main" xmlns:c="http://schemas.openxmlformats.org/drawingml/2006/chart" xmlns:dgm="http://schemas.openxmlformats.org/drawingml/2006/diagram" xmlns:o="urn:schemas-microsoft-com:office:office" xmlns:v="urn:schemas-microsoft-com:vml" xmlns:pvml="urn:schemas-microsoft-com:office:powerpoint" xmlns:com="http://schemas.openxmlformats.org/drawingml/2006/compatibility" xmlns:p14="http://schemas.microsoft.com/office/powerpoint/2010/main" xmlns:p15="http://schemas.microsoft.com/office/powerpoint/2012/main" xmlns:ahyp="http://schemas.microsoft.com/office/drawing/2018/hyperlinkcolor">
+<p:sld xmlns:a="http://schemas.openxmlformats.org/drawingml/2006/main" xmlns:r="http://schemas.openxmlformats.org/officeDocument/2006/relationships" xmlns:p="http://schemas.openxmlformats.org/presentationml/2006/main">
   <p:cSld>
     <p:spTree>
       <p:nvGrpSpPr>
-        <p:cNvPr id="109" name="Shape 109"/>
+        <p:cNvPr id="1" name="Shape 109"/>
         <p:cNvGrpSpPr/>
         <p:nvPr/>
       </p:nvGrpSpPr>
@@ -11533,7 +12059,9 @@
       <p:sp>
         <p:nvSpPr>
           <p:cNvPr id="110" name="Google Shape;110;g313f73036cb_0_201"/>
-          <p:cNvSpPr txBox="1"/>
+          <p:cNvSpPr txBox="1">
+            <a:spLocks noGrp="1"/>
+          </p:cNvSpPr>
           <p:nvPr>
             <p:ph type="title"/>
           </p:nvPr>
@@ -11548,12 +12076,12 @@
           </a:prstGeom>
         </p:spPr>
         <p:txBody>
-          <a:bodyPr anchorCtr="0" anchor="t" bIns="121900" lIns="121900" spcFirstLastPara="1" rIns="121900" wrap="square" tIns="121900">
+          <a:bodyPr spcFirstLastPara="1" wrap="square" lIns="121900" tIns="121900" rIns="121900" bIns="121900" anchor="t" anchorCtr="0">
             <a:normAutofit fontScale="90000"/>
           </a:bodyPr>
           <a:lstStyle/>
           <a:p>
-            <a:pPr indent="0" lvl="0" marL="0" rtl="0" algn="l">
+            <a:pPr marL="0" lvl="0" indent="0" algn="l" rtl="0">
               <a:spcBef>
                 <a:spcPts val="0"/>
               </a:spcBef>
@@ -11581,9 +12109,11 @@
       <p:sp>
         <p:nvSpPr>
           <p:cNvPr id="111" name="Google Shape;111;g313f73036cb_0_201"/>
-          <p:cNvSpPr txBox="1"/>
+          <p:cNvSpPr txBox="1">
+            <a:spLocks noGrp="1"/>
+          </p:cNvSpPr>
           <p:nvPr>
-            <p:ph idx="1" type="body"/>
+            <p:ph type="body" idx="1"/>
           </p:nvPr>
         </p:nvSpPr>
         <p:spPr>
@@ -11596,12 +12126,12 @@
           </a:prstGeom>
         </p:spPr>
         <p:txBody>
-          <a:bodyPr anchorCtr="0" anchor="t" bIns="121900" lIns="121900" spcFirstLastPara="1" rIns="121900" wrap="square" tIns="121900">
-            <a:normAutofit lnSpcReduction="10000"/>
+          <a:bodyPr spcFirstLastPara="1" wrap="square" lIns="121900" tIns="121900" rIns="121900" bIns="121900" anchor="t" anchorCtr="0">
+            <a:normAutofit/>
           </a:bodyPr>
           <a:lstStyle/>
           <a:p>
-            <a:pPr indent="-381000" lvl="0" marL="457200" rtl="0" algn="l">
+            <a:pPr marL="457200" lvl="0" indent="-381000" algn="l" rtl="0">
               <a:lnSpc>
                 <a:spcPct val="115000"/>
               </a:lnSpc>
@@ -11629,7 +12159,7 @@
             </a:endParaRPr>
           </a:p>
           <a:p>
-            <a:pPr indent="-381000" lvl="0" marL="457200" rtl="0" algn="l">
+            <a:pPr marL="457200" lvl="0" indent="-381000" algn="l" rtl="0">
               <a:lnSpc>
                 <a:spcPct val="115000"/>
               </a:lnSpc>
@@ -11657,7 +12187,7 @@
             </a:endParaRPr>
           </a:p>
           <a:p>
-            <a:pPr indent="-381000" lvl="0" marL="457200" rtl="0" algn="l">
+            <a:pPr marL="457200" lvl="0" indent="-381000" algn="l" rtl="0">
               <a:lnSpc>
                 <a:spcPct val="115000"/>
               </a:lnSpc>
@@ -11685,7 +12215,7 @@
             </a:endParaRPr>
           </a:p>
           <a:p>
-            <a:pPr indent="-381000" lvl="0" marL="457200" rtl="0" algn="l">
+            <a:pPr marL="457200" lvl="0" indent="-381000" algn="l" rtl="0">
               <a:lnSpc>
                 <a:spcPct val="115000"/>
               </a:lnSpc>
@@ -11713,7 +12243,7 @@
             </a:endParaRPr>
           </a:p>
           <a:p>
-            <a:pPr indent="-381000" lvl="0" marL="457200" rtl="0" algn="l">
+            <a:pPr marL="457200" lvl="0" indent="-381000" algn="l" rtl="0">
               <a:lnSpc>
                 <a:spcPct val="115000"/>
               </a:lnSpc>
@@ -11741,7 +12271,7 @@
             </a:endParaRPr>
           </a:p>
           <a:p>
-            <a:pPr indent="-381000" lvl="0" marL="457200" rtl="0" algn="l">
+            <a:pPr marL="457200" lvl="0" indent="-381000" algn="l" rtl="0">
               <a:lnSpc>
                 <a:spcPct val="115000"/>
               </a:lnSpc>
@@ -11769,7 +12299,7 @@
             </a:endParaRPr>
           </a:p>
           <a:p>
-            <a:pPr indent="0" lvl="0" marL="0" rtl="0" algn="l">
+            <a:pPr marL="0" lvl="0" indent="0" algn="l" rtl="0">
               <a:lnSpc>
                 <a:spcPct val="115000"/>
               </a:lnSpc>
@@ -11781,9 +12311,6 @@
               </a:spcAft>
               <a:buNone/>
             </a:pPr>
-            <a:r>
-              <a:t/>
-            </a:r>
             <a:endParaRPr>
               <a:solidFill>
                 <a:srgbClr val="CACACA"/>
@@ -11795,7 +12322,7 @@
             </a:endParaRPr>
           </a:p>
           <a:p>
-            <a:pPr indent="0" lvl="0" marL="0" rtl="0" algn="l">
+            <a:pPr marL="0" lvl="0" indent="0" algn="l" rtl="0">
               <a:lnSpc>
                 <a:spcPct val="115000"/>
               </a:lnSpc>
@@ -11822,7 +12349,7 @@
             </a:endParaRPr>
           </a:p>
           <a:p>
-            <a:pPr indent="0" lvl="0" marL="0" rtl="0" algn="l">
+            <a:pPr marL="0" lvl="0" indent="0" algn="l" rtl="0">
               <a:spcBef>
                 <a:spcPts val="0"/>
               </a:spcBef>
@@ -11831,9 +12358,6 @@
               </a:spcAft>
               <a:buNone/>
             </a:pPr>
-            <a:r>
-              <a:t/>
-            </a:r>
             <a:endParaRPr/>
           </a:p>
         </p:txBody>
@@ -11843,11 +12367,295 @@
   <p:clrMapOvr>
     <a:masterClrMapping/>
   </p:clrMapOvr>
+  <p:transition spd="med">
+    <p:pull/>
+  </p:transition>
 </p:sld>
 </file>
 
 <file path=ppt/theme/theme1.xml><?xml version="1.0" encoding="utf-8"?>
-<a:theme xmlns:a="http://schemas.openxmlformats.org/drawingml/2006/main" xmlns:r="http://schemas.openxmlformats.org/officeDocument/2006/relationships">
+<a:theme xmlns:a="http://schemas.openxmlformats.org/drawingml/2006/main" name="Slate">
+  <a:themeElements>
+    <a:clrScheme name="Slate">
+      <a:dk1>
+        <a:srgbClr val="FFFFFF"/>
+      </a:dk1>
+      <a:lt1>
+        <a:srgbClr val="37474F"/>
+      </a:lt1>
+      <a:dk2>
+        <a:srgbClr val="9E9E9E"/>
+      </a:dk2>
+      <a:lt2>
+        <a:srgbClr val="E0E0E0"/>
+      </a:lt2>
+      <a:accent1>
+        <a:srgbClr val="616161"/>
+      </a:accent1>
+      <a:accent2>
+        <a:srgbClr val="78909C"/>
+      </a:accent2>
+      <a:accent3>
+        <a:srgbClr val="CACACA"/>
+      </a:accent3>
+      <a:accent4>
+        <a:srgbClr val="64FFDA"/>
+      </a:accent4>
+      <a:accent5>
+        <a:srgbClr val="FFD966"/>
+      </a:accent5>
+      <a:accent6>
+        <a:srgbClr val="F5F5F5"/>
+      </a:accent6>
+      <a:hlink>
+        <a:srgbClr val="FFD966"/>
+      </a:hlink>
+      <a:folHlink>
+        <a:srgbClr val="FFD966"/>
+      </a:folHlink>
+    </a:clrScheme>
+    <a:fontScheme name="Office">
+      <a:majorFont>
+        <a:latin typeface="Arial"/>
+        <a:ea typeface=""/>
+        <a:cs typeface=""/>
+        <a:font script="Jpan" typeface="ＭＳ Ｐゴシック"/>
+        <a:font script="Hang" typeface="맑은 고딕"/>
+        <a:font script="Hans" typeface="宋体"/>
+        <a:font script="Hant" typeface="新細明體"/>
+        <a:font script="Arab" typeface="Times New Roman"/>
+        <a:font script="Hebr" typeface="Times New Roman"/>
+        <a:font script="Thai" typeface="Angsana New"/>
+        <a:font script="Ethi" typeface="Nyala"/>
+        <a:font script="Beng" typeface="Vrinda"/>
+        <a:font script="Gujr" typeface="Shruti"/>
+        <a:font script="Khmr" typeface="MoolBoran"/>
+        <a:font script="Knda" typeface="Tunga"/>
+        <a:font script="Guru" typeface="Raavi"/>
+        <a:font script="Cans" typeface="Euphemia"/>
+        <a:font script="Cher" typeface="Plantagenet Cherokee"/>
+        <a:font script="Yiii" typeface="Microsoft Yi Baiti"/>
+        <a:font script="Tibt" typeface="Microsoft Himalaya"/>
+        <a:font script="Thaa" typeface="MV Boli"/>
+        <a:font script="Deva" typeface="Mangal"/>
+        <a:font script="Telu" typeface="Gautami"/>
+        <a:font script="Taml" typeface="Latha"/>
+        <a:font script="Syrc" typeface="Estrangelo Edessa"/>
+        <a:font script="Orya" typeface="Kalinga"/>
+        <a:font script="Mlym" typeface="Kartika"/>
+        <a:font script="Laoo" typeface="DokChampa"/>
+        <a:font script="Sinh" typeface="Iskoola Pota"/>
+        <a:font script="Mong" typeface="Mongolian Baiti"/>
+        <a:font script="Viet" typeface="Times New Roman"/>
+        <a:font script="Uigh" typeface="Microsoft Uighur"/>
+        <a:font script="Geor" typeface="Sylfaen"/>
+      </a:majorFont>
+      <a:minorFont>
+        <a:latin typeface="Arial"/>
+        <a:ea typeface=""/>
+        <a:cs typeface=""/>
+        <a:font script="Jpan" typeface="ＭＳ Ｐゴシック"/>
+        <a:font script="Hang" typeface="맑은 고딕"/>
+        <a:font script="Hans" typeface="宋体"/>
+        <a:font script="Hant" typeface="新細明體"/>
+        <a:font script="Arab" typeface="Arial"/>
+        <a:font script="Hebr" typeface="Arial"/>
+        <a:font script="Thai" typeface="Cordia New"/>
+        <a:font script="Ethi" typeface="Nyala"/>
+        <a:font script="Beng" typeface="Vrinda"/>
+        <a:font script="Gujr" typeface="Shruti"/>
+        <a:font script="Khmr" typeface="DaunPenh"/>
+        <a:font script="Knda" typeface="Tunga"/>
+        <a:font script="Guru" typeface="Raavi"/>
+        <a:font script="Cans" typeface="Euphemia"/>
+        <a:font script="Cher" typeface="Plantagenet Cherokee"/>
+        <a:font script="Yiii" typeface="Microsoft Yi Baiti"/>
+        <a:font script="Tibt" typeface="Microsoft Himalaya"/>
+        <a:font script="Thaa" typeface="MV Boli"/>
+        <a:font script="Deva" typeface="Mangal"/>
+        <a:font script="Telu" typeface="Gautami"/>
+        <a:font script="Taml" typeface="Latha"/>
+        <a:font script="Syrc" typeface="Estrangelo Edessa"/>
+        <a:font script="Orya" typeface="Kalinga"/>
+        <a:font script="Mlym" typeface="Kartika"/>
+        <a:font script="Laoo" typeface="DokChampa"/>
+        <a:font script="Sinh" typeface="Iskoola Pota"/>
+        <a:font script="Mong" typeface="Mongolian Baiti"/>
+        <a:font script="Viet" typeface="Arial"/>
+        <a:font script="Uigh" typeface="Microsoft Uighur"/>
+        <a:font script="Geor" typeface="Sylfaen"/>
+      </a:minorFont>
+    </a:fontScheme>
+    <a:fmtScheme name="Office">
+      <a:fillStyleLst>
+        <a:solidFill>
+          <a:schemeClr val="phClr"/>
+        </a:solidFill>
+        <a:gradFill rotWithShape="1">
+          <a:gsLst>
+            <a:gs pos="0">
+              <a:schemeClr val="phClr">
+                <a:tint val="50000"/>
+                <a:satMod val="300000"/>
+              </a:schemeClr>
+            </a:gs>
+            <a:gs pos="35000">
+              <a:schemeClr val="phClr">
+                <a:tint val="37000"/>
+                <a:satMod val="300000"/>
+              </a:schemeClr>
+            </a:gs>
+            <a:gs pos="100000">
+              <a:schemeClr val="phClr">
+                <a:tint val="15000"/>
+                <a:satMod val="350000"/>
+              </a:schemeClr>
+            </a:gs>
+          </a:gsLst>
+          <a:lin ang="16200000" scaled="1"/>
+        </a:gradFill>
+        <a:gradFill rotWithShape="1">
+          <a:gsLst>
+            <a:gs pos="0">
+              <a:schemeClr val="phClr">
+                <a:tint val="100000"/>
+                <a:shade val="100000"/>
+                <a:satMod val="130000"/>
+              </a:schemeClr>
+            </a:gs>
+            <a:gs pos="100000">
+              <a:schemeClr val="phClr">
+                <a:tint val="50000"/>
+                <a:shade val="100000"/>
+                <a:satMod val="350000"/>
+              </a:schemeClr>
+            </a:gs>
+          </a:gsLst>
+          <a:lin ang="16200000" scaled="0"/>
+        </a:gradFill>
+      </a:fillStyleLst>
+      <a:lnStyleLst>
+        <a:ln w="9525" cap="flat" cmpd="sng" algn="ctr">
+          <a:solidFill>
+            <a:schemeClr val="phClr">
+              <a:shade val="95000"/>
+              <a:satMod val="105000"/>
+            </a:schemeClr>
+          </a:solidFill>
+          <a:prstDash val="solid"/>
+        </a:ln>
+        <a:ln w="25400" cap="flat" cmpd="sng" algn="ctr">
+          <a:solidFill>
+            <a:schemeClr val="phClr"/>
+          </a:solidFill>
+          <a:prstDash val="solid"/>
+        </a:ln>
+        <a:ln w="38100" cap="flat" cmpd="sng" algn="ctr">
+          <a:solidFill>
+            <a:schemeClr val="phClr"/>
+          </a:solidFill>
+          <a:prstDash val="solid"/>
+        </a:ln>
+      </a:lnStyleLst>
+      <a:effectStyleLst>
+        <a:effectStyle>
+          <a:effectLst>
+            <a:outerShdw blurRad="40000" dist="20000" dir="5400000" rotWithShape="0">
+              <a:srgbClr val="000000">
+                <a:alpha val="38000"/>
+              </a:srgbClr>
+            </a:outerShdw>
+          </a:effectLst>
+        </a:effectStyle>
+        <a:effectStyle>
+          <a:effectLst>
+            <a:outerShdw blurRad="40000" dist="23000" dir="5400000" rotWithShape="0">
+              <a:srgbClr val="000000">
+                <a:alpha val="35000"/>
+              </a:srgbClr>
+            </a:outerShdw>
+          </a:effectLst>
+        </a:effectStyle>
+        <a:effectStyle>
+          <a:effectLst>
+            <a:outerShdw blurRad="40000" dist="23000" dir="5400000" rotWithShape="0">
+              <a:srgbClr val="000000">
+                <a:alpha val="35000"/>
+              </a:srgbClr>
+            </a:outerShdw>
+          </a:effectLst>
+          <a:scene3d>
+            <a:camera prst="orthographicFront">
+              <a:rot lat="0" lon="0" rev="0"/>
+            </a:camera>
+            <a:lightRig rig="threePt" dir="t">
+              <a:rot lat="0" lon="0" rev="1200000"/>
+            </a:lightRig>
+          </a:scene3d>
+          <a:sp3d>
+            <a:bevelT w="63500" h="25400"/>
+          </a:sp3d>
+        </a:effectStyle>
+      </a:effectStyleLst>
+      <a:bgFillStyleLst>
+        <a:solidFill>
+          <a:schemeClr val="phClr"/>
+        </a:solidFill>
+        <a:gradFill rotWithShape="1">
+          <a:gsLst>
+            <a:gs pos="0">
+              <a:schemeClr val="phClr">
+                <a:tint val="40000"/>
+                <a:satMod val="350000"/>
+              </a:schemeClr>
+            </a:gs>
+            <a:gs pos="40000">
+              <a:schemeClr val="phClr">
+                <a:tint val="45000"/>
+                <a:shade val="99000"/>
+                <a:satMod val="350000"/>
+              </a:schemeClr>
+            </a:gs>
+            <a:gs pos="100000">
+              <a:schemeClr val="phClr">
+                <a:shade val="20000"/>
+                <a:satMod val="255000"/>
+              </a:schemeClr>
+            </a:gs>
+          </a:gsLst>
+          <a:path path="circle">
+            <a:fillToRect l="50000" t="-80000" r="50000" b="180000"/>
+          </a:path>
+        </a:gradFill>
+        <a:gradFill rotWithShape="1">
+          <a:gsLst>
+            <a:gs pos="0">
+              <a:schemeClr val="phClr">
+                <a:tint val="80000"/>
+                <a:satMod val="300000"/>
+              </a:schemeClr>
+            </a:gs>
+            <a:gs pos="100000">
+              <a:schemeClr val="phClr">
+                <a:shade val="30000"/>
+                <a:satMod val="200000"/>
+              </a:schemeClr>
+            </a:gs>
+          </a:gsLst>
+          <a:path path="circle">
+            <a:fillToRect l="50000" t="50000" r="50000" b="50000"/>
+          </a:path>
+        </a:gradFill>
+      </a:bgFillStyleLst>
+    </a:fmtScheme>
+  </a:themeElements>
+  <a:objectDefaults/>
+  <a:extraClrSchemeLst/>
+</a:theme>
+</file>
+
+<file path=ppt/theme/theme2.xml><?xml version="1.0" encoding="utf-8"?>
+<a:theme xmlns:a="http://schemas.openxmlformats.org/drawingml/2006/main">
   <a:themeElements>
     <a:clrScheme name="Default">
       <a:dk1>
@@ -12122,284 +12930,7 @@
       </a:bgFillStyleLst>
     </a:fmtScheme>
   </a:themeElements>
-</a:theme>
-</file>
-
-<file path=ppt/theme/theme2.xml><?xml version="1.0" encoding="utf-8"?>
-<a:theme xmlns:a="http://schemas.openxmlformats.org/drawingml/2006/main" xmlns:r="http://schemas.openxmlformats.org/officeDocument/2006/relationships" name="Slate">
-  <a:themeElements>
-    <a:clrScheme name="Slate">
-      <a:dk1>
-        <a:srgbClr val="FFFFFF"/>
-      </a:dk1>
-      <a:lt1>
-        <a:srgbClr val="37474F"/>
-      </a:lt1>
-      <a:dk2>
-        <a:srgbClr val="9E9E9E"/>
-      </a:dk2>
-      <a:lt2>
-        <a:srgbClr val="E0E0E0"/>
-      </a:lt2>
-      <a:accent1>
-        <a:srgbClr val="616161"/>
-      </a:accent1>
-      <a:accent2>
-        <a:srgbClr val="78909C"/>
-      </a:accent2>
-      <a:accent3>
-        <a:srgbClr val="CACACA"/>
-      </a:accent3>
-      <a:accent4>
-        <a:srgbClr val="64FFDA"/>
-      </a:accent4>
-      <a:accent5>
-        <a:srgbClr val="FFD966"/>
-      </a:accent5>
-      <a:accent6>
-        <a:srgbClr val="F5F5F5"/>
-      </a:accent6>
-      <a:hlink>
-        <a:srgbClr val="FFD966"/>
-      </a:hlink>
-      <a:folHlink>
-        <a:srgbClr val="FFD966"/>
-      </a:folHlink>
-    </a:clrScheme>
-    <a:fontScheme name="Office">
-      <a:majorFont>
-        <a:latin typeface="Arial"/>
-        <a:ea typeface=""/>
-        <a:cs typeface=""/>
-        <a:font script="Jpan" typeface="ＭＳ Ｐゴシック"/>
-        <a:font script="Hang" typeface="맑은 고딕"/>
-        <a:font script="Hans" typeface="宋体"/>
-        <a:font script="Hant" typeface="新細明體"/>
-        <a:font script="Arab" typeface="Times New Roman"/>
-        <a:font script="Hebr" typeface="Times New Roman"/>
-        <a:font script="Thai" typeface="Angsana New"/>
-        <a:font script="Ethi" typeface="Nyala"/>
-        <a:font script="Beng" typeface="Vrinda"/>
-        <a:font script="Gujr" typeface="Shruti"/>
-        <a:font script="Khmr" typeface="MoolBoran"/>
-        <a:font script="Knda" typeface="Tunga"/>
-        <a:font script="Guru" typeface="Raavi"/>
-        <a:font script="Cans" typeface="Euphemia"/>
-        <a:font script="Cher" typeface="Plantagenet Cherokee"/>
-        <a:font script="Yiii" typeface="Microsoft Yi Baiti"/>
-        <a:font script="Tibt" typeface="Microsoft Himalaya"/>
-        <a:font script="Thaa" typeface="MV Boli"/>
-        <a:font script="Deva" typeface="Mangal"/>
-        <a:font script="Telu" typeface="Gautami"/>
-        <a:font script="Taml" typeface="Latha"/>
-        <a:font script="Syrc" typeface="Estrangelo Edessa"/>
-        <a:font script="Orya" typeface="Kalinga"/>
-        <a:font script="Mlym" typeface="Kartika"/>
-        <a:font script="Laoo" typeface="DokChampa"/>
-        <a:font script="Sinh" typeface="Iskoola Pota"/>
-        <a:font script="Mong" typeface="Mongolian Baiti"/>
-        <a:font script="Viet" typeface="Times New Roman"/>
-        <a:font script="Uigh" typeface="Microsoft Uighur"/>
-        <a:font script="Geor" typeface="Sylfaen"/>
-      </a:majorFont>
-      <a:minorFont>
-        <a:latin typeface="Arial"/>
-        <a:ea typeface=""/>
-        <a:cs typeface=""/>
-        <a:font script="Jpan" typeface="ＭＳ Ｐゴシック"/>
-        <a:font script="Hang" typeface="맑은 고딕"/>
-        <a:font script="Hans" typeface="宋体"/>
-        <a:font script="Hant" typeface="新細明體"/>
-        <a:font script="Arab" typeface="Arial"/>
-        <a:font script="Hebr" typeface="Arial"/>
-        <a:font script="Thai" typeface="Cordia New"/>
-        <a:font script="Ethi" typeface="Nyala"/>
-        <a:font script="Beng" typeface="Vrinda"/>
-        <a:font script="Gujr" typeface="Shruti"/>
-        <a:font script="Khmr" typeface="DaunPenh"/>
-        <a:font script="Knda" typeface="Tunga"/>
-        <a:font script="Guru" typeface="Raavi"/>
-        <a:font script="Cans" typeface="Euphemia"/>
-        <a:font script="Cher" typeface="Plantagenet Cherokee"/>
-        <a:font script="Yiii" typeface="Microsoft Yi Baiti"/>
-        <a:font script="Tibt" typeface="Microsoft Himalaya"/>
-        <a:font script="Thaa" typeface="MV Boli"/>
-        <a:font script="Deva" typeface="Mangal"/>
-        <a:font script="Telu" typeface="Gautami"/>
-        <a:font script="Taml" typeface="Latha"/>
-        <a:font script="Syrc" typeface="Estrangelo Edessa"/>
-        <a:font script="Orya" typeface="Kalinga"/>
-        <a:font script="Mlym" typeface="Kartika"/>
-        <a:font script="Laoo" typeface="DokChampa"/>
-        <a:font script="Sinh" typeface="Iskoola Pota"/>
-        <a:font script="Mong" typeface="Mongolian Baiti"/>
-        <a:font script="Viet" typeface="Arial"/>
-        <a:font script="Uigh" typeface="Microsoft Uighur"/>
-        <a:font script="Geor" typeface="Sylfaen"/>
-      </a:minorFont>
-    </a:fontScheme>
-    <a:fmtScheme name="Office">
-      <a:fillStyleLst>
-        <a:solidFill>
-          <a:schemeClr val="phClr"/>
-        </a:solidFill>
-        <a:gradFill rotWithShape="1">
-          <a:gsLst>
-            <a:gs pos="0">
-              <a:schemeClr val="phClr">
-                <a:tint val="50000"/>
-                <a:satMod val="300000"/>
-              </a:schemeClr>
-            </a:gs>
-            <a:gs pos="35000">
-              <a:schemeClr val="phClr">
-                <a:tint val="37000"/>
-                <a:satMod val="300000"/>
-              </a:schemeClr>
-            </a:gs>
-            <a:gs pos="100000">
-              <a:schemeClr val="phClr">
-                <a:tint val="15000"/>
-                <a:satMod val="350000"/>
-              </a:schemeClr>
-            </a:gs>
-          </a:gsLst>
-          <a:lin ang="16200000" scaled="1"/>
-        </a:gradFill>
-        <a:gradFill rotWithShape="1">
-          <a:gsLst>
-            <a:gs pos="0">
-              <a:schemeClr val="phClr">
-                <a:tint val="100000"/>
-                <a:shade val="100000"/>
-                <a:satMod val="130000"/>
-              </a:schemeClr>
-            </a:gs>
-            <a:gs pos="100000">
-              <a:schemeClr val="phClr">
-                <a:tint val="50000"/>
-                <a:shade val="100000"/>
-                <a:satMod val="350000"/>
-              </a:schemeClr>
-            </a:gs>
-          </a:gsLst>
-          <a:lin ang="16200000" scaled="0"/>
-        </a:gradFill>
-      </a:fillStyleLst>
-      <a:lnStyleLst>
-        <a:ln w="9525" cap="flat" cmpd="sng" algn="ctr">
-          <a:solidFill>
-            <a:schemeClr val="phClr">
-              <a:shade val="95000"/>
-              <a:satMod val="105000"/>
-            </a:schemeClr>
-          </a:solidFill>
-          <a:prstDash val="solid"/>
-        </a:ln>
-        <a:ln w="25400" cap="flat" cmpd="sng" algn="ctr">
-          <a:solidFill>
-            <a:schemeClr val="phClr"/>
-          </a:solidFill>
-          <a:prstDash val="solid"/>
-        </a:ln>
-        <a:ln w="38100" cap="flat" cmpd="sng" algn="ctr">
-          <a:solidFill>
-            <a:schemeClr val="phClr"/>
-          </a:solidFill>
-          <a:prstDash val="solid"/>
-        </a:ln>
-      </a:lnStyleLst>
-      <a:effectStyleLst>
-        <a:effectStyle>
-          <a:effectLst>
-            <a:outerShdw blurRad="40000" dist="20000" dir="5400000" rotWithShape="0">
-              <a:srgbClr val="000000">
-                <a:alpha val="38000"/>
-              </a:srgbClr>
-            </a:outerShdw>
-          </a:effectLst>
-        </a:effectStyle>
-        <a:effectStyle>
-          <a:effectLst>
-            <a:outerShdw blurRad="40000" dist="23000" dir="5400000" rotWithShape="0">
-              <a:srgbClr val="000000">
-                <a:alpha val="35000"/>
-              </a:srgbClr>
-            </a:outerShdw>
-          </a:effectLst>
-        </a:effectStyle>
-        <a:effectStyle>
-          <a:effectLst>
-            <a:outerShdw blurRad="40000" dist="23000" dir="5400000" rotWithShape="0">
-              <a:srgbClr val="000000">
-                <a:alpha val="35000"/>
-              </a:srgbClr>
-            </a:outerShdw>
-          </a:effectLst>
-          <a:scene3d>
-            <a:camera prst="orthographicFront">
-              <a:rot lat="0" lon="0" rev="0"/>
-            </a:camera>
-            <a:lightRig rig="threePt" dir="t">
-              <a:rot lat="0" lon="0" rev="1200000"/>
-            </a:lightRig>
-          </a:scene3d>
-          <a:sp3d>
-            <a:bevelT w="63500" h="25400"/>
-          </a:sp3d>
-        </a:effectStyle>
-      </a:effectStyleLst>
-      <a:bgFillStyleLst>
-        <a:solidFill>
-          <a:schemeClr val="phClr"/>
-        </a:solidFill>
-        <a:gradFill rotWithShape="1">
-          <a:gsLst>
-            <a:gs pos="0">
-              <a:schemeClr val="phClr">
-                <a:tint val="40000"/>
-                <a:satMod val="350000"/>
-              </a:schemeClr>
-            </a:gs>
-            <a:gs pos="40000">
-              <a:schemeClr val="phClr">
-                <a:tint val="45000"/>
-                <a:shade val="99000"/>
-                <a:satMod val="350000"/>
-              </a:schemeClr>
-            </a:gs>
-            <a:gs pos="100000">
-              <a:schemeClr val="phClr">
-                <a:shade val="20000"/>
-                <a:satMod val="255000"/>
-              </a:schemeClr>
-            </a:gs>
-          </a:gsLst>
-          <a:path path="circle">
-            <a:fillToRect l="50000" t="-80000" r="50000" b="180000"/>
-          </a:path>
-        </a:gradFill>
-        <a:gradFill rotWithShape="1">
-          <a:gsLst>
-            <a:gs pos="0">
-              <a:schemeClr val="phClr">
-                <a:tint val="80000"/>
-                <a:satMod val="300000"/>
-              </a:schemeClr>
-            </a:gs>
-            <a:gs pos="100000">
-              <a:schemeClr val="phClr">
-                <a:shade val="30000"/>
-                <a:satMod val="200000"/>
-              </a:schemeClr>
-            </a:gs>
-          </a:gsLst>
-          <a:path path="circle">
-            <a:fillToRect l="50000" t="50000" r="50000" b="50000"/>
-          </a:path>
-        </a:gradFill>
-      </a:bgFillStyleLst>
-    </a:fmtScheme>
-  </a:themeElements>
+  <a:objectDefaults/>
+  <a:extraClrSchemeLst/>
 </a:theme>
 </file>